--- a/IP and exec plan presentation/IP-execc-plan-presentation.pptx
+++ b/IP and exec plan presentation/IP-execc-plan-presentation.pptx
@@ -6,14 +6,17 @@
   </p:sldMasterIdLst>
   <p:sldIdLst>
     <p:sldId id="256" r:id="rId2"/>
-    <p:sldId id="258" r:id="rId3"/>
-    <p:sldId id="264" r:id="rId4"/>
-    <p:sldId id="259" r:id="rId5"/>
-    <p:sldId id="260" r:id="rId6"/>
-    <p:sldId id="257" r:id="rId7"/>
-    <p:sldId id="263" r:id="rId8"/>
-    <p:sldId id="262" r:id="rId9"/>
-    <p:sldId id="261" r:id="rId10"/>
+    <p:sldId id="266" r:id="rId3"/>
+    <p:sldId id="267" r:id="rId4"/>
+    <p:sldId id="264" r:id="rId5"/>
+    <p:sldId id="268" r:id="rId6"/>
+    <p:sldId id="259" r:id="rId7"/>
+    <p:sldId id="265" r:id="rId8"/>
+    <p:sldId id="260" r:id="rId9"/>
+    <p:sldId id="257" r:id="rId10"/>
+    <p:sldId id="263" r:id="rId11"/>
+    <p:sldId id="262" r:id="rId12"/>
+    <p:sldId id="261" r:id="rId13"/>
   </p:sldIdLst>
   <p:sldSz cx="12192000" cy="6858000"/>
   <p:notesSz cx="6858000" cy="9144000"/>
@@ -112,6 +115,11 @@
       </a:defRPr>
     </a:lvl9pPr>
   </p:defaultTextStyle>
+  <p:extLst>
+    <p:ext uri="{EFAFB233-063F-42B5-8137-9DF3F51BA10A}">
+      <p15:sldGuideLst xmlns:p15="http://schemas.microsoft.com/office/powerpoint/2012/main"/>
+    </p:ext>
+  </p:extLst>
 </p:presentation>
 </file>
 
@@ -3408,12 +3416,508 @@
               <a:t>Project Execution Plan and IP Landscape presentation</a:t>
             </a:r>
           </a:p>
+          <a:p>
+            <a:endParaRPr lang="en-GB" dirty="0"/>
+          </a:p>
+          <a:p>
+            <a:r>
+              <a:rPr lang="en-GB" dirty="0"/>
+              <a:t>Tom Queen and Daniel Gregory-Turner</a:t>
+            </a:r>
+          </a:p>
+        </p:txBody>
+      </p:sp>
+      <p:sp>
+        <p:nvSpPr>
+          <p:cNvPr id="4" name="Subtitle 2">
+            <a:extLst>
+              <a:ext uri="{FF2B5EF4-FFF2-40B4-BE49-F238E27FC236}">
+                <a16:creationId xmlns:a16="http://schemas.microsoft.com/office/drawing/2014/main" id="{7BBDC46A-FFDB-472F-9FAE-4253BD02D8C5}"/>
+              </a:ext>
+            </a:extLst>
+          </p:cNvPr>
+          <p:cNvSpPr txBox="1">
+            <a:spLocks/>
+          </p:cNvSpPr>
+          <p:nvPr/>
+        </p:nvSpPr>
+        <p:spPr>
+          <a:xfrm>
+            <a:off x="1524000" y="5181600"/>
+            <a:ext cx="9144000" cy="1655762"/>
+          </a:xfrm>
+          <a:prstGeom prst="rect">
+            <a:avLst/>
+          </a:prstGeom>
+        </p:spPr>
+        <p:txBody>
+          <a:bodyPr vert="horz" lIns="91440" tIns="45720" rIns="91440" bIns="45720" rtlCol="0">
+            <a:normAutofit/>
+          </a:bodyPr>
+          <a:lstStyle>
+            <a:lvl1pPr marL="0" indent="0" algn="ctr" defTabSz="914400" rtl="0" eaLnBrk="1" latinLnBrk="0" hangingPunct="1">
+              <a:lnSpc>
+                <a:spcPct val="90000"/>
+              </a:lnSpc>
+              <a:spcBef>
+                <a:spcPts val="1000"/>
+              </a:spcBef>
+              <a:buFont typeface="Arial" panose="020B0604020202020204" pitchFamily="34" charset="0"/>
+              <a:buNone/>
+              <a:defRPr sz="2400" kern="1200">
+                <a:solidFill>
+                  <a:schemeClr val="tx1"/>
+                </a:solidFill>
+                <a:latin typeface="+mn-lt"/>
+                <a:ea typeface="+mn-ea"/>
+                <a:cs typeface="+mn-cs"/>
+              </a:defRPr>
+            </a:lvl1pPr>
+            <a:lvl2pPr marL="457200" indent="0" algn="ctr" defTabSz="914400" rtl="0" eaLnBrk="1" latinLnBrk="0" hangingPunct="1">
+              <a:lnSpc>
+                <a:spcPct val="90000"/>
+              </a:lnSpc>
+              <a:spcBef>
+                <a:spcPts val="500"/>
+              </a:spcBef>
+              <a:buFont typeface="Arial" panose="020B0604020202020204" pitchFamily="34" charset="0"/>
+              <a:buNone/>
+              <a:defRPr sz="2000" kern="1200">
+                <a:solidFill>
+                  <a:schemeClr val="tx1"/>
+                </a:solidFill>
+                <a:latin typeface="+mn-lt"/>
+                <a:ea typeface="+mn-ea"/>
+                <a:cs typeface="+mn-cs"/>
+              </a:defRPr>
+            </a:lvl2pPr>
+            <a:lvl3pPr marL="914400" indent="0" algn="ctr" defTabSz="914400" rtl="0" eaLnBrk="1" latinLnBrk="0" hangingPunct="1">
+              <a:lnSpc>
+                <a:spcPct val="90000"/>
+              </a:lnSpc>
+              <a:spcBef>
+                <a:spcPts val="500"/>
+              </a:spcBef>
+              <a:buFont typeface="Arial" panose="020B0604020202020204" pitchFamily="34" charset="0"/>
+              <a:buNone/>
+              <a:defRPr sz="1800" kern="1200">
+                <a:solidFill>
+                  <a:schemeClr val="tx1"/>
+                </a:solidFill>
+                <a:latin typeface="+mn-lt"/>
+                <a:ea typeface="+mn-ea"/>
+                <a:cs typeface="+mn-cs"/>
+              </a:defRPr>
+            </a:lvl3pPr>
+            <a:lvl4pPr marL="1371600" indent="0" algn="ctr" defTabSz="914400" rtl="0" eaLnBrk="1" latinLnBrk="0" hangingPunct="1">
+              <a:lnSpc>
+                <a:spcPct val="90000"/>
+              </a:lnSpc>
+              <a:spcBef>
+                <a:spcPts val="500"/>
+              </a:spcBef>
+              <a:buFont typeface="Arial" panose="020B0604020202020204" pitchFamily="34" charset="0"/>
+              <a:buNone/>
+              <a:defRPr sz="1600" kern="1200">
+                <a:solidFill>
+                  <a:schemeClr val="tx1"/>
+                </a:solidFill>
+                <a:latin typeface="+mn-lt"/>
+                <a:ea typeface="+mn-ea"/>
+                <a:cs typeface="+mn-cs"/>
+              </a:defRPr>
+            </a:lvl4pPr>
+            <a:lvl5pPr marL="1828800" indent="0" algn="ctr" defTabSz="914400" rtl="0" eaLnBrk="1" latinLnBrk="0" hangingPunct="1">
+              <a:lnSpc>
+                <a:spcPct val="90000"/>
+              </a:lnSpc>
+              <a:spcBef>
+                <a:spcPts val="500"/>
+              </a:spcBef>
+              <a:buFont typeface="Arial" panose="020B0604020202020204" pitchFamily="34" charset="0"/>
+              <a:buNone/>
+              <a:defRPr sz="1600" kern="1200">
+                <a:solidFill>
+                  <a:schemeClr val="tx1"/>
+                </a:solidFill>
+                <a:latin typeface="+mn-lt"/>
+                <a:ea typeface="+mn-ea"/>
+                <a:cs typeface="+mn-cs"/>
+              </a:defRPr>
+            </a:lvl5pPr>
+            <a:lvl6pPr marL="2286000" indent="0" algn="ctr" defTabSz="914400" rtl="0" eaLnBrk="1" latinLnBrk="0" hangingPunct="1">
+              <a:lnSpc>
+                <a:spcPct val="90000"/>
+              </a:lnSpc>
+              <a:spcBef>
+                <a:spcPts val="500"/>
+              </a:spcBef>
+              <a:buFont typeface="Arial" panose="020B0604020202020204" pitchFamily="34" charset="0"/>
+              <a:buNone/>
+              <a:defRPr sz="1600" kern="1200">
+                <a:solidFill>
+                  <a:schemeClr val="tx1"/>
+                </a:solidFill>
+                <a:latin typeface="+mn-lt"/>
+                <a:ea typeface="+mn-ea"/>
+                <a:cs typeface="+mn-cs"/>
+              </a:defRPr>
+            </a:lvl6pPr>
+            <a:lvl7pPr marL="2743200" indent="0" algn="ctr" defTabSz="914400" rtl="0" eaLnBrk="1" latinLnBrk="0" hangingPunct="1">
+              <a:lnSpc>
+                <a:spcPct val="90000"/>
+              </a:lnSpc>
+              <a:spcBef>
+                <a:spcPts val="500"/>
+              </a:spcBef>
+              <a:buFont typeface="Arial" panose="020B0604020202020204" pitchFamily="34" charset="0"/>
+              <a:buNone/>
+              <a:defRPr sz="1600" kern="1200">
+                <a:solidFill>
+                  <a:schemeClr val="tx1"/>
+                </a:solidFill>
+                <a:latin typeface="+mn-lt"/>
+                <a:ea typeface="+mn-ea"/>
+                <a:cs typeface="+mn-cs"/>
+              </a:defRPr>
+            </a:lvl7pPr>
+            <a:lvl8pPr marL="3200400" indent="0" algn="ctr" defTabSz="914400" rtl="0" eaLnBrk="1" latinLnBrk="0" hangingPunct="1">
+              <a:lnSpc>
+                <a:spcPct val="90000"/>
+              </a:lnSpc>
+              <a:spcBef>
+                <a:spcPts val="500"/>
+              </a:spcBef>
+              <a:buFont typeface="Arial" panose="020B0604020202020204" pitchFamily="34" charset="0"/>
+              <a:buNone/>
+              <a:defRPr sz="1600" kern="1200">
+                <a:solidFill>
+                  <a:schemeClr val="tx1"/>
+                </a:solidFill>
+                <a:latin typeface="+mn-lt"/>
+                <a:ea typeface="+mn-ea"/>
+                <a:cs typeface="+mn-cs"/>
+              </a:defRPr>
+            </a:lvl8pPr>
+            <a:lvl9pPr marL="3657600" indent="0" algn="ctr" defTabSz="914400" rtl="0" eaLnBrk="1" latinLnBrk="0" hangingPunct="1">
+              <a:lnSpc>
+                <a:spcPct val="90000"/>
+              </a:lnSpc>
+              <a:spcBef>
+                <a:spcPts val="500"/>
+              </a:spcBef>
+              <a:buFont typeface="Arial" panose="020B0604020202020204" pitchFamily="34" charset="0"/>
+              <a:buNone/>
+              <a:defRPr sz="1600" kern="1200">
+                <a:solidFill>
+                  <a:schemeClr val="tx1"/>
+                </a:solidFill>
+                <a:latin typeface="+mn-lt"/>
+                <a:ea typeface="+mn-ea"/>
+                <a:cs typeface="+mn-cs"/>
+              </a:defRPr>
+            </a:lvl9pPr>
+          </a:lstStyle>
+          <a:p>
+            <a:r>
+              <a:rPr lang="en-GB" dirty="0"/>
+              <a:t>Abstract / intro</a:t>
+            </a:r>
+          </a:p>
         </p:txBody>
       </p:sp>
     </p:spTree>
     <p:extLst>
       <p:ext uri="{BB962C8B-B14F-4D97-AF65-F5344CB8AC3E}">
         <p14:creationId xmlns:p14="http://schemas.microsoft.com/office/powerpoint/2010/main" val="1132562612"/>
+      </p:ext>
+    </p:extLst>
+  </p:cSld>
+  <p:clrMapOvr>
+    <a:masterClrMapping/>
+  </p:clrMapOvr>
+</p:sld>
+</file>
+
+<file path=ppt/slides/slide10.xml><?xml version="1.0" encoding="utf-8"?>
+<p:sld xmlns:a="http://schemas.openxmlformats.org/drawingml/2006/main" xmlns:r="http://schemas.openxmlformats.org/officeDocument/2006/relationships" xmlns:p="http://schemas.openxmlformats.org/presentationml/2006/main">
+  <p:cSld>
+    <p:spTree>
+      <p:nvGrpSpPr>
+        <p:cNvPr id="1" name=""/>
+        <p:cNvGrpSpPr/>
+        <p:nvPr/>
+      </p:nvGrpSpPr>
+      <p:grpSpPr>
+        <a:xfrm>
+          <a:off x="0" y="0"/>
+          <a:ext cx="0" cy="0"/>
+          <a:chOff x="0" y="0"/>
+          <a:chExt cx="0" cy="0"/>
+        </a:xfrm>
+      </p:grpSpPr>
+      <p:sp>
+        <p:nvSpPr>
+          <p:cNvPr id="2" name="Title 1">
+            <a:extLst>
+              <a:ext uri="{FF2B5EF4-FFF2-40B4-BE49-F238E27FC236}">
+                <a16:creationId xmlns:a16="http://schemas.microsoft.com/office/drawing/2014/main" id="{C4426C5B-5FD0-4820-8F36-682718FAC9B6}"/>
+              </a:ext>
+            </a:extLst>
+          </p:cNvPr>
+          <p:cNvSpPr>
+            <a:spLocks noGrp="1"/>
+          </p:cNvSpPr>
+          <p:nvPr>
+            <p:ph type="title"/>
+          </p:nvPr>
+        </p:nvSpPr>
+        <p:spPr/>
+        <p:txBody>
+          <a:bodyPr/>
+          <a:lstStyle/>
+          <a:p>
+            <a:r>
+              <a:rPr lang="en-GB" dirty="0"/>
+              <a:t>Risk Management</a:t>
+            </a:r>
+          </a:p>
+        </p:txBody>
+      </p:sp>
+      <p:sp>
+        <p:nvSpPr>
+          <p:cNvPr id="3" name="Content Placeholder 2">
+            <a:extLst>
+              <a:ext uri="{FF2B5EF4-FFF2-40B4-BE49-F238E27FC236}">
+                <a16:creationId xmlns:a16="http://schemas.microsoft.com/office/drawing/2014/main" id="{9281A21C-67FB-42E2-BBFF-6D2AAD1F2509}"/>
+              </a:ext>
+            </a:extLst>
+          </p:cNvPr>
+          <p:cNvSpPr>
+            <a:spLocks noGrp="1"/>
+          </p:cNvSpPr>
+          <p:nvPr>
+            <p:ph idx="1"/>
+          </p:nvPr>
+        </p:nvSpPr>
+        <p:spPr/>
+        <p:txBody>
+          <a:bodyPr/>
+          <a:lstStyle/>
+          <a:p>
+            <a:endParaRPr lang="en-GB"/>
+          </a:p>
+        </p:txBody>
+      </p:sp>
+    </p:spTree>
+    <p:extLst>
+      <p:ext uri="{BB962C8B-B14F-4D97-AF65-F5344CB8AC3E}">
+        <p14:creationId xmlns:p14="http://schemas.microsoft.com/office/powerpoint/2010/main" val="1615877266"/>
+      </p:ext>
+    </p:extLst>
+  </p:cSld>
+  <p:clrMapOvr>
+    <a:masterClrMapping/>
+  </p:clrMapOvr>
+</p:sld>
+</file>
+
+<file path=ppt/slides/slide11.xml><?xml version="1.0" encoding="utf-8"?>
+<p:sld xmlns:a="http://schemas.openxmlformats.org/drawingml/2006/main" xmlns:r="http://schemas.openxmlformats.org/officeDocument/2006/relationships" xmlns:p="http://schemas.openxmlformats.org/presentationml/2006/main">
+  <p:cSld>
+    <p:spTree>
+      <p:nvGrpSpPr>
+        <p:cNvPr id="1" name=""/>
+        <p:cNvGrpSpPr/>
+        <p:nvPr/>
+      </p:nvGrpSpPr>
+      <p:grpSpPr>
+        <a:xfrm>
+          <a:off x="0" y="0"/>
+          <a:ext cx="0" cy="0"/>
+          <a:chOff x="0" y="0"/>
+          <a:chExt cx="0" cy="0"/>
+        </a:xfrm>
+      </p:grpSpPr>
+      <p:sp>
+        <p:nvSpPr>
+          <p:cNvPr id="2" name="Title 1">
+            <a:extLst>
+              <a:ext uri="{FF2B5EF4-FFF2-40B4-BE49-F238E27FC236}">
+                <a16:creationId xmlns:a16="http://schemas.microsoft.com/office/drawing/2014/main" id="{F3C4DB93-083C-482D-A818-F1BD7B6861C3}"/>
+              </a:ext>
+            </a:extLst>
+          </p:cNvPr>
+          <p:cNvSpPr>
+            <a:spLocks noGrp="1"/>
+          </p:cNvSpPr>
+          <p:nvPr>
+            <p:ph type="title"/>
+          </p:nvPr>
+        </p:nvSpPr>
+        <p:spPr/>
+        <p:txBody>
+          <a:bodyPr/>
+          <a:lstStyle/>
+          <a:p>
+            <a:r>
+              <a:rPr lang="en-GB" dirty="0"/>
+              <a:t>Time plan</a:t>
+            </a:r>
+          </a:p>
+        </p:txBody>
+      </p:sp>
+      <p:pic>
+        <p:nvPicPr>
+          <p:cNvPr id="7" name="Picture 6">
+            <a:extLst>
+              <a:ext uri="{FF2B5EF4-FFF2-40B4-BE49-F238E27FC236}">
+                <a16:creationId xmlns:a16="http://schemas.microsoft.com/office/drawing/2014/main" id="{A8405545-AABA-4637-A97C-7E8509025E40}"/>
+              </a:ext>
+            </a:extLst>
+          </p:cNvPr>
+          <p:cNvPicPr>
+            <a:picLocks noChangeAspect="1"/>
+          </p:cNvPicPr>
+          <p:nvPr/>
+        </p:nvPicPr>
+        <p:blipFill>
+          <a:blip r:embed="rId2">
+            <a:extLst>
+              <a:ext uri="{28A0092B-C50C-407E-A947-70E740481C1C}">
+                <a14:useLocalDpi xmlns:a14="http://schemas.microsoft.com/office/drawing/2010/main" val="0"/>
+              </a:ext>
+            </a:extLst>
+          </a:blip>
+          <a:stretch>
+            <a:fillRect/>
+          </a:stretch>
+        </p:blipFill>
+        <p:spPr>
+          <a:xfrm>
+            <a:off x="3707756" y="240387"/>
+            <a:ext cx="5841358" cy="6098802"/>
+          </a:xfrm>
+          <a:prstGeom prst="rect">
+            <a:avLst/>
+          </a:prstGeom>
+        </p:spPr>
+      </p:pic>
+    </p:spTree>
+    <p:extLst>
+      <p:ext uri="{BB962C8B-B14F-4D97-AF65-F5344CB8AC3E}">
+        <p14:creationId xmlns:p14="http://schemas.microsoft.com/office/powerpoint/2010/main" val="1455122895"/>
+      </p:ext>
+    </p:extLst>
+  </p:cSld>
+  <p:clrMapOvr>
+    <a:masterClrMapping/>
+  </p:clrMapOvr>
+</p:sld>
+</file>
+
+<file path=ppt/slides/slide12.xml><?xml version="1.0" encoding="utf-8"?>
+<p:sld xmlns:a="http://schemas.openxmlformats.org/drawingml/2006/main" xmlns:r="http://schemas.openxmlformats.org/officeDocument/2006/relationships" xmlns:p="http://schemas.openxmlformats.org/presentationml/2006/main">
+  <p:cSld>
+    <p:spTree>
+      <p:nvGrpSpPr>
+        <p:cNvPr id="1" name=""/>
+        <p:cNvGrpSpPr/>
+        <p:nvPr/>
+      </p:nvGrpSpPr>
+      <p:grpSpPr>
+        <a:xfrm>
+          <a:off x="0" y="0"/>
+          <a:ext cx="0" cy="0"/>
+          <a:chOff x="0" y="0"/>
+          <a:chExt cx="0" cy="0"/>
+        </a:xfrm>
+      </p:grpSpPr>
+      <p:sp>
+        <p:nvSpPr>
+          <p:cNvPr id="2" name="Title 1">
+            <a:extLst>
+              <a:ext uri="{FF2B5EF4-FFF2-40B4-BE49-F238E27FC236}">
+                <a16:creationId xmlns:a16="http://schemas.microsoft.com/office/drawing/2014/main" id="{03BF292D-0061-4326-8BA1-1EDEE5F2002B}"/>
+              </a:ext>
+            </a:extLst>
+          </p:cNvPr>
+          <p:cNvSpPr>
+            <a:spLocks noGrp="1"/>
+          </p:cNvSpPr>
+          <p:nvPr>
+            <p:ph type="title"/>
+          </p:nvPr>
+        </p:nvSpPr>
+        <p:spPr/>
+        <p:txBody>
+          <a:bodyPr/>
+          <a:lstStyle/>
+          <a:p>
+            <a:r>
+              <a:rPr lang="en-GB" dirty="0"/>
+              <a:t>IP Landscape</a:t>
+            </a:r>
+          </a:p>
+        </p:txBody>
+      </p:sp>
+      <p:sp>
+        <p:nvSpPr>
+          <p:cNvPr id="3" name="Content Placeholder 2">
+            <a:extLst>
+              <a:ext uri="{FF2B5EF4-FFF2-40B4-BE49-F238E27FC236}">
+                <a16:creationId xmlns:a16="http://schemas.microsoft.com/office/drawing/2014/main" id="{E238C237-7541-493C-A5D9-4D81305E8247}"/>
+              </a:ext>
+            </a:extLst>
+          </p:cNvPr>
+          <p:cNvSpPr>
+            <a:spLocks noGrp="1"/>
+          </p:cNvSpPr>
+          <p:nvPr>
+            <p:ph idx="1"/>
+          </p:nvPr>
+        </p:nvSpPr>
+        <p:spPr/>
+        <p:txBody>
+          <a:bodyPr/>
+          <a:lstStyle/>
+          <a:p>
+            <a:r>
+              <a:rPr lang="en-GB" dirty="0"/>
+              <a:t>Generalness regarding robotic systems:</a:t>
+            </a:r>
+          </a:p>
+          <a:p>
+            <a:pPr lvl="1"/>
+            <a:r>
+              <a:rPr lang="en-GB" dirty="0"/>
+              <a:t>All SLAM robots</a:t>
+            </a:r>
+          </a:p>
+          <a:p>
+            <a:pPr lvl="1"/>
+            <a:r>
+              <a:rPr lang="en-GB" dirty="0" err="1"/>
+              <a:t>Aquire</a:t>
+            </a:r>
+            <a:r>
+              <a:rPr lang="en-GB" dirty="0"/>
+              <a:t>, process, visualise</a:t>
+            </a:r>
+          </a:p>
+          <a:p>
+            <a:pPr lvl="1"/>
+            <a:r>
+              <a:rPr lang="en-GB" dirty="0"/>
+              <a:t>General Gripper</a:t>
+            </a:r>
+          </a:p>
+        </p:txBody>
+      </p:sp>
+    </p:spTree>
+    <p:extLst>
+      <p:ext uri="{BB962C8B-B14F-4D97-AF65-F5344CB8AC3E}">
+        <p14:creationId xmlns:p14="http://schemas.microsoft.com/office/powerpoint/2010/main" val="3761601783"/>
       </p:ext>
     </p:extLst>
   </p:cSld>
@@ -3445,7 +3949,7 @@
           <p:cNvPr id="2" name="Title 1">
             <a:extLst>
               <a:ext uri="{FF2B5EF4-FFF2-40B4-BE49-F238E27FC236}">
-                <a16:creationId xmlns:a16="http://schemas.microsoft.com/office/drawing/2014/main" id="{9E9BEBE4-8E3A-44C6-BD9A-48969DB473F2}"/>
+                <a16:creationId xmlns:a16="http://schemas.microsoft.com/office/drawing/2014/main" id="{FF7548A2-24EC-45CF-ACFD-159B9F190CEA}"/>
               </a:ext>
             </a:extLst>
           </p:cNvPr>
@@ -3454,34 +3958,6 @@
           </p:cNvSpPr>
           <p:nvPr>
             <p:ph type="title"/>
-          </p:nvPr>
-        </p:nvSpPr>
-        <p:spPr/>
-        <p:txBody>
-          <a:bodyPr/>
-          <a:lstStyle/>
-          <a:p>
-            <a:r>
-              <a:rPr lang="en-GB" dirty="0"/>
-              <a:t>Project description and objectives</a:t>
-            </a:r>
-          </a:p>
-        </p:txBody>
-      </p:sp>
-      <p:sp>
-        <p:nvSpPr>
-          <p:cNvPr id="3" name="Content Placeholder 2">
-            <a:extLst>
-              <a:ext uri="{FF2B5EF4-FFF2-40B4-BE49-F238E27FC236}">
-                <a16:creationId xmlns:a16="http://schemas.microsoft.com/office/drawing/2014/main" id="{3DB8A40F-5F29-479F-A9F1-E9156CA47466}"/>
-              </a:ext>
-            </a:extLst>
-          </p:cNvPr>
-          <p:cNvSpPr>
-            <a:spLocks noGrp="1"/>
-          </p:cNvSpPr>
-          <p:nvPr>
-            <p:ph idx="1"/>
           </p:nvPr>
         </p:nvSpPr>
         <p:spPr/>
@@ -3494,21 +3970,40 @@
               <a:t>Research Question</a:t>
             </a:r>
           </a:p>
+        </p:txBody>
+      </p:sp>
+      <p:sp>
+        <p:nvSpPr>
+          <p:cNvPr id="3" name="Content Placeholder 2">
+            <a:extLst>
+              <a:ext uri="{FF2B5EF4-FFF2-40B4-BE49-F238E27FC236}">
+                <a16:creationId xmlns:a16="http://schemas.microsoft.com/office/drawing/2014/main" id="{14104C6C-F10A-4CD5-928D-78046276A5F0}"/>
+              </a:ext>
+            </a:extLst>
+          </p:cNvPr>
+          <p:cNvSpPr>
+            <a:spLocks noGrp="1"/>
+          </p:cNvSpPr>
+          <p:nvPr>
+            <p:ph idx="1"/>
+          </p:nvPr>
+        </p:nvSpPr>
+        <p:spPr/>
+        <p:txBody>
+          <a:bodyPr/>
+          <a:lstStyle/>
           <a:p>
             <a:r>
               <a:rPr lang="en-GB" dirty="0"/>
-              <a:t>Research Objectives</a:t>
-            </a:r>
-          </a:p>
-          <a:p>
-            <a:endParaRPr lang="en-GB" dirty="0"/>
+              <a:t>Can a compliant robot arm be integrated into a self-navigating robot platform and programmed to autonomously to identify, locate, grasp and transport objects using data from cascaded camera systems with comparable reliability to existing systems as a function of development time and cost? </a:t>
+            </a:r>
           </a:p>
         </p:txBody>
       </p:sp>
     </p:spTree>
     <p:extLst>
       <p:ext uri="{BB962C8B-B14F-4D97-AF65-F5344CB8AC3E}">
-        <p14:creationId xmlns:p14="http://schemas.microsoft.com/office/powerpoint/2010/main" val="3284463592"/>
+        <p14:creationId xmlns:p14="http://schemas.microsoft.com/office/powerpoint/2010/main" val="3107592117"/>
       </p:ext>
     </p:extLst>
   </p:cSld>
@@ -3540,7 +4035,7 @@
           <p:cNvPr id="2" name="Title 1">
             <a:extLst>
               <a:ext uri="{FF2B5EF4-FFF2-40B4-BE49-F238E27FC236}">
-                <a16:creationId xmlns:a16="http://schemas.microsoft.com/office/drawing/2014/main" id="{0EE15E2A-253F-40FE-8A70-44C1E3169DDF}"/>
+                <a16:creationId xmlns:a16="http://schemas.microsoft.com/office/drawing/2014/main" id="{3EB05FB5-B837-4D7F-BDD5-6421FCF6194F}"/>
               </a:ext>
             </a:extLst>
           </p:cNvPr>
@@ -3558,7 +4053,7 @@
           <a:p>
             <a:r>
               <a:rPr lang="en-GB" dirty="0"/>
-              <a:t>Project description and objectives</a:t>
+              <a:t>Research Objectives</a:t>
             </a:r>
           </a:p>
         </p:txBody>
@@ -3568,7 +4063,7 @@
           <p:cNvPr id="3" name="Content Placeholder 2">
             <a:extLst>
               <a:ext uri="{FF2B5EF4-FFF2-40B4-BE49-F238E27FC236}">
-                <a16:creationId xmlns:a16="http://schemas.microsoft.com/office/drawing/2014/main" id="{C229561C-4715-42D1-BB9F-54CB5549ACA6}"/>
+                <a16:creationId xmlns:a16="http://schemas.microsoft.com/office/drawing/2014/main" id="{2E2E93FC-0B26-45F1-A4A3-3CF90B9237D9}"/>
               </a:ext>
             </a:extLst>
           </p:cNvPr>
@@ -3581,35 +4076,40 @@
         </p:nvSpPr>
         <p:spPr/>
         <p:txBody>
-          <a:bodyPr/>
+          <a:bodyPr>
+            <a:normAutofit lnSpcReduction="10000"/>
+          </a:bodyPr>
           <a:lstStyle/>
           <a:p>
             <a:r>
               <a:rPr lang="en-GB" dirty="0"/>
-              <a:t>Some example requirements</a:t>
+              <a:t>Evaluate current methods of autonomous object fetching with respect to functionality and reliability as a function of cost</a:t>
             </a:r>
           </a:p>
           <a:p>
             <a:r>
               <a:rPr lang="en-GB" dirty="0"/>
-              <a:t>Hardware</a:t>
+              <a:t>Explore methods of camera based object recognition and localisation from cascaded camera systems, and the interaction between these systems</a:t>
             </a:r>
           </a:p>
           <a:p>
             <a:r>
               <a:rPr lang="en-GB" dirty="0"/>
-              <a:t>Software</a:t>
-            </a:r>
-          </a:p>
-          <a:p>
-            <a:endParaRPr lang="en-GB" dirty="0"/>
+              <a:t>Investigate and develop a novel approach to grasping a variety of objects</a:t>
+            </a:r>
+          </a:p>
+          <a:p>
+            <a:r>
+              <a:rPr lang="en-GB" dirty="0"/>
+              <a:t> Build a system capable of autonomously navigating an environment, locating a desired object and transporting the object to a location with comparable reliability to existing systems as a function of development time and cost.  </a:t>
+            </a:r>
           </a:p>
         </p:txBody>
       </p:sp>
     </p:spTree>
     <p:extLst>
       <p:ext uri="{BB962C8B-B14F-4D97-AF65-F5344CB8AC3E}">
-        <p14:creationId xmlns:p14="http://schemas.microsoft.com/office/powerpoint/2010/main" val="293485033"/>
+        <p14:creationId xmlns:p14="http://schemas.microsoft.com/office/powerpoint/2010/main" val="1737952252"/>
       </p:ext>
     </p:extLst>
   </p:cSld>
@@ -3641,7 +4141,7 @@
           <p:cNvPr id="2" name="Title 1">
             <a:extLst>
               <a:ext uri="{FF2B5EF4-FFF2-40B4-BE49-F238E27FC236}">
-                <a16:creationId xmlns:a16="http://schemas.microsoft.com/office/drawing/2014/main" id="{65627831-B33C-4B81-914B-07B2E2AA8A46}"/>
+                <a16:creationId xmlns:a16="http://schemas.microsoft.com/office/drawing/2014/main" id="{0EE15E2A-253F-40FE-8A70-44C1E3169DDF}"/>
               </a:ext>
             </a:extLst>
           </p:cNvPr>
@@ -3659,50 +4159,311 @@
           <a:p>
             <a:r>
               <a:rPr lang="en-GB" dirty="0"/>
-              <a:t>Systems Breakdown</a:t>
-            </a:r>
-          </a:p>
-        </p:txBody>
-      </p:sp>
-      <p:pic>
-        <p:nvPicPr>
-          <p:cNvPr id="5" name="Content Placeholder 4">
-            <a:extLst>
-              <a:ext uri="{FF2B5EF4-FFF2-40B4-BE49-F238E27FC236}">
-                <a16:creationId xmlns:a16="http://schemas.microsoft.com/office/drawing/2014/main" id="{1034D44A-B34C-46C3-BCCA-A59B7880FF4F}"/>
-              </a:ext>
-            </a:extLst>
-          </p:cNvPr>
-          <p:cNvPicPr>
-            <a:picLocks noGrp="1" noChangeAspect="1"/>
-          </p:cNvPicPr>
+              <a:t>Project description and objectives</a:t>
+            </a:r>
+          </a:p>
+        </p:txBody>
+      </p:sp>
+      <p:sp>
+        <p:nvSpPr>
+          <p:cNvPr id="3" name="Content Placeholder 2">
+            <a:extLst>
+              <a:ext uri="{FF2B5EF4-FFF2-40B4-BE49-F238E27FC236}">
+                <a16:creationId xmlns:a16="http://schemas.microsoft.com/office/drawing/2014/main" id="{C229561C-4715-42D1-BB9F-54CB5549ACA6}"/>
+              </a:ext>
+            </a:extLst>
+          </p:cNvPr>
+          <p:cNvSpPr>
+            <a:spLocks noGrp="1"/>
+          </p:cNvSpPr>
           <p:nvPr>
             <p:ph idx="1"/>
           </p:nvPr>
-        </p:nvPicPr>
-        <p:blipFill>
-          <a:blip r:embed="rId2">
-            <a:extLst>
-              <a:ext uri="{28A0092B-C50C-407E-A947-70E740481C1C}">
-                <a14:useLocalDpi xmlns:a14="http://schemas.microsoft.com/office/drawing/2010/main" val="0"/>
-              </a:ext>
-            </a:extLst>
-          </a:blip>
-          <a:stretch>
-            <a:fillRect/>
-          </a:stretch>
-        </p:blipFill>
+        </p:nvSpPr>
         <p:spPr>
           <a:xfrm>
-            <a:off x="1586038" y="1520765"/>
-            <a:ext cx="8143624" cy="4961058"/>
+            <a:off x="838200" y="1825625"/>
+            <a:ext cx="7018867" cy="4351338"/>
           </a:xfrm>
         </p:spPr>
-      </p:pic>
+        <p:txBody>
+          <a:bodyPr>
+            <a:normAutofit/>
+          </a:bodyPr>
+          <a:lstStyle/>
+          <a:p>
+            <a:r>
+              <a:rPr lang="en-GB" dirty="0"/>
+              <a:t>Some example requirements </a:t>
+            </a:r>
+          </a:p>
+          <a:p>
+            <a:r>
+              <a:rPr lang="en-GB" dirty="0"/>
+              <a:t>(&amp; success criteria)</a:t>
+            </a:r>
+          </a:p>
+          <a:p>
+            <a:pPr lvl="1"/>
+            <a:r>
+              <a:rPr lang="en-GB" dirty="0"/>
+              <a:t>E.g. </a:t>
+            </a:r>
+          </a:p>
+        </p:txBody>
+      </p:sp>
+      <p:sp>
+        <p:nvSpPr>
+          <p:cNvPr id="5" name="Content Placeholder 2">
+            <a:extLst>
+              <a:ext uri="{FF2B5EF4-FFF2-40B4-BE49-F238E27FC236}">
+                <a16:creationId xmlns:a16="http://schemas.microsoft.com/office/drawing/2014/main" id="{08772F49-9444-4301-92D3-BC665844B1EC}"/>
+              </a:ext>
+            </a:extLst>
+          </p:cNvPr>
+          <p:cNvSpPr txBox="1">
+            <a:spLocks/>
+          </p:cNvSpPr>
+          <p:nvPr/>
+        </p:nvSpPr>
+        <p:spPr>
+          <a:xfrm>
+            <a:off x="6096000" y="1825625"/>
+            <a:ext cx="7018867" cy="4351338"/>
+          </a:xfrm>
+          <a:prstGeom prst="rect">
+            <a:avLst/>
+          </a:prstGeom>
+        </p:spPr>
+        <p:txBody>
+          <a:bodyPr vert="horz" lIns="91440" tIns="45720" rIns="91440" bIns="45720" rtlCol="0">
+            <a:normAutofit/>
+          </a:bodyPr>
+          <a:lstStyle>
+            <a:lvl1pPr marL="228600" indent="-228600" algn="l" defTabSz="914400" rtl="0" eaLnBrk="1" latinLnBrk="0" hangingPunct="1">
+              <a:lnSpc>
+                <a:spcPct val="90000"/>
+              </a:lnSpc>
+              <a:spcBef>
+                <a:spcPts val="1000"/>
+              </a:spcBef>
+              <a:buFont typeface="Arial" panose="020B0604020202020204" pitchFamily="34" charset="0"/>
+              <a:buChar char="•"/>
+              <a:defRPr sz="2800" kern="1200">
+                <a:solidFill>
+                  <a:schemeClr val="tx1"/>
+                </a:solidFill>
+                <a:latin typeface="+mn-lt"/>
+                <a:ea typeface="+mn-ea"/>
+                <a:cs typeface="+mn-cs"/>
+              </a:defRPr>
+            </a:lvl1pPr>
+            <a:lvl2pPr marL="685800" indent="-228600" algn="l" defTabSz="914400" rtl="0" eaLnBrk="1" latinLnBrk="0" hangingPunct="1">
+              <a:lnSpc>
+                <a:spcPct val="90000"/>
+              </a:lnSpc>
+              <a:spcBef>
+                <a:spcPts val="500"/>
+              </a:spcBef>
+              <a:buFont typeface="Arial" panose="020B0604020202020204" pitchFamily="34" charset="0"/>
+              <a:buChar char="•"/>
+              <a:defRPr sz="2400" kern="1200">
+                <a:solidFill>
+                  <a:schemeClr val="tx1"/>
+                </a:solidFill>
+                <a:latin typeface="+mn-lt"/>
+                <a:ea typeface="+mn-ea"/>
+                <a:cs typeface="+mn-cs"/>
+              </a:defRPr>
+            </a:lvl2pPr>
+            <a:lvl3pPr marL="1143000" indent="-228600" algn="l" defTabSz="914400" rtl="0" eaLnBrk="1" latinLnBrk="0" hangingPunct="1">
+              <a:lnSpc>
+                <a:spcPct val="90000"/>
+              </a:lnSpc>
+              <a:spcBef>
+                <a:spcPts val="500"/>
+              </a:spcBef>
+              <a:buFont typeface="Arial" panose="020B0604020202020204" pitchFamily="34" charset="0"/>
+              <a:buChar char="•"/>
+              <a:defRPr sz="2000" kern="1200">
+                <a:solidFill>
+                  <a:schemeClr val="tx1"/>
+                </a:solidFill>
+                <a:latin typeface="+mn-lt"/>
+                <a:ea typeface="+mn-ea"/>
+                <a:cs typeface="+mn-cs"/>
+              </a:defRPr>
+            </a:lvl3pPr>
+            <a:lvl4pPr marL="1600200" indent="-228600" algn="l" defTabSz="914400" rtl="0" eaLnBrk="1" latinLnBrk="0" hangingPunct="1">
+              <a:lnSpc>
+                <a:spcPct val="90000"/>
+              </a:lnSpc>
+              <a:spcBef>
+                <a:spcPts val="500"/>
+              </a:spcBef>
+              <a:buFont typeface="Arial" panose="020B0604020202020204" pitchFamily="34" charset="0"/>
+              <a:buChar char="•"/>
+              <a:defRPr sz="1800" kern="1200">
+                <a:solidFill>
+                  <a:schemeClr val="tx1"/>
+                </a:solidFill>
+                <a:latin typeface="+mn-lt"/>
+                <a:ea typeface="+mn-ea"/>
+                <a:cs typeface="+mn-cs"/>
+              </a:defRPr>
+            </a:lvl4pPr>
+            <a:lvl5pPr marL="2057400" indent="-228600" algn="l" defTabSz="914400" rtl="0" eaLnBrk="1" latinLnBrk="0" hangingPunct="1">
+              <a:lnSpc>
+                <a:spcPct val="90000"/>
+              </a:lnSpc>
+              <a:spcBef>
+                <a:spcPts val="500"/>
+              </a:spcBef>
+              <a:buFont typeface="Arial" panose="020B0604020202020204" pitchFamily="34" charset="0"/>
+              <a:buChar char="•"/>
+              <a:defRPr sz="1800" kern="1200">
+                <a:solidFill>
+                  <a:schemeClr val="tx1"/>
+                </a:solidFill>
+                <a:latin typeface="+mn-lt"/>
+                <a:ea typeface="+mn-ea"/>
+                <a:cs typeface="+mn-cs"/>
+              </a:defRPr>
+            </a:lvl5pPr>
+            <a:lvl6pPr marL="2514600" indent="-228600" algn="l" defTabSz="914400" rtl="0" eaLnBrk="1" latinLnBrk="0" hangingPunct="1">
+              <a:lnSpc>
+                <a:spcPct val="90000"/>
+              </a:lnSpc>
+              <a:spcBef>
+                <a:spcPts val="500"/>
+              </a:spcBef>
+              <a:buFont typeface="Arial" panose="020B0604020202020204" pitchFamily="34" charset="0"/>
+              <a:buChar char="•"/>
+              <a:defRPr sz="1800" kern="1200">
+                <a:solidFill>
+                  <a:schemeClr val="tx1"/>
+                </a:solidFill>
+                <a:latin typeface="+mn-lt"/>
+                <a:ea typeface="+mn-ea"/>
+                <a:cs typeface="+mn-cs"/>
+              </a:defRPr>
+            </a:lvl6pPr>
+            <a:lvl7pPr marL="2971800" indent="-228600" algn="l" defTabSz="914400" rtl="0" eaLnBrk="1" latinLnBrk="0" hangingPunct="1">
+              <a:lnSpc>
+                <a:spcPct val="90000"/>
+              </a:lnSpc>
+              <a:spcBef>
+                <a:spcPts val="500"/>
+              </a:spcBef>
+              <a:buFont typeface="Arial" panose="020B0604020202020204" pitchFamily="34" charset="0"/>
+              <a:buChar char="•"/>
+              <a:defRPr sz="1800" kern="1200">
+                <a:solidFill>
+                  <a:schemeClr val="tx1"/>
+                </a:solidFill>
+                <a:latin typeface="+mn-lt"/>
+                <a:ea typeface="+mn-ea"/>
+                <a:cs typeface="+mn-cs"/>
+              </a:defRPr>
+            </a:lvl7pPr>
+            <a:lvl8pPr marL="3429000" indent="-228600" algn="l" defTabSz="914400" rtl="0" eaLnBrk="1" latinLnBrk="0" hangingPunct="1">
+              <a:lnSpc>
+                <a:spcPct val="90000"/>
+              </a:lnSpc>
+              <a:spcBef>
+                <a:spcPts val="500"/>
+              </a:spcBef>
+              <a:buFont typeface="Arial" panose="020B0604020202020204" pitchFamily="34" charset="0"/>
+              <a:buChar char="•"/>
+              <a:defRPr sz="1800" kern="1200">
+                <a:solidFill>
+                  <a:schemeClr val="tx1"/>
+                </a:solidFill>
+                <a:latin typeface="+mn-lt"/>
+                <a:ea typeface="+mn-ea"/>
+                <a:cs typeface="+mn-cs"/>
+              </a:defRPr>
+            </a:lvl8pPr>
+            <a:lvl9pPr marL="3886200" indent="-228600" algn="l" defTabSz="914400" rtl="0" eaLnBrk="1" latinLnBrk="0" hangingPunct="1">
+              <a:lnSpc>
+                <a:spcPct val="90000"/>
+              </a:lnSpc>
+              <a:spcBef>
+                <a:spcPts val="500"/>
+              </a:spcBef>
+              <a:buFont typeface="Arial" panose="020B0604020202020204" pitchFamily="34" charset="0"/>
+              <a:buChar char="•"/>
+              <a:defRPr sz="1800" kern="1200">
+                <a:solidFill>
+                  <a:schemeClr val="tx1"/>
+                </a:solidFill>
+                <a:latin typeface="+mn-lt"/>
+                <a:ea typeface="+mn-ea"/>
+                <a:cs typeface="+mn-cs"/>
+              </a:defRPr>
+            </a:lvl9pPr>
+          </a:lstStyle>
+          <a:p>
+            <a:r>
+              <a:rPr lang="en-GB" dirty="0"/>
+              <a:t>Requirements:</a:t>
+            </a:r>
+          </a:p>
+          <a:p>
+            <a:pPr lvl="1"/>
+            <a:r>
+              <a:rPr lang="en-GB" dirty="0"/>
+              <a:t>Object recognition</a:t>
+            </a:r>
+          </a:p>
+          <a:p>
+            <a:pPr lvl="1"/>
+            <a:r>
+              <a:rPr lang="en-GB" dirty="0"/>
+              <a:t>Object localisation</a:t>
+            </a:r>
+          </a:p>
+          <a:p>
+            <a:pPr lvl="1"/>
+            <a:r>
+              <a:rPr lang="en-GB" dirty="0"/>
+              <a:t>Navigate to object</a:t>
+            </a:r>
+          </a:p>
+          <a:p>
+            <a:pPr lvl="1"/>
+            <a:r>
+              <a:rPr lang="en-GB" dirty="0"/>
+              <a:t>Positioning gripper</a:t>
+            </a:r>
+          </a:p>
+          <a:p>
+            <a:pPr lvl="1"/>
+            <a:r>
+              <a:rPr lang="en-GB" dirty="0"/>
+              <a:t>Object grasping</a:t>
+            </a:r>
+          </a:p>
+          <a:p>
+            <a:pPr lvl="1"/>
+            <a:r>
+              <a:rPr lang="en-GB" dirty="0"/>
+              <a:t>Location storage</a:t>
+            </a:r>
+          </a:p>
+          <a:p>
+            <a:pPr lvl="1"/>
+            <a:r>
+              <a:rPr lang="en-GB" dirty="0"/>
+              <a:t>User interface</a:t>
+            </a:r>
+          </a:p>
+        </p:txBody>
+      </p:sp>
     </p:spTree>
     <p:extLst>
       <p:ext uri="{BB962C8B-B14F-4D97-AF65-F5344CB8AC3E}">
-        <p14:creationId xmlns:p14="http://schemas.microsoft.com/office/powerpoint/2010/main" val="132221161"/>
+        <p14:creationId xmlns:p14="http://schemas.microsoft.com/office/powerpoint/2010/main" val="293485033"/>
       </p:ext>
     </p:extLst>
   </p:cSld>
@@ -3734,7 +4495,7 @@
           <p:cNvPr id="2" name="Title 1">
             <a:extLst>
               <a:ext uri="{FF2B5EF4-FFF2-40B4-BE49-F238E27FC236}">
-                <a16:creationId xmlns:a16="http://schemas.microsoft.com/office/drawing/2014/main" id="{5E361197-E248-418B-A34A-C7D248278118}"/>
+                <a16:creationId xmlns:a16="http://schemas.microsoft.com/office/drawing/2014/main" id="{BD17CFF7-8A16-4A6A-A39A-6FBAAA49F1CD}"/>
               </a:ext>
             </a:extLst>
           </p:cNvPr>
@@ -3750,51 +4511,51 @@
           <a:bodyPr/>
           <a:lstStyle/>
           <a:p>
+            <a:endParaRPr lang="en-GB"/>
+          </a:p>
+        </p:txBody>
+      </p:sp>
+      <p:sp>
+        <p:nvSpPr>
+          <p:cNvPr id="3" name="Content Placeholder 2">
+            <a:extLst>
+              <a:ext uri="{FF2B5EF4-FFF2-40B4-BE49-F238E27FC236}">
+                <a16:creationId xmlns:a16="http://schemas.microsoft.com/office/drawing/2014/main" id="{5380217E-A6FA-42D6-B8EF-AB533D24AF80}"/>
+              </a:ext>
+            </a:extLst>
+          </p:cNvPr>
+          <p:cNvSpPr>
+            <a:spLocks noGrp="1"/>
+          </p:cNvSpPr>
+          <p:nvPr>
+            <p:ph idx="1"/>
+          </p:nvPr>
+        </p:nvSpPr>
+        <p:spPr/>
+        <p:txBody>
+          <a:bodyPr/>
+          <a:lstStyle/>
+          <a:p>
             <a:r>
               <a:rPr lang="en-GB" dirty="0"/>
-              <a:t>Design Process</a:t>
-            </a:r>
-          </a:p>
-        </p:txBody>
-      </p:sp>
-      <p:sp>
-        <p:nvSpPr>
-          <p:cNvPr id="3" name="Content Placeholder 2">
-            <a:extLst>
-              <a:ext uri="{FF2B5EF4-FFF2-40B4-BE49-F238E27FC236}">
-                <a16:creationId xmlns:a16="http://schemas.microsoft.com/office/drawing/2014/main" id="{562C6E1C-086F-4481-B59D-82D328D147F2}"/>
-              </a:ext>
-            </a:extLst>
-          </p:cNvPr>
-          <p:cNvSpPr>
-            <a:spLocks noGrp="1"/>
-          </p:cNvSpPr>
-          <p:nvPr>
-            <p:ph idx="1"/>
-          </p:nvPr>
-        </p:nvSpPr>
-        <p:spPr/>
-        <p:txBody>
-          <a:bodyPr/>
-          <a:lstStyle/>
+              <a:t>Hardware</a:t>
+            </a:r>
+          </a:p>
           <a:p>
             <a:r>
               <a:rPr lang="en-GB" dirty="0"/>
-              <a:t>Flowchart</a:t>
-            </a:r>
-          </a:p>
-          <a:p>
-            <a:r>
-              <a:rPr lang="en-GB" dirty="0"/>
-              <a:t>Testing examples</a:t>
-            </a:r>
+              <a:t>Software</a:t>
+            </a:r>
+          </a:p>
+          <a:p>
+            <a:endParaRPr lang="en-GB" dirty="0"/>
           </a:p>
         </p:txBody>
       </p:sp>
     </p:spTree>
     <p:extLst>
       <p:ext uri="{BB962C8B-B14F-4D97-AF65-F5344CB8AC3E}">
-        <p14:creationId xmlns:p14="http://schemas.microsoft.com/office/powerpoint/2010/main" val="1851259042"/>
+        <p14:creationId xmlns:p14="http://schemas.microsoft.com/office/powerpoint/2010/main" val="3382004083"/>
       </p:ext>
     </p:extLst>
   </p:cSld>
@@ -3826,6 +4587,274 @@
           <p:cNvPr id="2" name="Title 1">
             <a:extLst>
               <a:ext uri="{FF2B5EF4-FFF2-40B4-BE49-F238E27FC236}">
+                <a16:creationId xmlns:a16="http://schemas.microsoft.com/office/drawing/2014/main" id="{65627831-B33C-4B81-914B-07B2E2AA8A46}"/>
+              </a:ext>
+            </a:extLst>
+          </p:cNvPr>
+          <p:cNvSpPr>
+            <a:spLocks noGrp="1"/>
+          </p:cNvSpPr>
+          <p:nvPr>
+            <p:ph type="title"/>
+          </p:nvPr>
+        </p:nvSpPr>
+        <p:spPr/>
+        <p:txBody>
+          <a:bodyPr/>
+          <a:lstStyle/>
+          <a:p>
+            <a:r>
+              <a:rPr lang="en-GB" dirty="0"/>
+              <a:t>Systems Breakdown</a:t>
+            </a:r>
+          </a:p>
+        </p:txBody>
+      </p:sp>
+      <p:pic>
+        <p:nvPicPr>
+          <p:cNvPr id="5" name="Content Placeholder 4">
+            <a:extLst>
+              <a:ext uri="{FF2B5EF4-FFF2-40B4-BE49-F238E27FC236}">
+                <a16:creationId xmlns:a16="http://schemas.microsoft.com/office/drawing/2014/main" id="{1034D44A-B34C-46C3-BCCA-A59B7880FF4F}"/>
+              </a:ext>
+            </a:extLst>
+          </p:cNvPr>
+          <p:cNvPicPr>
+            <a:picLocks noGrp="1" noChangeAspect="1"/>
+          </p:cNvPicPr>
+          <p:nvPr>
+            <p:ph idx="1"/>
+          </p:nvPr>
+        </p:nvPicPr>
+        <p:blipFill>
+          <a:blip r:embed="rId2">
+            <a:extLst>
+              <a:ext uri="{28A0092B-C50C-407E-A947-70E740481C1C}">
+                <a14:useLocalDpi xmlns:a14="http://schemas.microsoft.com/office/drawing/2010/main" val="0"/>
+              </a:ext>
+            </a:extLst>
+          </a:blip>
+          <a:stretch>
+            <a:fillRect/>
+          </a:stretch>
+        </p:blipFill>
+        <p:spPr>
+          <a:xfrm>
+            <a:off x="1586038" y="1520765"/>
+            <a:ext cx="8143624" cy="4961058"/>
+          </a:xfrm>
+        </p:spPr>
+      </p:pic>
+    </p:spTree>
+    <p:extLst>
+      <p:ext uri="{BB962C8B-B14F-4D97-AF65-F5344CB8AC3E}">
+        <p14:creationId xmlns:p14="http://schemas.microsoft.com/office/powerpoint/2010/main" val="132221161"/>
+      </p:ext>
+    </p:extLst>
+  </p:cSld>
+  <p:clrMapOvr>
+    <a:masterClrMapping/>
+  </p:clrMapOvr>
+</p:sld>
+</file>
+
+<file path=ppt/slides/slide7.xml><?xml version="1.0" encoding="utf-8"?>
+<p:sld xmlns:a="http://schemas.openxmlformats.org/drawingml/2006/main" xmlns:r="http://schemas.openxmlformats.org/officeDocument/2006/relationships" xmlns:p="http://schemas.openxmlformats.org/presentationml/2006/main">
+  <p:cSld>
+    <p:spTree>
+      <p:nvGrpSpPr>
+        <p:cNvPr id="1" name=""/>
+        <p:cNvGrpSpPr/>
+        <p:nvPr/>
+      </p:nvGrpSpPr>
+      <p:grpSpPr>
+        <a:xfrm>
+          <a:off x="0" y="0"/>
+          <a:ext cx="0" cy="0"/>
+          <a:chOff x="0" y="0"/>
+          <a:chExt cx="0" cy="0"/>
+        </a:xfrm>
+      </p:grpSpPr>
+      <p:sp>
+        <p:nvSpPr>
+          <p:cNvPr id="2" name="Title 1">
+            <a:extLst>
+              <a:ext uri="{FF2B5EF4-FFF2-40B4-BE49-F238E27FC236}">
+                <a16:creationId xmlns:a16="http://schemas.microsoft.com/office/drawing/2014/main" id="{2C6CD9FB-19E4-460B-98FF-B78666FE2232}"/>
+              </a:ext>
+            </a:extLst>
+          </p:cNvPr>
+          <p:cNvSpPr>
+            <a:spLocks noGrp="1"/>
+          </p:cNvSpPr>
+          <p:nvPr>
+            <p:ph type="title"/>
+          </p:nvPr>
+        </p:nvSpPr>
+        <p:spPr/>
+        <p:txBody>
+          <a:bodyPr/>
+          <a:lstStyle/>
+          <a:p>
+            <a:r>
+              <a:rPr lang="en-GB" dirty="0"/>
+              <a:t>PICTURE OF THE BASE</a:t>
+            </a:r>
+          </a:p>
+        </p:txBody>
+      </p:sp>
+      <p:sp>
+        <p:nvSpPr>
+          <p:cNvPr id="3" name="Content Placeholder 2">
+            <a:extLst>
+              <a:ext uri="{FF2B5EF4-FFF2-40B4-BE49-F238E27FC236}">
+                <a16:creationId xmlns:a16="http://schemas.microsoft.com/office/drawing/2014/main" id="{5394EC68-78B7-4696-AFD5-15FBA737A921}"/>
+              </a:ext>
+            </a:extLst>
+          </p:cNvPr>
+          <p:cNvSpPr>
+            <a:spLocks noGrp="1"/>
+          </p:cNvSpPr>
+          <p:nvPr>
+            <p:ph idx="1"/>
+          </p:nvPr>
+        </p:nvSpPr>
+        <p:spPr/>
+        <p:txBody>
+          <a:bodyPr/>
+          <a:lstStyle/>
+          <a:p>
+            <a:endParaRPr lang="en-GB"/>
+          </a:p>
+        </p:txBody>
+      </p:sp>
+    </p:spTree>
+    <p:extLst>
+      <p:ext uri="{BB962C8B-B14F-4D97-AF65-F5344CB8AC3E}">
+        <p14:creationId xmlns:p14="http://schemas.microsoft.com/office/powerpoint/2010/main" val="3576162021"/>
+      </p:ext>
+    </p:extLst>
+  </p:cSld>
+  <p:clrMapOvr>
+    <a:masterClrMapping/>
+  </p:clrMapOvr>
+</p:sld>
+</file>
+
+<file path=ppt/slides/slide8.xml><?xml version="1.0" encoding="utf-8"?>
+<p:sld xmlns:a="http://schemas.openxmlformats.org/drawingml/2006/main" xmlns:r="http://schemas.openxmlformats.org/officeDocument/2006/relationships" xmlns:p="http://schemas.openxmlformats.org/presentationml/2006/main">
+  <p:cSld>
+    <p:spTree>
+      <p:nvGrpSpPr>
+        <p:cNvPr id="1" name=""/>
+        <p:cNvGrpSpPr/>
+        <p:nvPr/>
+      </p:nvGrpSpPr>
+      <p:grpSpPr>
+        <a:xfrm>
+          <a:off x="0" y="0"/>
+          <a:ext cx="0" cy="0"/>
+          <a:chOff x="0" y="0"/>
+          <a:chExt cx="0" cy="0"/>
+        </a:xfrm>
+      </p:grpSpPr>
+      <p:sp>
+        <p:nvSpPr>
+          <p:cNvPr id="2" name="Title 1">
+            <a:extLst>
+              <a:ext uri="{FF2B5EF4-FFF2-40B4-BE49-F238E27FC236}">
+                <a16:creationId xmlns:a16="http://schemas.microsoft.com/office/drawing/2014/main" id="{5E361197-E248-418B-A34A-C7D248278118}"/>
+              </a:ext>
+            </a:extLst>
+          </p:cNvPr>
+          <p:cNvSpPr>
+            <a:spLocks noGrp="1"/>
+          </p:cNvSpPr>
+          <p:nvPr>
+            <p:ph type="title"/>
+          </p:nvPr>
+        </p:nvSpPr>
+        <p:spPr/>
+        <p:txBody>
+          <a:bodyPr/>
+          <a:lstStyle/>
+          <a:p>
+            <a:r>
+              <a:rPr lang="en-GB" dirty="0"/>
+              <a:t>Design Process</a:t>
+            </a:r>
+          </a:p>
+        </p:txBody>
+      </p:sp>
+      <p:sp>
+        <p:nvSpPr>
+          <p:cNvPr id="3" name="Content Placeholder 2">
+            <a:extLst>
+              <a:ext uri="{FF2B5EF4-FFF2-40B4-BE49-F238E27FC236}">
+                <a16:creationId xmlns:a16="http://schemas.microsoft.com/office/drawing/2014/main" id="{562C6E1C-086F-4481-B59D-82D328D147F2}"/>
+              </a:ext>
+            </a:extLst>
+          </p:cNvPr>
+          <p:cNvSpPr>
+            <a:spLocks noGrp="1"/>
+          </p:cNvSpPr>
+          <p:nvPr>
+            <p:ph idx="1"/>
+          </p:nvPr>
+        </p:nvSpPr>
+        <p:spPr/>
+        <p:txBody>
+          <a:bodyPr/>
+          <a:lstStyle/>
+          <a:p>
+            <a:r>
+              <a:rPr lang="en-GB" dirty="0"/>
+              <a:t>Flowchart</a:t>
+            </a:r>
+          </a:p>
+          <a:p>
+            <a:r>
+              <a:rPr lang="en-GB" dirty="0"/>
+              <a:t>Testing examples</a:t>
+            </a:r>
+          </a:p>
+        </p:txBody>
+      </p:sp>
+    </p:spTree>
+    <p:extLst>
+      <p:ext uri="{BB962C8B-B14F-4D97-AF65-F5344CB8AC3E}">
+        <p14:creationId xmlns:p14="http://schemas.microsoft.com/office/powerpoint/2010/main" val="1851259042"/>
+      </p:ext>
+    </p:extLst>
+  </p:cSld>
+  <p:clrMapOvr>
+    <a:masterClrMapping/>
+  </p:clrMapOvr>
+</p:sld>
+</file>
+
+<file path=ppt/slides/slide9.xml><?xml version="1.0" encoding="utf-8"?>
+<p:sld xmlns:a="http://schemas.openxmlformats.org/drawingml/2006/main" xmlns:r="http://schemas.openxmlformats.org/officeDocument/2006/relationships" xmlns:p="http://schemas.openxmlformats.org/presentationml/2006/main">
+  <p:cSld>
+    <p:spTree>
+      <p:nvGrpSpPr>
+        <p:cNvPr id="1" name=""/>
+        <p:cNvGrpSpPr/>
+        <p:nvPr/>
+      </p:nvGrpSpPr>
+      <p:grpSpPr>
+        <a:xfrm>
+          <a:off x="0" y="0"/>
+          <a:ext cx="0" cy="0"/>
+          <a:chOff x="0" y="0"/>
+          <a:chExt cx="0" cy="0"/>
+        </a:xfrm>
+      </p:grpSpPr>
+      <p:sp>
+        <p:nvSpPr>
+          <p:cNvPr id="2" name="Title 1">
+            <a:extLst>
+              <a:ext uri="{FF2B5EF4-FFF2-40B4-BE49-F238E27FC236}">
                 <a16:creationId xmlns:a16="http://schemas.microsoft.com/office/drawing/2014/main" id="{DA7CCFCA-94DD-42C3-B45B-46973D394F11}"/>
               </a:ext>
             </a:extLst>
@@ -3872,7 +4901,21 @@
           <a:p>
             <a:r>
               <a:rPr lang="en-GB" dirty="0"/>
-              <a:t>Philosophy</a:t>
+              <a:t>Philosophy:</a:t>
+            </a:r>
+          </a:p>
+          <a:p>
+            <a:pPr lvl="1"/>
+            <a:r>
+              <a:rPr lang="en-GB" dirty="0"/>
+              <a:t>Traditional project management theory</a:t>
+            </a:r>
+          </a:p>
+          <a:p>
+            <a:pPr lvl="1"/>
+            <a:r>
+              <a:rPr lang="en-GB" dirty="0"/>
+              <a:t>Adaptive path method</a:t>
             </a:r>
           </a:p>
           <a:p>
@@ -3907,13 +4950,13 @@
           <p:nvPr>
             <p:extLst>
               <p:ext uri="{D42A27DB-BD31-4B8C-83A1-F6EECF244321}">
-                <p14:modId xmlns:p14="http://schemas.microsoft.com/office/powerpoint/2010/main" val="4270951306"/>
+                <p14:modId xmlns:p14="http://schemas.microsoft.com/office/powerpoint/2010/main" val="2869641629"/>
               </p:ext>
             </p:extLst>
           </p:nvPr>
         </p:nvGraphicFramePr>
         <p:xfrm>
-          <a:off x="838200" y="3822224"/>
+          <a:off x="838200" y="4330224"/>
           <a:ext cx="7211778" cy="1280160"/>
         </p:xfrm>
         <a:graphic>
@@ -4104,12 +5147,12 @@
                         </a:spcAft>
                       </a:pPr>
                       <a:r>
-                        <a:rPr lang="en-GB" sz="1400">
+                        <a:rPr lang="en-GB" sz="1400" dirty="0">
                           <a:effectLst/>
                         </a:rPr>
                         <a:t>Software manager</a:t>
                       </a:r>
-                      <a:endParaRPr lang="en-GB" sz="1400">
+                      <a:endParaRPr lang="en-GB" sz="1400" dirty="0">
                         <a:effectLst/>
                         <a:latin typeface="Calibri" panose="020F0502020204030204" pitchFamily="34" charset="0"/>
                         <a:ea typeface="Calibri" panose="020F0502020204030204" pitchFamily="34" charset="0"/>
@@ -4620,294 +5663,6 @@
 </p:sld>
 </file>
 
-<file path=ppt/slides/slide7.xml><?xml version="1.0" encoding="utf-8"?>
-<p:sld xmlns:a="http://schemas.openxmlformats.org/drawingml/2006/main" xmlns:r="http://schemas.openxmlformats.org/officeDocument/2006/relationships" xmlns:p="http://schemas.openxmlformats.org/presentationml/2006/main">
-  <p:cSld>
-    <p:spTree>
-      <p:nvGrpSpPr>
-        <p:cNvPr id="1" name=""/>
-        <p:cNvGrpSpPr/>
-        <p:nvPr/>
-      </p:nvGrpSpPr>
-      <p:grpSpPr>
-        <a:xfrm>
-          <a:off x="0" y="0"/>
-          <a:ext cx="0" cy="0"/>
-          <a:chOff x="0" y="0"/>
-          <a:chExt cx="0" cy="0"/>
-        </a:xfrm>
-      </p:grpSpPr>
-      <p:sp>
-        <p:nvSpPr>
-          <p:cNvPr id="2" name="Title 1">
-            <a:extLst>
-              <a:ext uri="{FF2B5EF4-FFF2-40B4-BE49-F238E27FC236}">
-                <a16:creationId xmlns:a16="http://schemas.microsoft.com/office/drawing/2014/main" id="{C4426C5B-5FD0-4820-8F36-682718FAC9B6}"/>
-              </a:ext>
-            </a:extLst>
-          </p:cNvPr>
-          <p:cNvSpPr>
-            <a:spLocks noGrp="1"/>
-          </p:cNvSpPr>
-          <p:nvPr>
-            <p:ph type="title"/>
-          </p:nvPr>
-        </p:nvSpPr>
-        <p:spPr/>
-        <p:txBody>
-          <a:bodyPr/>
-          <a:lstStyle/>
-          <a:p>
-            <a:r>
-              <a:rPr lang="en-GB" dirty="0"/>
-              <a:t>Risk Management</a:t>
-            </a:r>
-          </a:p>
-        </p:txBody>
-      </p:sp>
-      <p:sp>
-        <p:nvSpPr>
-          <p:cNvPr id="3" name="Content Placeholder 2">
-            <a:extLst>
-              <a:ext uri="{FF2B5EF4-FFF2-40B4-BE49-F238E27FC236}">
-                <a16:creationId xmlns:a16="http://schemas.microsoft.com/office/drawing/2014/main" id="{9281A21C-67FB-42E2-BBFF-6D2AAD1F2509}"/>
-              </a:ext>
-            </a:extLst>
-          </p:cNvPr>
-          <p:cNvSpPr>
-            <a:spLocks noGrp="1"/>
-          </p:cNvSpPr>
-          <p:nvPr>
-            <p:ph idx="1"/>
-          </p:nvPr>
-        </p:nvSpPr>
-        <p:spPr/>
-        <p:txBody>
-          <a:bodyPr/>
-          <a:lstStyle/>
-          <a:p>
-            <a:endParaRPr lang="en-GB"/>
-          </a:p>
-        </p:txBody>
-      </p:sp>
-    </p:spTree>
-    <p:extLst>
-      <p:ext uri="{BB962C8B-B14F-4D97-AF65-F5344CB8AC3E}">
-        <p14:creationId xmlns:p14="http://schemas.microsoft.com/office/powerpoint/2010/main" val="1615877266"/>
-      </p:ext>
-    </p:extLst>
-  </p:cSld>
-  <p:clrMapOvr>
-    <a:masterClrMapping/>
-  </p:clrMapOvr>
-</p:sld>
-</file>
-
-<file path=ppt/slides/slide8.xml><?xml version="1.0" encoding="utf-8"?>
-<p:sld xmlns:a="http://schemas.openxmlformats.org/drawingml/2006/main" xmlns:r="http://schemas.openxmlformats.org/officeDocument/2006/relationships" xmlns:p="http://schemas.openxmlformats.org/presentationml/2006/main">
-  <p:cSld>
-    <p:spTree>
-      <p:nvGrpSpPr>
-        <p:cNvPr id="1" name=""/>
-        <p:cNvGrpSpPr/>
-        <p:nvPr/>
-      </p:nvGrpSpPr>
-      <p:grpSpPr>
-        <a:xfrm>
-          <a:off x="0" y="0"/>
-          <a:ext cx="0" cy="0"/>
-          <a:chOff x="0" y="0"/>
-          <a:chExt cx="0" cy="0"/>
-        </a:xfrm>
-      </p:grpSpPr>
-      <p:sp>
-        <p:nvSpPr>
-          <p:cNvPr id="2" name="Title 1">
-            <a:extLst>
-              <a:ext uri="{FF2B5EF4-FFF2-40B4-BE49-F238E27FC236}">
-                <a16:creationId xmlns:a16="http://schemas.microsoft.com/office/drawing/2014/main" id="{F3C4DB93-083C-482D-A818-F1BD7B6861C3}"/>
-              </a:ext>
-            </a:extLst>
-          </p:cNvPr>
-          <p:cNvSpPr>
-            <a:spLocks noGrp="1"/>
-          </p:cNvSpPr>
-          <p:nvPr>
-            <p:ph type="title"/>
-          </p:nvPr>
-        </p:nvSpPr>
-        <p:spPr/>
-        <p:txBody>
-          <a:bodyPr/>
-          <a:lstStyle/>
-          <a:p>
-            <a:r>
-              <a:rPr lang="en-GB" dirty="0"/>
-              <a:t>Time plan</a:t>
-            </a:r>
-          </a:p>
-        </p:txBody>
-      </p:sp>
-      <p:pic>
-        <p:nvPicPr>
-          <p:cNvPr id="7" name="Picture 6">
-            <a:extLst>
-              <a:ext uri="{FF2B5EF4-FFF2-40B4-BE49-F238E27FC236}">
-                <a16:creationId xmlns:a16="http://schemas.microsoft.com/office/drawing/2014/main" id="{A8405545-AABA-4637-A97C-7E8509025E40}"/>
-              </a:ext>
-            </a:extLst>
-          </p:cNvPr>
-          <p:cNvPicPr>
-            <a:picLocks noChangeAspect="1"/>
-          </p:cNvPicPr>
-          <p:nvPr/>
-        </p:nvPicPr>
-        <p:blipFill>
-          <a:blip r:embed="rId2">
-            <a:extLst>
-              <a:ext uri="{28A0092B-C50C-407E-A947-70E740481C1C}">
-                <a14:useLocalDpi xmlns:a14="http://schemas.microsoft.com/office/drawing/2010/main" val="0"/>
-              </a:ext>
-            </a:extLst>
-          </a:blip>
-          <a:stretch>
-            <a:fillRect/>
-          </a:stretch>
-        </p:blipFill>
-        <p:spPr>
-          <a:xfrm>
-            <a:off x="3707756" y="240387"/>
-            <a:ext cx="5841358" cy="6098802"/>
-          </a:xfrm>
-          <a:prstGeom prst="rect">
-            <a:avLst/>
-          </a:prstGeom>
-        </p:spPr>
-      </p:pic>
-    </p:spTree>
-    <p:extLst>
-      <p:ext uri="{BB962C8B-B14F-4D97-AF65-F5344CB8AC3E}">
-        <p14:creationId xmlns:p14="http://schemas.microsoft.com/office/powerpoint/2010/main" val="1455122895"/>
-      </p:ext>
-    </p:extLst>
-  </p:cSld>
-  <p:clrMapOvr>
-    <a:masterClrMapping/>
-  </p:clrMapOvr>
-</p:sld>
-</file>
-
-<file path=ppt/slides/slide9.xml><?xml version="1.0" encoding="utf-8"?>
-<p:sld xmlns:a="http://schemas.openxmlformats.org/drawingml/2006/main" xmlns:r="http://schemas.openxmlformats.org/officeDocument/2006/relationships" xmlns:p="http://schemas.openxmlformats.org/presentationml/2006/main">
-  <p:cSld>
-    <p:spTree>
-      <p:nvGrpSpPr>
-        <p:cNvPr id="1" name=""/>
-        <p:cNvGrpSpPr/>
-        <p:nvPr/>
-      </p:nvGrpSpPr>
-      <p:grpSpPr>
-        <a:xfrm>
-          <a:off x="0" y="0"/>
-          <a:ext cx="0" cy="0"/>
-          <a:chOff x="0" y="0"/>
-          <a:chExt cx="0" cy="0"/>
-        </a:xfrm>
-      </p:grpSpPr>
-      <p:sp>
-        <p:nvSpPr>
-          <p:cNvPr id="2" name="Title 1">
-            <a:extLst>
-              <a:ext uri="{FF2B5EF4-FFF2-40B4-BE49-F238E27FC236}">
-                <a16:creationId xmlns:a16="http://schemas.microsoft.com/office/drawing/2014/main" id="{03BF292D-0061-4326-8BA1-1EDEE5F2002B}"/>
-              </a:ext>
-            </a:extLst>
-          </p:cNvPr>
-          <p:cNvSpPr>
-            <a:spLocks noGrp="1"/>
-          </p:cNvSpPr>
-          <p:nvPr>
-            <p:ph type="title"/>
-          </p:nvPr>
-        </p:nvSpPr>
-        <p:spPr/>
-        <p:txBody>
-          <a:bodyPr/>
-          <a:lstStyle/>
-          <a:p>
-            <a:r>
-              <a:rPr lang="en-GB" dirty="0"/>
-              <a:t>IP Landscape</a:t>
-            </a:r>
-          </a:p>
-        </p:txBody>
-      </p:sp>
-      <p:sp>
-        <p:nvSpPr>
-          <p:cNvPr id="3" name="Content Placeholder 2">
-            <a:extLst>
-              <a:ext uri="{FF2B5EF4-FFF2-40B4-BE49-F238E27FC236}">
-                <a16:creationId xmlns:a16="http://schemas.microsoft.com/office/drawing/2014/main" id="{E238C237-7541-493C-A5D9-4D81305E8247}"/>
-              </a:ext>
-            </a:extLst>
-          </p:cNvPr>
-          <p:cNvSpPr>
-            <a:spLocks noGrp="1"/>
-          </p:cNvSpPr>
-          <p:nvPr>
-            <p:ph idx="1"/>
-          </p:nvPr>
-        </p:nvSpPr>
-        <p:spPr/>
-        <p:txBody>
-          <a:bodyPr/>
-          <a:lstStyle/>
-          <a:p>
-            <a:r>
-              <a:rPr lang="en-GB" dirty="0"/>
-              <a:t>Generalness regarding robotic systems:</a:t>
-            </a:r>
-          </a:p>
-          <a:p>
-            <a:pPr lvl="1"/>
-            <a:r>
-              <a:rPr lang="en-GB" dirty="0"/>
-              <a:t>All SLAM robots</a:t>
-            </a:r>
-          </a:p>
-          <a:p>
-            <a:pPr lvl="1"/>
-            <a:r>
-              <a:rPr lang="en-GB" dirty="0" err="1"/>
-              <a:t>Aquire</a:t>
-            </a:r>
-            <a:r>
-              <a:rPr lang="en-GB" dirty="0"/>
-              <a:t>, process, visualise</a:t>
-            </a:r>
-          </a:p>
-          <a:p>
-            <a:pPr lvl="1"/>
-            <a:r>
-              <a:rPr lang="en-GB" dirty="0"/>
-              <a:t>General Gripper</a:t>
-            </a:r>
-          </a:p>
-        </p:txBody>
-      </p:sp>
-    </p:spTree>
-    <p:extLst>
-      <p:ext uri="{BB962C8B-B14F-4D97-AF65-F5344CB8AC3E}">
-        <p14:creationId xmlns:p14="http://schemas.microsoft.com/office/powerpoint/2010/main" val="3761601783"/>
-      </p:ext>
-    </p:extLst>
-  </p:cSld>
-  <p:clrMapOvr>
-    <a:masterClrMapping/>
-  </p:clrMapOvr>
-</p:sld>
-</file>
-
 <file path=ppt/theme/theme1.xml><?xml version="1.0" encoding="utf-8"?>
 <a:theme xmlns:a="http://schemas.openxmlformats.org/drawingml/2006/main" name="Office Theme">
   <a:themeElements>

--- a/IP and exec plan presentation/IP-execc-plan-presentation.pptx
+++ b/IP and exec plan presentation/IP-execc-plan-presentation.pptx
@@ -4,19 +4,21 @@
   <p:sldMasterIdLst>
     <p:sldMasterId id="2147483648" r:id="rId1"/>
   </p:sldMasterIdLst>
+  <p:notesMasterIdLst>
+    <p:notesMasterId r:id="rId13"/>
+  </p:notesMasterIdLst>
   <p:sldIdLst>
     <p:sldId id="256" r:id="rId2"/>
     <p:sldId id="266" r:id="rId3"/>
     <p:sldId id="267" r:id="rId4"/>
     <p:sldId id="264" r:id="rId5"/>
-    <p:sldId id="268" r:id="rId6"/>
-    <p:sldId id="259" r:id="rId7"/>
-    <p:sldId id="265" r:id="rId8"/>
-    <p:sldId id="260" r:id="rId9"/>
-    <p:sldId id="257" r:id="rId10"/>
-    <p:sldId id="263" r:id="rId11"/>
-    <p:sldId id="262" r:id="rId12"/>
-    <p:sldId id="261" r:id="rId13"/>
+    <p:sldId id="259" r:id="rId6"/>
+    <p:sldId id="268" r:id="rId7"/>
+    <p:sldId id="260" r:id="rId8"/>
+    <p:sldId id="257" r:id="rId9"/>
+    <p:sldId id="263" r:id="rId10"/>
+    <p:sldId id="262" r:id="rId11"/>
+    <p:sldId id="261" r:id="rId12"/>
   </p:sldIdLst>
   <p:sldSz cx="12192000" cy="6858000"/>
   <p:notesSz cx="6858000" cy="9144000"/>
@@ -125,6 +127,878 @@
 
 <file path=ppt/revisionInfo.xml><?xml version="1.0" encoding="utf-8"?>
 <p1510:revInfo xmlns:a="http://schemas.openxmlformats.org/drawingml/2006/main" xmlns:r="http://schemas.openxmlformats.org/officeDocument/2006/relationships" xmlns:p1510="http://schemas.microsoft.com/office/powerpoint/2015/10/main"/>
+</file>
+
+<file path=ppt/notesMasters/notesMaster1.xml><?xml version="1.0" encoding="utf-8"?>
+<p:notesMaster xmlns:a="http://schemas.openxmlformats.org/drawingml/2006/main" xmlns:r="http://schemas.openxmlformats.org/officeDocument/2006/relationships" xmlns:p="http://schemas.openxmlformats.org/presentationml/2006/main">
+  <p:cSld>
+    <p:bg>
+      <p:bgRef idx="1001">
+        <a:schemeClr val="bg1"/>
+      </p:bgRef>
+    </p:bg>
+    <p:spTree>
+      <p:nvGrpSpPr>
+        <p:cNvPr id="1" name=""/>
+        <p:cNvGrpSpPr/>
+        <p:nvPr/>
+      </p:nvGrpSpPr>
+      <p:grpSpPr>
+        <a:xfrm>
+          <a:off x="0" y="0"/>
+          <a:ext cx="0" cy="0"/>
+          <a:chOff x="0" y="0"/>
+          <a:chExt cx="0" cy="0"/>
+        </a:xfrm>
+      </p:grpSpPr>
+      <p:sp>
+        <p:nvSpPr>
+          <p:cNvPr id="2" name="Header Placeholder 1"/>
+          <p:cNvSpPr>
+            <a:spLocks noGrp="1"/>
+          </p:cNvSpPr>
+          <p:nvPr>
+            <p:ph type="hdr" sz="quarter"/>
+          </p:nvPr>
+        </p:nvSpPr>
+        <p:spPr>
+          <a:xfrm>
+            <a:off x="0" y="0"/>
+            <a:ext cx="2971800" cy="458788"/>
+          </a:xfrm>
+          <a:prstGeom prst="rect">
+            <a:avLst/>
+          </a:prstGeom>
+        </p:spPr>
+        <p:txBody>
+          <a:bodyPr vert="horz" lIns="91440" tIns="45720" rIns="91440" bIns="45720" rtlCol="0"/>
+          <a:lstStyle>
+            <a:lvl1pPr algn="l">
+              <a:defRPr sz="1200"/>
+            </a:lvl1pPr>
+          </a:lstStyle>
+          <a:p>
+            <a:endParaRPr lang="en-GB"/>
+          </a:p>
+        </p:txBody>
+      </p:sp>
+      <p:sp>
+        <p:nvSpPr>
+          <p:cNvPr id="3" name="Date Placeholder 2"/>
+          <p:cNvSpPr>
+            <a:spLocks noGrp="1"/>
+          </p:cNvSpPr>
+          <p:nvPr>
+            <p:ph type="dt" idx="1"/>
+          </p:nvPr>
+        </p:nvSpPr>
+        <p:spPr>
+          <a:xfrm>
+            <a:off x="3884613" y="0"/>
+            <a:ext cx="2971800" cy="458788"/>
+          </a:xfrm>
+          <a:prstGeom prst="rect">
+            <a:avLst/>
+          </a:prstGeom>
+        </p:spPr>
+        <p:txBody>
+          <a:bodyPr vert="horz" lIns="91440" tIns="45720" rIns="91440" bIns="45720" rtlCol="0"/>
+          <a:lstStyle>
+            <a:lvl1pPr algn="r">
+              <a:defRPr sz="1200"/>
+            </a:lvl1pPr>
+          </a:lstStyle>
+          <a:p>
+            <a:fld id="{8FE1A68B-4AAC-435B-A694-A4343C5B3AA6}" type="datetimeFigureOut">
+              <a:rPr lang="en-GB" smtClean="0"/>
+              <a:t>01/02/2018</a:t>
+            </a:fld>
+            <a:endParaRPr lang="en-GB"/>
+          </a:p>
+        </p:txBody>
+      </p:sp>
+      <p:sp>
+        <p:nvSpPr>
+          <p:cNvPr id="4" name="Slide Image Placeholder 3"/>
+          <p:cNvSpPr>
+            <a:spLocks noGrp="1" noRot="1" noChangeAspect="1"/>
+          </p:cNvSpPr>
+          <p:nvPr>
+            <p:ph type="sldImg" idx="2"/>
+          </p:nvPr>
+        </p:nvSpPr>
+        <p:spPr>
+          <a:xfrm>
+            <a:off x="685800" y="1143000"/>
+            <a:ext cx="5486400" cy="3086100"/>
+          </a:xfrm>
+          <a:prstGeom prst="rect">
+            <a:avLst/>
+          </a:prstGeom>
+          <a:noFill/>
+          <a:ln w="12700">
+            <a:solidFill>
+              <a:prstClr val="black"/>
+            </a:solidFill>
+          </a:ln>
+        </p:spPr>
+        <p:txBody>
+          <a:bodyPr vert="horz" lIns="91440" tIns="45720" rIns="91440" bIns="45720" rtlCol="0" anchor="ctr"/>
+          <a:lstStyle/>
+          <a:p>
+            <a:endParaRPr lang="en-GB"/>
+          </a:p>
+        </p:txBody>
+      </p:sp>
+      <p:sp>
+        <p:nvSpPr>
+          <p:cNvPr id="5" name="Notes Placeholder 4"/>
+          <p:cNvSpPr>
+            <a:spLocks noGrp="1"/>
+          </p:cNvSpPr>
+          <p:nvPr>
+            <p:ph type="body" sz="quarter" idx="3"/>
+          </p:nvPr>
+        </p:nvSpPr>
+        <p:spPr>
+          <a:xfrm>
+            <a:off x="685800" y="4400550"/>
+            <a:ext cx="5486400" cy="3600450"/>
+          </a:xfrm>
+          <a:prstGeom prst="rect">
+            <a:avLst/>
+          </a:prstGeom>
+        </p:spPr>
+        <p:txBody>
+          <a:bodyPr vert="horz" lIns="91440" tIns="45720" rIns="91440" bIns="45720" rtlCol="0"/>
+          <a:lstStyle/>
+          <a:p>
+            <a:pPr lvl="0"/>
+            <a:r>
+              <a:rPr lang="en-US"/>
+              <a:t>Edit Master text styles</a:t>
+            </a:r>
+          </a:p>
+          <a:p>
+            <a:pPr lvl="1"/>
+            <a:r>
+              <a:rPr lang="en-US"/>
+              <a:t>Second level</a:t>
+            </a:r>
+          </a:p>
+          <a:p>
+            <a:pPr lvl="2"/>
+            <a:r>
+              <a:rPr lang="en-US"/>
+              <a:t>Third level</a:t>
+            </a:r>
+          </a:p>
+          <a:p>
+            <a:pPr lvl="3"/>
+            <a:r>
+              <a:rPr lang="en-US"/>
+              <a:t>Fourth level</a:t>
+            </a:r>
+          </a:p>
+          <a:p>
+            <a:pPr lvl="4"/>
+            <a:r>
+              <a:rPr lang="en-US"/>
+              <a:t>Fifth level</a:t>
+            </a:r>
+            <a:endParaRPr lang="en-GB"/>
+          </a:p>
+        </p:txBody>
+      </p:sp>
+      <p:sp>
+        <p:nvSpPr>
+          <p:cNvPr id="6" name="Footer Placeholder 5"/>
+          <p:cNvSpPr>
+            <a:spLocks noGrp="1"/>
+          </p:cNvSpPr>
+          <p:nvPr>
+            <p:ph type="ftr" sz="quarter" idx="4"/>
+          </p:nvPr>
+        </p:nvSpPr>
+        <p:spPr>
+          <a:xfrm>
+            <a:off x="0" y="8685213"/>
+            <a:ext cx="2971800" cy="458787"/>
+          </a:xfrm>
+          <a:prstGeom prst="rect">
+            <a:avLst/>
+          </a:prstGeom>
+        </p:spPr>
+        <p:txBody>
+          <a:bodyPr vert="horz" lIns="91440" tIns="45720" rIns="91440" bIns="45720" rtlCol="0" anchor="b"/>
+          <a:lstStyle>
+            <a:lvl1pPr algn="l">
+              <a:defRPr sz="1200"/>
+            </a:lvl1pPr>
+          </a:lstStyle>
+          <a:p>
+            <a:endParaRPr lang="en-GB"/>
+          </a:p>
+        </p:txBody>
+      </p:sp>
+      <p:sp>
+        <p:nvSpPr>
+          <p:cNvPr id="7" name="Slide Number Placeholder 6"/>
+          <p:cNvSpPr>
+            <a:spLocks noGrp="1"/>
+          </p:cNvSpPr>
+          <p:nvPr>
+            <p:ph type="sldNum" sz="quarter" idx="5"/>
+          </p:nvPr>
+        </p:nvSpPr>
+        <p:spPr>
+          <a:xfrm>
+            <a:off x="3884613" y="8685213"/>
+            <a:ext cx="2971800" cy="458787"/>
+          </a:xfrm>
+          <a:prstGeom prst="rect">
+            <a:avLst/>
+          </a:prstGeom>
+        </p:spPr>
+        <p:txBody>
+          <a:bodyPr vert="horz" lIns="91440" tIns="45720" rIns="91440" bIns="45720" rtlCol="0" anchor="b"/>
+          <a:lstStyle>
+            <a:lvl1pPr algn="r">
+              <a:defRPr sz="1200"/>
+            </a:lvl1pPr>
+          </a:lstStyle>
+          <a:p>
+            <a:fld id="{1FCB38BF-8B48-4186-9901-18692478C9FF}" type="slidenum">
+              <a:rPr lang="en-GB" smtClean="0"/>
+              <a:t>‹#›</a:t>
+            </a:fld>
+            <a:endParaRPr lang="en-GB"/>
+          </a:p>
+        </p:txBody>
+      </p:sp>
+    </p:spTree>
+    <p:extLst>
+      <p:ext uri="{BB962C8B-B14F-4D97-AF65-F5344CB8AC3E}">
+        <p14:creationId xmlns:p14="http://schemas.microsoft.com/office/powerpoint/2010/main" val="4029655276"/>
+      </p:ext>
+    </p:extLst>
+  </p:cSld>
+  <p:clrMap bg1="lt1" tx1="dk1" bg2="lt2" tx2="dk2" accent1="accent1" accent2="accent2" accent3="accent3" accent4="accent4" accent5="accent5" accent6="accent6" hlink="hlink" folHlink="folHlink"/>
+  <p:notesStyle>
+    <a:lvl1pPr marL="0" algn="l" defTabSz="914400" rtl="0" eaLnBrk="1" latinLnBrk="0" hangingPunct="1">
+      <a:defRPr sz="1200" kern="1200">
+        <a:solidFill>
+          <a:schemeClr val="tx1"/>
+        </a:solidFill>
+        <a:latin typeface="+mn-lt"/>
+        <a:ea typeface="+mn-ea"/>
+        <a:cs typeface="+mn-cs"/>
+      </a:defRPr>
+    </a:lvl1pPr>
+    <a:lvl2pPr marL="457200" algn="l" defTabSz="914400" rtl="0" eaLnBrk="1" latinLnBrk="0" hangingPunct="1">
+      <a:defRPr sz="1200" kern="1200">
+        <a:solidFill>
+          <a:schemeClr val="tx1"/>
+        </a:solidFill>
+        <a:latin typeface="+mn-lt"/>
+        <a:ea typeface="+mn-ea"/>
+        <a:cs typeface="+mn-cs"/>
+      </a:defRPr>
+    </a:lvl2pPr>
+    <a:lvl3pPr marL="914400" algn="l" defTabSz="914400" rtl="0" eaLnBrk="1" latinLnBrk="0" hangingPunct="1">
+      <a:defRPr sz="1200" kern="1200">
+        <a:solidFill>
+          <a:schemeClr val="tx1"/>
+        </a:solidFill>
+        <a:latin typeface="+mn-lt"/>
+        <a:ea typeface="+mn-ea"/>
+        <a:cs typeface="+mn-cs"/>
+      </a:defRPr>
+    </a:lvl3pPr>
+    <a:lvl4pPr marL="1371600" algn="l" defTabSz="914400" rtl="0" eaLnBrk="1" latinLnBrk="0" hangingPunct="1">
+      <a:defRPr sz="1200" kern="1200">
+        <a:solidFill>
+          <a:schemeClr val="tx1"/>
+        </a:solidFill>
+        <a:latin typeface="+mn-lt"/>
+        <a:ea typeface="+mn-ea"/>
+        <a:cs typeface="+mn-cs"/>
+      </a:defRPr>
+    </a:lvl4pPr>
+    <a:lvl5pPr marL="1828800" algn="l" defTabSz="914400" rtl="0" eaLnBrk="1" latinLnBrk="0" hangingPunct="1">
+      <a:defRPr sz="1200" kern="1200">
+        <a:solidFill>
+          <a:schemeClr val="tx1"/>
+        </a:solidFill>
+        <a:latin typeface="+mn-lt"/>
+        <a:ea typeface="+mn-ea"/>
+        <a:cs typeface="+mn-cs"/>
+      </a:defRPr>
+    </a:lvl5pPr>
+    <a:lvl6pPr marL="2286000" algn="l" defTabSz="914400" rtl="0" eaLnBrk="1" latinLnBrk="0" hangingPunct="1">
+      <a:defRPr sz="1200" kern="1200">
+        <a:solidFill>
+          <a:schemeClr val="tx1"/>
+        </a:solidFill>
+        <a:latin typeface="+mn-lt"/>
+        <a:ea typeface="+mn-ea"/>
+        <a:cs typeface="+mn-cs"/>
+      </a:defRPr>
+    </a:lvl6pPr>
+    <a:lvl7pPr marL="2743200" algn="l" defTabSz="914400" rtl="0" eaLnBrk="1" latinLnBrk="0" hangingPunct="1">
+      <a:defRPr sz="1200" kern="1200">
+        <a:solidFill>
+          <a:schemeClr val="tx1"/>
+        </a:solidFill>
+        <a:latin typeface="+mn-lt"/>
+        <a:ea typeface="+mn-ea"/>
+        <a:cs typeface="+mn-cs"/>
+      </a:defRPr>
+    </a:lvl7pPr>
+    <a:lvl8pPr marL="3200400" algn="l" defTabSz="914400" rtl="0" eaLnBrk="1" latinLnBrk="0" hangingPunct="1">
+      <a:defRPr sz="1200" kern="1200">
+        <a:solidFill>
+          <a:schemeClr val="tx1"/>
+        </a:solidFill>
+        <a:latin typeface="+mn-lt"/>
+        <a:ea typeface="+mn-ea"/>
+        <a:cs typeface="+mn-cs"/>
+      </a:defRPr>
+    </a:lvl8pPr>
+    <a:lvl9pPr marL="3657600" algn="l" defTabSz="914400" rtl="0" eaLnBrk="1" latinLnBrk="0" hangingPunct="1">
+      <a:defRPr sz="1200" kern="1200">
+        <a:solidFill>
+          <a:schemeClr val="tx1"/>
+        </a:solidFill>
+        <a:latin typeface="+mn-lt"/>
+        <a:ea typeface="+mn-ea"/>
+        <a:cs typeface="+mn-cs"/>
+      </a:defRPr>
+    </a:lvl9pPr>
+  </p:notesStyle>
+</p:notesMaster>
+</file>
+
+<file path=ppt/notesSlides/notesSlide1.xml><?xml version="1.0" encoding="utf-8"?>
+<p:notes xmlns:a="http://schemas.openxmlformats.org/drawingml/2006/main" xmlns:r="http://schemas.openxmlformats.org/officeDocument/2006/relationships" xmlns:p="http://schemas.openxmlformats.org/presentationml/2006/main">
+  <p:cSld>
+    <p:spTree>
+      <p:nvGrpSpPr>
+        <p:cNvPr id="1" name=""/>
+        <p:cNvGrpSpPr/>
+        <p:nvPr/>
+      </p:nvGrpSpPr>
+      <p:grpSpPr>
+        <a:xfrm>
+          <a:off x="0" y="0"/>
+          <a:ext cx="0" cy="0"/>
+          <a:chOff x="0" y="0"/>
+          <a:chExt cx="0" cy="0"/>
+        </a:xfrm>
+      </p:grpSpPr>
+      <p:sp>
+        <p:nvSpPr>
+          <p:cNvPr id="2" name="Slide Image Placeholder 1"/>
+          <p:cNvSpPr>
+            <a:spLocks noGrp="1" noRot="1" noChangeAspect="1"/>
+          </p:cNvSpPr>
+          <p:nvPr>
+            <p:ph type="sldImg"/>
+          </p:nvPr>
+        </p:nvSpPr>
+        <p:spPr/>
+      </p:sp>
+      <p:sp>
+        <p:nvSpPr>
+          <p:cNvPr id="3" name="Notes Placeholder 2"/>
+          <p:cNvSpPr>
+            <a:spLocks noGrp="1"/>
+          </p:cNvSpPr>
+          <p:nvPr>
+            <p:ph type="body" idx="1"/>
+          </p:nvPr>
+        </p:nvSpPr>
+        <p:spPr/>
+        <p:txBody>
+          <a:bodyPr/>
+          <a:lstStyle/>
+          <a:p>
+            <a:r>
+              <a:rPr lang="en-GB" dirty="0"/>
+              <a:t>2 mins</a:t>
+            </a:r>
+          </a:p>
+        </p:txBody>
+      </p:sp>
+      <p:sp>
+        <p:nvSpPr>
+          <p:cNvPr id="4" name="Slide Number Placeholder 3"/>
+          <p:cNvSpPr>
+            <a:spLocks noGrp="1"/>
+          </p:cNvSpPr>
+          <p:nvPr>
+            <p:ph type="sldNum" sz="quarter" idx="10"/>
+          </p:nvPr>
+        </p:nvSpPr>
+        <p:spPr/>
+        <p:txBody>
+          <a:bodyPr/>
+          <a:lstStyle/>
+          <a:p>
+            <a:fld id="{1FCB38BF-8B48-4186-9901-18692478C9FF}" type="slidenum">
+              <a:rPr lang="en-GB" smtClean="0"/>
+              <a:t>1</a:t>
+            </a:fld>
+            <a:endParaRPr lang="en-GB"/>
+          </a:p>
+        </p:txBody>
+      </p:sp>
+    </p:spTree>
+    <p:extLst>
+      <p:ext uri="{BB962C8B-B14F-4D97-AF65-F5344CB8AC3E}">
+        <p14:creationId xmlns:p14="http://schemas.microsoft.com/office/powerpoint/2010/main" val="2532633832"/>
+      </p:ext>
+    </p:extLst>
+  </p:cSld>
+  <p:clrMapOvr>
+    <a:masterClrMapping/>
+  </p:clrMapOvr>
+</p:notes>
+</file>
+
+<file path=ppt/notesSlides/notesSlide2.xml><?xml version="1.0" encoding="utf-8"?>
+<p:notes xmlns:a="http://schemas.openxmlformats.org/drawingml/2006/main" xmlns:r="http://schemas.openxmlformats.org/officeDocument/2006/relationships" xmlns:p="http://schemas.openxmlformats.org/presentationml/2006/main">
+  <p:cSld>
+    <p:spTree>
+      <p:nvGrpSpPr>
+        <p:cNvPr id="1" name=""/>
+        <p:cNvGrpSpPr/>
+        <p:nvPr/>
+      </p:nvGrpSpPr>
+      <p:grpSpPr>
+        <a:xfrm>
+          <a:off x="0" y="0"/>
+          <a:ext cx="0" cy="0"/>
+          <a:chOff x="0" y="0"/>
+          <a:chExt cx="0" cy="0"/>
+        </a:xfrm>
+      </p:grpSpPr>
+      <p:sp>
+        <p:nvSpPr>
+          <p:cNvPr id="2" name="Slide Image Placeholder 1"/>
+          <p:cNvSpPr>
+            <a:spLocks noGrp="1" noRot="1" noChangeAspect="1"/>
+          </p:cNvSpPr>
+          <p:nvPr>
+            <p:ph type="sldImg"/>
+          </p:nvPr>
+        </p:nvSpPr>
+        <p:spPr/>
+      </p:sp>
+      <p:sp>
+        <p:nvSpPr>
+          <p:cNvPr id="3" name="Notes Placeholder 2"/>
+          <p:cNvSpPr>
+            <a:spLocks noGrp="1"/>
+          </p:cNvSpPr>
+          <p:nvPr>
+            <p:ph type="body" idx="1"/>
+          </p:nvPr>
+        </p:nvSpPr>
+        <p:spPr/>
+        <p:txBody>
+          <a:bodyPr/>
+          <a:lstStyle/>
+          <a:p>
+            <a:r>
+              <a:rPr lang="en-GB" dirty="0"/>
+              <a:t>45 seconds</a:t>
+            </a:r>
+          </a:p>
+        </p:txBody>
+      </p:sp>
+      <p:sp>
+        <p:nvSpPr>
+          <p:cNvPr id="4" name="Slide Number Placeholder 3"/>
+          <p:cNvSpPr>
+            <a:spLocks noGrp="1"/>
+          </p:cNvSpPr>
+          <p:nvPr>
+            <p:ph type="sldNum" sz="quarter" idx="10"/>
+          </p:nvPr>
+        </p:nvSpPr>
+        <p:spPr/>
+        <p:txBody>
+          <a:bodyPr/>
+          <a:lstStyle/>
+          <a:p>
+            <a:fld id="{1FCB38BF-8B48-4186-9901-18692478C9FF}" type="slidenum">
+              <a:rPr lang="en-GB" smtClean="0"/>
+              <a:t>2</a:t>
+            </a:fld>
+            <a:endParaRPr lang="en-GB"/>
+          </a:p>
+        </p:txBody>
+      </p:sp>
+    </p:spTree>
+    <p:extLst>
+      <p:ext uri="{BB962C8B-B14F-4D97-AF65-F5344CB8AC3E}">
+        <p14:creationId xmlns:p14="http://schemas.microsoft.com/office/powerpoint/2010/main" val="2995904687"/>
+      </p:ext>
+    </p:extLst>
+  </p:cSld>
+  <p:clrMapOvr>
+    <a:masterClrMapping/>
+  </p:clrMapOvr>
+</p:notes>
+</file>
+
+<file path=ppt/notesSlides/notesSlide3.xml><?xml version="1.0" encoding="utf-8"?>
+<p:notes xmlns:a="http://schemas.openxmlformats.org/drawingml/2006/main" xmlns:r="http://schemas.openxmlformats.org/officeDocument/2006/relationships" xmlns:p="http://schemas.openxmlformats.org/presentationml/2006/main">
+  <p:cSld>
+    <p:spTree>
+      <p:nvGrpSpPr>
+        <p:cNvPr id="1" name=""/>
+        <p:cNvGrpSpPr/>
+        <p:nvPr/>
+      </p:nvGrpSpPr>
+      <p:grpSpPr>
+        <a:xfrm>
+          <a:off x="0" y="0"/>
+          <a:ext cx="0" cy="0"/>
+          <a:chOff x="0" y="0"/>
+          <a:chExt cx="0" cy="0"/>
+        </a:xfrm>
+      </p:grpSpPr>
+      <p:sp>
+        <p:nvSpPr>
+          <p:cNvPr id="2" name="Slide Image Placeholder 1"/>
+          <p:cNvSpPr>
+            <a:spLocks noGrp="1" noRot="1" noChangeAspect="1"/>
+          </p:cNvSpPr>
+          <p:nvPr>
+            <p:ph type="sldImg"/>
+          </p:nvPr>
+        </p:nvSpPr>
+        <p:spPr/>
+      </p:sp>
+      <p:sp>
+        <p:nvSpPr>
+          <p:cNvPr id="3" name="Notes Placeholder 2"/>
+          <p:cNvSpPr>
+            <a:spLocks noGrp="1"/>
+          </p:cNvSpPr>
+          <p:nvPr>
+            <p:ph type="body" idx="1"/>
+          </p:nvPr>
+        </p:nvSpPr>
+        <p:spPr/>
+        <p:txBody>
+          <a:bodyPr/>
+          <a:lstStyle/>
+          <a:p>
+            <a:r>
+              <a:rPr lang="en-GB" dirty="0"/>
+              <a:t>One min</a:t>
+            </a:r>
+          </a:p>
+        </p:txBody>
+      </p:sp>
+      <p:sp>
+        <p:nvSpPr>
+          <p:cNvPr id="4" name="Slide Number Placeholder 3"/>
+          <p:cNvSpPr>
+            <a:spLocks noGrp="1"/>
+          </p:cNvSpPr>
+          <p:nvPr>
+            <p:ph type="sldNum" sz="quarter" idx="10"/>
+          </p:nvPr>
+        </p:nvSpPr>
+        <p:spPr/>
+        <p:txBody>
+          <a:bodyPr/>
+          <a:lstStyle/>
+          <a:p>
+            <a:fld id="{1FCB38BF-8B48-4186-9901-18692478C9FF}" type="slidenum">
+              <a:rPr lang="en-GB" smtClean="0"/>
+              <a:t>3</a:t>
+            </a:fld>
+            <a:endParaRPr lang="en-GB"/>
+          </a:p>
+        </p:txBody>
+      </p:sp>
+    </p:spTree>
+    <p:extLst>
+      <p:ext uri="{BB962C8B-B14F-4D97-AF65-F5344CB8AC3E}">
+        <p14:creationId xmlns:p14="http://schemas.microsoft.com/office/powerpoint/2010/main" val="1503750650"/>
+      </p:ext>
+    </p:extLst>
+  </p:cSld>
+  <p:clrMapOvr>
+    <a:masterClrMapping/>
+  </p:clrMapOvr>
+</p:notes>
+</file>
+
+<file path=ppt/notesSlides/notesSlide4.xml><?xml version="1.0" encoding="utf-8"?>
+<p:notes xmlns:a="http://schemas.openxmlformats.org/drawingml/2006/main" xmlns:r="http://schemas.openxmlformats.org/officeDocument/2006/relationships" xmlns:p="http://schemas.openxmlformats.org/presentationml/2006/main">
+  <p:cSld>
+    <p:spTree>
+      <p:nvGrpSpPr>
+        <p:cNvPr id="1" name=""/>
+        <p:cNvGrpSpPr/>
+        <p:nvPr/>
+      </p:nvGrpSpPr>
+      <p:grpSpPr>
+        <a:xfrm>
+          <a:off x="0" y="0"/>
+          <a:ext cx="0" cy="0"/>
+          <a:chOff x="0" y="0"/>
+          <a:chExt cx="0" cy="0"/>
+        </a:xfrm>
+      </p:grpSpPr>
+      <p:sp>
+        <p:nvSpPr>
+          <p:cNvPr id="2" name="Slide Image Placeholder 1"/>
+          <p:cNvSpPr>
+            <a:spLocks noGrp="1" noRot="1" noChangeAspect="1"/>
+          </p:cNvSpPr>
+          <p:nvPr>
+            <p:ph type="sldImg"/>
+          </p:nvPr>
+        </p:nvSpPr>
+        <p:spPr/>
+      </p:sp>
+      <p:sp>
+        <p:nvSpPr>
+          <p:cNvPr id="3" name="Notes Placeholder 2"/>
+          <p:cNvSpPr>
+            <a:spLocks noGrp="1"/>
+          </p:cNvSpPr>
+          <p:nvPr>
+            <p:ph type="body" idx="1"/>
+          </p:nvPr>
+        </p:nvSpPr>
+        <p:spPr/>
+        <p:txBody>
+          <a:bodyPr/>
+          <a:lstStyle/>
+          <a:p>
+            <a:r>
+              <a:rPr lang="en-GB" dirty="0"/>
+              <a:t>1:30</a:t>
+            </a:r>
+          </a:p>
+        </p:txBody>
+      </p:sp>
+      <p:sp>
+        <p:nvSpPr>
+          <p:cNvPr id="4" name="Slide Number Placeholder 3"/>
+          <p:cNvSpPr>
+            <a:spLocks noGrp="1"/>
+          </p:cNvSpPr>
+          <p:nvPr>
+            <p:ph type="sldNum" sz="quarter" idx="10"/>
+          </p:nvPr>
+        </p:nvSpPr>
+        <p:spPr/>
+        <p:txBody>
+          <a:bodyPr/>
+          <a:lstStyle/>
+          <a:p>
+            <a:fld id="{1FCB38BF-8B48-4186-9901-18692478C9FF}" type="slidenum">
+              <a:rPr lang="en-GB" smtClean="0"/>
+              <a:t>4</a:t>
+            </a:fld>
+            <a:endParaRPr lang="en-GB"/>
+          </a:p>
+        </p:txBody>
+      </p:sp>
+    </p:spTree>
+    <p:extLst>
+      <p:ext uri="{BB962C8B-B14F-4D97-AF65-F5344CB8AC3E}">
+        <p14:creationId xmlns:p14="http://schemas.microsoft.com/office/powerpoint/2010/main" val="3265206295"/>
+      </p:ext>
+    </p:extLst>
+  </p:cSld>
+  <p:clrMapOvr>
+    <a:masterClrMapping/>
+  </p:clrMapOvr>
+</p:notes>
+</file>
+
+<file path=ppt/notesSlides/notesSlide5.xml><?xml version="1.0" encoding="utf-8"?>
+<p:notes xmlns:a="http://schemas.openxmlformats.org/drawingml/2006/main" xmlns:r="http://schemas.openxmlformats.org/officeDocument/2006/relationships" xmlns:p="http://schemas.openxmlformats.org/presentationml/2006/main">
+  <p:cSld>
+    <p:spTree>
+      <p:nvGrpSpPr>
+        <p:cNvPr id="1" name=""/>
+        <p:cNvGrpSpPr/>
+        <p:nvPr/>
+      </p:nvGrpSpPr>
+      <p:grpSpPr>
+        <a:xfrm>
+          <a:off x="0" y="0"/>
+          <a:ext cx="0" cy="0"/>
+          <a:chOff x="0" y="0"/>
+          <a:chExt cx="0" cy="0"/>
+        </a:xfrm>
+      </p:grpSpPr>
+      <p:sp>
+        <p:nvSpPr>
+          <p:cNvPr id="2" name="Slide Image Placeholder 1"/>
+          <p:cNvSpPr>
+            <a:spLocks noGrp="1" noRot="1" noChangeAspect="1"/>
+          </p:cNvSpPr>
+          <p:nvPr>
+            <p:ph type="sldImg"/>
+          </p:nvPr>
+        </p:nvSpPr>
+        <p:spPr/>
+      </p:sp>
+      <p:sp>
+        <p:nvSpPr>
+          <p:cNvPr id="3" name="Notes Placeholder 2"/>
+          <p:cNvSpPr>
+            <a:spLocks noGrp="1"/>
+          </p:cNvSpPr>
+          <p:nvPr>
+            <p:ph type="body" idx="1"/>
+          </p:nvPr>
+        </p:nvSpPr>
+        <p:spPr/>
+        <p:txBody>
+          <a:bodyPr/>
+          <a:lstStyle/>
+          <a:p>
+            <a:r>
+              <a:rPr lang="en-GB" dirty="0"/>
+              <a:t>30 secs</a:t>
+            </a:r>
+          </a:p>
+        </p:txBody>
+      </p:sp>
+      <p:sp>
+        <p:nvSpPr>
+          <p:cNvPr id="4" name="Slide Number Placeholder 3"/>
+          <p:cNvSpPr>
+            <a:spLocks noGrp="1"/>
+          </p:cNvSpPr>
+          <p:nvPr>
+            <p:ph type="sldNum" sz="quarter" idx="10"/>
+          </p:nvPr>
+        </p:nvSpPr>
+        <p:spPr/>
+        <p:txBody>
+          <a:bodyPr/>
+          <a:lstStyle/>
+          <a:p>
+            <a:fld id="{1FCB38BF-8B48-4186-9901-18692478C9FF}" type="slidenum">
+              <a:rPr lang="en-GB" smtClean="0"/>
+              <a:t>5</a:t>
+            </a:fld>
+            <a:endParaRPr lang="en-GB"/>
+          </a:p>
+        </p:txBody>
+      </p:sp>
+    </p:spTree>
+    <p:extLst>
+      <p:ext uri="{BB962C8B-B14F-4D97-AF65-F5344CB8AC3E}">
+        <p14:creationId xmlns:p14="http://schemas.microsoft.com/office/powerpoint/2010/main" val="892150795"/>
+      </p:ext>
+    </p:extLst>
+  </p:cSld>
+  <p:clrMapOvr>
+    <a:masterClrMapping/>
+  </p:clrMapOvr>
+</p:notes>
+</file>
+
+<file path=ppt/notesSlides/notesSlide6.xml><?xml version="1.0" encoding="utf-8"?>
+<p:notes xmlns:a="http://schemas.openxmlformats.org/drawingml/2006/main" xmlns:r="http://schemas.openxmlformats.org/officeDocument/2006/relationships" xmlns:p="http://schemas.openxmlformats.org/presentationml/2006/main">
+  <p:cSld>
+    <p:spTree>
+      <p:nvGrpSpPr>
+        <p:cNvPr id="1" name=""/>
+        <p:cNvGrpSpPr/>
+        <p:nvPr/>
+      </p:nvGrpSpPr>
+      <p:grpSpPr>
+        <a:xfrm>
+          <a:off x="0" y="0"/>
+          <a:ext cx="0" cy="0"/>
+          <a:chOff x="0" y="0"/>
+          <a:chExt cx="0" cy="0"/>
+        </a:xfrm>
+      </p:grpSpPr>
+      <p:sp>
+        <p:nvSpPr>
+          <p:cNvPr id="2" name="Slide Image Placeholder 1"/>
+          <p:cNvSpPr>
+            <a:spLocks noGrp="1" noRot="1" noChangeAspect="1"/>
+          </p:cNvSpPr>
+          <p:nvPr>
+            <p:ph type="sldImg"/>
+          </p:nvPr>
+        </p:nvSpPr>
+        <p:spPr/>
+      </p:sp>
+      <p:sp>
+        <p:nvSpPr>
+          <p:cNvPr id="3" name="Notes Placeholder 2"/>
+          <p:cNvSpPr>
+            <a:spLocks noGrp="1"/>
+          </p:cNvSpPr>
+          <p:nvPr>
+            <p:ph type="body" idx="1"/>
+          </p:nvPr>
+        </p:nvSpPr>
+        <p:spPr/>
+        <p:txBody>
+          <a:bodyPr/>
+          <a:lstStyle/>
+          <a:p>
+            <a:r>
+              <a:rPr lang="en-GB" dirty="0"/>
+              <a:t>2:30</a:t>
+            </a:r>
+          </a:p>
+        </p:txBody>
+      </p:sp>
+      <p:sp>
+        <p:nvSpPr>
+          <p:cNvPr id="4" name="Slide Number Placeholder 3"/>
+          <p:cNvSpPr>
+            <a:spLocks noGrp="1"/>
+          </p:cNvSpPr>
+          <p:nvPr>
+            <p:ph type="sldNum" sz="quarter" idx="10"/>
+          </p:nvPr>
+        </p:nvSpPr>
+        <p:spPr/>
+        <p:txBody>
+          <a:bodyPr/>
+          <a:lstStyle/>
+          <a:p>
+            <a:fld id="{1FCB38BF-8B48-4186-9901-18692478C9FF}" type="slidenum">
+              <a:rPr lang="en-GB" smtClean="0"/>
+              <a:t>6</a:t>
+            </a:fld>
+            <a:endParaRPr lang="en-GB"/>
+          </a:p>
+        </p:txBody>
+      </p:sp>
+    </p:spTree>
+    <p:extLst>
+      <p:ext uri="{BB962C8B-B14F-4D97-AF65-F5344CB8AC3E}">
+        <p14:creationId xmlns:p14="http://schemas.microsoft.com/office/powerpoint/2010/main" val="109936023"/>
+      </p:ext>
+    </p:extLst>
+  </p:cSld>
+  <p:clrMapOvr>
+    <a:masterClrMapping/>
+  </p:clrMapOvr>
+</p:notes>
 </file>
 
 <file path=ppt/slideLayouts/slideLayout1.xml><?xml version="1.0" encoding="utf-8"?>
@@ -3661,89 +4535,6 @@
           <p:cNvPr id="2" name="Title 1">
             <a:extLst>
               <a:ext uri="{FF2B5EF4-FFF2-40B4-BE49-F238E27FC236}">
-                <a16:creationId xmlns:a16="http://schemas.microsoft.com/office/drawing/2014/main" id="{C4426C5B-5FD0-4820-8F36-682718FAC9B6}"/>
-              </a:ext>
-            </a:extLst>
-          </p:cNvPr>
-          <p:cNvSpPr>
-            <a:spLocks noGrp="1"/>
-          </p:cNvSpPr>
-          <p:nvPr>
-            <p:ph type="title"/>
-          </p:nvPr>
-        </p:nvSpPr>
-        <p:spPr/>
-        <p:txBody>
-          <a:bodyPr/>
-          <a:lstStyle/>
-          <a:p>
-            <a:r>
-              <a:rPr lang="en-GB" dirty="0"/>
-              <a:t>Risk Management</a:t>
-            </a:r>
-          </a:p>
-        </p:txBody>
-      </p:sp>
-      <p:sp>
-        <p:nvSpPr>
-          <p:cNvPr id="3" name="Content Placeholder 2">
-            <a:extLst>
-              <a:ext uri="{FF2B5EF4-FFF2-40B4-BE49-F238E27FC236}">
-                <a16:creationId xmlns:a16="http://schemas.microsoft.com/office/drawing/2014/main" id="{9281A21C-67FB-42E2-BBFF-6D2AAD1F2509}"/>
-              </a:ext>
-            </a:extLst>
-          </p:cNvPr>
-          <p:cNvSpPr>
-            <a:spLocks noGrp="1"/>
-          </p:cNvSpPr>
-          <p:nvPr>
-            <p:ph idx="1"/>
-          </p:nvPr>
-        </p:nvSpPr>
-        <p:spPr/>
-        <p:txBody>
-          <a:bodyPr/>
-          <a:lstStyle/>
-          <a:p>
-            <a:endParaRPr lang="en-GB"/>
-          </a:p>
-        </p:txBody>
-      </p:sp>
-    </p:spTree>
-    <p:extLst>
-      <p:ext uri="{BB962C8B-B14F-4D97-AF65-F5344CB8AC3E}">
-        <p14:creationId xmlns:p14="http://schemas.microsoft.com/office/powerpoint/2010/main" val="1615877266"/>
-      </p:ext>
-    </p:extLst>
-  </p:cSld>
-  <p:clrMapOvr>
-    <a:masterClrMapping/>
-  </p:clrMapOvr>
-</p:sld>
-</file>
-
-<file path=ppt/slides/slide11.xml><?xml version="1.0" encoding="utf-8"?>
-<p:sld xmlns:a="http://schemas.openxmlformats.org/drawingml/2006/main" xmlns:r="http://schemas.openxmlformats.org/officeDocument/2006/relationships" xmlns:p="http://schemas.openxmlformats.org/presentationml/2006/main">
-  <p:cSld>
-    <p:spTree>
-      <p:nvGrpSpPr>
-        <p:cNvPr id="1" name=""/>
-        <p:cNvGrpSpPr/>
-        <p:nvPr/>
-      </p:nvGrpSpPr>
-      <p:grpSpPr>
-        <a:xfrm>
-          <a:off x="0" y="0"/>
-          <a:ext cx="0" cy="0"/>
-          <a:chOff x="0" y="0"/>
-          <a:chExt cx="0" cy="0"/>
-        </a:xfrm>
-      </p:grpSpPr>
-      <p:sp>
-        <p:nvSpPr>
-          <p:cNvPr id="2" name="Title 1">
-            <a:extLst>
-              <a:ext uri="{FF2B5EF4-FFF2-40B4-BE49-F238E27FC236}">
                 <a16:creationId xmlns:a16="http://schemas.microsoft.com/office/drawing/2014/main" id="{F3C4DB93-083C-482D-A818-F1BD7B6861C3}"/>
               </a:ext>
             </a:extLst>
@@ -3816,7 +4607,7 @@
 </p:sld>
 </file>
 
-<file path=ppt/slides/slide12.xml><?xml version="1.0" encoding="utf-8"?>
+<file path=ppt/slides/slide11.xml><?xml version="1.0" encoding="utf-8"?>
 <p:sld xmlns:a="http://schemas.openxmlformats.org/drawingml/2006/main" xmlns:r="http://schemas.openxmlformats.org/officeDocument/2006/relationships" xmlns:p="http://schemas.openxmlformats.org/presentationml/2006/main">
   <p:cSld>
     <p:spTree>
@@ -4182,7 +4973,7 @@
         </p:nvSpPr>
         <p:spPr>
           <a:xfrm>
-            <a:off x="838200" y="1825625"/>
+            <a:off x="5173133" y="1690688"/>
             <a:ext cx="7018867" cy="4351338"/>
           </a:xfrm>
         </p:spPr>
@@ -4193,22 +4984,24 @@
           <a:lstStyle/>
           <a:p>
             <a:r>
+              <a:rPr lang="en-GB" dirty="0" err="1"/>
+              <a:t>E.g</a:t>
+            </a:r>
+            <a:r>
               <a:rPr lang="en-GB" dirty="0"/>
-              <a:t>Some example requirements </a:t>
-            </a:r>
-          </a:p>
-          <a:p>
+              <a:t>:</a:t>
+            </a:r>
+          </a:p>
+          <a:p>
+            <a:pPr lvl="1"/>
             <a:r>
               <a:rPr lang="en-GB" dirty="0"/>
-              <a:t>(&amp; success criteria)</a:t>
+              <a:t>Verbal?</a:t>
             </a:r>
           </a:p>
           <a:p>
             <a:pPr lvl="1"/>
-            <a:r>
-              <a:rPr lang="en-GB" dirty="0"/>
-              <a:t>E.g. </a:t>
-            </a:r>
+            <a:endParaRPr lang="en-GB" dirty="0"/>
           </a:p>
         </p:txBody>
       </p:sp>
@@ -4228,7 +5021,7 @@
         </p:nvSpPr>
         <p:spPr>
           <a:xfrm>
-            <a:off x="6096000" y="1825625"/>
+            <a:off x="838200" y="1690688"/>
             <a:ext cx="7018867" cy="4351338"/>
           </a:xfrm>
           <a:prstGeom prst="rect">
@@ -4490,12 +5283,47 @@
           <a:chExt cx="0" cy="0"/>
         </a:xfrm>
       </p:grpSpPr>
+      <p:pic>
+        <p:nvPicPr>
+          <p:cNvPr id="7" name="Content Placeholder 6">
+            <a:extLst>
+              <a:ext uri="{FF2B5EF4-FFF2-40B4-BE49-F238E27FC236}">
+                <a16:creationId xmlns:a16="http://schemas.microsoft.com/office/drawing/2014/main" id="{0274B366-5B13-4762-85B1-ED99109FA7F9}"/>
+              </a:ext>
+            </a:extLst>
+          </p:cNvPr>
+          <p:cNvPicPr>
+            <a:picLocks noGrp="1" noChangeAspect="1"/>
+          </p:cNvPicPr>
+          <p:nvPr>
+            <p:ph idx="1"/>
+          </p:nvPr>
+        </p:nvPicPr>
+        <p:blipFill>
+          <a:blip r:embed="rId3">
+            <a:extLst>
+              <a:ext uri="{28A0092B-C50C-407E-A947-70E740481C1C}">
+                <a14:useLocalDpi xmlns:a14="http://schemas.microsoft.com/office/drawing/2010/main" val="0"/>
+              </a:ext>
+            </a:extLst>
+          </a:blip>
+          <a:stretch>
+            <a:fillRect/>
+          </a:stretch>
+        </p:blipFill>
+        <p:spPr>
+          <a:xfrm>
+            <a:off x="2455818" y="954194"/>
+            <a:ext cx="8516982" cy="5188506"/>
+          </a:xfrm>
+        </p:spPr>
+      </p:pic>
       <p:sp>
         <p:nvSpPr>
           <p:cNvPr id="2" name="Title 1">
             <a:extLst>
               <a:ext uri="{FF2B5EF4-FFF2-40B4-BE49-F238E27FC236}">
-                <a16:creationId xmlns:a16="http://schemas.microsoft.com/office/drawing/2014/main" id="{BD17CFF7-8A16-4A6A-A39A-6FBAAA49F1CD}"/>
+                <a16:creationId xmlns:a16="http://schemas.microsoft.com/office/drawing/2014/main" id="{65627831-B33C-4B81-914B-07B2E2AA8A46}"/>
               </a:ext>
             </a:extLst>
           </p:cNvPr>
@@ -4506,48 +5334,20 @@
             <p:ph type="title"/>
           </p:nvPr>
         </p:nvSpPr>
-        <p:spPr/>
-        <p:txBody>
-          <a:bodyPr/>
-          <a:lstStyle/>
-          <a:p>
-            <a:endParaRPr lang="en-GB"/>
-          </a:p>
-        </p:txBody>
-      </p:sp>
-      <p:sp>
-        <p:nvSpPr>
-          <p:cNvPr id="3" name="Content Placeholder 2">
-            <a:extLst>
-              <a:ext uri="{FF2B5EF4-FFF2-40B4-BE49-F238E27FC236}">
-                <a16:creationId xmlns:a16="http://schemas.microsoft.com/office/drawing/2014/main" id="{5380217E-A6FA-42D6-B8EF-AB533D24AF80}"/>
-              </a:ext>
-            </a:extLst>
-          </p:cNvPr>
-          <p:cNvSpPr>
-            <a:spLocks noGrp="1"/>
-          </p:cNvSpPr>
-          <p:nvPr>
-            <p:ph idx="1"/>
-          </p:nvPr>
-        </p:nvSpPr>
-        <p:spPr/>
-        <p:txBody>
-          <a:bodyPr/>
-          <a:lstStyle/>
-          <a:p>
-            <a:r>
-              <a:rPr lang="en-GB" dirty="0"/>
-              <a:t>Hardware</a:t>
-            </a:r>
-          </a:p>
-          <a:p>
-            <a:r>
-              <a:rPr lang="en-GB" dirty="0"/>
-              <a:t>Software</a:t>
-            </a:r>
-          </a:p>
-          <a:p>
+        <p:spPr>
+          <a:xfrm>
+            <a:off x="838200" y="365125"/>
+            <a:ext cx="10515600" cy="1325563"/>
+          </a:xfrm>
+        </p:spPr>
+        <p:txBody>
+          <a:bodyPr/>
+          <a:lstStyle/>
+          <a:p>
+            <a:r>
+              <a:rPr lang="en-GB"/>
+              <a:t>Systems Breakdown</a:t>
+            </a:r>
             <a:endParaRPr lang="en-GB" dirty="0"/>
           </a:p>
         </p:txBody>
@@ -4555,7 +5355,7 @@
     </p:spTree>
     <p:extLst>
       <p:ext uri="{BB962C8B-B14F-4D97-AF65-F5344CB8AC3E}">
-        <p14:creationId xmlns:p14="http://schemas.microsoft.com/office/powerpoint/2010/main" val="3382004083"/>
+        <p14:creationId xmlns:p14="http://schemas.microsoft.com/office/powerpoint/2010/main" val="132221161"/>
       </p:ext>
     </p:extLst>
   </p:cSld>
@@ -4568,6 +5368,14 @@
 <file path=ppt/slides/slide6.xml><?xml version="1.0" encoding="utf-8"?>
 <p:sld xmlns:a="http://schemas.openxmlformats.org/drawingml/2006/main" xmlns:r="http://schemas.openxmlformats.org/officeDocument/2006/relationships" xmlns:p="http://schemas.openxmlformats.org/presentationml/2006/main">
   <p:cSld>
+    <p:bg>
+      <p:bgPr>
+        <a:solidFill>
+          <a:schemeClr val="bg1"/>
+        </a:solidFill>
+        <a:effectLst/>
+      </p:bgPr>
+    </p:bg>
     <p:spTree>
       <p:nvGrpSpPr>
         <p:cNvPr id="1" name=""/>
@@ -4587,7 +5395,7 @@
           <p:cNvPr id="2" name="Title 1">
             <a:extLst>
               <a:ext uri="{FF2B5EF4-FFF2-40B4-BE49-F238E27FC236}">
-                <a16:creationId xmlns:a16="http://schemas.microsoft.com/office/drawing/2014/main" id="{65627831-B33C-4B81-914B-07B2E2AA8A46}"/>
+                <a16:creationId xmlns:a16="http://schemas.microsoft.com/office/drawing/2014/main" id="{BD17CFF7-8A16-4A6A-A39A-6FBAAA49F1CD}"/>
               </a:ext>
             </a:extLst>
           </p:cNvPr>
@@ -4605,29 +5413,324 @@
           <a:p>
             <a:r>
               <a:rPr lang="en-GB" dirty="0"/>
-              <a:t>Systems Breakdown</a:t>
-            </a:r>
+              <a:t>Systems overview</a:t>
+            </a:r>
+          </a:p>
+        </p:txBody>
+      </p:sp>
+      <p:sp>
+        <p:nvSpPr>
+          <p:cNvPr id="3" name="Content Placeholder 2">
+            <a:extLst>
+              <a:ext uri="{FF2B5EF4-FFF2-40B4-BE49-F238E27FC236}">
+                <a16:creationId xmlns:a16="http://schemas.microsoft.com/office/drawing/2014/main" id="{5380217E-A6FA-42D6-B8EF-AB533D24AF80}"/>
+              </a:ext>
+            </a:extLst>
+          </p:cNvPr>
+          <p:cNvSpPr>
+            <a:spLocks noGrp="1"/>
+          </p:cNvSpPr>
+          <p:nvPr>
+            <p:ph idx="1"/>
+          </p:nvPr>
+        </p:nvSpPr>
+        <p:spPr>
+          <a:xfrm>
+            <a:off x="838200" y="1825625"/>
+            <a:ext cx="2718732" cy="4351338"/>
+          </a:xfrm>
+        </p:spPr>
+        <p:txBody>
+          <a:bodyPr/>
+          <a:lstStyle/>
+          <a:p>
+            <a:r>
+              <a:rPr lang="en-GB" dirty="0"/>
+              <a:t>Hardware</a:t>
+            </a:r>
+          </a:p>
+          <a:p>
+            <a:pPr lvl="1"/>
+            <a:r>
+              <a:rPr lang="en-GB" dirty="0"/>
+              <a:t>Arm</a:t>
+            </a:r>
+          </a:p>
+          <a:p>
+            <a:pPr lvl="1"/>
+            <a:r>
+              <a:rPr lang="en-GB" dirty="0"/>
+              <a:t>Base</a:t>
+            </a:r>
+          </a:p>
+          <a:p>
+            <a:pPr lvl="1"/>
+            <a:r>
+              <a:rPr lang="en-GB" dirty="0"/>
+              <a:t>Gripper</a:t>
+            </a:r>
+          </a:p>
+          <a:p>
+            <a:pPr lvl="1"/>
+            <a:r>
+              <a:rPr lang="en-GB" dirty="0"/>
+              <a:t>Cameras</a:t>
+            </a:r>
+          </a:p>
+          <a:p>
+            <a:endParaRPr lang="en-GB" dirty="0"/>
+          </a:p>
+        </p:txBody>
+      </p:sp>
+      <p:sp>
+        <p:nvSpPr>
+          <p:cNvPr id="5" name="Content Placeholder 2">
+            <a:extLst>
+              <a:ext uri="{FF2B5EF4-FFF2-40B4-BE49-F238E27FC236}">
+                <a16:creationId xmlns:a16="http://schemas.microsoft.com/office/drawing/2014/main" id="{D488419E-9EA0-4921-8280-55BEA919E1A8}"/>
+              </a:ext>
+            </a:extLst>
+          </p:cNvPr>
+          <p:cNvSpPr txBox="1">
+            <a:spLocks/>
+          </p:cNvSpPr>
+          <p:nvPr/>
+        </p:nvSpPr>
+        <p:spPr>
+          <a:xfrm>
+            <a:off x="3556932" y="1690688"/>
+            <a:ext cx="4568505" cy="4351338"/>
+          </a:xfrm>
+          <a:prstGeom prst="rect">
+            <a:avLst/>
+          </a:prstGeom>
+        </p:spPr>
+        <p:txBody>
+          <a:bodyPr vert="horz" lIns="91440" tIns="45720" rIns="91440" bIns="45720" rtlCol="0">
+            <a:normAutofit/>
+          </a:bodyPr>
+          <a:lstStyle>
+            <a:lvl1pPr marL="228600" indent="-228600" algn="l" defTabSz="914400" rtl="0" eaLnBrk="1" latinLnBrk="0" hangingPunct="1">
+              <a:lnSpc>
+                <a:spcPct val="90000"/>
+              </a:lnSpc>
+              <a:spcBef>
+                <a:spcPts val="1000"/>
+              </a:spcBef>
+              <a:buFont typeface="Arial" panose="020B0604020202020204" pitchFamily="34" charset="0"/>
+              <a:buChar char="•"/>
+              <a:defRPr sz="2800" kern="1200">
+                <a:solidFill>
+                  <a:schemeClr val="tx1"/>
+                </a:solidFill>
+                <a:latin typeface="+mn-lt"/>
+                <a:ea typeface="+mn-ea"/>
+                <a:cs typeface="+mn-cs"/>
+              </a:defRPr>
+            </a:lvl1pPr>
+            <a:lvl2pPr marL="685800" indent="-228600" algn="l" defTabSz="914400" rtl="0" eaLnBrk="1" latinLnBrk="0" hangingPunct="1">
+              <a:lnSpc>
+                <a:spcPct val="90000"/>
+              </a:lnSpc>
+              <a:spcBef>
+                <a:spcPts val="500"/>
+              </a:spcBef>
+              <a:buFont typeface="Arial" panose="020B0604020202020204" pitchFamily="34" charset="0"/>
+              <a:buChar char="•"/>
+              <a:defRPr sz="2400" kern="1200">
+                <a:solidFill>
+                  <a:schemeClr val="tx1"/>
+                </a:solidFill>
+                <a:latin typeface="+mn-lt"/>
+                <a:ea typeface="+mn-ea"/>
+                <a:cs typeface="+mn-cs"/>
+              </a:defRPr>
+            </a:lvl2pPr>
+            <a:lvl3pPr marL="1143000" indent="-228600" algn="l" defTabSz="914400" rtl="0" eaLnBrk="1" latinLnBrk="0" hangingPunct="1">
+              <a:lnSpc>
+                <a:spcPct val="90000"/>
+              </a:lnSpc>
+              <a:spcBef>
+                <a:spcPts val="500"/>
+              </a:spcBef>
+              <a:buFont typeface="Arial" panose="020B0604020202020204" pitchFamily="34" charset="0"/>
+              <a:buChar char="•"/>
+              <a:defRPr sz="2000" kern="1200">
+                <a:solidFill>
+                  <a:schemeClr val="tx1"/>
+                </a:solidFill>
+                <a:latin typeface="+mn-lt"/>
+                <a:ea typeface="+mn-ea"/>
+                <a:cs typeface="+mn-cs"/>
+              </a:defRPr>
+            </a:lvl3pPr>
+            <a:lvl4pPr marL="1600200" indent="-228600" algn="l" defTabSz="914400" rtl="0" eaLnBrk="1" latinLnBrk="0" hangingPunct="1">
+              <a:lnSpc>
+                <a:spcPct val="90000"/>
+              </a:lnSpc>
+              <a:spcBef>
+                <a:spcPts val="500"/>
+              </a:spcBef>
+              <a:buFont typeface="Arial" panose="020B0604020202020204" pitchFamily="34" charset="0"/>
+              <a:buChar char="•"/>
+              <a:defRPr sz="1800" kern="1200">
+                <a:solidFill>
+                  <a:schemeClr val="tx1"/>
+                </a:solidFill>
+                <a:latin typeface="+mn-lt"/>
+                <a:ea typeface="+mn-ea"/>
+                <a:cs typeface="+mn-cs"/>
+              </a:defRPr>
+            </a:lvl4pPr>
+            <a:lvl5pPr marL="2057400" indent="-228600" algn="l" defTabSz="914400" rtl="0" eaLnBrk="1" latinLnBrk="0" hangingPunct="1">
+              <a:lnSpc>
+                <a:spcPct val="90000"/>
+              </a:lnSpc>
+              <a:spcBef>
+                <a:spcPts val="500"/>
+              </a:spcBef>
+              <a:buFont typeface="Arial" panose="020B0604020202020204" pitchFamily="34" charset="0"/>
+              <a:buChar char="•"/>
+              <a:defRPr sz="1800" kern="1200">
+                <a:solidFill>
+                  <a:schemeClr val="tx1"/>
+                </a:solidFill>
+                <a:latin typeface="+mn-lt"/>
+                <a:ea typeface="+mn-ea"/>
+                <a:cs typeface="+mn-cs"/>
+              </a:defRPr>
+            </a:lvl5pPr>
+            <a:lvl6pPr marL="2514600" indent="-228600" algn="l" defTabSz="914400" rtl="0" eaLnBrk="1" latinLnBrk="0" hangingPunct="1">
+              <a:lnSpc>
+                <a:spcPct val="90000"/>
+              </a:lnSpc>
+              <a:spcBef>
+                <a:spcPts val="500"/>
+              </a:spcBef>
+              <a:buFont typeface="Arial" panose="020B0604020202020204" pitchFamily="34" charset="0"/>
+              <a:buChar char="•"/>
+              <a:defRPr sz="1800" kern="1200">
+                <a:solidFill>
+                  <a:schemeClr val="tx1"/>
+                </a:solidFill>
+                <a:latin typeface="+mn-lt"/>
+                <a:ea typeface="+mn-ea"/>
+                <a:cs typeface="+mn-cs"/>
+              </a:defRPr>
+            </a:lvl6pPr>
+            <a:lvl7pPr marL="2971800" indent="-228600" algn="l" defTabSz="914400" rtl="0" eaLnBrk="1" latinLnBrk="0" hangingPunct="1">
+              <a:lnSpc>
+                <a:spcPct val="90000"/>
+              </a:lnSpc>
+              <a:spcBef>
+                <a:spcPts val="500"/>
+              </a:spcBef>
+              <a:buFont typeface="Arial" panose="020B0604020202020204" pitchFamily="34" charset="0"/>
+              <a:buChar char="•"/>
+              <a:defRPr sz="1800" kern="1200">
+                <a:solidFill>
+                  <a:schemeClr val="tx1"/>
+                </a:solidFill>
+                <a:latin typeface="+mn-lt"/>
+                <a:ea typeface="+mn-ea"/>
+                <a:cs typeface="+mn-cs"/>
+              </a:defRPr>
+            </a:lvl7pPr>
+            <a:lvl8pPr marL="3429000" indent="-228600" algn="l" defTabSz="914400" rtl="0" eaLnBrk="1" latinLnBrk="0" hangingPunct="1">
+              <a:lnSpc>
+                <a:spcPct val="90000"/>
+              </a:lnSpc>
+              <a:spcBef>
+                <a:spcPts val="500"/>
+              </a:spcBef>
+              <a:buFont typeface="Arial" panose="020B0604020202020204" pitchFamily="34" charset="0"/>
+              <a:buChar char="•"/>
+              <a:defRPr sz="1800" kern="1200">
+                <a:solidFill>
+                  <a:schemeClr val="tx1"/>
+                </a:solidFill>
+                <a:latin typeface="+mn-lt"/>
+                <a:ea typeface="+mn-ea"/>
+                <a:cs typeface="+mn-cs"/>
+              </a:defRPr>
+            </a:lvl8pPr>
+            <a:lvl9pPr marL="3886200" indent="-228600" algn="l" defTabSz="914400" rtl="0" eaLnBrk="1" latinLnBrk="0" hangingPunct="1">
+              <a:lnSpc>
+                <a:spcPct val="90000"/>
+              </a:lnSpc>
+              <a:spcBef>
+                <a:spcPts val="500"/>
+              </a:spcBef>
+              <a:buFont typeface="Arial" panose="020B0604020202020204" pitchFamily="34" charset="0"/>
+              <a:buChar char="•"/>
+              <a:defRPr sz="1800" kern="1200">
+                <a:solidFill>
+                  <a:schemeClr val="tx1"/>
+                </a:solidFill>
+                <a:latin typeface="+mn-lt"/>
+                <a:ea typeface="+mn-ea"/>
+                <a:cs typeface="+mn-cs"/>
+              </a:defRPr>
+            </a:lvl9pPr>
+          </a:lstStyle>
+          <a:p>
+            <a:r>
+              <a:rPr lang="en-GB" dirty="0"/>
+              <a:t>Software</a:t>
+            </a:r>
+          </a:p>
+          <a:p>
+            <a:pPr lvl="1"/>
+            <a:r>
+              <a:rPr lang="en-GB" dirty="0"/>
+              <a:t>ROS</a:t>
+            </a:r>
+          </a:p>
+          <a:p>
+            <a:pPr lvl="1"/>
+            <a:r>
+              <a:rPr lang="en-GB" dirty="0"/>
+              <a:t>Vision algorithms</a:t>
+            </a:r>
+          </a:p>
+          <a:p>
+            <a:pPr lvl="1"/>
+            <a:r>
+              <a:rPr lang="en-GB" dirty="0"/>
+              <a:t>Waypoint node</a:t>
+            </a:r>
+          </a:p>
+          <a:p>
+            <a:pPr lvl="1"/>
+            <a:r>
+              <a:rPr lang="en-GB" dirty="0"/>
+              <a:t>Control </a:t>
+            </a:r>
+          </a:p>
+          <a:p>
+            <a:pPr marL="457200" lvl="1" indent="0">
+              <a:buNone/>
+            </a:pPr>
+            <a:endParaRPr lang="en-GB" dirty="0"/>
           </a:p>
         </p:txBody>
       </p:sp>
       <p:pic>
         <p:nvPicPr>
-          <p:cNvPr id="5" name="Content Placeholder 4">
-            <a:extLst>
-              <a:ext uri="{FF2B5EF4-FFF2-40B4-BE49-F238E27FC236}">
-                <a16:creationId xmlns:a16="http://schemas.microsoft.com/office/drawing/2014/main" id="{1034D44A-B34C-46C3-BCCA-A59B7880FF4F}"/>
+          <p:cNvPr id="11" name="Picture 10">
+            <a:extLst>
+              <a:ext uri="{FF2B5EF4-FFF2-40B4-BE49-F238E27FC236}">
+                <a16:creationId xmlns:a16="http://schemas.microsoft.com/office/drawing/2014/main" id="{32018BA7-3449-4811-81D6-3F339BD98750}"/>
               </a:ext>
             </a:extLst>
           </p:cNvPr>
           <p:cNvPicPr>
-            <a:picLocks noGrp="1" noChangeAspect="1"/>
+            <a:picLocks noChangeAspect="1"/>
           </p:cNvPicPr>
-          <p:nvPr>
-            <p:ph idx="1"/>
-          </p:nvPr>
+          <p:nvPr/>
         </p:nvPicPr>
         <p:blipFill>
-          <a:blip r:embed="rId2">
+          <a:blip r:embed="rId3">
             <a:extLst>
               <a:ext uri="{28A0092B-C50C-407E-A947-70E740481C1C}">
                 <a14:useLocalDpi xmlns:a14="http://schemas.microsoft.com/office/drawing/2010/main" val="0"/>
@@ -4640,15 +5743,18 @@
         </p:blipFill>
         <p:spPr>
           <a:xfrm>
-            <a:off x="1586038" y="1520765"/>
-            <a:ext cx="8143624" cy="4961058"/>
+            <a:off x="6771149" y="2592963"/>
+            <a:ext cx="4582651" cy="3808860"/>
           </a:xfrm>
+          <a:prstGeom prst="rect">
+            <a:avLst/>
+          </a:prstGeom>
         </p:spPr>
       </p:pic>
     </p:spTree>
     <p:extLst>
       <p:ext uri="{BB962C8B-B14F-4D97-AF65-F5344CB8AC3E}">
-        <p14:creationId xmlns:p14="http://schemas.microsoft.com/office/powerpoint/2010/main" val="132221161"/>
+        <p14:creationId xmlns:p14="http://schemas.microsoft.com/office/powerpoint/2010/main" val="3382004083"/>
       </p:ext>
     </p:extLst>
   </p:cSld>
@@ -4680,7 +5786,7 @@
           <p:cNvPr id="2" name="Title 1">
             <a:extLst>
               <a:ext uri="{FF2B5EF4-FFF2-40B4-BE49-F238E27FC236}">
-                <a16:creationId xmlns:a16="http://schemas.microsoft.com/office/drawing/2014/main" id="{2C6CD9FB-19E4-460B-98FF-B78666FE2232}"/>
+                <a16:creationId xmlns:a16="http://schemas.microsoft.com/office/drawing/2014/main" id="{5E361197-E248-418B-A34A-C7D248278118}"/>
               </a:ext>
             </a:extLst>
           </p:cNvPr>
@@ -4698,7 +5804,7 @@
           <a:p>
             <a:r>
               <a:rPr lang="en-GB" dirty="0"/>
-              <a:t>PICTURE OF THE BASE</a:t>
+              <a:t>Design Process</a:t>
             </a:r>
           </a:p>
         </p:txBody>
@@ -4708,7 +5814,7 @@
           <p:cNvPr id="3" name="Content Placeholder 2">
             <a:extLst>
               <a:ext uri="{FF2B5EF4-FFF2-40B4-BE49-F238E27FC236}">
-                <a16:creationId xmlns:a16="http://schemas.microsoft.com/office/drawing/2014/main" id="{5394EC68-78B7-4696-AFD5-15FBA737A921}"/>
+                <a16:creationId xmlns:a16="http://schemas.microsoft.com/office/drawing/2014/main" id="{562C6E1C-086F-4481-B59D-82D328D147F2}"/>
               </a:ext>
             </a:extLst>
           </p:cNvPr>
@@ -4724,14 +5830,53 @@
           <a:bodyPr/>
           <a:lstStyle/>
           <a:p>
-            <a:endParaRPr lang="en-GB"/>
-          </a:p>
-        </p:txBody>
-      </p:sp>
+            <a:r>
+              <a:rPr lang="en-GB" dirty="0"/>
+              <a:t>Testing examples</a:t>
+            </a:r>
+          </a:p>
+        </p:txBody>
+      </p:sp>
+      <p:pic>
+        <p:nvPicPr>
+          <p:cNvPr id="7" name="Picture 6">
+            <a:extLst>
+              <a:ext uri="{FF2B5EF4-FFF2-40B4-BE49-F238E27FC236}">
+                <a16:creationId xmlns:a16="http://schemas.microsoft.com/office/drawing/2014/main" id="{FB60B380-806E-45B3-A622-66132F6711A0}"/>
+              </a:ext>
+            </a:extLst>
+          </p:cNvPr>
+          <p:cNvPicPr>
+            <a:picLocks noChangeAspect="1"/>
+          </p:cNvPicPr>
+          <p:nvPr/>
+        </p:nvPicPr>
+        <p:blipFill>
+          <a:blip r:embed="rId2">
+            <a:extLst>
+              <a:ext uri="{28A0092B-C50C-407E-A947-70E740481C1C}">
+                <a14:useLocalDpi xmlns:a14="http://schemas.microsoft.com/office/drawing/2010/main" val="0"/>
+              </a:ext>
+            </a:extLst>
+          </a:blip>
+          <a:stretch>
+            <a:fillRect/>
+          </a:stretch>
+        </p:blipFill>
+        <p:spPr>
+          <a:xfrm>
+            <a:off x="838200" y="3851662"/>
+            <a:ext cx="10515600" cy="1821676"/>
+          </a:xfrm>
+          <a:prstGeom prst="rect">
+            <a:avLst/>
+          </a:prstGeom>
+        </p:spPr>
+      </p:pic>
     </p:spTree>
     <p:extLst>
       <p:ext uri="{BB962C8B-B14F-4D97-AF65-F5344CB8AC3E}">
-        <p14:creationId xmlns:p14="http://schemas.microsoft.com/office/powerpoint/2010/main" val="3576162021"/>
+        <p14:creationId xmlns:p14="http://schemas.microsoft.com/office/powerpoint/2010/main" val="1851259042"/>
       </p:ext>
     </p:extLst>
   </p:cSld>
@@ -4763,98 +5908,6 @@
           <p:cNvPr id="2" name="Title 1">
             <a:extLst>
               <a:ext uri="{FF2B5EF4-FFF2-40B4-BE49-F238E27FC236}">
-                <a16:creationId xmlns:a16="http://schemas.microsoft.com/office/drawing/2014/main" id="{5E361197-E248-418B-A34A-C7D248278118}"/>
-              </a:ext>
-            </a:extLst>
-          </p:cNvPr>
-          <p:cNvSpPr>
-            <a:spLocks noGrp="1"/>
-          </p:cNvSpPr>
-          <p:nvPr>
-            <p:ph type="title"/>
-          </p:nvPr>
-        </p:nvSpPr>
-        <p:spPr/>
-        <p:txBody>
-          <a:bodyPr/>
-          <a:lstStyle/>
-          <a:p>
-            <a:r>
-              <a:rPr lang="en-GB" dirty="0"/>
-              <a:t>Design Process</a:t>
-            </a:r>
-          </a:p>
-        </p:txBody>
-      </p:sp>
-      <p:sp>
-        <p:nvSpPr>
-          <p:cNvPr id="3" name="Content Placeholder 2">
-            <a:extLst>
-              <a:ext uri="{FF2B5EF4-FFF2-40B4-BE49-F238E27FC236}">
-                <a16:creationId xmlns:a16="http://schemas.microsoft.com/office/drawing/2014/main" id="{562C6E1C-086F-4481-B59D-82D328D147F2}"/>
-              </a:ext>
-            </a:extLst>
-          </p:cNvPr>
-          <p:cNvSpPr>
-            <a:spLocks noGrp="1"/>
-          </p:cNvSpPr>
-          <p:nvPr>
-            <p:ph idx="1"/>
-          </p:nvPr>
-        </p:nvSpPr>
-        <p:spPr/>
-        <p:txBody>
-          <a:bodyPr/>
-          <a:lstStyle/>
-          <a:p>
-            <a:r>
-              <a:rPr lang="en-GB" dirty="0"/>
-              <a:t>Flowchart</a:t>
-            </a:r>
-          </a:p>
-          <a:p>
-            <a:r>
-              <a:rPr lang="en-GB" dirty="0"/>
-              <a:t>Testing examples</a:t>
-            </a:r>
-          </a:p>
-        </p:txBody>
-      </p:sp>
-    </p:spTree>
-    <p:extLst>
-      <p:ext uri="{BB962C8B-B14F-4D97-AF65-F5344CB8AC3E}">
-        <p14:creationId xmlns:p14="http://schemas.microsoft.com/office/powerpoint/2010/main" val="1851259042"/>
-      </p:ext>
-    </p:extLst>
-  </p:cSld>
-  <p:clrMapOvr>
-    <a:masterClrMapping/>
-  </p:clrMapOvr>
-</p:sld>
-</file>
-
-<file path=ppt/slides/slide9.xml><?xml version="1.0" encoding="utf-8"?>
-<p:sld xmlns:a="http://schemas.openxmlformats.org/drawingml/2006/main" xmlns:r="http://schemas.openxmlformats.org/officeDocument/2006/relationships" xmlns:p="http://schemas.openxmlformats.org/presentationml/2006/main">
-  <p:cSld>
-    <p:spTree>
-      <p:nvGrpSpPr>
-        <p:cNvPr id="1" name=""/>
-        <p:cNvGrpSpPr/>
-        <p:nvPr/>
-      </p:nvGrpSpPr>
-      <p:grpSpPr>
-        <a:xfrm>
-          <a:off x="0" y="0"/>
-          <a:ext cx="0" cy="0"/>
-          <a:chOff x="0" y="0"/>
-          <a:chExt cx="0" cy="0"/>
-        </a:xfrm>
-      </p:grpSpPr>
-      <p:sp>
-        <p:nvSpPr>
-          <p:cNvPr id="2" name="Title 1">
-            <a:extLst>
-              <a:ext uri="{FF2B5EF4-FFF2-40B4-BE49-F238E27FC236}">
                 <a16:creationId xmlns:a16="http://schemas.microsoft.com/office/drawing/2014/main" id="{DA7CCFCA-94DD-42C3-B45B-46973D394F11}"/>
               </a:ext>
             </a:extLst>
@@ -4921,13 +5974,7 @@
           <a:p>
             <a:r>
               <a:rPr lang="en-GB" dirty="0"/>
-              <a:t>Roles</a:t>
-            </a:r>
-          </a:p>
-          <a:p>
-            <a:r>
-              <a:rPr lang="en-GB" dirty="0"/>
-              <a:t>Responsibilities</a:t>
+              <a:t>Roles and Responsibilities</a:t>
             </a:r>
           </a:p>
           <a:p>
@@ -4950,14 +5997,14 @@
           <p:nvPr>
             <p:extLst>
               <p:ext uri="{D42A27DB-BD31-4B8C-83A1-F6EECF244321}">
-                <p14:modId xmlns:p14="http://schemas.microsoft.com/office/powerpoint/2010/main" val="2869641629"/>
+                <p14:modId xmlns:p14="http://schemas.microsoft.com/office/powerpoint/2010/main" val="2781767896"/>
               </p:ext>
             </p:extLst>
           </p:nvPr>
         </p:nvGraphicFramePr>
         <p:xfrm>
-          <a:off x="838200" y="4330224"/>
-          <a:ext cx="7211778" cy="1280160"/>
+          <a:off x="838200" y="5295424"/>
+          <a:ext cx="7211778" cy="1180911"/>
         </p:xfrm>
         <a:graphic>
           <a:graphicData uri="http://schemas.openxmlformats.org/drawingml/2006/table">
@@ -5060,12 +6107,12 @@
                         </a:spcAft>
                       </a:pPr>
                       <a:r>
-                        <a:rPr lang="en-GB" sz="1400">
+                        <a:rPr lang="en-GB" sz="1400" dirty="0">
                           <a:effectLst/>
                         </a:rPr>
                         <a:t>Project manager</a:t>
                       </a:r>
-                      <a:endParaRPr lang="en-GB" sz="1400">
+                      <a:endParaRPr lang="en-GB" sz="1400" dirty="0">
                         <a:effectLst/>
                         <a:latin typeface="Calibri" panose="020F0502020204030204" pitchFamily="34" charset="0"/>
                         <a:ea typeface="Calibri" panose="020F0502020204030204" pitchFamily="34" charset="0"/>
@@ -5650,10 +6697,351 @@
           </a:graphicData>
         </a:graphic>
       </p:graphicFrame>
+      <p:sp>
+        <p:nvSpPr>
+          <p:cNvPr id="6" name="Content Placeholder 2">
+            <a:extLst>
+              <a:ext uri="{FF2B5EF4-FFF2-40B4-BE49-F238E27FC236}">
+                <a16:creationId xmlns:a16="http://schemas.microsoft.com/office/drawing/2014/main" id="{F184F629-FE0E-4860-BE26-09BE87B9C91B}"/>
+              </a:ext>
+            </a:extLst>
+          </p:cNvPr>
+          <p:cNvSpPr txBox="1">
+            <a:spLocks/>
+          </p:cNvSpPr>
+          <p:nvPr/>
+        </p:nvSpPr>
+        <p:spPr>
+          <a:xfrm>
+            <a:off x="6298837" y="1690688"/>
+            <a:ext cx="5893163" cy="4351338"/>
+          </a:xfrm>
+          <a:prstGeom prst="rect">
+            <a:avLst/>
+          </a:prstGeom>
+        </p:spPr>
+        <p:txBody>
+          <a:bodyPr vert="horz" lIns="91440" tIns="45720" rIns="91440" bIns="45720" rtlCol="0">
+            <a:normAutofit/>
+          </a:bodyPr>
+          <a:lstStyle>
+            <a:lvl1pPr marL="228600" indent="-228600" algn="l" defTabSz="914400" rtl="0" eaLnBrk="1" latinLnBrk="0" hangingPunct="1">
+              <a:lnSpc>
+                <a:spcPct val="90000"/>
+              </a:lnSpc>
+              <a:spcBef>
+                <a:spcPts val="1000"/>
+              </a:spcBef>
+              <a:buFont typeface="Arial" panose="020B0604020202020204" pitchFamily="34" charset="0"/>
+              <a:buChar char="•"/>
+              <a:defRPr sz="2800" kern="1200">
+                <a:solidFill>
+                  <a:schemeClr val="tx1"/>
+                </a:solidFill>
+                <a:latin typeface="+mn-lt"/>
+                <a:ea typeface="+mn-ea"/>
+                <a:cs typeface="+mn-cs"/>
+              </a:defRPr>
+            </a:lvl1pPr>
+            <a:lvl2pPr marL="685800" indent="-228600" algn="l" defTabSz="914400" rtl="0" eaLnBrk="1" latinLnBrk="0" hangingPunct="1">
+              <a:lnSpc>
+                <a:spcPct val="90000"/>
+              </a:lnSpc>
+              <a:spcBef>
+                <a:spcPts val="500"/>
+              </a:spcBef>
+              <a:buFont typeface="Arial" panose="020B0604020202020204" pitchFamily="34" charset="0"/>
+              <a:buChar char="•"/>
+              <a:defRPr sz="2400" kern="1200">
+                <a:solidFill>
+                  <a:schemeClr val="tx1"/>
+                </a:solidFill>
+                <a:latin typeface="+mn-lt"/>
+                <a:ea typeface="+mn-ea"/>
+                <a:cs typeface="+mn-cs"/>
+              </a:defRPr>
+            </a:lvl2pPr>
+            <a:lvl3pPr marL="1143000" indent="-228600" algn="l" defTabSz="914400" rtl="0" eaLnBrk="1" latinLnBrk="0" hangingPunct="1">
+              <a:lnSpc>
+                <a:spcPct val="90000"/>
+              </a:lnSpc>
+              <a:spcBef>
+                <a:spcPts val="500"/>
+              </a:spcBef>
+              <a:buFont typeface="Arial" panose="020B0604020202020204" pitchFamily="34" charset="0"/>
+              <a:buChar char="•"/>
+              <a:defRPr sz="2000" kern="1200">
+                <a:solidFill>
+                  <a:schemeClr val="tx1"/>
+                </a:solidFill>
+                <a:latin typeface="+mn-lt"/>
+                <a:ea typeface="+mn-ea"/>
+                <a:cs typeface="+mn-cs"/>
+              </a:defRPr>
+            </a:lvl3pPr>
+            <a:lvl4pPr marL="1600200" indent="-228600" algn="l" defTabSz="914400" rtl="0" eaLnBrk="1" latinLnBrk="0" hangingPunct="1">
+              <a:lnSpc>
+                <a:spcPct val="90000"/>
+              </a:lnSpc>
+              <a:spcBef>
+                <a:spcPts val="500"/>
+              </a:spcBef>
+              <a:buFont typeface="Arial" panose="020B0604020202020204" pitchFamily="34" charset="0"/>
+              <a:buChar char="•"/>
+              <a:defRPr sz="1800" kern="1200">
+                <a:solidFill>
+                  <a:schemeClr val="tx1"/>
+                </a:solidFill>
+                <a:latin typeface="+mn-lt"/>
+                <a:ea typeface="+mn-ea"/>
+                <a:cs typeface="+mn-cs"/>
+              </a:defRPr>
+            </a:lvl4pPr>
+            <a:lvl5pPr marL="2057400" indent="-228600" algn="l" defTabSz="914400" rtl="0" eaLnBrk="1" latinLnBrk="0" hangingPunct="1">
+              <a:lnSpc>
+                <a:spcPct val="90000"/>
+              </a:lnSpc>
+              <a:spcBef>
+                <a:spcPts val="500"/>
+              </a:spcBef>
+              <a:buFont typeface="Arial" panose="020B0604020202020204" pitchFamily="34" charset="0"/>
+              <a:buChar char="•"/>
+              <a:defRPr sz="1800" kern="1200">
+                <a:solidFill>
+                  <a:schemeClr val="tx1"/>
+                </a:solidFill>
+                <a:latin typeface="+mn-lt"/>
+                <a:ea typeface="+mn-ea"/>
+                <a:cs typeface="+mn-cs"/>
+              </a:defRPr>
+            </a:lvl5pPr>
+            <a:lvl6pPr marL="2514600" indent="-228600" algn="l" defTabSz="914400" rtl="0" eaLnBrk="1" latinLnBrk="0" hangingPunct="1">
+              <a:lnSpc>
+                <a:spcPct val="90000"/>
+              </a:lnSpc>
+              <a:spcBef>
+                <a:spcPts val="500"/>
+              </a:spcBef>
+              <a:buFont typeface="Arial" panose="020B0604020202020204" pitchFamily="34" charset="0"/>
+              <a:buChar char="•"/>
+              <a:defRPr sz="1800" kern="1200">
+                <a:solidFill>
+                  <a:schemeClr val="tx1"/>
+                </a:solidFill>
+                <a:latin typeface="+mn-lt"/>
+                <a:ea typeface="+mn-ea"/>
+                <a:cs typeface="+mn-cs"/>
+              </a:defRPr>
+            </a:lvl6pPr>
+            <a:lvl7pPr marL="2971800" indent="-228600" algn="l" defTabSz="914400" rtl="0" eaLnBrk="1" latinLnBrk="0" hangingPunct="1">
+              <a:lnSpc>
+                <a:spcPct val="90000"/>
+              </a:lnSpc>
+              <a:spcBef>
+                <a:spcPts val="500"/>
+              </a:spcBef>
+              <a:buFont typeface="Arial" panose="020B0604020202020204" pitchFamily="34" charset="0"/>
+              <a:buChar char="•"/>
+              <a:defRPr sz="1800" kern="1200">
+                <a:solidFill>
+                  <a:schemeClr val="tx1"/>
+                </a:solidFill>
+                <a:latin typeface="+mn-lt"/>
+                <a:ea typeface="+mn-ea"/>
+                <a:cs typeface="+mn-cs"/>
+              </a:defRPr>
+            </a:lvl7pPr>
+            <a:lvl8pPr marL="3429000" indent="-228600" algn="l" defTabSz="914400" rtl="0" eaLnBrk="1" latinLnBrk="0" hangingPunct="1">
+              <a:lnSpc>
+                <a:spcPct val="90000"/>
+              </a:lnSpc>
+              <a:spcBef>
+                <a:spcPts val="500"/>
+              </a:spcBef>
+              <a:buFont typeface="Arial" panose="020B0604020202020204" pitchFamily="34" charset="0"/>
+              <a:buChar char="•"/>
+              <a:defRPr sz="1800" kern="1200">
+                <a:solidFill>
+                  <a:schemeClr val="tx1"/>
+                </a:solidFill>
+                <a:latin typeface="+mn-lt"/>
+                <a:ea typeface="+mn-ea"/>
+                <a:cs typeface="+mn-cs"/>
+              </a:defRPr>
+            </a:lvl8pPr>
+            <a:lvl9pPr marL="3886200" indent="-228600" algn="l" defTabSz="914400" rtl="0" eaLnBrk="1" latinLnBrk="0" hangingPunct="1">
+              <a:lnSpc>
+                <a:spcPct val="90000"/>
+              </a:lnSpc>
+              <a:spcBef>
+                <a:spcPts val="500"/>
+              </a:spcBef>
+              <a:buFont typeface="Arial" panose="020B0604020202020204" pitchFamily="34" charset="0"/>
+              <a:buChar char="•"/>
+              <a:defRPr sz="1800" kern="1200">
+                <a:solidFill>
+                  <a:schemeClr val="tx1"/>
+                </a:solidFill>
+                <a:latin typeface="+mn-lt"/>
+                <a:ea typeface="+mn-ea"/>
+                <a:cs typeface="+mn-cs"/>
+              </a:defRPr>
+            </a:lvl9pPr>
+          </a:lstStyle>
+          <a:p>
+            <a:r>
+              <a:rPr lang="en-GB" dirty="0"/>
+              <a:t>Example - Systems architect:</a:t>
+            </a:r>
+          </a:p>
+          <a:p>
+            <a:pPr lvl="1"/>
+            <a:r>
+              <a:rPr lang="en-GB" dirty="0"/>
+              <a:t>High-level design of system architecture  </a:t>
+            </a:r>
+          </a:p>
+          <a:p>
+            <a:pPr lvl="1"/>
+            <a:r>
+              <a:rPr lang="en-GB" dirty="0"/>
+              <a:t>Identifying and specifying requirements of software subsystems</a:t>
+            </a:r>
+          </a:p>
+          <a:p>
+            <a:pPr lvl="1"/>
+            <a:r>
+              <a:rPr lang="en-GB" dirty="0"/>
+              <a:t>Structuring software subsystems</a:t>
+            </a:r>
+          </a:p>
+          <a:p>
+            <a:pPr lvl="1"/>
+            <a:r>
+              <a:rPr lang="en-GB" dirty="0"/>
+              <a:t>Specifying requirements of subsystem interfaces</a:t>
+            </a:r>
+          </a:p>
+          <a:p>
+            <a:pPr lvl="1"/>
+            <a:r>
+              <a:rPr lang="en-GB" dirty="0"/>
+              <a:t>Testing the interaction between subsystems </a:t>
+            </a:r>
+          </a:p>
+          <a:p>
+            <a:pPr marL="0" indent="0">
+              <a:buNone/>
+            </a:pPr>
+            <a:endParaRPr lang="en-GB" dirty="0"/>
+          </a:p>
+        </p:txBody>
+      </p:sp>
     </p:spTree>
     <p:extLst>
       <p:ext uri="{BB962C8B-B14F-4D97-AF65-F5344CB8AC3E}">
         <p14:creationId xmlns:p14="http://schemas.microsoft.com/office/powerpoint/2010/main" val="3525315034"/>
+      </p:ext>
+    </p:extLst>
+  </p:cSld>
+  <p:clrMapOvr>
+    <a:masterClrMapping/>
+  </p:clrMapOvr>
+</p:sld>
+</file>
+
+<file path=ppt/slides/slide9.xml><?xml version="1.0" encoding="utf-8"?>
+<p:sld xmlns:a="http://schemas.openxmlformats.org/drawingml/2006/main" xmlns:r="http://schemas.openxmlformats.org/officeDocument/2006/relationships" xmlns:p="http://schemas.openxmlformats.org/presentationml/2006/main">
+  <p:cSld>
+    <p:spTree>
+      <p:nvGrpSpPr>
+        <p:cNvPr id="1" name=""/>
+        <p:cNvGrpSpPr/>
+        <p:nvPr/>
+      </p:nvGrpSpPr>
+      <p:grpSpPr>
+        <a:xfrm>
+          <a:off x="0" y="0"/>
+          <a:ext cx="0" cy="0"/>
+          <a:chOff x="0" y="0"/>
+          <a:chExt cx="0" cy="0"/>
+        </a:xfrm>
+      </p:grpSpPr>
+      <p:sp>
+        <p:nvSpPr>
+          <p:cNvPr id="2" name="Title 1">
+            <a:extLst>
+              <a:ext uri="{FF2B5EF4-FFF2-40B4-BE49-F238E27FC236}">
+                <a16:creationId xmlns:a16="http://schemas.microsoft.com/office/drawing/2014/main" id="{C4426C5B-5FD0-4820-8F36-682718FAC9B6}"/>
+              </a:ext>
+            </a:extLst>
+          </p:cNvPr>
+          <p:cNvSpPr>
+            <a:spLocks noGrp="1"/>
+          </p:cNvSpPr>
+          <p:nvPr>
+            <p:ph type="title"/>
+          </p:nvPr>
+        </p:nvSpPr>
+        <p:spPr/>
+        <p:txBody>
+          <a:bodyPr/>
+          <a:lstStyle/>
+          <a:p>
+            <a:r>
+              <a:rPr lang="en-GB" dirty="0"/>
+              <a:t>Risk Management</a:t>
+            </a:r>
+          </a:p>
+        </p:txBody>
+      </p:sp>
+      <p:sp>
+        <p:nvSpPr>
+          <p:cNvPr id="3" name="Content Placeholder 2">
+            <a:extLst>
+              <a:ext uri="{FF2B5EF4-FFF2-40B4-BE49-F238E27FC236}">
+                <a16:creationId xmlns:a16="http://schemas.microsoft.com/office/drawing/2014/main" id="{9281A21C-67FB-42E2-BBFF-6D2AAD1F2509}"/>
+              </a:ext>
+            </a:extLst>
+          </p:cNvPr>
+          <p:cNvSpPr>
+            <a:spLocks noGrp="1"/>
+          </p:cNvSpPr>
+          <p:nvPr>
+            <p:ph idx="1"/>
+          </p:nvPr>
+        </p:nvSpPr>
+        <p:spPr/>
+        <p:txBody>
+          <a:bodyPr/>
+          <a:lstStyle/>
+          <a:p>
+            <a:r>
+              <a:rPr lang="en-GB" dirty="0"/>
+              <a:t>Brainstormed potential risks to project</a:t>
+            </a:r>
+          </a:p>
+          <a:p>
+            <a:r>
+              <a:rPr lang="en-GB" dirty="0"/>
+              <a:t>Gave each risk a probability and impact score</a:t>
+            </a:r>
+          </a:p>
+          <a:p>
+            <a:r>
+              <a:rPr lang="en-GB" dirty="0"/>
+              <a:t>Risk priority is the product of the probability of the risk occurring and its potential impact</a:t>
+            </a:r>
+          </a:p>
+          <a:p>
+            <a:endParaRPr lang="en-GB" dirty="0"/>
+          </a:p>
+        </p:txBody>
+      </p:sp>
+    </p:spTree>
+    <p:extLst>
+      <p:ext uri="{BB962C8B-B14F-4D97-AF65-F5344CB8AC3E}">
+        <p14:creationId xmlns:p14="http://schemas.microsoft.com/office/powerpoint/2010/main" val="1615877266"/>
       </p:ext>
     </p:extLst>
   </p:cSld>
@@ -5956,4 +7344,299 @@
     </a:ext>
   </a:extLst>
 </a:theme>
+</file>
+
+<file path=ppt/theme/theme2.xml><?xml version="1.0" encoding="utf-8"?>
+<a:theme xmlns:a="http://schemas.openxmlformats.org/drawingml/2006/main" name="Office Theme">
+  <a:themeElements>
+    <a:clrScheme name="Office">
+      <a:dk1>
+        <a:sysClr val="windowText" lastClr="000000"/>
+      </a:dk1>
+      <a:lt1>
+        <a:sysClr val="window" lastClr="FFFFFF"/>
+      </a:lt1>
+      <a:dk2>
+        <a:srgbClr val="44546A"/>
+      </a:dk2>
+      <a:lt2>
+        <a:srgbClr val="E7E6E6"/>
+      </a:lt2>
+      <a:accent1>
+        <a:srgbClr val="4472C4"/>
+      </a:accent1>
+      <a:accent2>
+        <a:srgbClr val="ED7D31"/>
+      </a:accent2>
+      <a:accent3>
+        <a:srgbClr val="A5A5A5"/>
+      </a:accent3>
+      <a:accent4>
+        <a:srgbClr val="FFC000"/>
+      </a:accent4>
+      <a:accent5>
+        <a:srgbClr val="5B9BD5"/>
+      </a:accent5>
+      <a:accent6>
+        <a:srgbClr val="70AD47"/>
+      </a:accent6>
+      <a:hlink>
+        <a:srgbClr val="0563C1"/>
+      </a:hlink>
+      <a:folHlink>
+        <a:srgbClr val="954F72"/>
+      </a:folHlink>
+    </a:clrScheme>
+    <a:fontScheme name="Office">
+      <a:majorFont>
+        <a:latin typeface="Calibri Light" panose="020F0302020204030204"/>
+        <a:ea typeface=""/>
+        <a:cs typeface=""/>
+        <a:font script="Jpan" typeface="游ゴシック Light"/>
+        <a:font script="Hang" typeface="맑은 고딕"/>
+        <a:font script="Hans" typeface="等线 Light"/>
+        <a:font script="Hant" typeface="新細明體"/>
+        <a:font script="Arab" typeface="Times New Roman"/>
+        <a:font script="Hebr" typeface="Times New Roman"/>
+        <a:font script="Thai" typeface="Angsana New"/>
+        <a:font script="Ethi" typeface="Nyala"/>
+        <a:font script="Beng" typeface="Vrinda"/>
+        <a:font script="Gujr" typeface="Shruti"/>
+        <a:font script="Khmr" typeface="MoolBoran"/>
+        <a:font script="Knda" typeface="Tunga"/>
+        <a:font script="Guru" typeface="Raavi"/>
+        <a:font script="Cans" typeface="Euphemia"/>
+        <a:font script="Cher" typeface="Plantagenet Cherokee"/>
+        <a:font script="Yiii" typeface="Microsoft Yi Baiti"/>
+        <a:font script="Tibt" typeface="Microsoft Himalaya"/>
+        <a:font script="Thaa" typeface="MV Boli"/>
+        <a:font script="Deva" typeface="Mangal"/>
+        <a:font script="Telu" typeface="Gautami"/>
+        <a:font script="Taml" typeface="Latha"/>
+        <a:font script="Syrc" typeface="Estrangelo Edessa"/>
+        <a:font script="Orya" typeface="Kalinga"/>
+        <a:font script="Mlym" typeface="Kartika"/>
+        <a:font script="Laoo" typeface="DokChampa"/>
+        <a:font script="Sinh" typeface="Iskoola Pota"/>
+        <a:font script="Mong" typeface="Mongolian Baiti"/>
+        <a:font script="Viet" typeface="Times New Roman"/>
+        <a:font script="Uigh" typeface="Microsoft Uighur"/>
+        <a:font script="Geor" typeface="Sylfaen"/>
+        <a:font script="Armn" typeface="Arial"/>
+        <a:font script="Bugi" typeface="Leelawadee UI"/>
+        <a:font script="Bopo" typeface="Microsoft JhengHei"/>
+        <a:font script="Java" typeface="Javanese Text"/>
+        <a:font script="Lisu" typeface="Segoe UI"/>
+        <a:font script="Mymr" typeface="Myanmar Text"/>
+        <a:font script="Nkoo" typeface="Ebrima"/>
+        <a:font script="Olck" typeface="Nirmala UI"/>
+        <a:font script="Osma" typeface="Ebrima"/>
+        <a:font script="Phag" typeface="Phagspa"/>
+        <a:font script="Syrn" typeface="Estrangelo Edessa"/>
+        <a:font script="Syrj" typeface="Estrangelo Edessa"/>
+        <a:font script="Syre" typeface="Estrangelo Edessa"/>
+        <a:font script="Sora" typeface="Nirmala UI"/>
+        <a:font script="Tale" typeface="Microsoft Tai Le"/>
+        <a:font script="Talu" typeface="Microsoft New Tai Lue"/>
+        <a:font script="Tfng" typeface="Ebrima"/>
+      </a:majorFont>
+      <a:minorFont>
+        <a:latin typeface="Calibri" panose="020F0502020204030204"/>
+        <a:ea typeface=""/>
+        <a:cs typeface=""/>
+        <a:font script="Jpan" typeface="游ゴシック"/>
+        <a:font script="Hang" typeface="맑은 고딕"/>
+        <a:font script="Hans" typeface="等线"/>
+        <a:font script="Hant" typeface="新細明體"/>
+        <a:font script="Arab" typeface="Arial"/>
+        <a:font script="Hebr" typeface="Arial"/>
+        <a:font script="Thai" typeface="Cordia New"/>
+        <a:font script="Ethi" typeface="Nyala"/>
+        <a:font script="Beng" typeface="Vrinda"/>
+        <a:font script="Gujr" typeface="Shruti"/>
+        <a:font script="Khmr" typeface="DaunPenh"/>
+        <a:font script="Knda" typeface="Tunga"/>
+        <a:font script="Guru" typeface="Raavi"/>
+        <a:font script="Cans" typeface="Euphemia"/>
+        <a:font script="Cher" typeface="Plantagenet Cherokee"/>
+        <a:font script="Yiii" typeface="Microsoft Yi Baiti"/>
+        <a:font script="Tibt" typeface="Microsoft Himalaya"/>
+        <a:font script="Thaa" typeface="MV Boli"/>
+        <a:font script="Deva" typeface="Mangal"/>
+        <a:font script="Telu" typeface="Gautami"/>
+        <a:font script="Taml" typeface="Latha"/>
+        <a:font script="Syrc" typeface="Estrangelo Edessa"/>
+        <a:font script="Orya" typeface="Kalinga"/>
+        <a:font script="Mlym" typeface="Kartika"/>
+        <a:font script="Laoo" typeface="DokChampa"/>
+        <a:font script="Sinh" typeface="Iskoola Pota"/>
+        <a:font script="Mong" typeface="Mongolian Baiti"/>
+        <a:font script="Viet" typeface="Arial"/>
+        <a:font script="Uigh" typeface="Microsoft Uighur"/>
+        <a:font script="Geor" typeface="Sylfaen"/>
+        <a:font script="Armn" typeface="Arial"/>
+        <a:font script="Bugi" typeface="Leelawadee UI"/>
+        <a:font script="Bopo" typeface="Microsoft JhengHei"/>
+        <a:font script="Java" typeface="Javanese Text"/>
+        <a:font script="Lisu" typeface="Segoe UI"/>
+        <a:font script="Mymr" typeface="Myanmar Text"/>
+        <a:font script="Nkoo" typeface="Ebrima"/>
+        <a:font script="Olck" typeface="Nirmala UI"/>
+        <a:font script="Osma" typeface="Ebrima"/>
+        <a:font script="Phag" typeface="Phagspa"/>
+        <a:font script="Syrn" typeface="Estrangelo Edessa"/>
+        <a:font script="Syrj" typeface="Estrangelo Edessa"/>
+        <a:font script="Syre" typeface="Estrangelo Edessa"/>
+        <a:font script="Sora" typeface="Nirmala UI"/>
+        <a:font script="Tale" typeface="Microsoft Tai Le"/>
+        <a:font script="Talu" typeface="Microsoft New Tai Lue"/>
+        <a:font script="Tfng" typeface="Ebrima"/>
+      </a:minorFont>
+    </a:fontScheme>
+    <a:fmtScheme name="Office">
+      <a:fillStyleLst>
+        <a:solidFill>
+          <a:schemeClr val="phClr"/>
+        </a:solidFill>
+        <a:gradFill rotWithShape="1">
+          <a:gsLst>
+            <a:gs pos="0">
+              <a:schemeClr val="phClr">
+                <a:lumMod val="110000"/>
+                <a:satMod val="105000"/>
+                <a:tint val="67000"/>
+              </a:schemeClr>
+            </a:gs>
+            <a:gs pos="50000">
+              <a:schemeClr val="phClr">
+                <a:lumMod val="105000"/>
+                <a:satMod val="103000"/>
+                <a:tint val="73000"/>
+              </a:schemeClr>
+            </a:gs>
+            <a:gs pos="100000">
+              <a:schemeClr val="phClr">
+                <a:lumMod val="105000"/>
+                <a:satMod val="109000"/>
+                <a:tint val="81000"/>
+              </a:schemeClr>
+            </a:gs>
+          </a:gsLst>
+          <a:lin ang="5400000" scaled="0"/>
+        </a:gradFill>
+        <a:gradFill rotWithShape="1">
+          <a:gsLst>
+            <a:gs pos="0">
+              <a:schemeClr val="phClr">
+                <a:satMod val="103000"/>
+                <a:lumMod val="102000"/>
+                <a:tint val="94000"/>
+              </a:schemeClr>
+            </a:gs>
+            <a:gs pos="50000">
+              <a:schemeClr val="phClr">
+                <a:satMod val="110000"/>
+                <a:lumMod val="100000"/>
+                <a:shade val="100000"/>
+              </a:schemeClr>
+            </a:gs>
+            <a:gs pos="100000">
+              <a:schemeClr val="phClr">
+                <a:lumMod val="99000"/>
+                <a:satMod val="120000"/>
+                <a:shade val="78000"/>
+              </a:schemeClr>
+            </a:gs>
+          </a:gsLst>
+          <a:lin ang="5400000" scaled="0"/>
+        </a:gradFill>
+      </a:fillStyleLst>
+      <a:lnStyleLst>
+        <a:ln w="6350" cap="flat" cmpd="sng" algn="ctr">
+          <a:solidFill>
+            <a:schemeClr val="phClr"/>
+          </a:solidFill>
+          <a:prstDash val="solid"/>
+          <a:miter lim="800000"/>
+        </a:ln>
+        <a:ln w="12700" cap="flat" cmpd="sng" algn="ctr">
+          <a:solidFill>
+            <a:schemeClr val="phClr"/>
+          </a:solidFill>
+          <a:prstDash val="solid"/>
+          <a:miter lim="800000"/>
+        </a:ln>
+        <a:ln w="19050" cap="flat" cmpd="sng" algn="ctr">
+          <a:solidFill>
+            <a:schemeClr val="phClr"/>
+          </a:solidFill>
+          <a:prstDash val="solid"/>
+          <a:miter lim="800000"/>
+        </a:ln>
+      </a:lnStyleLst>
+      <a:effectStyleLst>
+        <a:effectStyle>
+          <a:effectLst/>
+        </a:effectStyle>
+        <a:effectStyle>
+          <a:effectLst/>
+        </a:effectStyle>
+        <a:effectStyle>
+          <a:effectLst>
+            <a:outerShdw blurRad="57150" dist="19050" dir="5400000" algn="ctr" rotWithShape="0">
+              <a:srgbClr val="000000">
+                <a:alpha val="63000"/>
+              </a:srgbClr>
+            </a:outerShdw>
+          </a:effectLst>
+        </a:effectStyle>
+      </a:effectStyleLst>
+      <a:bgFillStyleLst>
+        <a:solidFill>
+          <a:schemeClr val="phClr"/>
+        </a:solidFill>
+        <a:solidFill>
+          <a:schemeClr val="phClr">
+            <a:tint val="95000"/>
+            <a:satMod val="170000"/>
+          </a:schemeClr>
+        </a:solidFill>
+        <a:gradFill rotWithShape="1">
+          <a:gsLst>
+            <a:gs pos="0">
+              <a:schemeClr val="phClr">
+                <a:tint val="93000"/>
+                <a:satMod val="150000"/>
+                <a:shade val="98000"/>
+                <a:lumMod val="102000"/>
+              </a:schemeClr>
+            </a:gs>
+            <a:gs pos="50000">
+              <a:schemeClr val="phClr">
+                <a:tint val="98000"/>
+                <a:satMod val="130000"/>
+                <a:shade val="90000"/>
+                <a:lumMod val="103000"/>
+              </a:schemeClr>
+            </a:gs>
+            <a:gs pos="100000">
+              <a:schemeClr val="phClr">
+                <a:shade val="63000"/>
+                <a:satMod val="120000"/>
+              </a:schemeClr>
+            </a:gs>
+          </a:gsLst>
+          <a:lin ang="5400000" scaled="0"/>
+        </a:gradFill>
+      </a:bgFillStyleLst>
+    </a:fmtScheme>
+  </a:themeElements>
+  <a:objectDefaults/>
+  <a:extraClrSchemeLst/>
+  <a:extLst>
+    <a:ext uri="{05A4C25C-085E-4340-85A3-A5531E510DB2}">
+      <thm15:themeFamily xmlns:thm15="http://schemas.microsoft.com/office/thememl/2012/main" name="Office Theme" id="{62F939B6-93AF-4DB8-9C6B-D6C7DFDC589F}" vid="{4A3C46E8-61CC-4603-A589-7422A47A8E4A}"/>
+    </a:ext>
+  </a:extLst>
+</a:theme>
 </file>
--- a/IP and exec plan presentation/IP-execc-plan-presentation.pptx
+++ b/IP and exec plan presentation/IP-execc-plan-presentation.pptx
@@ -1220,6 +1220,18 @@
   <p:clrMapOvr>
     <a:masterClrMapping/>
   </p:clrMapOvr>
+  <mc:AlternateContent xmlns:mc="http://schemas.openxmlformats.org/markup-compatibility/2006">
+    <mc:Choice xmlns:p14="http://schemas.microsoft.com/office/powerpoint/2010/main" Requires="p14">
+      <p:transition spd="med" p14:dur="700">
+        <p:fade/>
+      </p:transition>
+    </mc:Choice>
+    <mc:Fallback>
+      <p:transition spd="med">
+        <p:fade/>
+      </p:transition>
+    </mc:Fallback>
+  </mc:AlternateContent>
 </p:sldLayout>
 </file>
 
@@ -1420,6 +1432,18 @@
   <p:clrMapOvr>
     <a:masterClrMapping/>
   </p:clrMapOvr>
+  <mc:AlternateContent xmlns:mc="http://schemas.openxmlformats.org/markup-compatibility/2006">
+    <mc:Choice xmlns:p14="http://schemas.microsoft.com/office/powerpoint/2010/main" Requires="p14">
+      <p:transition spd="med" p14:dur="700">
+        <p:fade/>
+      </p:transition>
+    </mc:Choice>
+    <mc:Fallback>
+      <p:transition spd="med">
+        <p:fade/>
+      </p:transition>
+    </mc:Fallback>
+  </mc:AlternateContent>
 </p:sldLayout>
 </file>
 
@@ -1630,6 +1654,18 @@
   <p:clrMapOvr>
     <a:masterClrMapping/>
   </p:clrMapOvr>
+  <mc:AlternateContent xmlns:mc="http://schemas.openxmlformats.org/markup-compatibility/2006">
+    <mc:Choice xmlns:p14="http://schemas.microsoft.com/office/powerpoint/2010/main" Requires="p14">
+      <p:transition spd="med" p14:dur="700">
+        <p:fade/>
+      </p:transition>
+    </mc:Choice>
+    <mc:Fallback>
+      <p:transition spd="med">
+        <p:fade/>
+      </p:transition>
+    </mc:Fallback>
+  </mc:AlternateContent>
 </p:sldLayout>
 </file>
 
@@ -1830,6 +1866,18 @@
   <p:clrMapOvr>
     <a:masterClrMapping/>
   </p:clrMapOvr>
+  <mc:AlternateContent xmlns:mc="http://schemas.openxmlformats.org/markup-compatibility/2006">
+    <mc:Choice xmlns:p14="http://schemas.microsoft.com/office/powerpoint/2010/main" Requires="p14">
+      <p:transition spd="med" p14:dur="700">
+        <p:fade/>
+      </p:transition>
+    </mc:Choice>
+    <mc:Fallback>
+      <p:transition spd="med">
+        <p:fade/>
+      </p:transition>
+    </mc:Fallback>
+  </mc:AlternateContent>
 </p:sldLayout>
 </file>
 
@@ -2106,6 +2154,18 @@
   <p:clrMapOvr>
     <a:masterClrMapping/>
   </p:clrMapOvr>
+  <mc:AlternateContent xmlns:mc="http://schemas.openxmlformats.org/markup-compatibility/2006">
+    <mc:Choice xmlns:p14="http://schemas.microsoft.com/office/powerpoint/2010/main" Requires="p14">
+      <p:transition spd="med" p14:dur="700">
+        <p:fade/>
+      </p:transition>
+    </mc:Choice>
+    <mc:Fallback>
+      <p:transition spd="med">
+        <p:fade/>
+      </p:transition>
+    </mc:Fallback>
+  </mc:AlternateContent>
 </p:sldLayout>
 </file>
 
@@ -2374,6 +2434,18 @@
   <p:clrMapOvr>
     <a:masterClrMapping/>
   </p:clrMapOvr>
+  <mc:AlternateContent xmlns:mc="http://schemas.openxmlformats.org/markup-compatibility/2006">
+    <mc:Choice xmlns:p14="http://schemas.microsoft.com/office/powerpoint/2010/main" Requires="p14">
+      <p:transition spd="med" p14:dur="700">
+        <p:fade/>
+      </p:transition>
+    </mc:Choice>
+    <mc:Fallback>
+      <p:transition spd="med">
+        <p:fade/>
+      </p:transition>
+    </mc:Fallback>
+  </mc:AlternateContent>
 </p:sldLayout>
 </file>
 
@@ -2789,6 +2861,18 @@
   <p:clrMapOvr>
     <a:masterClrMapping/>
   </p:clrMapOvr>
+  <mc:AlternateContent xmlns:mc="http://schemas.openxmlformats.org/markup-compatibility/2006">
+    <mc:Choice xmlns:p14="http://schemas.microsoft.com/office/powerpoint/2010/main" Requires="p14">
+      <p:transition spd="med" p14:dur="700">
+        <p:fade/>
+      </p:transition>
+    </mc:Choice>
+    <mc:Fallback>
+      <p:transition spd="med">
+        <p:fade/>
+      </p:transition>
+    </mc:Fallback>
+  </mc:AlternateContent>
 </p:sldLayout>
 </file>
 
@@ -2931,6 +3015,18 @@
   <p:clrMapOvr>
     <a:masterClrMapping/>
   </p:clrMapOvr>
+  <mc:AlternateContent xmlns:mc="http://schemas.openxmlformats.org/markup-compatibility/2006">
+    <mc:Choice xmlns:p14="http://schemas.microsoft.com/office/powerpoint/2010/main" Requires="p14">
+      <p:transition spd="med" p14:dur="700">
+        <p:fade/>
+      </p:transition>
+    </mc:Choice>
+    <mc:Fallback>
+      <p:transition spd="med">
+        <p:fade/>
+      </p:transition>
+    </mc:Fallback>
+  </mc:AlternateContent>
 </p:sldLayout>
 </file>
 
@@ -3044,6 +3140,18 @@
   <p:clrMapOvr>
     <a:masterClrMapping/>
   </p:clrMapOvr>
+  <mc:AlternateContent xmlns:mc="http://schemas.openxmlformats.org/markup-compatibility/2006">
+    <mc:Choice xmlns:p14="http://schemas.microsoft.com/office/powerpoint/2010/main" Requires="p14">
+      <p:transition spd="med" p14:dur="700">
+        <p:fade/>
+      </p:transition>
+    </mc:Choice>
+    <mc:Fallback>
+      <p:transition spd="med">
+        <p:fade/>
+      </p:transition>
+    </mc:Fallback>
+  </mc:AlternateContent>
 </p:sldLayout>
 </file>
 
@@ -3357,6 +3465,18 @@
   <p:clrMapOvr>
     <a:masterClrMapping/>
   </p:clrMapOvr>
+  <mc:AlternateContent xmlns:mc="http://schemas.openxmlformats.org/markup-compatibility/2006">
+    <mc:Choice xmlns:p14="http://schemas.microsoft.com/office/powerpoint/2010/main" Requires="p14">
+      <p:transition spd="med" p14:dur="700">
+        <p:fade/>
+      </p:transition>
+    </mc:Choice>
+    <mc:Fallback>
+      <p:transition spd="med">
+        <p:fade/>
+      </p:transition>
+    </mc:Fallback>
+  </mc:AlternateContent>
 </p:sldLayout>
 </file>
 
@@ -3646,6 +3766,18 @@
   <p:clrMapOvr>
     <a:masterClrMapping/>
   </p:clrMapOvr>
+  <mc:AlternateContent xmlns:mc="http://schemas.openxmlformats.org/markup-compatibility/2006">
+    <mc:Choice xmlns:p14="http://schemas.microsoft.com/office/powerpoint/2010/main" Requires="p14">
+      <p:transition spd="med" p14:dur="700">
+        <p:fade/>
+      </p:transition>
+    </mc:Choice>
+    <mc:Fallback>
+      <p:transition spd="med">
+        <p:fade/>
+      </p:transition>
+    </mc:Fallback>
+  </mc:AlternateContent>
 </p:sldLayout>
 </file>
 
@@ -3936,6 +4068,18 @@
     <p:sldLayoutId id="2147483658" r:id="rId10"/>
     <p:sldLayoutId id="2147483659" r:id="rId11"/>
   </p:sldLayoutIdLst>
+  <mc:AlternateContent xmlns:mc="http://schemas.openxmlformats.org/markup-compatibility/2006">
+    <mc:Choice xmlns:p14="http://schemas.microsoft.com/office/powerpoint/2010/main" Requires="p14">
+      <p:transition spd="med" p14:dur="700">
+        <p:fade/>
+      </p:transition>
+    </mc:Choice>
+    <mc:Fallback>
+      <p:transition spd="med">
+        <p:fade/>
+      </p:transition>
+    </mc:Fallback>
+  </mc:AlternateContent>
   <p:txStyles>
     <p:titleStyle>
       <a:lvl1pPr algn="l" defTabSz="914400" rtl="0" eaLnBrk="1" latinLnBrk="0" hangingPunct="1">
@@ -4510,6 +4654,18 @@
   <p:clrMapOvr>
     <a:masterClrMapping/>
   </p:clrMapOvr>
+  <mc:AlternateContent xmlns:mc="http://schemas.openxmlformats.org/markup-compatibility/2006">
+    <mc:Choice xmlns:p14="http://schemas.microsoft.com/office/powerpoint/2010/main" Requires="p14">
+      <p:transition spd="med" p14:dur="700">
+        <p:fade/>
+      </p:transition>
+    </mc:Choice>
+    <mc:Fallback>
+      <p:transition spd="med">
+        <p:fade/>
+      </p:transition>
+    </mc:Fallback>
+  </mc:AlternateContent>
 </p:sld>
 </file>
 
@@ -4604,6 +4760,104 @@
   <p:clrMapOvr>
     <a:masterClrMapping/>
   </p:clrMapOvr>
+  <mc:AlternateContent xmlns:mc="http://schemas.openxmlformats.org/markup-compatibility/2006">
+    <mc:Choice xmlns:p14="http://schemas.microsoft.com/office/powerpoint/2010/main" Requires="p14">
+      <p:transition spd="med" p14:dur="700">
+        <p:fade/>
+      </p:transition>
+    </mc:Choice>
+    <mc:Fallback>
+      <p:transition spd="med">
+        <p:fade/>
+      </p:transition>
+    </mc:Fallback>
+  </mc:AlternateContent>
+  <p:timing>
+    <p:tnLst>
+      <p:par>
+        <p:cTn id="1" dur="indefinite" restart="never" nodeType="tmRoot">
+          <p:childTnLst>
+            <p:seq concurrent="1" nextAc="seek">
+              <p:cTn id="2" dur="indefinite" nodeType="mainSeq">
+                <p:childTnLst>
+                  <p:par>
+                    <p:cTn id="3" fill="hold">
+                      <p:stCondLst>
+                        <p:cond delay="indefinite"/>
+                        <p:cond evt="onBegin" delay="0">
+                          <p:tn val="2"/>
+                        </p:cond>
+                      </p:stCondLst>
+                      <p:childTnLst>
+                        <p:par>
+                          <p:cTn id="4" fill="hold">
+                            <p:stCondLst>
+                              <p:cond delay="0"/>
+                            </p:stCondLst>
+                            <p:childTnLst>
+                              <p:par>
+                                <p:cTn id="5" presetID="10" presetClass="entr" presetSubtype="0" fill="hold" nodeType="afterEffect">
+                                  <p:stCondLst>
+                                    <p:cond delay="0"/>
+                                  </p:stCondLst>
+                                  <p:childTnLst>
+                                    <p:set>
+                                      <p:cBhvr>
+                                        <p:cTn id="6" dur="1" fill="hold">
+                                          <p:stCondLst>
+                                            <p:cond delay="0"/>
+                                          </p:stCondLst>
+                                        </p:cTn>
+                                        <p:tgtEl>
+                                          <p:spTgt spid="7"/>
+                                        </p:tgtEl>
+                                        <p:attrNameLst>
+                                          <p:attrName>style.visibility</p:attrName>
+                                        </p:attrNameLst>
+                                      </p:cBhvr>
+                                      <p:to>
+                                        <p:strVal val="visible"/>
+                                      </p:to>
+                                    </p:set>
+                                    <p:animEffect transition="in" filter="fade">
+                                      <p:cBhvr>
+                                        <p:cTn id="7" dur="500"/>
+                                        <p:tgtEl>
+                                          <p:spTgt spid="7"/>
+                                        </p:tgtEl>
+                                      </p:cBhvr>
+                                    </p:animEffect>
+                                  </p:childTnLst>
+                                </p:cTn>
+                              </p:par>
+                            </p:childTnLst>
+                          </p:cTn>
+                        </p:par>
+                      </p:childTnLst>
+                    </p:cTn>
+                  </p:par>
+                </p:childTnLst>
+              </p:cTn>
+              <p:prevCondLst>
+                <p:cond evt="onPrev" delay="0">
+                  <p:tgtEl>
+                    <p:sldTgt/>
+                  </p:tgtEl>
+                </p:cond>
+              </p:prevCondLst>
+              <p:nextCondLst>
+                <p:cond evt="onNext" delay="0">
+                  <p:tgtEl>
+                    <p:sldTgt/>
+                  </p:tgtEl>
+                </p:cond>
+              </p:nextCondLst>
+            </p:seq>
+          </p:childTnLst>
+        </p:cTn>
+      </p:par>
+    </p:tnLst>
+  </p:timing>
 </p:sld>
 </file>
 
@@ -4715,6 +4969,18 @@
   <p:clrMapOvr>
     <a:masterClrMapping/>
   </p:clrMapOvr>
+  <mc:AlternateContent xmlns:mc="http://schemas.openxmlformats.org/markup-compatibility/2006">
+    <mc:Choice xmlns:p14="http://schemas.microsoft.com/office/powerpoint/2010/main" Requires="p14">
+      <p:transition spd="med" p14:dur="700">
+        <p:fade/>
+      </p:transition>
+    </mc:Choice>
+    <mc:Fallback>
+      <p:transition spd="med">
+        <p:fade/>
+      </p:transition>
+    </mc:Fallback>
+  </mc:AlternateContent>
 </p:sld>
 </file>
 
@@ -4791,6 +5057,42 @@
           </a:p>
         </p:txBody>
       </p:sp>
+      <p:pic>
+        <p:nvPicPr>
+          <p:cNvPr id="5" name="Picture 4">
+            <a:extLst>
+              <a:ext uri="{FF2B5EF4-FFF2-40B4-BE49-F238E27FC236}">
+                <a16:creationId xmlns:a16="http://schemas.microsoft.com/office/drawing/2014/main" id="{38B63717-A065-4D0E-9FD8-5DA7C41CCC8D}"/>
+              </a:ext>
+            </a:extLst>
+          </p:cNvPr>
+          <p:cNvPicPr>
+            <a:picLocks noChangeAspect="1"/>
+          </p:cNvPicPr>
+          <p:nvPr/>
+        </p:nvPicPr>
+        <p:blipFill>
+          <a:blip r:embed="rId3">
+            <a:extLst>
+              <a:ext uri="{28A0092B-C50C-407E-A947-70E740481C1C}">
+                <a14:useLocalDpi xmlns:a14="http://schemas.microsoft.com/office/drawing/2010/main" val="0"/>
+              </a:ext>
+            </a:extLst>
+          </a:blip>
+          <a:stretch>
+            <a:fillRect/>
+          </a:stretch>
+        </p:blipFill>
+        <p:spPr>
+          <a:xfrm>
+            <a:off x="8125097" y="3670008"/>
+            <a:ext cx="2651033" cy="2506955"/>
+          </a:xfrm>
+          <a:prstGeom prst="rect">
+            <a:avLst/>
+          </a:prstGeom>
+        </p:spPr>
+      </p:pic>
     </p:spTree>
     <p:extLst>
       <p:ext uri="{BB962C8B-B14F-4D97-AF65-F5344CB8AC3E}">
@@ -4801,6 +5103,157 @@
   <p:clrMapOvr>
     <a:masterClrMapping/>
   </p:clrMapOvr>
+  <mc:AlternateContent xmlns:mc="http://schemas.openxmlformats.org/markup-compatibility/2006">
+    <mc:Choice xmlns:p14="http://schemas.microsoft.com/office/powerpoint/2010/main" Requires="p14">
+      <p:transition spd="med" p14:dur="700">
+        <p:fade/>
+      </p:transition>
+    </mc:Choice>
+    <mc:Fallback>
+      <p:transition spd="med">
+        <p:fade/>
+      </p:transition>
+    </mc:Fallback>
+  </mc:AlternateContent>
+  <p:timing>
+    <p:tnLst>
+      <p:par>
+        <p:cTn id="1" dur="indefinite" restart="never" nodeType="tmRoot">
+          <p:childTnLst>
+            <p:seq concurrent="1" nextAc="seek">
+              <p:cTn id="2" dur="indefinite" nodeType="mainSeq">
+                <p:childTnLst>
+                  <p:par>
+                    <p:cTn id="3" fill="hold">
+                      <p:stCondLst>
+                        <p:cond delay="indefinite"/>
+                        <p:cond evt="onBegin" delay="0">
+                          <p:tn val="2"/>
+                        </p:cond>
+                      </p:stCondLst>
+                      <p:childTnLst>
+                        <p:par>
+                          <p:cTn id="4" fill="hold">
+                            <p:stCondLst>
+                              <p:cond delay="0"/>
+                            </p:stCondLst>
+                            <p:childTnLst>
+                              <p:par>
+                                <p:cTn id="5" presetID="2" presetClass="entr" presetSubtype="2" fill="hold" grpId="0" nodeType="afterEffect">
+                                  <p:stCondLst>
+                                    <p:cond delay="0"/>
+                                  </p:stCondLst>
+                                  <p:childTnLst>
+                                    <p:set>
+                                      <p:cBhvr>
+                                        <p:cTn id="6" dur="1" fill="hold">
+                                          <p:stCondLst>
+                                            <p:cond delay="0"/>
+                                          </p:stCondLst>
+                                        </p:cTn>
+                                        <p:tgtEl>
+                                          <p:spTgt spid="3">
+                                            <p:txEl>
+                                              <p:pRg st="0" end="0"/>
+                                            </p:txEl>
+                                          </p:spTgt>
+                                        </p:tgtEl>
+                                        <p:attrNameLst>
+                                          <p:attrName>style.visibility</p:attrName>
+                                        </p:attrNameLst>
+                                      </p:cBhvr>
+                                      <p:to>
+                                        <p:strVal val="visible"/>
+                                      </p:to>
+                                    </p:set>
+                                    <p:anim calcmode="lin" valueType="num">
+                                      <p:cBhvr additive="base">
+                                        <p:cTn id="7" dur="500" fill="hold"/>
+                                        <p:tgtEl>
+                                          <p:spTgt spid="3">
+                                            <p:txEl>
+                                              <p:pRg st="0" end="0"/>
+                                            </p:txEl>
+                                          </p:spTgt>
+                                        </p:tgtEl>
+                                        <p:attrNameLst>
+                                          <p:attrName>ppt_x</p:attrName>
+                                        </p:attrNameLst>
+                                      </p:cBhvr>
+                                      <p:tavLst>
+                                        <p:tav tm="0">
+                                          <p:val>
+                                            <p:strVal val="1+#ppt_w/2"/>
+                                          </p:val>
+                                        </p:tav>
+                                        <p:tav tm="100000">
+                                          <p:val>
+                                            <p:strVal val="#ppt_x"/>
+                                          </p:val>
+                                        </p:tav>
+                                      </p:tavLst>
+                                    </p:anim>
+                                    <p:anim calcmode="lin" valueType="num">
+                                      <p:cBhvr additive="base">
+                                        <p:cTn id="8" dur="500" fill="hold"/>
+                                        <p:tgtEl>
+                                          <p:spTgt spid="3">
+                                            <p:txEl>
+                                              <p:pRg st="0" end="0"/>
+                                            </p:txEl>
+                                          </p:spTgt>
+                                        </p:tgtEl>
+                                        <p:attrNameLst>
+                                          <p:attrName>ppt_y</p:attrName>
+                                        </p:attrNameLst>
+                                      </p:cBhvr>
+                                      <p:tavLst>
+                                        <p:tav tm="0">
+                                          <p:val>
+                                            <p:strVal val="#ppt_y"/>
+                                          </p:val>
+                                        </p:tav>
+                                        <p:tav tm="100000">
+                                          <p:val>
+                                            <p:strVal val="#ppt_y"/>
+                                          </p:val>
+                                        </p:tav>
+                                      </p:tavLst>
+                                    </p:anim>
+                                  </p:childTnLst>
+                                </p:cTn>
+                              </p:par>
+                            </p:childTnLst>
+                          </p:cTn>
+                        </p:par>
+                      </p:childTnLst>
+                    </p:cTn>
+                  </p:par>
+                </p:childTnLst>
+              </p:cTn>
+              <p:prevCondLst>
+                <p:cond evt="onPrev" delay="0">
+                  <p:tgtEl>
+                    <p:sldTgt/>
+                  </p:tgtEl>
+                </p:cond>
+              </p:prevCondLst>
+              <p:nextCondLst>
+                <p:cond evt="onNext" delay="0">
+                  <p:tgtEl>
+                    <p:sldTgt/>
+                  </p:tgtEl>
+                </p:cond>
+              </p:nextCondLst>
+            </p:seq>
+          </p:childTnLst>
+        </p:cTn>
+      </p:par>
+    </p:tnLst>
+    <p:bldLst>
+      <p:bldP spid="3" grpId="0" build="p"/>
+    </p:bldLst>
+  </p:timing>
 </p:sld>
 </file>
 
@@ -4907,6 +5360,466 @@
   <p:clrMapOvr>
     <a:masterClrMapping/>
   </p:clrMapOvr>
+  <mc:AlternateContent xmlns:mc="http://schemas.openxmlformats.org/markup-compatibility/2006">
+    <mc:Choice xmlns:p14="http://schemas.microsoft.com/office/powerpoint/2010/main" Requires="p14">
+      <p:transition spd="med" p14:dur="700">
+        <p:fade/>
+      </p:transition>
+    </mc:Choice>
+    <mc:Fallback>
+      <p:transition spd="med">
+        <p:fade/>
+      </p:transition>
+    </mc:Fallback>
+  </mc:AlternateContent>
+  <p:timing>
+    <p:tnLst>
+      <p:par>
+        <p:cTn id="1" dur="indefinite" restart="never" nodeType="tmRoot">
+          <p:childTnLst>
+            <p:seq concurrent="1" nextAc="seek">
+              <p:cTn id="2" dur="indefinite" nodeType="mainSeq">
+                <p:childTnLst>
+                  <p:par>
+                    <p:cTn id="3" fill="hold">
+                      <p:stCondLst>
+                        <p:cond delay="indefinite"/>
+                        <p:cond evt="onBegin" delay="0">
+                          <p:tn val="2"/>
+                        </p:cond>
+                      </p:stCondLst>
+                      <p:childTnLst>
+                        <p:par>
+                          <p:cTn id="4" fill="hold">
+                            <p:stCondLst>
+                              <p:cond delay="0"/>
+                            </p:stCondLst>
+                            <p:childTnLst>
+                              <p:par>
+                                <p:cTn id="5" presetID="2" presetClass="entr" presetSubtype="4" fill="hold" grpId="0" nodeType="afterEffect">
+                                  <p:stCondLst>
+                                    <p:cond delay="0"/>
+                                  </p:stCondLst>
+                                  <p:childTnLst>
+                                    <p:set>
+                                      <p:cBhvr>
+                                        <p:cTn id="6" dur="1" fill="hold">
+                                          <p:stCondLst>
+                                            <p:cond delay="0"/>
+                                          </p:stCondLst>
+                                        </p:cTn>
+                                        <p:tgtEl>
+                                          <p:spTgt spid="3">
+                                            <p:txEl>
+                                              <p:pRg st="0" end="0"/>
+                                            </p:txEl>
+                                          </p:spTgt>
+                                        </p:tgtEl>
+                                        <p:attrNameLst>
+                                          <p:attrName>style.visibility</p:attrName>
+                                        </p:attrNameLst>
+                                      </p:cBhvr>
+                                      <p:to>
+                                        <p:strVal val="visible"/>
+                                      </p:to>
+                                    </p:set>
+                                    <p:anim calcmode="lin" valueType="num">
+                                      <p:cBhvr additive="base">
+                                        <p:cTn id="7" dur="500" fill="hold"/>
+                                        <p:tgtEl>
+                                          <p:spTgt spid="3">
+                                            <p:txEl>
+                                              <p:pRg st="0" end="0"/>
+                                            </p:txEl>
+                                          </p:spTgt>
+                                        </p:tgtEl>
+                                        <p:attrNameLst>
+                                          <p:attrName>ppt_x</p:attrName>
+                                        </p:attrNameLst>
+                                      </p:cBhvr>
+                                      <p:tavLst>
+                                        <p:tav tm="0">
+                                          <p:val>
+                                            <p:strVal val="#ppt_x"/>
+                                          </p:val>
+                                        </p:tav>
+                                        <p:tav tm="100000">
+                                          <p:val>
+                                            <p:strVal val="#ppt_x"/>
+                                          </p:val>
+                                        </p:tav>
+                                      </p:tavLst>
+                                    </p:anim>
+                                    <p:anim calcmode="lin" valueType="num">
+                                      <p:cBhvr additive="base">
+                                        <p:cTn id="8" dur="500" fill="hold"/>
+                                        <p:tgtEl>
+                                          <p:spTgt spid="3">
+                                            <p:txEl>
+                                              <p:pRg st="0" end="0"/>
+                                            </p:txEl>
+                                          </p:spTgt>
+                                        </p:tgtEl>
+                                        <p:attrNameLst>
+                                          <p:attrName>ppt_y</p:attrName>
+                                        </p:attrNameLst>
+                                      </p:cBhvr>
+                                      <p:tavLst>
+                                        <p:tav tm="0">
+                                          <p:val>
+                                            <p:strVal val="1+#ppt_h/2"/>
+                                          </p:val>
+                                        </p:tav>
+                                        <p:tav tm="100000">
+                                          <p:val>
+                                            <p:strVal val="#ppt_y"/>
+                                          </p:val>
+                                        </p:tav>
+                                      </p:tavLst>
+                                    </p:anim>
+                                  </p:childTnLst>
+                                </p:cTn>
+                              </p:par>
+                            </p:childTnLst>
+                          </p:cTn>
+                        </p:par>
+                      </p:childTnLst>
+                    </p:cTn>
+                  </p:par>
+                  <p:par>
+                    <p:cTn id="9" fill="hold">
+                      <p:stCondLst>
+                        <p:cond delay="indefinite"/>
+                      </p:stCondLst>
+                      <p:childTnLst>
+                        <p:par>
+                          <p:cTn id="10" fill="hold">
+                            <p:stCondLst>
+                              <p:cond delay="0"/>
+                            </p:stCondLst>
+                            <p:childTnLst>
+                              <p:par>
+                                <p:cTn id="11" presetID="2" presetClass="entr" presetSubtype="4" fill="hold" grpId="0" nodeType="clickEffect">
+                                  <p:stCondLst>
+                                    <p:cond delay="0"/>
+                                  </p:stCondLst>
+                                  <p:childTnLst>
+                                    <p:set>
+                                      <p:cBhvr>
+                                        <p:cTn id="12" dur="1" fill="hold">
+                                          <p:stCondLst>
+                                            <p:cond delay="0"/>
+                                          </p:stCondLst>
+                                        </p:cTn>
+                                        <p:tgtEl>
+                                          <p:spTgt spid="3">
+                                            <p:txEl>
+                                              <p:pRg st="1" end="1"/>
+                                            </p:txEl>
+                                          </p:spTgt>
+                                        </p:tgtEl>
+                                        <p:attrNameLst>
+                                          <p:attrName>style.visibility</p:attrName>
+                                        </p:attrNameLst>
+                                      </p:cBhvr>
+                                      <p:to>
+                                        <p:strVal val="visible"/>
+                                      </p:to>
+                                    </p:set>
+                                    <p:anim calcmode="lin" valueType="num">
+                                      <p:cBhvr additive="base">
+                                        <p:cTn id="13" dur="500" fill="hold"/>
+                                        <p:tgtEl>
+                                          <p:spTgt spid="3">
+                                            <p:txEl>
+                                              <p:pRg st="1" end="1"/>
+                                            </p:txEl>
+                                          </p:spTgt>
+                                        </p:tgtEl>
+                                        <p:attrNameLst>
+                                          <p:attrName>ppt_x</p:attrName>
+                                        </p:attrNameLst>
+                                      </p:cBhvr>
+                                      <p:tavLst>
+                                        <p:tav tm="0">
+                                          <p:val>
+                                            <p:strVal val="#ppt_x"/>
+                                          </p:val>
+                                        </p:tav>
+                                        <p:tav tm="100000">
+                                          <p:val>
+                                            <p:strVal val="#ppt_x"/>
+                                          </p:val>
+                                        </p:tav>
+                                      </p:tavLst>
+                                    </p:anim>
+                                    <p:anim calcmode="lin" valueType="num">
+                                      <p:cBhvr additive="base">
+                                        <p:cTn id="14" dur="500" fill="hold"/>
+                                        <p:tgtEl>
+                                          <p:spTgt spid="3">
+                                            <p:txEl>
+                                              <p:pRg st="1" end="1"/>
+                                            </p:txEl>
+                                          </p:spTgt>
+                                        </p:tgtEl>
+                                        <p:attrNameLst>
+                                          <p:attrName>ppt_y</p:attrName>
+                                        </p:attrNameLst>
+                                      </p:cBhvr>
+                                      <p:tavLst>
+                                        <p:tav tm="0">
+                                          <p:val>
+                                            <p:strVal val="1+#ppt_h/2"/>
+                                          </p:val>
+                                        </p:tav>
+                                        <p:tav tm="100000">
+                                          <p:val>
+                                            <p:strVal val="#ppt_y"/>
+                                          </p:val>
+                                        </p:tav>
+                                      </p:tavLst>
+                                    </p:anim>
+                                  </p:childTnLst>
+                                </p:cTn>
+                              </p:par>
+                            </p:childTnLst>
+                          </p:cTn>
+                        </p:par>
+                      </p:childTnLst>
+                    </p:cTn>
+                  </p:par>
+                  <p:par>
+                    <p:cTn id="15" fill="hold">
+                      <p:stCondLst>
+                        <p:cond delay="indefinite"/>
+                      </p:stCondLst>
+                      <p:childTnLst>
+                        <p:par>
+                          <p:cTn id="16" fill="hold">
+                            <p:stCondLst>
+                              <p:cond delay="0"/>
+                            </p:stCondLst>
+                            <p:childTnLst>
+                              <p:par>
+                                <p:cTn id="17" presetID="2" presetClass="entr" presetSubtype="4" fill="hold" grpId="0" nodeType="clickEffect">
+                                  <p:stCondLst>
+                                    <p:cond delay="0"/>
+                                  </p:stCondLst>
+                                  <p:childTnLst>
+                                    <p:set>
+                                      <p:cBhvr>
+                                        <p:cTn id="18" dur="1" fill="hold">
+                                          <p:stCondLst>
+                                            <p:cond delay="0"/>
+                                          </p:stCondLst>
+                                        </p:cTn>
+                                        <p:tgtEl>
+                                          <p:spTgt spid="3">
+                                            <p:txEl>
+                                              <p:pRg st="2" end="2"/>
+                                            </p:txEl>
+                                          </p:spTgt>
+                                        </p:tgtEl>
+                                        <p:attrNameLst>
+                                          <p:attrName>style.visibility</p:attrName>
+                                        </p:attrNameLst>
+                                      </p:cBhvr>
+                                      <p:to>
+                                        <p:strVal val="visible"/>
+                                      </p:to>
+                                    </p:set>
+                                    <p:anim calcmode="lin" valueType="num">
+                                      <p:cBhvr additive="base">
+                                        <p:cTn id="19" dur="500" fill="hold"/>
+                                        <p:tgtEl>
+                                          <p:spTgt spid="3">
+                                            <p:txEl>
+                                              <p:pRg st="2" end="2"/>
+                                            </p:txEl>
+                                          </p:spTgt>
+                                        </p:tgtEl>
+                                        <p:attrNameLst>
+                                          <p:attrName>ppt_x</p:attrName>
+                                        </p:attrNameLst>
+                                      </p:cBhvr>
+                                      <p:tavLst>
+                                        <p:tav tm="0">
+                                          <p:val>
+                                            <p:strVal val="#ppt_x"/>
+                                          </p:val>
+                                        </p:tav>
+                                        <p:tav tm="100000">
+                                          <p:val>
+                                            <p:strVal val="#ppt_x"/>
+                                          </p:val>
+                                        </p:tav>
+                                      </p:tavLst>
+                                    </p:anim>
+                                    <p:anim calcmode="lin" valueType="num">
+                                      <p:cBhvr additive="base">
+                                        <p:cTn id="20" dur="500" fill="hold"/>
+                                        <p:tgtEl>
+                                          <p:spTgt spid="3">
+                                            <p:txEl>
+                                              <p:pRg st="2" end="2"/>
+                                            </p:txEl>
+                                          </p:spTgt>
+                                        </p:tgtEl>
+                                        <p:attrNameLst>
+                                          <p:attrName>ppt_y</p:attrName>
+                                        </p:attrNameLst>
+                                      </p:cBhvr>
+                                      <p:tavLst>
+                                        <p:tav tm="0">
+                                          <p:val>
+                                            <p:strVal val="1+#ppt_h/2"/>
+                                          </p:val>
+                                        </p:tav>
+                                        <p:tav tm="100000">
+                                          <p:val>
+                                            <p:strVal val="#ppt_y"/>
+                                          </p:val>
+                                        </p:tav>
+                                      </p:tavLst>
+                                    </p:anim>
+                                  </p:childTnLst>
+                                </p:cTn>
+                              </p:par>
+                            </p:childTnLst>
+                          </p:cTn>
+                        </p:par>
+                      </p:childTnLst>
+                    </p:cTn>
+                  </p:par>
+                  <p:par>
+                    <p:cTn id="21" fill="hold">
+                      <p:stCondLst>
+                        <p:cond delay="indefinite"/>
+                      </p:stCondLst>
+                      <p:childTnLst>
+                        <p:par>
+                          <p:cTn id="22" fill="hold">
+                            <p:stCondLst>
+                              <p:cond delay="0"/>
+                            </p:stCondLst>
+                            <p:childTnLst>
+                              <p:par>
+                                <p:cTn id="23" presetID="2" presetClass="entr" presetSubtype="4" fill="hold" grpId="0" nodeType="clickEffect">
+                                  <p:stCondLst>
+                                    <p:cond delay="0"/>
+                                  </p:stCondLst>
+                                  <p:childTnLst>
+                                    <p:set>
+                                      <p:cBhvr>
+                                        <p:cTn id="24" dur="1" fill="hold">
+                                          <p:stCondLst>
+                                            <p:cond delay="0"/>
+                                          </p:stCondLst>
+                                        </p:cTn>
+                                        <p:tgtEl>
+                                          <p:spTgt spid="3">
+                                            <p:txEl>
+                                              <p:pRg st="3" end="3"/>
+                                            </p:txEl>
+                                          </p:spTgt>
+                                        </p:tgtEl>
+                                        <p:attrNameLst>
+                                          <p:attrName>style.visibility</p:attrName>
+                                        </p:attrNameLst>
+                                      </p:cBhvr>
+                                      <p:to>
+                                        <p:strVal val="visible"/>
+                                      </p:to>
+                                    </p:set>
+                                    <p:anim calcmode="lin" valueType="num">
+                                      <p:cBhvr additive="base">
+                                        <p:cTn id="25" dur="500" fill="hold"/>
+                                        <p:tgtEl>
+                                          <p:spTgt spid="3">
+                                            <p:txEl>
+                                              <p:pRg st="3" end="3"/>
+                                            </p:txEl>
+                                          </p:spTgt>
+                                        </p:tgtEl>
+                                        <p:attrNameLst>
+                                          <p:attrName>ppt_x</p:attrName>
+                                        </p:attrNameLst>
+                                      </p:cBhvr>
+                                      <p:tavLst>
+                                        <p:tav tm="0">
+                                          <p:val>
+                                            <p:strVal val="#ppt_x"/>
+                                          </p:val>
+                                        </p:tav>
+                                        <p:tav tm="100000">
+                                          <p:val>
+                                            <p:strVal val="#ppt_x"/>
+                                          </p:val>
+                                        </p:tav>
+                                      </p:tavLst>
+                                    </p:anim>
+                                    <p:anim calcmode="lin" valueType="num">
+                                      <p:cBhvr additive="base">
+                                        <p:cTn id="26" dur="500" fill="hold"/>
+                                        <p:tgtEl>
+                                          <p:spTgt spid="3">
+                                            <p:txEl>
+                                              <p:pRg st="3" end="3"/>
+                                            </p:txEl>
+                                          </p:spTgt>
+                                        </p:tgtEl>
+                                        <p:attrNameLst>
+                                          <p:attrName>ppt_y</p:attrName>
+                                        </p:attrNameLst>
+                                      </p:cBhvr>
+                                      <p:tavLst>
+                                        <p:tav tm="0">
+                                          <p:val>
+                                            <p:strVal val="1+#ppt_h/2"/>
+                                          </p:val>
+                                        </p:tav>
+                                        <p:tav tm="100000">
+                                          <p:val>
+                                            <p:strVal val="#ppt_y"/>
+                                          </p:val>
+                                        </p:tav>
+                                      </p:tavLst>
+                                    </p:anim>
+                                  </p:childTnLst>
+                                </p:cTn>
+                              </p:par>
+                            </p:childTnLst>
+                          </p:cTn>
+                        </p:par>
+                      </p:childTnLst>
+                    </p:cTn>
+                  </p:par>
+                </p:childTnLst>
+              </p:cTn>
+              <p:prevCondLst>
+                <p:cond evt="onPrev" delay="0">
+                  <p:tgtEl>
+                    <p:sldTgt/>
+                  </p:tgtEl>
+                </p:cond>
+              </p:prevCondLst>
+              <p:nextCondLst>
+                <p:cond evt="onNext" delay="0">
+                  <p:tgtEl>
+                    <p:sldTgt/>
+                  </p:tgtEl>
+                </p:cond>
+              </p:nextCondLst>
+            </p:seq>
+          </p:childTnLst>
+        </p:cTn>
+      </p:par>
+    </p:tnLst>
+    <p:bldLst>
+      <p:bldP spid="3" grpId="0" uiExpand="1" build="p"/>
+    </p:bldLst>
+  </p:timing>
 </p:sld>
 </file>
 
@@ -5263,6 +6176,145 @@
   <p:clrMapOvr>
     <a:masterClrMapping/>
   </p:clrMapOvr>
+  <mc:AlternateContent xmlns:mc="http://schemas.openxmlformats.org/markup-compatibility/2006">
+    <mc:Choice xmlns:p14="http://schemas.microsoft.com/office/powerpoint/2010/main" Requires="p14">
+      <p:transition spd="med" p14:dur="700">
+        <p:fade/>
+      </p:transition>
+    </mc:Choice>
+    <mc:Fallback>
+      <p:transition spd="med">
+        <p:fade/>
+      </p:transition>
+    </mc:Fallback>
+  </mc:AlternateContent>
+  <p:timing>
+    <p:tnLst>
+      <p:par>
+        <p:cTn id="1" dur="indefinite" restart="never" nodeType="tmRoot">
+          <p:childTnLst>
+            <p:seq concurrent="1" nextAc="seek">
+              <p:cTn id="2" dur="indefinite" nodeType="mainSeq">
+                <p:childTnLst>
+                  <p:par>
+                    <p:cTn id="3" fill="hold">
+                      <p:stCondLst>
+                        <p:cond delay="indefinite"/>
+                        <p:cond evt="onBegin" delay="0">
+                          <p:tn val="2"/>
+                        </p:cond>
+                      </p:stCondLst>
+                      <p:childTnLst>
+                        <p:par>
+                          <p:cTn id="4" fill="hold">
+                            <p:stCondLst>
+                              <p:cond delay="0"/>
+                            </p:stCondLst>
+                            <p:childTnLst>
+                              <p:par>
+                                <p:cTn id="5" presetID="2" presetClass="entr" presetSubtype="4" fill="hold" grpId="0" nodeType="afterEffect">
+                                  <p:stCondLst>
+                                    <p:cond delay="0"/>
+                                  </p:stCondLst>
+                                  <p:childTnLst>
+                                    <p:set>
+                                      <p:cBhvr>
+                                        <p:cTn id="6" dur="1" fill="hold">
+                                          <p:stCondLst>
+                                            <p:cond delay="0"/>
+                                          </p:stCondLst>
+                                        </p:cTn>
+                                        <p:tgtEl>
+                                          <p:spTgt spid="5"/>
+                                        </p:tgtEl>
+                                        <p:attrNameLst>
+                                          <p:attrName>style.visibility</p:attrName>
+                                        </p:attrNameLst>
+                                      </p:cBhvr>
+                                      <p:to>
+                                        <p:strVal val="visible"/>
+                                      </p:to>
+                                    </p:set>
+                                    <p:anim calcmode="lin" valueType="num">
+                                      <p:cBhvr additive="base">
+                                        <p:cTn id="7" dur="500" fill="hold"/>
+                                        <p:tgtEl>
+                                          <p:spTgt spid="5"/>
+                                        </p:tgtEl>
+                                        <p:attrNameLst>
+                                          <p:attrName>ppt_x</p:attrName>
+                                        </p:attrNameLst>
+                                      </p:cBhvr>
+                                      <p:tavLst>
+                                        <p:tav tm="0">
+                                          <p:val>
+                                            <p:strVal val="#ppt_x"/>
+                                          </p:val>
+                                        </p:tav>
+                                        <p:tav tm="100000">
+                                          <p:val>
+                                            <p:strVal val="#ppt_x"/>
+                                          </p:val>
+                                        </p:tav>
+                                      </p:tavLst>
+                                    </p:anim>
+                                    <p:anim calcmode="lin" valueType="num">
+                                      <p:cBhvr additive="base">
+                                        <p:cTn id="8" dur="500" fill="hold"/>
+                                        <p:tgtEl>
+                                          <p:spTgt spid="5"/>
+                                        </p:tgtEl>
+                                        <p:attrNameLst>
+                                          <p:attrName>ppt_y</p:attrName>
+                                        </p:attrNameLst>
+                                      </p:cBhvr>
+                                      <p:tavLst>
+                                        <p:tav tm="0">
+                                          <p:val>
+                                            <p:strVal val="1+#ppt_h/2"/>
+                                          </p:val>
+                                        </p:tav>
+                                        <p:tav tm="100000">
+                                          <p:val>
+                                            <p:strVal val="#ppt_y"/>
+                                          </p:val>
+                                        </p:tav>
+                                      </p:tavLst>
+                                    </p:anim>
+                                  </p:childTnLst>
+                                </p:cTn>
+                              </p:par>
+                            </p:childTnLst>
+                          </p:cTn>
+                        </p:par>
+                      </p:childTnLst>
+                    </p:cTn>
+                  </p:par>
+                </p:childTnLst>
+              </p:cTn>
+              <p:prevCondLst>
+                <p:cond evt="onPrev" delay="0">
+                  <p:tgtEl>
+                    <p:sldTgt/>
+                  </p:tgtEl>
+                </p:cond>
+              </p:prevCondLst>
+              <p:nextCondLst>
+                <p:cond evt="onNext" delay="0">
+                  <p:tgtEl>
+                    <p:sldTgt/>
+                  </p:tgtEl>
+                </p:cond>
+              </p:nextCondLst>
+            </p:seq>
+          </p:childTnLst>
+        </p:cTn>
+      </p:par>
+    </p:tnLst>
+    <p:bldLst>
+      <p:bldP spid="5" grpId="0"/>
+    </p:bldLst>
+  </p:timing>
 </p:sld>
 </file>
 
@@ -5362,6 +6414,104 @@
   <p:clrMapOvr>
     <a:masterClrMapping/>
   </p:clrMapOvr>
+  <mc:AlternateContent xmlns:mc="http://schemas.openxmlformats.org/markup-compatibility/2006">
+    <mc:Choice xmlns:p14="http://schemas.microsoft.com/office/powerpoint/2010/main" Requires="p14">
+      <p:transition spd="med" p14:dur="700">
+        <p:fade/>
+      </p:transition>
+    </mc:Choice>
+    <mc:Fallback>
+      <p:transition spd="med">
+        <p:fade/>
+      </p:transition>
+    </mc:Fallback>
+  </mc:AlternateContent>
+  <p:timing>
+    <p:tnLst>
+      <p:par>
+        <p:cTn id="1" dur="indefinite" restart="never" nodeType="tmRoot">
+          <p:childTnLst>
+            <p:seq concurrent="1" nextAc="seek">
+              <p:cTn id="2" dur="indefinite" nodeType="mainSeq">
+                <p:childTnLst>
+                  <p:par>
+                    <p:cTn id="3" fill="hold">
+                      <p:stCondLst>
+                        <p:cond delay="indefinite"/>
+                        <p:cond evt="onBegin" delay="0">
+                          <p:tn val="2"/>
+                        </p:cond>
+                      </p:stCondLst>
+                      <p:childTnLst>
+                        <p:par>
+                          <p:cTn id="4" fill="hold">
+                            <p:stCondLst>
+                              <p:cond delay="0"/>
+                            </p:stCondLst>
+                            <p:childTnLst>
+                              <p:par>
+                                <p:cTn id="5" presetID="10" presetClass="entr" presetSubtype="0" fill="hold" nodeType="afterEffect">
+                                  <p:stCondLst>
+                                    <p:cond delay="0"/>
+                                  </p:stCondLst>
+                                  <p:childTnLst>
+                                    <p:set>
+                                      <p:cBhvr>
+                                        <p:cTn id="6" dur="1" fill="hold">
+                                          <p:stCondLst>
+                                            <p:cond delay="0"/>
+                                          </p:stCondLst>
+                                        </p:cTn>
+                                        <p:tgtEl>
+                                          <p:spTgt spid="7"/>
+                                        </p:tgtEl>
+                                        <p:attrNameLst>
+                                          <p:attrName>style.visibility</p:attrName>
+                                        </p:attrNameLst>
+                                      </p:cBhvr>
+                                      <p:to>
+                                        <p:strVal val="visible"/>
+                                      </p:to>
+                                    </p:set>
+                                    <p:animEffect transition="in" filter="fade">
+                                      <p:cBhvr>
+                                        <p:cTn id="7" dur="500"/>
+                                        <p:tgtEl>
+                                          <p:spTgt spid="7"/>
+                                        </p:tgtEl>
+                                      </p:cBhvr>
+                                    </p:animEffect>
+                                  </p:childTnLst>
+                                </p:cTn>
+                              </p:par>
+                            </p:childTnLst>
+                          </p:cTn>
+                        </p:par>
+                      </p:childTnLst>
+                    </p:cTn>
+                  </p:par>
+                </p:childTnLst>
+              </p:cTn>
+              <p:prevCondLst>
+                <p:cond evt="onPrev" delay="0">
+                  <p:tgtEl>
+                    <p:sldTgt/>
+                  </p:tgtEl>
+                </p:cond>
+              </p:prevCondLst>
+              <p:nextCondLst>
+                <p:cond evt="onNext" delay="0">
+                  <p:tgtEl>
+                    <p:sldTgt/>
+                  </p:tgtEl>
+                </p:cond>
+              </p:nextCondLst>
+            </p:seq>
+          </p:childTnLst>
+        </p:cTn>
+      </p:par>
+    </p:tnLst>
+  </p:timing>
 </p:sld>
 </file>
 
@@ -5761,6 +6911,586 @@
   <p:clrMapOvr>
     <a:masterClrMapping/>
   </p:clrMapOvr>
+  <mc:AlternateContent xmlns:mc="http://schemas.openxmlformats.org/markup-compatibility/2006">
+    <mc:Choice xmlns:p14="http://schemas.microsoft.com/office/powerpoint/2010/main" Requires="p14">
+      <p:transition spd="med" p14:dur="700">
+        <p:fade/>
+      </p:transition>
+    </mc:Choice>
+    <mc:Fallback>
+      <p:transition spd="med">
+        <p:fade/>
+      </p:transition>
+    </mc:Fallback>
+  </mc:AlternateContent>
+  <p:timing>
+    <p:tnLst>
+      <p:par>
+        <p:cTn id="1" dur="indefinite" restart="never" nodeType="tmRoot">
+          <p:childTnLst>
+            <p:seq concurrent="1" nextAc="seek">
+              <p:cTn id="2" dur="indefinite" nodeType="mainSeq">
+                <p:childTnLst>
+                  <p:par>
+                    <p:cTn id="3" fill="hold">
+                      <p:stCondLst>
+                        <p:cond delay="indefinite"/>
+                      </p:stCondLst>
+                      <p:childTnLst>
+                        <p:par>
+                          <p:cTn id="4" fill="hold">
+                            <p:stCondLst>
+                              <p:cond delay="0"/>
+                            </p:stCondLst>
+                            <p:childTnLst>
+                              <p:par>
+                                <p:cTn id="5" presetID="2" presetClass="entr" presetSubtype="4" fill="hold" grpId="0" nodeType="clickEffect">
+                                  <p:stCondLst>
+                                    <p:cond delay="0"/>
+                                  </p:stCondLst>
+                                  <p:childTnLst>
+                                    <p:set>
+                                      <p:cBhvr>
+                                        <p:cTn id="6" dur="1" fill="hold">
+                                          <p:stCondLst>
+                                            <p:cond delay="0"/>
+                                          </p:stCondLst>
+                                        </p:cTn>
+                                        <p:tgtEl>
+                                          <p:spTgt spid="3">
+                                            <p:txEl>
+                                              <p:pRg st="0" end="0"/>
+                                            </p:txEl>
+                                          </p:spTgt>
+                                        </p:tgtEl>
+                                        <p:attrNameLst>
+                                          <p:attrName>style.visibility</p:attrName>
+                                        </p:attrNameLst>
+                                      </p:cBhvr>
+                                      <p:to>
+                                        <p:strVal val="visible"/>
+                                      </p:to>
+                                    </p:set>
+                                    <p:anim calcmode="lin" valueType="num">
+                                      <p:cBhvr additive="base">
+                                        <p:cTn id="7" dur="500" fill="hold"/>
+                                        <p:tgtEl>
+                                          <p:spTgt spid="3">
+                                            <p:txEl>
+                                              <p:pRg st="0" end="0"/>
+                                            </p:txEl>
+                                          </p:spTgt>
+                                        </p:tgtEl>
+                                        <p:attrNameLst>
+                                          <p:attrName>ppt_x</p:attrName>
+                                        </p:attrNameLst>
+                                      </p:cBhvr>
+                                      <p:tavLst>
+                                        <p:tav tm="0">
+                                          <p:val>
+                                            <p:strVal val="#ppt_x"/>
+                                          </p:val>
+                                        </p:tav>
+                                        <p:tav tm="100000">
+                                          <p:val>
+                                            <p:strVal val="#ppt_x"/>
+                                          </p:val>
+                                        </p:tav>
+                                      </p:tavLst>
+                                    </p:anim>
+                                    <p:anim calcmode="lin" valueType="num">
+                                      <p:cBhvr additive="base">
+                                        <p:cTn id="8" dur="500" fill="hold"/>
+                                        <p:tgtEl>
+                                          <p:spTgt spid="3">
+                                            <p:txEl>
+                                              <p:pRg st="0" end="0"/>
+                                            </p:txEl>
+                                          </p:spTgt>
+                                        </p:tgtEl>
+                                        <p:attrNameLst>
+                                          <p:attrName>ppt_y</p:attrName>
+                                        </p:attrNameLst>
+                                      </p:cBhvr>
+                                      <p:tavLst>
+                                        <p:tav tm="0">
+                                          <p:val>
+                                            <p:strVal val="1+#ppt_h/2"/>
+                                          </p:val>
+                                        </p:tav>
+                                        <p:tav tm="100000">
+                                          <p:val>
+                                            <p:strVal val="#ppt_y"/>
+                                          </p:val>
+                                        </p:tav>
+                                      </p:tavLst>
+                                    </p:anim>
+                                  </p:childTnLst>
+                                </p:cTn>
+                              </p:par>
+                              <p:par>
+                                <p:cTn id="9" presetID="2" presetClass="entr" presetSubtype="4" fill="hold" grpId="0" nodeType="withEffect">
+                                  <p:stCondLst>
+                                    <p:cond delay="0"/>
+                                  </p:stCondLst>
+                                  <p:childTnLst>
+                                    <p:set>
+                                      <p:cBhvr>
+                                        <p:cTn id="10" dur="1" fill="hold">
+                                          <p:stCondLst>
+                                            <p:cond delay="0"/>
+                                          </p:stCondLst>
+                                        </p:cTn>
+                                        <p:tgtEl>
+                                          <p:spTgt spid="3">
+                                            <p:txEl>
+                                              <p:pRg st="1" end="1"/>
+                                            </p:txEl>
+                                          </p:spTgt>
+                                        </p:tgtEl>
+                                        <p:attrNameLst>
+                                          <p:attrName>style.visibility</p:attrName>
+                                        </p:attrNameLst>
+                                      </p:cBhvr>
+                                      <p:to>
+                                        <p:strVal val="visible"/>
+                                      </p:to>
+                                    </p:set>
+                                    <p:anim calcmode="lin" valueType="num">
+                                      <p:cBhvr additive="base">
+                                        <p:cTn id="11" dur="500" fill="hold"/>
+                                        <p:tgtEl>
+                                          <p:spTgt spid="3">
+                                            <p:txEl>
+                                              <p:pRg st="1" end="1"/>
+                                            </p:txEl>
+                                          </p:spTgt>
+                                        </p:tgtEl>
+                                        <p:attrNameLst>
+                                          <p:attrName>ppt_x</p:attrName>
+                                        </p:attrNameLst>
+                                      </p:cBhvr>
+                                      <p:tavLst>
+                                        <p:tav tm="0">
+                                          <p:val>
+                                            <p:strVal val="#ppt_x"/>
+                                          </p:val>
+                                        </p:tav>
+                                        <p:tav tm="100000">
+                                          <p:val>
+                                            <p:strVal val="#ppt_x"/>
+                                          </p:val>
+                                        </p:tav>
+                                      </p:tavLst>
+                                    </p:anim>
+                                    <p:anim calcmode="lin" valueType="num">
+                                      <p:cBhvr additive="base">
+                                        <p:cTn id="12" dur="500" fill="hold"/>
+                                        <p:tgtEl>
+                                          <p:spTgt spid="3">
+                                            <p:txEl>
+                                              <p:pRg st="1" end="1"/>
+                                            </p:txEl>
+                                          </p:spTgt>
+                                        </p:tgtEl>
+                                        <p:attrNameLst>
+                                          <p:attrName>ppt_y</p:attrName>
+                                        </p:attrNameLst>
+                                      </p:cBhvr>
+                                      <p:tavLst>
+                                        <p:tav tm="0">
+                                          <p:val>
+                                            <p:strVal val="1+#ppt_h/2"/>
+                                          </p:val>
+                                        </p:tav>
+                                        <p:tav tm="100000">
+                                          <p:val>
+                                            <p:strVal val="#ppt_y"/>
+                                          </p:val>
+                                        </p:tav>
+                                      </p:tavLst>
+                                    </p:anim>
+                                  </p:childTnLst>
+                                </p:cTn>
+                              </p:par>
+                              <p:par>
+                                <p:cTn id="13" presetID="2" presetClass="entr" presetSubtype="4" fill="hold" grpId="0" nodeType="withEffect">
+                                  <p:stCondLst>
+                                    <p:cond delay="0"/>
+                                  </p:stCondLst>
+                                  <p:childTnLst>
+                                    <p:set>
+                                      <p:cBhvr>
+                                        <p:cTn id="14" dur="1" fill="hold">
+                                          <p:stCondLst>
+                                            <p:cond delay="0"/>
+                                          </p:stCondLst>
+                                        </p:cTn>
+                                        <p:tgtEl>
+                                          <p:spTgt spid="3">
+                                            <p:txEl>
+                                              <p:pRg st="2" end="2"/>
+                                            </p:txEl>
+                                          </p:spTgt>
+                                        </p:tgtEl>
+                                        <p:attrNameLst>
+                                          <p:attrName>style.visibility</p:attrName>
+                                        </p:attrNameLst>
+                                      </p:cBhvr>
+                                      <p:to>
+                                        <p:strVal val="visible"/>
+                                      </p:to>
+                                    </p:set>
+                                    <p:anim calcmode="lin" valueType="num">
+                                      <p:cBhvr additive="base">
+                                        <p:cTn id="15" dur="500" fill="hold"/>
+                                        <p:tgtEl>
+                                          <p:spTgt spid="3">
+                                            <p:txEl>
+                                              <p:pRg st="2" end="2"/>
+                                            </p:txEl>
+                                          </p:spTgt>
+                                        </p:tgtEl>
+                                        <p:attrNameLst>
+                                          <p:attrName>ppt_x</p:attrName>
+                                        </p:attrNameLst>
+                                      </p:cBhvr>
+                                      <p:tavLst>
+                                        <p:tav tm="0">
+                                          <p:val>
+                                            <p:strVal val="#ppt_x"/>
+                                          </p:val>
+                                        </p:tav>
+                                        <p:tav tm="100000">
+                                          <p:val>
+                                            <p:strVal val="#ppt_x"/>
+                                          </p:val>
+                                        </p:tav>
+                                      </p:tavLst>
+                                    </p:anim>
+                                    <p:anim calcmode="lin" valueType="num">
+                                      <p:cBhvr additive="base">
+                                        <p:cTn id="16" dur="500" fill="hold"/>
+                                        <p:tgtEl>
+                                          <p:spTgt spid="3">
+                                            <p:txEl>
+                                              <p:pRg st="2" end="2"/>
+                                            </p:txEl>
+                                          </p:spTgt>
+                                        </p:tgtEl>
+                                        <p:attrNameLst>
+                                          <p:attrName>ppt_y</p:attrName>
+                                        </p:attrNameLst>
+                                      </p:cBhvr>
+                                      <p:tavLst>
+                                        <p:tav tm="0">
+                                          <p:val>
+                                            <p:strVal val="1+#ppt_h/2"/>
+                                          </p:val>
+                                        </p:tav>
+                                        <p:tav tm="100000">
+                                          <p:val>
+                                            <p:strVal val="#ppt_y"/>
+                                          </p:val>
+                                        </p:tav>
+                                      </p:tavLst>
+                                    </p:anim>
+                                  </p:childTnLst>
+                                </p:cTn>
+                              </p:par>
+                              <p:par>
+                                <p:cTn id="17" presetID="2" presetClass="entr" presetSubtype="4" fill="hold" grpId="0" nodeType="withEffect">
+                                  <p:stCondLst>
+                                    <p:cond delay="0"/>
+                                  </p:stCondLst>
+                                  <p:childTnLst>
+                                    <p:set>
+                                      <p:cBhvr>
+                                        <p:cTn id="18" dur="1" fill="hold">
+                                          <p:stCondLst>
+                                            <p:cond delay="0"/>
+                                          </p:stCondLst>
+                                        </p:cTn>
+                                        <p:tgtEl>
+                                          <p:spTgt spid="3">
+                                            <p:txEl>
+                                              <p:pRg st="3" end="3"/>
+                                            </p:txEl>
+                                          </p:spTgt>
+                                        </p:tgtEl>
+                                        <p:attrNameLst>
+                                          <p:attrName>style.visibility</p:attrName>
+                                        </p:attrNameLst>
+                                      </p:cBhvr>
+                                      <p:to>
+                                        <p:strVal val="visible"/>
+                                      </p:to>
+                                    </p:set>
+                                    <p:anim calcmode="lin" valueType="num">
+                                      <p:cBhvr additive="base">
+                                        <p:cTn id="19" dur="500" fill="hold"/>
+                                        <p:tgtEl>
+                                          <p:spTgt spid="3">
+                                            <p:txEl>
+                                              <p:pRg st="3" end="3"/>
+                                            </p:txEl>
+                                          </p:spTgt>
+                                        </p:tgtEl>
+                                        <p:attrNameLst>
+                                          <p:attrName>ppt_x</p:attrName>
+                                        </p:attrNameLst>
+                                      </p:cBhvr>
+                                      <p:tavLst>
+                                        <p:tav tm="0">
+                                          <p:val>
+                                            <p:strVal val="#ppt_x"/>
+                                          </p:val>
+                                        </p:tav>
+                                        <p:tav tm="100000">
+                                          <p:val>
+                                            <p:strVal val="#ppt_x"/>
+                                          </p:val>
+                                        </p:tav>
+                                      </p:tavLst>
+                                    </p:anim>
+                                    <p:anim calcmode="lin" valueType="num">
+                                      <p:cBhvr additive="base">
+                                        <p:cTn id="20" dur="500" fill="hold"/>
+                                        <p:tgtEl>
+                                          <p:spTgt spid="3">
+                                            <p:txEl>
+                                              <p:pRg st="3" end="3"/>
+                                            </p:txEl>
+                                          </p:spTgt>
+                                        </p:tgtEl>
+                                        <p:attrNameLst>
+                                          <p:attrName>ppt_y</p:attrName>
+                                        </p:attrNameLst>
+                                      </p:cBhvr>
+                                      <p:tavLst>
+                                        <p:tav tm="0">
+                                          <p:val>
+                                            <p:strVal val="1+#ppt_h/2"/>
+                                          </p:val>
+                                        </p:tav>
+                                        <p:tav tm="100000">
+                                          <p:val>
+                                            <p:strVal val="#ppt_y"/>
+                                          </p:val>
+                                        </p:tav>
+                                      </p:tavLst>
+                                    </p:anim>
+                                  </p:childTnLst>
+                                </p:cTn>
+                              </p:par>
+                              <p:par>
+                                <p:cTn id="21" presetID="2" presetClass="entr" presetSubtype="4" fill="hold" grpId="0" nodeType="withEffect">
+                                  <p:stCondLst>
+                                    <p:cond delay="0"/>
+                                  </p:stCondLst>
+                                  <p:childTnLst>
+                                    <p:set>
+                                      <p:cBhvr>
+                                        <p:cTn id="22" dur="1" fill="hold">
+                                          <p:stCondLst>
+                                            <p:cond delay="0"/>
+                                          </p:stCondLst>
+                                        </p:cTn>
+                                        <p:tgtEl>
+                                          <p:spTgt spid="3">
+                                            <p:txEl>
+                                              <p:pRg st="4" end="4"/>
+                                            </p:txEl>
+                                          </p:spTgt>
+                                        </p:tgtEl>
+                                        <p:attrNameLst>
+                                          <p:attrName>style.visibility</p:attrName>
+                                        </p:attrNameLst>
+                                      </p:cBhvr>
+                                      <p:to>
+                                        <p:strVal val="visible"/>
+                                      </p:to>
+                                    </p:set>
+                                    <p:anim calcmode="lin" valueType="num">
+                                      <p:cBhvr additive="base">
+                                        <p:cTn id="23" dur="500" fill="hold"/>
+                                        <p:tgtEl>
+                                          <p:spTgt spid="3">
+                                            <p:txEl>
+                                              <p:pRg st="4" end="4"/>
+                                            </p:txEl>
+                                          </p:spTgt>
+                                        </p:tgtEl>
+                                        <p:attrNameLst>
+                                          <p:attrName>ppt_x</p:attrName>
+                                        </p:attrNameLst>
+                                      </p:cBhvr>
+                                      <p:tavLst>
+                                        <p:tav tm="0">
+                                          <p:val>
+                                            <p:strVal val="#ppt_x"/>
+                                          </p:val>
+                                        </p:tav>
+                                        <p:tav tm="100000">
+                                          <p:val>
+                                            <p:strVal val="#ppt_x"/>
+                                          </p:val>
+                                        </p:tav>
+                                      </p:tavLst>
+                                    </p:anim>
+                                    <p:anim calcmode="lin" valueType="num">
+                                      <p:cBhvr additive="base">
+                                        <p:cTn id="24" dur="500" fill="hold"/>
+                                        <p:tgtEl>
+                                          <p:spTgt spid="3">
+                                            <p:txEl>
+                                              <p:pRg st="4" end="4"/>
+                                            </p:txEl>
+                                          </p:spTgt>
+                                        </p:tgtEl>
+                                        <p:attrNameLst>
+                                          <p:attrName>ppt_y</p:attrName>
+                                        </p:attrNameLst>
+                                      </p:cBhvr>
+                                      <p:tavLst>
+                                        <p:tav tm="0">
+                                          <p:val>
+                                            <p:strVal val="1+#ppt_h/2"/>
+                                          </p:val>
+                                        </p:tav>
+                                        <p:tav tm="100000">
+                                          <p:val>
+                                            <p:strVal val="#ppt_y"/>
+                                          </p:val>
+                                        </p:tav>
+                                      </p:tavLst>
+                                    </p:anim>
+                                  </p:childTnLst>
+                                </p:cTn>
+                              </p:par>
+                            </p:childTnLst>
+                          </p:cTn>
+                        </p:par>
+                      </p:childTnLst>
+                    </p:cTn>
+                  </p:par>
+                  <p:par>
+                    <p:cTn id="25" fill="hold">
+                      <p:stCondLst>
+                        <p:cond delay="indefinite"/>
+                      </p:stCondLst>
+                      <p:childTnLst>
+                        <p:par>
+                          <p:cTn id="26" fill="hold">
+                            <p:stCondLst>
+                              <p:cond delay="0"/>
+                            </p:stCondLst>
+                            <p:childTnLst>
+                              <p:par>
+                                <p:cTn id="27" presetID="2" presetClass="entr" presetSubtype="4" fill="hold" grpId="0" nodeType="clickEffect">
+                                  <p:stCondLst>
+                                    <p:cond delay="0"/>
+                                  </p:stCondLst>
+                                  <p:childTnLst>
+                                    <p:set>
+                                      <p:cBhvr>
+                                        <p:cTn id="28" dur="1" fill="hold">
+                                          <p:stCondLst>
+                                            <p:cond delay="0"/>
+                                          </p:stCondLst>
+                                        </p:cTn>
+                                        <p:tgtEl>
+                                          <p:spTgt spid="5"/>
+                                        </p:tgtEl>
+                                        <p:attrNameLst>
+                                          <p:attrName>style.visibility</p:attrName>
+                                        </p:attrNameLst>
+                                      </p:cBhvr>
+                                      <p:to>
+                                        <p:strVal val="visible"/>
+                                      </p:to>
+                                    </p:set>
+                                    <p:anim calcmode="lin" valueType="num">
+                                      <p:cBhvr additive="base">
+                                        <p:cTn id="29" dur="500" fill="hold"/>
+                                        <p:tgtEl>
+                                          <p:spTgt spid="5"/>
+                                        </p:tgtEl>
+                                        <p:attrNameLst>
+                                          <p:attrName>ppt_x</p:attrName>
+                                        </p:attrNameLst>
+                                      </p:cBhvr>
+                                      <p:tavLst>
+                                        <p:tav tm="0">
+                                          <p:val>
+                                            <p:strVal val="#ppt_x"/>
+                                          </p:val>
+                                        </p:tav>
+                                        <p:tav tm="100000">
+                                          <p:val>
+                                            <p:strVal val="#ppt_x"/>
+                                          </p:val>
+                                        </p:tav>
+                                      </p:tavLst>
+                                    </p:anim>
+                                    <p:anim calcmode="lin" valueType="num">
+                                      <p:cBhvr additive="base">
+                                        <p:cTn id="30" dur="500" fill="hold"/>
+                                        <p:tgtEl>
+                                          <p:spTgt spid="5"/>
+                                        </p:tgtEl>
+                                        <p:attrNameLst>
+                                          <p:attrName>ppt_y</p:attrName>
+                                        </p:attrNameLst>
+                                      </p:cBhvr>
+                                      <p:tavLst>
+                                        <p:tav tm="0">
+                                          <p:val>
+                                            <p:strVal val="1+#ppt_h/2"/>
+                                          </p:val>
+                                        </p:tav>
+                                        <p:tav tm="100000">
+                                          <p:val>
+                                            <p:strVal val="#ppt_y"/>
+                                          </p:val>
+                                        </p:tav>
+                                      </p:tavLst>
+                                    </p:anim>
+                                  </p:childTnLst>
+                                </p:cTn>
+                              </p:par>
+                            </p:childTnLst>
+                          </p:cTn>
+                        </p:par>
+                      </p:childTnLst>
+                    </p:cTn>
+                  </p:par>
+                </p:childTnLst>
+              </p:cTn>
+              <p:prevCondLst>
+                <p:cond evt="onPrev" delay="0">
+                  <p:tgtEl>
+                    <p:sldTgt/>
+                  </p:tgtEl>
+                </p:cond>
+              </p:prevCondLst>
+              <p:nextCondLst>
+                <p:cond evt="onNext" delay="0">
+                  <p:tgtEl>
+                    <p:sldTgt/>
+                  </p:tgtEl>
+                </p:cond>
+              </p:nextCondLst>
+            </p:seq>
+          </p:childTnLst>
+        </p:cTn>
+      </p:par>
+    </p:tnLst>
+    <p:bldLst>
+      <p:bldP spid="3" grpId="0" build="allAtOnce"/>
+      <p:bldP spid="5" grpId="0"/>
+    </p:bldLst>
+  </p:timing>
 </p:sld>
 </file>
 
@@ -5865,7 +7595,7 @@
         </p:blipFill>
         <p:spPr>
           <a:xfrm>
-            <a:off x="838200" y="3851662"/>
+            <a:off x="838200" y="3154977"/>
             <a:ext cx="10515600" cy="1821676"/>
           </a:xfrm>
           <a:prstGeom prst="rect">
@@ -5883,6 +7613,239 @@
   <p:clrMapOvr>
     <a:masterClrMapping/>
   </p:clrMapOvr>
+  <mc:AlternateContent xmlns:mc="http://schemas.openxmlformats.org/markup-compatibility/2006">
+    <mc:Choice xmlns:p14="http://schemas.microsoft.com/office/powerpoint/2010/main" Requires="p14">
+      <p:transition spd="med" p14:dur="700">
+        <p:fade/>
+      </p:transition>
+    </mc:Choice>
+    <mc:Fallback>
+      <p:transition spd="med">
+        <p:fade/>
+      </p:transition>
+    </mc:Fallback>
+  </mc:AlternateContent>
+  <p:timing>
+    <p:tnLst>
+      <p:par>
+        <p:cTn id="1" dur="indefinite" restart="never" nodeType="tmRoot">
+          <p:childTnLst>
+            <p:seq concurrent="1" nextAc="seek">
+              <p:cTn id="2" dur="indefinite" nodeType="mainSeq">
+                <p:childTnLst>
+                  <p:par>
+                    <p:cTn id="3" fill="hold">
+                      <p:stCondLst>
+                        <p:cond delay="indefinite"/>
+                        <p:cond evt="onBegin" delay="0">
+                          <p:tn val="2"/>
+                        </p:cond>
+                      </p:stCondLst>
+                      <p:childTnLst>
+                        <p:par>
+                          <p:cTn id="4" fill="hold">
+                            <p:stCondLst>
+                              <p:cond delay="0"/>
+                            </p:stCondLst>
+                            <p:childTnLst>
+                              <p:par>
+                                <p:cTn id="5" presetID="2" presetClass="entr" presetSubtype="4" fill="hold" grpId="0" nodeType="afterEffect">
+                                  <p:stCondLst>
+                                    <p:cond delay="0"/>
+                                  </p:stCondLst>
+                                  <p:childTnLst>
+                                    <p:set>
+                                      <p:cBhvr>
+                                        <p:cTn id="6" dur="1" fill="hold">
+                                          <p:stCondLst>
+                                            <p:cond delay="0"/>
+                                          </p:stCondLst>
+                                        </p:cTn>
+                                        <p:tgtEl>
+                                          <p:spTgt spid="3">
+                                            <p:txEl>
+                                              <p:pRg st="0" end="0"/>
+                                            </p:txEl>
+                                          </p:spTgt>
+                                        </p:tgtEl>
+                                        <p:attrNameLst>
+                                          <p:attrName>style.visibility</p:attrName>
+                                        </p:attrNameLst>
+                                      </p:cBhvr>
+                                      <p:to>
+                                        <p:strVal val="visible"/>
+                                      </p:to>
+                                    </p:set>
+                                    <p:anim calcmode="lin" valueType="num">
+                                      <p:cBhvr additive="base">
+                                        <p:cTn id="7" dur="500" fill="hold"/>
+                                        <p:tgtEl>
+                                          <p:spTgt spid="3">
+                                            <p:txEl>
+                                              <p:pRg st="0" end="0"/>
+                                            </p:txEl>
+                                          </p:spTgt>
+                                        </p:tgtEl>
+                                        <p:attrNameLst>
+                                          <p:attrName>ppt_x</p:attrName>
+                                        </p:attrNameLst>
+                                      </p:cBhvr>
+                                      <p:tavLst>
+                                        <p:tav tm="0">
+                                          <p:val>
+                                            <p:strVal val="#ppt_x"/>
+                                          </p:val>
+                                        </p:tav>
+                                        <p:tav tm="100000">
+                                          <p:val>
+                                            <p:strVal val="#ppt_x"/>
+                                          </p:val>
+                                        </p:tav>
+                                      </p:tavLst>
+                                    </p:anim>
+                                    <p:anim calcmode="lin" valueType="num">
+                                      <p:cBhvr additive="base">
+                                        <p:cTn id="8" dur="500" fill="hold"/>
+                                        <p:tgtEl>
+                                          <p:spTgt spid="3">
+                                            <p:txEl>
+                                              <p:pRg st="0" end="0"/>
+                                            </p:txEl>
+                                          </p:spTgt>
+                                        </p:tgtEl>
+                                        <p:attrNameLst>
+                                          <p:attrName>ppt_y</p:attrName>
+                                        </p:attrNameLst>
+                                      </p:cBhvr>
+                                      <p:tavLst>
+                                        <p:tav tm="0">
+                                          <p:val>
+                                            <p:strVal val="1+#ppt_h/2"/>
+                                          </p:val>
+                                        </p:tav>
+                                        <p:tav tm="100000">
+                                          <p:val>
+                                            <p:strVal val="#ppt_y"/>
+                                          </p:val>
+                                        </p:tav>
+                                      </p:tavLst>
+                                    </p:anim>
+                                  </p:childTnLst>
+                                </p:cTn>
+                              </p:par>
+                            </p:childTnLst>
+                          </p:cTn>
+                        </p:par>
+                        <p:par>
+                          <p:cTn id="9" fill="hold">
+                            <p:stCondLst>
+                              <p:cond delay="500"/>
+                            </p:stCondLst>
+                            <p:childTnLst>
+                              <p:par>
+                                <p:cTn id="10" presetID="2" presetClass="entr" presetSubtype="4" fill="hold" nodeType="afterEffect">
+                                  <p:stCondLst>
+                                    <p:cond delay="0"/>
+                                  </p:stCondLst>
+                                  <p:childTnLst>
+                                    <p:set>
+                                      <p:cBhvr>
+                                        <p:cTn id="11" dur="1" fill="hold">
+                                          <p:stCondLst>
+                                            <p:cond delay="0"/>
+                                          </p:stCondLst>
+                                        </p:cTn>
+                                        <p:tgtEl>
+                                          <p:spTgt spid="7"/>
+                                        </p:tgtEl>
+                                        <p:attrNameLst>
+                                          <p:attrName>style.visibility</p:attrName>
+                                        </p:attrNameLst>
+                                      </p:cBhvr>
+                                      <p:to>
+                                        <p:strVal val="visible"/>
+                                      </p:to>
+                                    </p:set>
+                                    <p:anim calcmode="lin" valueType="num">
+                                      <p:cBhvr additive="base">
+                                        <p:cTn id="12" dur="500" fill="hold"/>
+                                        <p:tgtEl>
+                                          <p:spTgt spid="7"/>
+                                        </p:tgtEl>
+                                        <p:attrNameLst>
+                                          <p:attrName>ppt_x</p:attrName>
+                                        </p:attrNameLst>
+                                      </p:cBhvr>
+                                      <p:tavLst>
+                                        <p:tav tm="0">
+                                          <p:val>
+                                            <p:strVal val="#ppt_x"/>
+                                          </p:val>
+                                        </p:tav>
+                                        <p:tav tm="100000">
+                                          <p:val>
+                                            <p:strVal val="#ppt_x"/>
+                                          </p:val>
+                                        </p:tav>
+                                      </p:tavLst>
+                                    </p:anim>
+                                    <p:anim calcmode="lin" valueType="num">
+                                      <p:cBhvr additive="base">
+                                        <p:cTn id="13" dur="500" fill="hold"/>
+                                        <p:tgtEl>
+                                          <p:spTgt spid="7"/>
+                                        </p:tgtEl>
+                                        <p:attrNameLst>
+                                          <p:attrName>ppt_y</p:attrName>
+                                        </p:attrNameLst>
+                                      </p:cBhvr>
+                                      <p:tavLst>
+                                        <p:tav tm="0">
+                                          <p:val>
+                                            <p:strVal val="1+#ppt_h/2"/>
+                                          </p:val>
+                                        </p:tav>
+                                        <p:tav tm="100000">
+                                          <p:val>
+                                            <p:strVal val="#ppt_y"/>
+                                          </p:val>
+                                        </p:tav>
+                                      </p:tavLst>
+                                    </p:anim>
+                                  </p:childTnLst>
+                                </p:cTn>
+                              </p:par>
+                            </p:childTnLst>
+                          </p:cTn>
+                        </p:par>
+                      </p:childTnLst>
+                    </p:cTn>
+                  </p:par>
+                </p:childTnLst>
+              </p:cTn>
+              <p:prevCondLst>
+                <p:cond evt="onPrev" delay="0">
+                  <p:tgtEl>
+                    <p:sldTgt/>
+                  </p:tgtEl>
+                </p:cond>
+              </p:prevCondLst>
+              <p:nextCondLst>
+                <p:cond evt="onNext" delay="0">
+                  <p:tgtEl>
+                    <p:sldTgt/>
+                  </p:tgtEl>
+                </p:cond>
+              </p:nextCondLst>
+            </p:seq>
+          </p:childTnLst>
+        </p:cTn>
+      </p:par>
+    </p:tnLst>
+    <p:bldLst>
+      <p:bldP spid="3" grpId="0" build="p"/>
+    </p:bldLst>
+  </p:timing>
 </p:sld>
 </file>
 
@@ -6004,7 +7967,7 @@
         </p:nvGraphicFramePr>
         <p:xfrm>
           <a:off x="838200" y="5295424"/>
-          <a:ext cx="7211778" cy="1180911"/>
+          <a:ext cx="7211778" cy="1280160"/>
         </p:xfrm>
         <a:graphic>
           <a:graphicData uri="http://schemas.openxmlformats.org/drawingml/2006/table">
@@ -6078,12 +8041,12 @@
                         </a:spcAft>
                       </a:pPr>
                       <a:r>
-                        <a:rPr lang="en-GB" sz="1400">
+                        <a:rPr lang="en-GB" sz="1400" dirty="0">
                           <a:effectLst/>
                         </a:rPr>
                         <a:t> </a:t>
                       </a:r>
-                      <a:endParaRPr lang="en-GB" sz="1400">
+                      <a:endParaRPr lang="en-GB" sz="1400" dirty="0">
                         <a:effectLst/>
                         <a:latin typeface="Calibri" panose="020F0502020204030204" pitchFamily="34" charset="0"/>
                         <a:ea typeface="Calibri" panose="020F0502020204030204" pitchFamily="34" charset="0"/>
@@ -6947,6 +8910,613 @@
   <p:clrMapOvr>
     <a:masterClrMapping/>
   </p:clrMapOvr>
+  <mc:AlternateContent xmlns:mc="http://schemas.openxmlformats.org/markup-compatibility/2006">
+    <mc:Choice xmlns:p14="http://schemas.microsoft.com/office/powerpoint/2010/main" Requires="p14">
+      <p:transition spd="med" p14:dur="700">
+        <p:fade/>
+      </p:transition>
+    </mc:Choice>
+    <mc:Fallback>
+      <p:transition spd="med">
+        <p:fade/>
+      </p:transition>
+    </mc:Fallback>
+  </mc:AlternateContent>
+  <p:timing>
+    <p:tnLst>
+      <p:par>
+        <p:cTn id="1" dur="indefinite" restart="never" nodeType="tmRoot">
+          <p:childTnLst>
+            <p:seq concurrent="1" nextAc="seek">
+              <p:cTn id="2" dur="indefinite" nodeType="mainSeq">
+                <p:childTnLst>
+                  <p:par>
+                    <p:cTn id="3" fill="hold">
+                      <p:stCondLst>
+                        <p:cond delay="indefinite"/>
+                        <p:cond evt="onBegin" delay="0">
+                          <p:tn val="2"/>
+                        </p:cond>
+                      </p:stCondLst>
+                      <p:childTnLst>
+                        <p:par>
+                          <p:cTn id="4" fill="hold">
+                            <p:stCondLst>
+                              <p:cond delay="0"/>
+                            </p:stCondLst>
+                            <p:childTnLst>
+                              <p:par>
+                                <p:cTn id="5" presetID="2" presetClass="entr" presetSubtype="4" fill="hold" grpId="0" nodeType="afterEffect">
+                                  <p:stCondLst>
+                                    <p:cond delay="0"/>
+                                  </p:stCondLst>
+                                  <p:childTnLst>
+                                    <p:set>
+                                      <p:cBhvr>
+                                        <p:cTn id="6" dur="1" fill="hold">
+                                          <p:stCondLst>
+                                            <p:cond delay="0"/>
+                                          </p:stCondLst>
+                                        </p:cTn>
+                                        <p:tgtEl>
+                                          <p:spTgt spid="3">
+                                            <p:txEl>
+                                              <p:pRg st="0" end="0"/>
+                                            </p:txEl>
+                                          </p:spTgt>
+                                        </p:tgtEl>
+                                        <p:attrNameLst>
+                                          <p:attrName>style.visibility</p:attrName>
+                                        </p:attrNameLst>
+                                      </p:cBhvr>
+                                      <p:to>
+                                        <p:strVal val="visible"/>
+                                      </p:to>
+                                    </p:set>
+                                    <p:anim calcmode="lin" valueType="num">
+                                      <p:cBhvr additive="base">
+                                        <p:cTn id="7" dur="500" fill="hold"/>
+                                        <p:tgtEl>
+                                          <p:spTgt spid="3">
+                                            <p:txEl>
+                                              <p:pRg st="0" end="0"/>
+                                            </p:txEl>
+                                          </p:spTgt>
+                                        </p:tgtEl>
+                                        <p:attrNameLst>
+                                          <p:attrName>ppt_x</p:attrName>
+                                        </p:attrNameLst>
+                                      </p:cBhvr>
+                                      <p:tavLst>
+                                        <p:tav tm="0">
+                                          <p:val>
+                                            <p:strVal val="#ppt_x"/>
+                                          </p:val>
+                                        </p:tav>
+                                        <p:tav tm="100000">
+                                          <p:val>
+                                            <p:strVal val="#ppt_x"/>
+                                          </p:val>
+                                        </p:tav>
+                                      </p:tavLst>
+                                    </p:anim>
+                                    <p:anim calcmode="lin" valueType="num">
+                                      <p:cBhvr additive="base">
+                                        <p:cTn id="8" dur="500" fill="hold"/>
+                                        <p:tgtEl>
+                                          <p:spTgt spid="3">
+                                            <p:txEl>
+                                              <p:pRg st="0" end="0"/>
+                                            </p:txEl>
+                                          </p:spTgt>
+                                        </p:tgtEl>
+                                        <p:attrNameLst>
+                                          <p:attrName>ppt_y</p:attrName>
+                                        </p:attrNameLst>
+                                      </p:cBhvr>
+                                      <p:tavLst>
+                                        <p:tav tm="0">
+                                          <p:val>
+                                            <p:strVal val="1+#ppt_h/2"/>
+                                          </p:val>
+                                        </p:tav>
+                                        <p:tav tm="100000">
+                                          <p:val>
+                                            <p:strVal val="#ppt_y"/>
+                                          </p:val>
+                                        </p:tav>
+                                      </p:tavLst>
+                                    </p:anim>
+                                  </p:childTnLst>
+                                </p:cTn>
+                              </p:par>
+                            </p:childTnLst>
+                          </p:cTn>
+                        </p:par>
+                        <p:par>
+                          <p:cTn id="9" fill="hold">
+                            <p:stCondLst>
+                              <p:cond delay="500"/>
+                            </p:stCondLst>
+                            <p:childTnLst>
+                              <p:par>
+                                <p:cTn id="10" presetID="2" presetClass="entr" presetSubtype="4" fill="hold" grpId="0" nodeType="afterEffect">
+                                  <p:stCondLst>
+                                    <p:cond delay="0"/>
+                                  </p:stCondLst>
+                                  <p:childTnLst>
+                                    <p:set>
+                                      <p:cBhvr>
+                                        <p:cTn id="11" dur="1" fill="hold">
+                                          <p:stCondLst>
+                                            <p:cond delay="0"/>
+                                          </p:stCondLst>
+                                        </p:cTn>
+                                        <p:tgtEl>
+                                          <p:spTgt spid="3">
+                                            <p:txEl>
+                                              <p:pRg st="1" end="1"/>
+                                            </p:txEl>
+                                          </p:spTgt>
+                                        </p:tgtEl>
+                                        <p:attrNameLst>
+                                          <p:attrName>style.visibility</p:attrName>
+                                        </p:attrNameLst>
+                                      </p:cBhvr>
+                                      <p:to>
+                                        <p:strVal val="visible"/>
+                                      </p:to>
+                                    </p:set>
+                                    <p:anim calcmode="lin" valueType="num">
+                                      <p:cBhvr additive="base">
+                                        <p:cTn id="12" dur="500" fill="hold"/>
+                                        <p:tgtEl>
+                                          <p:spTgt spid="3">
+                                            <p:txEl>
+                                              <p:pRg st="1" end="1"/>
+                                            </p:txEl>
+                                          </p:spTgt>
+                                        </p:tgtEl>
+                                        <p:attrNameLst>
+                                          <p:attrName>ppt_x</p:attrName>
+                                        </p:attrNameLst>
+                                      </p:cBhvr>
+                                      <p:tavLst>
+                                        <p:tav tm="0">
+                                          <p:val>
+                                            <p:strVal val="#ppt_x"/>
+                                          </p:val>
+                                        </p:tav>
+                                        <p:tav tm="100000">
+                                          <p:val>
+                                            <p:strVal val="#ppt_x"/>
+                                          </p:val>
+                                        </p:tav>
+                                      </p:tavLst>
+                                    </p:anim>
+                                    <p:anim calcmode="lin" valueType="num">
+                                      <p:cBhvr additive="base">
+                                        <p:cTn id="13" dur="500" fill="hold"/>
+                                        <p:tgtEl>
+                                          <p:spTgt spid="3">
+                                            <p:txEl>
+                                              <p:pRg st="1" end="1"/>
+                                            </p:txEl>
+                                          </p:spTgt>
+                                        </p:tgtEl>
+                                        <p:attrNameLst>
+                                          <p:attrName>ppt_y</p:attrName>
+                                        </p:attrNameLst>
+                                      </p:cBhvr>
+                                      <p:tavLst>
+                                        <p:tav tm="0">
+                                          <p:val>
+                                            <p:strVal val="1+#ppt_h/2"/>
+                                          </p:val>
+                                        </p:tav>
+                                        <p:tav tm="100000">
+                                          <p:val>
+                                            <p:strVal val="#ppt_y"/>
+                                          </p:val>
+                                        </p:tav>
+                                      </p:tavLst>
+                                    </p:anim>
+                                  </p:childTnLst>
+                                </p:cTn>
+                              </p:par>
+                            </p:childTnLst>
+                          </p:cTn>
+                        </p:par>
+                        <p:par>
+                          <p:cTn id="14" fill="hold">
+                            <p:stCondLst>
+                              <p:cond delay="1000"/>
+                            </p:stCondLst>
+                            <p:childTnLst>
+                              <p:par>
+                                <p:cTn id="15" presetID="2" presetClass="entr" presetSubtype="4" fill="hold" grpId="0" nodeType="afterEffect">
+                                  <p:stCondLst>
+                                    <p:cond delay="0"/>
+                                  </p:stCondLst>
+                                  <p:childTnLst>
+                                    <p:set>
+                                      <p:cBhvr>
+                                        <p:cTn id="16" dur="1" fill="hold">
+                                          <p:stCondLst>
+                                            <p:cond delay="0"/>
+                                          </p:stCondLst>
+                                        </p:cTn>
+                                        <p:tgtEl>
+                                          <p:spTgt spid="3">
+                                            <p:txEl>
+                                              <p:pRg st="2" end="2"/>
+                                            </p:txEl>
+                                          </p:spTgt>
+                                        </p:tgtEl>
+                                        <p:attrNameLst>
+                                          <p:attrName>style.visibility</p:attrName>
+                                        </p:attrNameLst>
+                                      </p:cBhvr>
+                                      <p:to>
+                                        <p:strVal val="visible"/>
+                                      </p:to>
+                                    </p:set>
+                                    <p:anim calcmode="lin" valueType="num">
+                                      <p:cBhvr additive="base">
+                                        <p:cTn id="17" dur="500" fill="hold"/>
+                                        <p:tgtEl>
+                                          <p:spTgt spid="3">
+                                            <p:txEl>
+                                              <p:pRg st="2" end="2"/>
+                                            </p:txEl>
+                                          </p:spTgt>
+                                        </p:tgtEl>
+                                        <p:attrNameLst>
+                                          <p:attrName>ppt_x</p:attrName>
+                                        </p:attrNameLst>
+                                      </p:cBhvr>
+                                      <p:tavLst>
+                                        <p:tav tm="0">
+                                          <p:val>
+                                            <p:strVal val="#ppt_x"/>
+                                          </p:val>
+                                        </p:tav>
+                                        <p:tav tm="100000">
+                                          <p:val>
+                                            <p:strVal val="#ppt_x"/>
+                                          </p:val>
+                                        </p:tav>
+                                      </p:tavLst>
+                                    </p:anim>
+                                    <p:anim calcmode="lin" valueType="num">
+                                      <p:cBhvr additive="base">
+                                        <p:cTn id="18" dur="500" fill="hold"/>
+                                        <p:tgtEl>
+                                          <p:spTgt spid="3">
+                                            <p:txEl>
+                                              <p:pRg st="2" end="2"/>
+                                            </p:txEl>
+                                          </p:spTgt>
+                                        </p:tgtEl>
+                                        <p:attrNameLst>
+                                          <p:attrName>ppt_y</p:attrName>
+                                        </p:attrNameLst>
+                                      </p:cBhvr>
+                                      <p:tavLst>
+                                        <p:tav tm="0">
+                                          <p:val>
+                                            <p:strVal val="1+#ppt_h/2"/>
+                                          </p:val>
+                                        </p:tav>
+                                        <p:tav tm="100000">
+                                          <p:val>
+                                            <p:strVal val="#ppt_y"/>
+                                          </p:val>
+                                        </p:tav>
+                                      </p:tavLst>
+                                    </p:anim>
+                                  </p:childTnLst>
+                                </p:cTn>
+                              </p:par>
+                            </p:childTnLst>
+                          </p:cTn>
+                        </p:par>
+                        <p:par>
+                          <p:cTn id="19" fill="hold">
+                            <p:stCondLst>
+                              <p:cond delay="1500"/>
+                            </p:stCondLst>
+                            <p:childTnLst>
+                              <p:par>
+                                <p:cTn id="20" presetID="2" presetClass="entr" presetSubtype="4" fill="hold" grpId="0" nodeType="afterEffect">
+                                  <p:stCondLst>
+                                    <p:cond delay="0"/>
+                                  </p:stCondLst>
+                                  <p:childTnLst>
+                                    <p:set>
+                                      <p:cBhvr>
+                                        <p:cTn id="21" dur="1" fill="hold">
+                                          <p:stCondLst>
+                                            <p:cond delay="0"/>
+                                          </p:stCondLst>
+                                        </p:cTn>
+                                        <p:tgtEl>
+                                          <p:spTgt spid="3">
+                                            <p:txEl>
+                                              <p:pRg st="3" end="3"/>
+                                            </p:txEl>
+                                          </p:spTgt>
+                                        </p:tgtEl>
+                                        <p:attrNameLst>
+                                          <p:attrName>style.visibility</p:attrName>
+                                        </p:attrNameLst>
+                                      </p:cBhvr>
+                                      <p:to>
+                                        <p:strVal val="visible"/>
+                                      </p:to>
+                                    </p:set>
+                                    <p:anim calcmode="lin" valueType="num">
+                                      <p:cBhvr additive="base">
+                                        <p:cTn id="22" dur="500" fill="hold"/>
+                                        <p:tgtEl>
+                                          <p:spTgt spid="3">
+                                            <p:txEl>
+                                              <p:pRg st="3" end="3"/>
+                                            </p:txEl>
+                                          </p:spTgt>
+                                        </p:tgtEl>
+                                        <p:attrNameLst>
+                                          <p:attrName>ppt_x</p:attrName>
+                                        </p:attrNameLst>
+                                      </p:cBhvr>
+                                      <p:tavLst>
+                                        <p:tav tm="0">
+                                          <p:val>
+                                            <p:strVal val="#ppt_x"/>
+                                          </p:val>
+                                        </p:tav>
+                                        <p:tav tm="100000">
+                                          <p:val>
+                                            <p:strVal val="#ppt_x"/>
+                                          </p:val>
+                                        </p:tav>
+                                      </p:tavLst>
+                                    </p:anim>
+                                    <p:anim calcmode="lin" valueType="num">
+                                      <p:cBhvr additive="base">
+                                        <p:cTn id="23" dur="500" fill="hold"/>
+                                        <p:tgtEl>
+                                          <p:spTgt spid="3">
+                                            <p:txEl>
+                                              <p:pRg st="3" end="3"/>
+                                            </p:txEl>
+                                          </p:spTgt>
+                                        </p:tgtEl>
+                                        <p:attrNameLst>
+                                          <p:attrName>ppt_y</p:attrName>
+                                        </p:attrNameLst>
+                                      </p:cBhvr>
+                                      <p:tavLst>
+                                        <p:tav tm="0">
+                                          <p:val>
+                                            <p:strVal val="1+#ppt_h/2"/>
+                                          </p:val>
+                                        </p:tav>
+                                        <p:tav tm="100000">
+                                          <p:val>
+                                            <p:strVal val="#ppt_y"/>
+                                          </p:val>
+                                        </p:tav>
+                                      </p:tavLst>
+                                    </p:anim>
+                                  </p:childTnLst>
+                                </p:cTn>
+                              </p:par>
+                            </p:childTnLst>
+                          </p:cTn>
+                        </p:par>
+                        <p:par>
+                          <p:cTn id="24" fill="hold">
+                            <p:stCondLst>
+                              <p:cond delay="2000"/>
+                            </p:stCondLst>
+                            <p:childTnLst>
+                              <p:par>
+                                <p:cTn id="25" presetID="2" presetClass="entr" presetSubtype="4" fill="hold" nodeType="afterEffect">
+                                  <p:stCondLst>
+                                    <p:cond delay="0"/>
+                                  </p:stCondLst>
+                                  <p:childTnLst>
+                                    <p:set>
+                                      <p:cBhvr>
+                                        <p:cTn id="26" dur="1" fill="hold">
+                                          <p:stCondLst>
+                                            <p:cond delay="0"/>
+                                          </p:stCondLst>
+                                        </p:cTn>
+                                        <p:tgtEl>
+                                          <p:spTgt spid="4"/>
+                                        </p:tgtEl>
+                                        <p:attrNameLst>
+                                          <p:attrName>style.visibility</p:attrName>
+                                        </p:attrNameLst>
+                                      </p:cBhvr>
+                                      <p:to>
+                                        <p:strVal val="visible"/>
+                                      </p:to>
+                                    </p:set>
+                                    <p:anim calcmode="lin" valueType="num">
+                                      <p:cBhvr additive="base">
+                                        <p:cTn id="27" dur="500" fill="hold"/>
+                                        <p:tgtEl>
+                                          <p:spTgt spid="4"/>
+                                        </p:tgtEl>
+                                        <p:attrNameLst>
+                                          <p:attrName>ppt_x</p:attrName>
+                                        </p:attrNameLst>
+                                      </p:cBhvr>
+                                      <p:tavLst>
+                                        <p:tav tm="0">
+                                          <p:val>
+                                            <p:strVal val="#ppt_x"/>
+                                          </p:val>
+                                        </p:tav>
+                                        <p:tav tm="100000">
+                                          <p:val>
+                                            <p:strVal val="#ppt_x"/>
+                                          </p:val>
+                                        </p:tav>
+                                      </p:tavLst>
+                                    </p:anim>
+                                    <p:anim calcmode="lin" valueType="num">
+                                      <p:cBhvr additive="base">
+                                        <p:cTn id="28" dur="500" fill="hold"/>
+                                        <p:tgtEl>
+                                          <p:spTgt spid="4"/>
+                                        </p:tgtEl>
+                                        <p:attrNameLst>
+                                          <p:attrName>ppt_y</p:attrName>
+                                        </p:attrNameLst>
+                                      </p:cBhvr>
+                                      <p:tavLst>
+                                        <p:tav tm="0">
+                                          <p:val>
+                                            <p:strVal val="1+#ppt_h/2"/>
+                                          </p:val>
+                                        </p:tav>
+                                        <p:tav tm="100000">
+                                          <p:val>
+                                            <p:strVal val="#ppt_y"/>
+                                          </p:val>
+                                        </p:tav>
+                                      </p:tavLst>
+                                    </p:anim>
+                                  </p:childTnLst>
+                                </p:cTn>
+                              </p:par>
+                            </p:childTnLst>
+                          </p:cTn>
+                        </p:par>
+                      </p:childTnLst>
+                    </p:cTn>
+                  </p:par>
+                  <p:par>
+                    <p:cTn id="29" fill="hold">
+                      <p:stCondLst>
+                        <p:cond delay="indefinite"/>
+                      </p:stCondLst>
+                      <p:childTnLst>
+                        <p:par>
+                          <p:cTn id="30" fill="hold">
+                            <p:stCondLst>
+                              <p:cond delay="0"/>
+                            </p:stCondLst>
+                            <p:childTnLst>
+                              <p:par>
+                                <p:cTn id="31" presetID="2" presetClass="entr" presetSubtype="4" fill="hold" grpId="0" nodeType="clickEffect">
+                                  <p:stCondLst>
+                                    <p:cond delay="0"/>
+                                  </p:stCondLst>
+                                  <p:childTnLst>
+                                    <p:set>
+                                      <p:cBhvr>
+                                        <p:cTn id="32" dur="1" fill="hold">
+                                          <p:stCondLst>
+                                            <p:cond delay="0"/>
+                                          </p:stCondLst>
+                                        </p:cTn>
+                                        <p:tgtEl>
+                                          <p:spTgt spid="6"/>
+                                        </p:tgtEl>
+                                        <p:attrNameLst>
+                                          <p:attrName>style.visibility</p:attrName>
+                                        </p:attrNameLst>
+                                      </p:cBhvr>
+                                      <p:to>
+                                        <p:strVal val="visible"/>
+                                      </p:to>
+                                    </p:set>
+                                    <p:anim calcmode="lin" valueType="num">
+                                      <p:cBhvr additive="base">
+                                        <p:cTn id="33" dur="500" fill="hold"/>
+                                        <p:tgtEl>
+                                          <p:spTgt spid="6"/>
+                                        </p:tgtEl>
+                                        <p:attrNameLst>
+                                          <p:attrName>ppt_x</p:attrName>
+                                        </p:attrNameLst>
+                                      </p:cBhvr>
+                                      <p:tavLst>
+                                        <p:tav tm="0">
+                                          <p:val>
+                                            <p:strVal val="#ppt_x"/>
+                                          </p:val>
+                                        </p:tav>
+                                        <p:tav tm="100000">
+                                          <p:val>
+                                            <p:strVal val="#ppt_x"/>
+                                          </p:val>
+                                        </p:tav>
+                                      </p:tavLst>
+                                    </p:anim>
+                                    <p:anim calcmode="lin" valueType="num">
+                                      <p:cBhvr additive="base">
+                                        <p:cTn id="34" dur="500" fill="hold"/>
+                                        <p:tgtEl>
+                                          <p:spTgt spid="6"/>
+                                        </p:tgtEl>
+                                        <p:attrNameLst>
+                                          <p:attrName>ppt_y</p:attrName>
+                                        </p:attrNameLst>
+                                      </p:cBhvr>
+                                      <p:tavLst>
+                                        <p:tav tm="0">
+                                          <p:val>
+                                            <p:strVal val="1+#ppt_h/2"/>
+                                          </p:val>
+                                        </p:tav>
+                                        <p:tav tm="100000">
+                                          <p:val>
+                                            <p:strVal val="#ppt_y"/>
+                                          </p:val>
+                                        </p:tav>
+                                      </p:tavLst>
+                                    </p:anim>
+                                  </p:childTnLst>
+                                </p:cTn>
+                              </p:par>
+                            </p:childTnLst>
+                          </p:cTn>
+                        </p:par>
+                      </p:childTnLst>
+                    </p:cTn>
+                  </p:par>
+                </p:childTnLst>
+              </p:cTn>
+              <p:prevCondLst>
+                <p:cond evt="onPrev" delay="0">
+                  <p:tgtEl>
+                    <p:sldTgt/>
+                  </p:tgtEl>
+                </p:cond>
+              </p:prevCondLst>
+              <p:nextCondLst>
+                <p:cond evt="onNext" delay="0">
+                  <p:tgtEl>
+                    <p:sldTgt/>
+                  </p:tgtEl>
+                </p:cond>
+              </p:nextCondLst>
+            </p:seq>
+          </p:childTnLst>
+        </p:cTn>
+      </p:par>
+    </p:tnLst>
+    <p:bldLst>
+      <p:bldP spid="3" grpId="0" build="p"/>
+      <p:bldP spid="6" grpId="0"/>
+    </p:bldLst>
+  </p:timing>
 </p:sld>
 </file>
 
@@ -7038,6 +9608,371 @@
           </a:p>
         </p:txBody>
       </p:sp>
+      <p:graphicFrame>
+        <p:nvGraphicFramePr>
+          <p:cNvPr id="4" name="Table 3">
+            <a:extLst>
+              <a:ext uri="{FF2B5EF4-FFF2-40B4-BE49-F238E27FC236}">
+                <a16:creationId xmlns:a16="http://schemas.microsoft.com/office/drawing/2014/main" id="{01AE9361-4CA8-46BF-BD11-19BED3F19F4D}"/>
+              </a:ext>
+            </a:extLst>
+          </p:cNvPr>
+          <p:cNvGraphicFramePr>
+            <a:graphicFrameLocks noGrp="1"/>
+          </p:cNvGraphicFramePr>
+          <p:nvPr>
+            <p:extLst>
+              <p:ext uri="{D42A27DB-BD31-4B8C-83A1-F6EECF244321}">
+                <p14:modId xmlns:p14="http://schemas.microsoft.com/office/powerpoint/2010/main" val="2084255582"/>
+              </p:ext>
+            </p:extLst>
+          </p:nvPr>
+        </p:nvGraphicFramePr>
+        <p:xfrm>
+          <a:off x="1012371" y="4367983"/>
+          <a:ext cx="10515601" cy="990614"/>
+        </p:xfrm>
+        <a:graphic>
+          <a:graphicData uri="http://schemas.openxmlformats.org/drawingml/2006/table">
+            <a:tbl>
+              <a:tblPr>
+                <a:tableStyleId>{5C22544A-7EE6-4342-B048-85BDC9FD1C3A}</a:tableStyleId>
+              </a:tblPr>
+              <a:tblGrid>
+                <a:gridCol w="2026920">
+                  <a:extLst>
+                    <a:ext uri="{9D8B030D-6E8A-4147-A177-3AD203B41FA5}">
+                      <a16:colId xmlns:a16="http://schemas.microsoft.com/office/drawing/2014/main" val="4120136968"/>
+                    </a:ext>
+                  </a:extLst>
+                </a:gridCol>
+                <a:gridCol w="931818">
+                  <a:extLst>
+                    <a:ext uri="{9D8B030D-6E8A-4147-A177-3AD203B41FA5}">
+                      <a16:colId xmlns:a16="http://schemas.microsoft.com/office/drawing/2014/main" val="306587042"/>
+                    </a:ext>
+                  </a:extLst>
+                </a:gridCol>
+                <a:gridCol w="627017">
+                  <a:extLst>
+                    <a:ext uri="{9D8B030D-6E8A-4147-A177-3AD203B41FA5}">
+                      <a16:colId xmlns:a16="http://schemas.microsoft.com/office/drawing/2014/main" val="932591764"/>
+                    </a:ext>
+                  </a:extLst>
+                </a:gridCol>
+                <a:gridCol w="670560">
+                  <a:extLst>
+                    <a:ext uri="{9D8B030D-6E8A-4147-A177-3AD203B41FA5}">
+                      <a16:colId xmlns:a16="http://schemas.microsoft.com/office/drawing/2014/main" val="627546338"/>
+                    </a:ext>
+                  </a:extLst>
+                </a:gridCol>
+                <a:gridCol w="2002971">
+                  <a:extLst>
+                    <a:ext uri="{9D8B030D-6E8A-4147-A177-3AD203B41FA5}">
+                      <a16:colId xmlns:a16="http://schemas.microsoft.com/office/drawing/2014/main" val="3152324169"/>
+                    </a:ext>
+                  </a:extLst>
+                </a:gridCol>
+                <a:gridCol w="4256315">
+                  <a:extLst>
+                    <a:ext uri="{9D8B030D-6E8A-4147-A177-3AD203B41FA5}">
+                      <a16:colId xmlns:a16="http://schemas.microsoft.com/office/drawing/2014/main" val="443490350"/>
+                    </a:ext>
+                  </a:extLst>
+                </a:gridCol>
+              </a:tblGrid>
+              <a:tr h="434760">
+                <a:tc>
+                  <a:txBody>
+                    <a:bodyPr/>
+                    <a:lstStyle/>
+                    <a:p>
+                      <a:pPr algn="l" fontAlgn="b"/>
+                      <a:r>
+                        <a:rPr lang="en-GB" sz="1600" u="none" strike="noStrike" dirty="0">
+                          <a:effectLst/>
+                        </a:rPr>
+                        <a:t>Description of Risk</a:t>
+                      </a:r>
+                      <a:endParaRPr lang="en-GB" sz="1600" b="0" i="0" u="none" strike="noStrike" dirty="0">
+                        <a:solidFill>
+                          <a:srgbClr val="000000"/>
+                        </a:solidFill>
+                        <a:effectLst/>
+                        <a:latin typeface="Liberation Sans"/>
+                      </a:endParaRPr>
+                    </a:p>
+                  </a:txBody>
+                  <a:tcPr marL="7627" marR="7627" marT="7627" marB="0" anchor="b"/>
+                </a:tc>
+                <a:tc>
+                  <a:txBody>
+                    <a:bodyPr/>
+                    <a:lstStyle/>
+                    <a:p>
+                      <a:pPr algn="l" fontAlgn="b"/>
+                      <a:r>
+                        <a:rPr lang="en-GB" sz="1600" u="none" strike="noStrike" dirty="0">
+                          <a:effectLst/>
+                        </a:rPr>
+                        <a:t>Probability (1-10)</a:t>
+                      </a:r>
+                      <a:endParaRPr lang="en-GB" sz="1600" b="0" i="0" u="none" strike="noStrike" dirty="0">
+                        <a:solidFill>
+                          <a:srgbClr val="000000"/>
+                        </a:solidFill>
+                        <a:effectLst/>
+                        <a:latin typeface="Liberation Sans"/>
+                      </a:endParaRPr>
+                    </a:p>
+                  </a:txBody>
+                  <a:tcPr marL="7627" marR="7627" marT="7627" marB="0" anchor="b"/>
+                </a:tc>
+                <a:tc>
+                  <a:txBody>
+                    <a:bodyPr/>
+                    <a:lstStyle/>
+                    <a:p>
+                      <a:pPr algn="l" fontAlgn="b"/>
+                      <a:r>
+                        <a:rPr lang="en-GB" sz="1600" u="none" strike="noStrike" dirty="0">
+                          <a:effectLst/>
+                        </a:rPr>
+                        <a:t>Impact (1-10)</a:t>
+                      </a:r>
+                      <a:endParaRPr lang="en-GB" sz="1600" b="0" i="0" u="none" strike="noStrike" dirty="0">
+                        <a:solidFill>
+                          <a:srgbClr val="000000"/>
+                        </a:solidFill>
+                        <a:effectLst/>
+                        <a:latin typeface="Liberation Sans"/>
+                      </a:endParaRPr>
+                    </a:p>
+                  </a:txBody>
+                  <a:tcPr marL="7627" marR="7627" marT="7627" marB="0" anchor="b"/>
+                </a:tc>
+                <a:tc>
+                  <a:txBody>
+                    <a:bodyPr/>
+                    <a:lstStyle/>
+                    <a:p>
+                      <a:pPr algn="l" fontAlgn="b"/>
+                      <a:r>
+                        <a:rPr lang="en-GB" sz="1600" u="none" strike="noStrike" dirty="0">
+                          <a:effectLst/>
+                        </a:rPr>
+                        <a:t>Priority (1-100)</a:t>
+                      </a:r>
+                      <a:endParaRPr lang="en-GB" sz="1600" b="0" i="0" u="none" strike="noStrike" dirty="0">
+                        <a:solidFill>
+                          <a:srgbClr val="000000"/>
+                        </a:solidFill>
+                        <a:effectLst/>
+                        <a:latin typeface="Liberation Sans"/>
+                      </a:endParaRPr>
+                    </a:p>
+                  </a:txBody>
+                  <a:tcPr marL="7627" marR="7627" marT="7627" marB="0" anchor="b"/>
+                </a:tc>
+                <a:tc>
+                  <a:txBody>
+                    <a:bodyPr/>
+                    <a:lstStyle/>
+                    <a:p>
+                      <a:pPr algn="l" fontAlgn="b"/>
+                      <a:r>
+                        <a:rPr lang="en-GB" sz="1600" u="none" strike="noStrike" dirty="0">
+                          <a:effectLst/>
+                        </a:rPr>
+                        <a:t>Triggers</a:t>
+                      </a:r>
+                      <a:endParaRPr lang="en-GB" sz="1600" b="0" i="0" u="none" strike="noStrike" dirty="0">
+                        <a:solidFill>
+                          <a:srgbClr val="000000"/>
+                        </a:solidFill>
+                        <a:effectLst/>
+                        <a:latin typeface="Liberation Sans"/>
+                      </a:endParaRPr>
+                    </a:p>
+                  </a:txBody>
+                  <a:tcPr marL="7627" marR="7627" marT="7627" marB="0" anchor="b"/>
+                </a:tc>
+                <a:tc>
+                  <a:txBody>
+                    <a:bodyPr/>
+                    <a:lstStyle/>
+                    <a:p>
+                      <a:pPr algn="l" fontAlgn="b"/>
+                      <a:r>
+                        <a:rPr lang="en-GB" sz="1600" u="none" strike="noStrike" dirty="0">
+                          <a:effectLst/>
+                        </a:rPr>
+                        <a:t>Response Plan</a:t>
+                      </a:r>
+                      <a:endParaRPr lang="en-GB" sz="1600" b="0" i="0" u="none" strike="noStrike" dirty="0">
+                        <a:solidFill>
+                          <a:srgbClr val="000000"/>
+                        </a:solidFill>
+                        <a:effectLst/>
+                        <a:latin typeface="Liberation Sans"/>
+                      </a:endParaRPr>
+                    </a:p>
+                  </a:txBody>
+                  <a:tcPr marL="7627" marR="7627" marT="7627" marB="0" anchor="b"/>
+                </a:tc>
+                <a:extLst>
+                  <a:ext uri="{0D108BD9-81ED-4DB2-BD59-A6C34878D82A}">
+                    <a16:rowId xmlns:a16="http://schemas.microsoft.com/office/drawing/2014/main" val="989612182"/>
+                  </a:ext>
+                </a:extLst>
+              </a:tr>
+              <a:tr h="144920">
+                <a:tc>
+                  <a:txBody>
+                    <a:bodyPr/>
+                    <a:lstStyle/>
+                    <a:p>
+                      <a:pPr algn="l" fontAlgn="b"/>
+                      <a:r>
+                        <a:rPr lang="en-GB" sz="1600" u="none" strike="noStrike" dirty="0">
+                          <a:effectLst/>
+                        </a:rPr>
+                        <a:t>Gripper self-destructs, breaking servo</a:t>
+                      </a:r>
+                      <a:endParaRPr lang="en-GB" sz="1600" b="0" i="0" u="none" strike="noStrike" dirty="0">
+                        <a:solidFill>
+                          <a:srgbClr val="000000"/>
+                        </a:solidFill>
+                        <a:effectLst/>
+                        <a:latin typeface="Liberation Sans"/>
+                      </a:endParaRPr>
+                    </a:p>
+                  </a:txBody>
+                  <a:tcPr marL="7627" marR="7627" marT="7627" marB="0" anchor="b"/>
+                </a:tc>
+                <a:tc>
+                  <a:txBody>
+                    <a:bodyPr/>
+                    <a:lstStyle/>
+                    <a:p>
+                      <a:pPr algn="r" fontAlgn="b"/>
+                      <a:r>
+                        <a:rPr lang="en-GB" sz="1600" u="none" strike="noStrike" dirty="0">
+                          <a:effectLst/>
+                        </a:rPr>
+                        <a:t>3</a:t>
+                      </a:r>
+                      <a:endParaRPr lang="en-GB" sz="1600" b="0" i="0" u="none" strike="noStrike" dirty="0">
+                        <a:solidFill>
+                          <a:srgbClr val="000000"/>
+                        </a:solidFill>
+                        <a:effectLst/>
+                        <a:latin typeface="Liberation Sans"/>
+                      </a:endParaRPr>
+                    </a:p>
+                  </a:txBody>
+                  <a:tcPr marL="7627" marR="7627" marT="7627" marB="0" anchor="b"/>
+                </a:tc>
+                <a:tc>
+                  <a:txBody>
+                    <a:bodyPr/>
+                    <a:lstStyle/>
+                    <a:p>
+                      <a:pPr algn="r" fontAlgn="b"/>
+                      <a:r>
+                        <a:rPr lang="en-GB" sz="1600" u="none" strike="noStrike" dirty="0">
+                          <a:effectLst/>
+                        </a:rPr>
+                        <a:t>5</a:t>
+                      </a:r>
+                      <a:endParaRPr lang="en-GB" sz="1600" b="0" i="0" u="none" strike="noStrike" dirty="0">
+                        <a:solidFill>
+                          <a:srgbClr val="000000"/>
+                        </a:solidFill>
+                        <a:effectLst/>
+                        <a:latin typeface="Liberation Sans"/>
+                      </a:endParaRPr>
+                    </a:p>
+                  </a:txBody>
+                  <a:tcPr marL="7627" marR="7627" marT="7627" marB="0" anchor="b"/>
+                </a:tc>
+                <a:tc>
+                  <a:txBody>
+                    <a:bodyPr/>
+                    <a:lstStyle/>
+                    <a:p>
+                      <a:pPr algn="r" fontAlgn="b"/>
+                      <a:r>
+                        <a:rPr lang="en-GB" sz="1600" u="none" strike="noStrike" dirty="0">
+                          <a:effectLst/>
+                        </a:rPr>
+                        <a:t>15</a:t>
+                      </a:r>
+                      <a:endParaRPr lang="en-GB" sz="1600" b="0" i="0" u="none" strike="noStrike" dirty="0">
+                        <a:solidFill>
+                          <a:srgbClr val="000000"/>
+                        </a:solidFill>
+                        <a:effectLst/>
+                        <a:latin typeface="Liberation Sans"/>
+                      </a:endParaRPr>
+                    </a:p>
+                  </a:txBody>
+                  <a:tcPr marL="7627" marR="7627" marT="7627" marB="0" anchor="b"/>
+                </a:tc>
+                <a:tc>
+                  <a:txBody>
+                    <a:bodyPr/>
+                    <a:lstStyle/>
+                    <a:p>
+                      <a:pPr algn="l" fontAlgn="b"/>
+                      <a:r>
+                        <a:rPr lang="en-GB" sz="1600" b="0" i="0" u="none" strike="noStrike" dirty="0">
+                          <a:solidFill>
+                            <a:srgbClr val="000000"/>
+                          </a:solidFill>
+                          <a:effectLst/>
+                          <a:latin typeface="Calibri Body"/>
+                        </a:rPr>
+                        <a:t>Servo breaks</a:t>
+                      </a:r>
+                    </a:p>
+                  </a:txBody>
+                  <a:tcPr marL="7627" marR="7627" marT="7627" marB="0" anchor="b"/>
+                </a:tc>
+                <a:tc>
+                  <a:txBody>
+                    <a:bodyPr/>
+                    <a:lstStyle/>
+                    <a:p>
+                      <a:pPr algn="l" fontAlgn="b"/>
+                      <a:r>
+                        <a:rPr lang="en-GB" sz="1600" u="none" strike="noStrike" dirty="0">
+                          <a:effectLst/>
+                        </a:rPr>
+                        <a:t>Replace servo with spare and order another spare</a:t>
+                      </a:r>
+                      <a:endParaRPr lang="en-GB" sz="1600" b="0" i="0" u="none" strike="noStrike" dirty="0">
+                        <a:solidFill>
+                          <a:srgbClr val="000000"/>
+                        </a:solidFill>
+                        <a:effectLst/>
+                        <a:latin typeface="Liberation Sans"/>
+                      </a:endParaRPr>
+                    </a:p>
+                  </a:txBody>
+                  <a:tcPr marL="7627" marR="7627" marT="7627" marB="0" anchor="b"/>
+                </a:tc>
+                <a:extLst>
+                  <a:ext uri="{0D108BD9-81ED-4DB2-BD59-A6C34878D82A}">
+                    <a16:rowId xmlns:a16="http://schemas.microsoft.com/office/drawing/2014/main" val="2183656025"/>
+                  </a:ext>
+                </a:extLst>
+              </a:tr>
+            </a:tbl>
+          </a:graphicData>
+        </a:graphic>
+      </p:graphicFrame>
     </p:spTree>
     <p:extLst>
       <p:ext uri="{BB962C8B-B14F-4D97-AF65-F5344CB8AC3E}">
@@ -7048,6 +9983,442 @@
   <p:clrMapOvr>
     <a:masterClrMapping/>
   </p:clrMapOvr>
+  <mc:AlternateContent xmlns:mc="http://schemas.openxmlformats.org/markup-compatibility/2006">
+    <mc:Choice xmlns:p14="http://schemas.microsoft.com/office/powerpoint/2010/main" Requires="p14">
+      <p:transition spd="med" p14:dur="700">
+        <p:fade/>
+      </p:transition>
+    </mc:Choice>
+    <mc:Fallback>
+      <p:transition spd="med">
+        <p:fade/>
+      </p:transition>
+    </mc:Fallback>
+  </mc:AlternateContent>
+  <p:timing>
+    <p:tnLst>
+      <p:par>
+        <p:cTn id="1" dur="indefinite" restart="never" nodeType="tmRoot">
+          <p:childTnLst>
+            <p:seq concurrent="1" nextAc="seek">
+              <p:cTn id="2" dur="indefinite" nodeType="mainSeq">
+                <p:childTnLst>
+                  <p:par>
+                    <p:cTn id="3" fill="hold">
+                      <p:stCondLst>
+                        <p:cond delay="indefinite"/>
+                      </p:stCondLst>
+                      <p:childTnLst>
+                        <p:par>
+                          <p:cTn id="4" fill="hold">
+                            <p:stCondLst>
+                              <p:cond delay="0"/>
+                            </p:stCondLst>
+                            <p:childTnLst>
+                              <p:par>
+                                <p:cTn id="5" presetID="2" presetClass="entr" presetSubtype="4" fill="hold" grpId="0" nodeType="clickEffect">
+                                  <p:stCondLst>
+                                    <p:cond delay="0"/>
+                                  </p:stCondLst>
+                                  <p:childTnLst>
+                                    <p:set>
+                                      <p:cBhvr>
+                                        <p:cTn id="6" dur="1" fill="hold">
+                                          <p:stCondLst>
+                                            <p:cond delay="0"/>
+                                          </p:stCondLst>
+                                        </p:cTn>
+                                        <p:tgtEl>
+                                          <p:spTgt spid="3">
+                                            <p:txEl>
+                                              <p:pRg st="0" end="0"/>
+                                            </p:txEl>
+                                          </p:spTgt>
+                                        </p:tgtEl>
+                                        <p:attrNameLst>
+                                          <p:attrName>style.visibility</p:attrName>
+                                        </p:attrNameLst>
+                                      </p:cBhvr>
+                                      <p:to>
+                                        <p:strVal val="visible"/>
+                                      </p:to>
+                                    </p:set>
+                                    <p:anim calcmode="lin" valueType="num">
+                                      <p:cBhvr additive="base">
+                                        <p:cTn id="7" dur="500" fill="hold"/>
+                                        <p:tgtEl>
+                                          <p:spTgt spid="3">
+                                            <p:txEl>
+                                              <p:pRg st="0" end="0"/>
+                                            </p:txEl>
+                                          </p:spTgt>
+                                        </p:tgtEl>
+                                        <p:attrNameLst>
+                                          <p:attrName>ppt_x</p:attrName>
+                                        </p:attrNameLst>
+                                      </p:cBhvr>
+                                      <p:tavLst>
+                                        <p:tav tm="0">
+                                          <p:val>
+                                            <p:strVal val="#ppt_x"/>
+                                          </p:val>
+                                        </p:tav>
+                                        <p:tav tm="100000">
+                                          <p:val>
+                                            <p:strVal val="#ppt_x"/>
+                                          </p:val>
+                                        </p:tav>
+                                      </p:tavLst>
+                                    </p:anim>
+                                    <p:anim calcmode="lin" valueType="num">
+                                      <p:cBhvr additive="base">
+                                        <p:cTn id="8" dur="500" fill="hold"/>
+                                        <p:tgtEl>
+                                          <p:spTgt spid="3">
+                                            <p:txEl>
+                                              <p:pRg st="0" end="0"/>
+                                            </p:txEl>
+                                          </p:spTgt>
+                                        </p:tgtEl>
+                                        <p:attrNameLst>
+                                          <p:attrName>ppt_y</p:attrName>
+                                        </p:attrNameLst>
+                                      </p:cBhvr>
+                                      <p:tavLst>
+                                        <p:tav tm="0">
+                                          <p:val>
+                                            <p:strVal val="1+#ppt_h/2"/>
+                                          </p:val>
+                                        </p:tav>
+                                        <p:tav tm="100000">
+                                          <p:val>
+                                            <p:strVal val="#ppt_y"/>
+                                          </p:val>
+                                        </p:tav>
+                                      </p:tavLst>
+                                    </p:anim>
+                                  </p:childTnLst>
+                                </p:cTn>
+                              </p:par>
+                            </p:childTnLst>
+                          </p:cTn>
+                        </p:par>
+                      </p:childTnLst>
+                    </p:cTn>
+                  </p:par>
+                  <p:par>
+                    <p:cTn id="9" fill="hold">
+                      <p:stCondLst>
+                        <p:cond delay="indefinite"/>
+                      </p:stCondLst>
+                      <p:childTnLst>
+                        <p:par>
+                          <p:cTn id="10" fill="hold">
+                            <p:stCondLst>
+                              <p:cond delay="0"/>
+                            </p:stCondLst>
+                            <p:childTnLst>
+                              <p:par>
+                                <p:cTn id="11" presetID="2" presetClass="entr" presetSubtype="4" fill="hold" grpId="0" nodeType="clickEffect">
+                                  <p:stCondLst>
+                                    <p:cond delay="0"/>
+                                  </p:stCondLst>
+                                  <p:childTnLst>
+                                    <p:set>
+                                      <p:cBhvr>
+                                        <p:cTn id="12" dur="1" fill="hold">
+                                          <p:stCondLst>
+                                            <p:cond delay="0"/>
+                                          </p:stCondLst>
+                                        </p:cTn>
+                                        <p:tgtEl>
+                                          <p:spTgt spid="3">
+                                            <p:txEl>
+                                              <p:pRg st="1" end="1"/>
+                                            </p:txEl>
+                                          </p:spTgt>
+                                        </p:tgtEl>
+                                        <p:attrNameLst>
+                                          <p:attrName>style.visibility</p:attrName>
+                                        </p:attrNameLst>
+                                      </p:cBhvr>
+                                      <p:to>
+                                        <p:strVal val="visible"/>
+                                      </p:to>
+                                    </p:set>
+                                    <p:anim calcmode="lin" valueType="num">
+                                      <p:cBhvr additive="base">
+                                        <p:cTn id="13" dur="500" fill="hold"/>
+                                        <p:tgtEl>
+                                          <p:spTgt spid="3">
+                                            <p:txEl>
+                                              <p:pRg st="1" end="1"/>
+                                            </p:txEl>
+                                          </p:spTgt>
+                                        </p:tgtEl>
+                                        <p:attrNameLst>
+                                          <p:attrName>ppt_x</p:attrName>
+                                        </p:attrNameLst>
+                                      </p:cBhvr>
+                                      <p:tavLst>
+                                        <p:tav tm="0">
+                                          <p:val>
+                                            <p:strVal val="#ppt_x"/>
+                                          </p:val>
+                                        </p:tav>
+                                        <p:tav tm="100000">
+                                          <p:val>
+                                            <p:strVal val="#ppt_x"/>
+                                          </p:val>
+                                        </p:tav>
+                                      </p:tavLst>
+                                    </p:anim>
+                                    <p:anim calcmode="lin" valueType="num">
+                                      <p:cBhvr additive="base">
+                                        <p:cTn id="14" dur="500" fill="hold"/>
+                                        <p:tgtEl>
+                                          <p:spTgt spid="3">
+                                            <p:txEl>
+                                              <p:pRg st="1" end="1"/>
+                                            </p:txEl>
+                                          </p:spTgt>
+                                        </p:tgtEl>
+                                        <p:attrNameLst>
+                                          <p:attrName>ppt_y</p:attrName>
+                                        </p:attrNameLst>
+                                      </p:cBhvr>
+                                      <p:tavLst>
+                                        <p:tav tm="0">
+                                          <p:val>
+                                            <p:strVal val="1+#ppt_h/2"/>
+                                          </p:val>
+                                        </p:tav>
+                                        <p:tav tm="100000">
+                                          <p:val>
+                                            <p:strVal val="#ppt_y"/>
+                                          </p:val>
+                                        </p:tav>
+                                      </p:tavLst>
+                                    </p:anim>
+                                  </p:childTnLst>
+                                </p:cTn>
+                              </p:par>
+                            </p:childTnLst>
+                          </p:cTn>
+                        </p:par>
+                      </p:childTnLst>
+                    </p:cTn>
+                  </p:par>
+                  <p:par>
+                    <p:cTn id="15" fill="hold">
+                      <p:stCondLst>
+                        <p:cond delay="indefinite"/>
+                      </p:stCondLst>
+                      <p:childTnLst>
+                        <p:par>
+                          <p:cTn id="16" fill="hold">
+                            <p:stCondLst>
+                              <p:cond delay="0"/>
+                            </p:stCondLst>
+                            <p:childTnLst>
+                              <p:par>
+                                <p:cTn id="17" presetID="2" presetClass="entr" presetSubtype="4" fill="hold" grpId="0" nodeType="clickEffect">
+                                  <p:stCondLst>
+                                    <p:cond delay="0"/>
+                                  </p:stCondLst>
+                                  <p:childTnLst>
+                                    <p:set>
+                                      <p:cBhvr>
+                                        <p:cTn id="18" dur="1" fill="hold">
+                                          <p:stCondLst>
+                                            <p:cond delay="0"/>
+                                          </p:stCondLst>
+                                        </p:cTn>
+                                        <p:tgtEl>
+                                          <p:spTgt spid="3">
+                                            <p:txEl>
+                                              <p:pRg st="2" end="2"/>
+                                            </p:txEl>
+                                          </p:spTgt>
+                                        </p:tgtEl>
+                                        <p:attrNameLst>
+                                          <p:attrName>style.visibility</p:attrName>
+                                        </p:attrNameLst>
+                                      </p:cBhvr>
+                                      <p:to>
+                                        <p:strVal val="visible"/>
+                                      </p:to>
+                                    </p:set>
+                                    <p:anim calcmode="lin" valueType="num">
+                                      <p:cBhvr additive="base">
+                                        <p:cTn id="19" dur="500" fill="hold"/>
+                                        <p:tgtEl>
+                                          <p:spTgt spid="3">
+                                            <p:txEl>
+                                              <p:pRg st="2" end="2"/>
+                                            </p:txEl>
+                                          </p:spTgt>
+                                        </p:tgtEl>
+                                        <p:attrNameLst>
+                                          <p:attrName>ppt_x</p:attrName>
+                                        </p:attrNameLst>
+                                      </p:cBhvr>
+                                      <p:tavLst>
+                                        <p:tav tm="0">
+                                          <p:val>
+                                            <p:strVal val="#ppt_x"/>
+                                          </p:val>
+                                        </p:tav>
+                                        <p:tav tm="100000">
+                                          <p:val>
+                                            <p:strVal val="#ppt_x"/>
+                                          </p:val>
+                                        </p:tav>
+                                      </p:tavLst>
+                                    </p:anim>
+                                    <p:anim calcmode="lin" valueType="num">
+                                      <p:cBhvr additive="base">
+                                        <p:cTn id="20" dur="500" fill="hold"/>
+                                        <p:tgtEl>
+                                          <p:spTgt spid="3">
+                                            <p:txEl>
+                                              <p:pRg st="2" end="2"/>
+                                            </p:txEl>
+                                          </p:spTgt>
+                                        </p:tgtEl>
+                                        <p:attrNameLst>
+                                          <p:attrName>ppt_y</p:attrName>
+                                        </p:attrNameLst>
+                                      </p:cBhvr>
+                                      <p:tavLst>
+                                        <p:tav tm="0">
+                                          <p:val>
+                                            <p:strVal val="1+#ppt_h/2"/>
+                                          </p:val>
+                                        </p:tav>
+                                        <p:tav tm="100000">
+                                          <p:val>
+                                            <p:strVal val="#ppt_y"/>
+                                          </p:val>
+                                        </p:tav>
+                                      </p:tavLst>
+                                    </p:anim>
+                                  </p:childTnLst>
+                                </p:cTn>
+                              </p:par>
+                            </p:childTnLst>
+                          </p:cTn>
+                        </p:par>
+                        <p:par>
+                          <p:cTn id="21" fill="hold">
+                            <p:stCondLst>
+                              <p:cond delay="500"/>
+                            </p:stCondLst>
+                            <p:childTnLst>
+                              <p:par>
+                                <p:cTn id="22" presetID="2" presetClass="entr" presetSubtype="4" fill="hold" nodeType="afterEffect">
+                                  <p:stCondLst>
+                                    <p:cond delay="0"/>
+                                  </p:stCondLst>
+                                  <p:childTnLst>
+                                    <p:set>
+                                      <p:cBhvr>
+                                        <p:cTn id="23" dur="1" fill="hold">
+                                          <p:stCondLst>
+                                            <p:cond delay="0"/>
+                                          </p:stCondLst>
+                                        </p:cTn>
+                                        <p:tgtEl>
+                                          <p:spTgt spid="4"/>
+                                        </p:tgtEl>
+                                        <p:attrNameLst>
+                                          <p:attrName>style.visibility</p:attrName>
+                                        </p:attrNameLst>
+                                      </p:cBhvr>
+                                      <p:to>
+                                        <p:strVal val="visible"/>
+                                      </p:to>
+                                    </p:set>
+                                    <p:anim calcmode="lin" valueType="num">
+                                      <p:cBhvr additive="base">
+                                        <p:cTn id="24" dur="500" fill="hold"/>
+                                        <p:tgtEl>
+                                          <p:spTgt spid="4"/>
+                                        </p:tgtEl>
+                                        <p:attrNameLst>
+                                          <p:attrName>ppt_x</p:attrName>
+                                        </p:attrNameLst>
+                                      </p:cBhvr>
+                                      <p:tavLst>
+                                        <p:tav tm="0">
+                                          <p:val>
+                                            <p:strVal val="#ppt_x"/>
+                                          </p:val>
+                                        </p:tav>
+                                        <p:tav tm="100000">
+                                          <p:val>
+                                            <p:strVal val="#ppt_x"/>
+                                          </p:val>
+                                        </p:tav>
+                                      </p:tavLst>
+                                    </p:anim>
+                                    <p:anim calcmode="lin" valueType="num">
+                                      <p:cBhvr additive="base">
+                                        <p:cTn id="25" dur="500" fill="hold"/>
+                                        <p:tgtEl>
+                                          <p:spTgt spid="4"/>
+                                        </p:tgtEl>
+                                        <p:attrNameLst>
+                                          <p:attrName>ppt_y</p:attrName>
+                                        </p:attrNameLst>
+                                      </p:cBhvr>
+                                      <p:tavLst>
+                                        <p:tav tm="0">
+                                          <p:val>
+                                            <p:strVal val="1+#ppt_h/2"/>
+                                          </p:val>
+                                        </p:tav>
+                                        <p:tav tm="100000">
+                                          <p:val>
+                                            <p:strVal val="#ppt_y"/>
+                                          </p:val>
+                                        </p:tav>
+                                      </p:tavLst>
+                                    </p:anim>
+                                  </p:childTnLst>
+                                </p:cTn>
+                              </p:par>
+                            </p:childTnLst>
+                          </p:cTn>
+                        </p:par>
+                      </p:childTnLst>
+                    </p:cTn>
+                  </p:par>
+                </p:childTnLst>
+              </p:cTn>
+              <p:prevCondLst>
+                <p:cond evt="onPrev" delay="0">
+                  <p:tgtEl>
+                    <p:sldTgt/>
+                  </p:tgtEl>
+                </p:cond>
+              </p:prevCondLst>
+              <p:nextCondLst>
+                <p:cond evt="onNext" delay="0">
+                  <p:tgtEl>
+                    <p:sldTgt/>
+                  </p:tgtEl>
+                </p:cond>
+              </p:nextCondLst>
+            </p:seq>
+          </p:childTnLst>
+        </p:cTn>
+      </p:par>
+    </p:tnLst>
+    <p:bldLst>
+      <p:bldP spid="3" grpId="0" build="p"/>
+    </p:bldLst>
+  </p:timing>
 </p:sld>
 </file>
 

--- a/IP and exec plan presentation/IP-execc-plan-presentation.pptx
+++ b/IP and exec plan presentation/IP-execc-plan-presentation.pptx
@@ -5,7 +5,7 @@
     <p:sldMasterId id="2147483648" r:id="rId1"/>
   </p:sldMasterIdLst>
   <p:notesMasterIdLst>
-    <p:notesMasterId r:id="rId13"/>
+    <p:notesMasterId r:id="rId18"/>
   </p:notesMasterIdLst>
   <p:sldIdLst>
     <p:sldId id="256" r:id="rId2"/>
@@ -18,7 +18,12 @@
     <p:sldId id="257" r:id="rId9"/>
     <p:sldId id="263" r:id="rId10"/>
     <p:sldId id="262" r:id="rId11"/>
-    <p:sldId id="261" r:id="rId12"/>
+    <p:sldId id="269" r:id="rId12"/>
+    <p:sldId id="270" r:id="rId13"/>
+    <p:sldId id="271" r:id="rId14"/>
+    <p:sldId id="272" r:id="rId15"/>
+    <p:sldId id="273" r:id="rId16"/>
+    <p:sldId id="274" r:id="rId17"/>
   </p:sldIdLst>
   <p:sldSz cx="12192000" cy="6858000"/>
   <p:notesSz cx="6858000" cy="9144000"/>
@@ -211,7 +216,7 @@
           <a:p>
             <a:fld id="{8FE1A68B-4AAC-435B-A694-A4343C5B3AA6}" type="datetimeFigureOut">
               <a:rPr lang="en-GB" smtClean="0"/>
-              <a:t>01/02/2018</a:t>
+              <a:t>02/02/2018</a:t>
             </a:fld>
             <a:endParaRPr lang="en-GB"/>
           </a:p>
@@ -1150,7 +1155,7 @@
           <a:p>
             <a:fld id="{9AE3AAD2-2370-45DA-B132-B5406A92BECC}" type="datetimeFigureOut">
               <a:rPr lang="en-GB" smtClean="0"/>
-              <a:t>01/02/2018</a:t>
+              <a:t>02/02/2018</a:t>
             </a:fld>
             <a:endParaRPr lang="en-GB"/>
           </a:p>
@@ -1220,13 +1225,13 @@
   <p:clrMapOvr>
     <a:masterClrMapping/>
   </p:clrMapOvr>
-  <mc:AlternateContent xmlns:mc="http://schemas.openxmlformats.org/markup-compatibility/2006">
-    <mc:Choice xmlns:p14="http://schemas.microsoft.com/office/powerpoint/2010/main" Requires="p14">
+  <mc:AlternateContent xmlns:mc="http://schemas.openxmlformats.org/markup-compatibility/2006" xmlns:p14="http://schemas.microsoft.com/office/powerpoint/2010/main">
+    <mc:Choice Requires="p14">
       <p:transition spd="med" p14:dur="700">
         <p:fade/>
       </p:transition>
     </mc:Choice>
-    <mc:Fallback>
+    <mc:Fallback xmlns="">
       <p:transition spd="med">
         <p:fade/>
       </p:transition>
@@ -1362,7 +1367,7 @@
           <a:p>
             <a:fld id="{9AE3AAD2-2370-45DA-B132-B5406A92BECC}" type="datetimeFigureOut">
               <a:rPr lang="en-GB" smtClean="0"/>
-              <a:t>01/02/2018</a:t>
+              <a:t>02/02/2018</a:t>
             </a:fld>
             <a:endParaRPr lang="en-GB"/>
           </a:p>
@@ -1432,13 +1437,13 @@
   <p:clrMapOvr>
     <a:masterClrMapping/>
   </p:clrMapOvr>
-  <mc:AlternateContent xmlns:mc="http://schemas.openxmlformats.org/markup-compatibility/2006">
-    <mc:Choice xmlns:p14="http://schemas.microsoft.com/office/powerpoint/2010/main" Requires="p14">
+  <mc:AlternateContent xmlns:mc="http://schemas.openxmlformats.org/markup-compatibility/2006" xmlns:p14="http://schemas.microsoft.com/office/powerpoint/2010/main">
+    <mc:Choice Requires="p14">
       <p:transition spd="med" p14:dur="700">
         <p:fade/>
       </p:transition>
     </mc:Choice>
-    <mc:Fallback>
+    <mc:Fallback xmlns="">
       <p:transition spd="med">
         <p:fade/>
       </p:transition>
@@ -1584,7 +1589,7 @@
           <a:p>
             <a:fld id="{9AE3AAD2-2370-45DA-B132-B5406A92BECC}" type="datetimeFigureOut">
               <a:rPr lang="en-GB" smtClean="0"/>
-              <a:t>01/02/2018</a:t>
+              <a:t>02/02/2018</a:t>
             </a:fld>
             <a:endParaRPr lang="en-GB"/>
           </a:p>
@@ -1654,13 +1659,13 @@
   <p:clrMapOvr>
     <a:masterClrMapping/>
   </p:clrMapOvr>
-  <mc:AlternateContent xmlns:mc="http://schemas.openxmlformats.org/markup-compatibility/2006">
-    <mc:Choice xmlns:p14="http://schemas.microsoft.com/office/powerpoint/2010/main" Requires="p14">
+  <mc:AlternateContent xmlns:mc="http://schemas.openxmlformats.org/markup-compatibility/2006" xmlns:p14="http://schemas.microsoft.com/office/powerpoint/2010/main">
+    <mc:Choice Requires="p14">
       <p:transition spd="med" p14:dur="700">
         <p:fade/>
       </p:transition>
     </mc:Choice>
-    <mc:Fallback>
+    <mc:Fallback xmlns="">
       <p:transition spd="med">
         <p:fade/>
       </p:transition>
@@ -1796,7 +1801,7 @@
           <a:p>
             <a:fld id="{9AE3AAD2-2370-45DA-B132-B5406A92BECC}" type="datetimeFigureOut">
               <a:rPr lang="en-GB" smtClean="0"/>
-              <a:t>01/02/2018</a:t>
+              <a:t>02/02/2018</a:t>
             </a:fld>
             <a:endParaRPr lang="en-GB"/>
           </a:p>
@@ -1866,13 +1871,13 @@
   <p:clrMapOvr>
     <a:masterClrMapping/>
   </p:clrMapOvr>
-  <mc:AlternateContent xmlns:mc="http://schemas.openxmlformats.org/markup-compatibility/2006">
-    <mc:Choice xmlns:p14="http://schemas.microsoft.com/office/powerpoint/2010/main" Requires="p14">
+  <mc:AlternateContent xmlns:mc="http://schemas.openxmlformats.org/markup-compatibility/2006" xmlns:p14="http://schemas.microsoft.com/office/powerpoint/2010/main">
+    <mc:Choice Requires="p14">
       <p:transition spd="med" p14:dur="700">
         <p:fade/>
       </p:transition>
     </mc:Choice>
-    <mc:Fallback>
+    <mc:Fallback xmlns="">
       <p:transition spd="med">
         <p:fade/>
       </p:transition>
@@ -2084,7 +2089,7 @@
           <a:p>
             <a:fld id="{9AE3AAD2-2370-45DA-B132-B5406A92BECC}" type="datetimeFigureOut">
               <a:rPr lang="en-GB" smtClean="0"/>
-              <a:t>01/02/2018</a:t>
+              <a:t>02/02/2018</a:t>
             </a:fld>
             <a:endParaRPr lang="en-GB"/>
           </a:p>
@@ -2154,13 +2159,13 @@
   <p:clrMapOvr>
     <a:masterClrMapping/>
   </p:clrMapOvr>
-  <mc:AlternateContent xmlns:mc="http://schemas.openxmlformats.org/markup-compatibility/2006">
-    <mc:Choice xmlns:p14="http://schemas.microsoft.com/office/powerpoint/2010/main" Requires="p14">
+  <mc:AlternateContent xmlns:mc="http://schemas.openxmlformats.org/markup-compatibility/2006" xmlns:p14="http://schemas.microsoft.com/office/powerpoint/2010/main">
+    <mc:Choice Requires="p14">
       <p:transition spd="med" p14:dur="700">
         <p:fade/>
       </p:transition>
     </mc:Choice>
-    <mc:Fallback>
+    <mc:Fallback xmlns="">
       <p:transition spd="med">
         <p:fade/>
       </p:transition>
@@ -2364,7 +2369,7 @@
           <a:p>
             <a:fld id="{9AE3AAD2-2370-45DA-B132-B5406A92BECC}" type="datetimeFigureOut">
               <a:rPr lang="en-GB" smtClean="0"/>
-              <a:t>01/02/2018</a:t>
+              <a:t>02/02/2018</a:t>
             </a:fld>
             <a:endParaRPr lang="en-GB"/>
           </a:p>
@@ -2434,13 +2439,13 @@
   <p:clrMapOvr>
     <a:masterClrMapping/>
   </p:clrMapOvr>
-  <mc:AlternateContent xmlns:mc="http://schemas.openxmlformats.org/markup-compatibility/2006">
-    <mc:Choice xmlns:p14="http://schemas.microsoft.com/office/powerpoint/2010/main" Requires="p14">
+  <mc:AlternateContent xmlns:mc="http://schemas.openxmlformats.org/markup-compatibility/2006" xmlns:p14="http://schemas.microsoft.com/office/powerpoint/2010/main">
+    <mc:Choice Requires="p14">
       <p:transition spd="med" p14:dur="700">
         <p:fade/>
       </p:transition>
     </mc:Choice>
-    <mc:Fallback>
+    <mc:Fallback xmlns="">
       <p:transition spd="med">
         <p:fade/>
       </p:transition>
@@ -2791,7 +2796,7 @@
           <a:p>
             <a:fld id="{9AE3AAD2-2370-45DA-B132-B5406A92BECC}" type="datetimeFigureOut">
               <a:rPr lang="en-GB" smtClean="0"/>
-              <a:t>01/02/2018</a:t>
+              <a:t>02/02/2018</a:t>
             </a:fld>
             <a:endParaRPr lang="en-GB"/>
           </a:p>
@@ -2861,13 +2866,13 @@
   <p:clrMapOvr>
     <a:masterClrMapping/>
   </p:clrMapOvr>
-  <mc:AlternateContent xmlns:mc="http://schemas.openxmlformats.org/markup-compatibility/2006">
-    <mc:Choice xmlns:p14="http://schemas.microsoft.com/office/powerpoint/2010/main" Requires="p14">
+  <mc:AlternateContent xmlns:mc="http://schemas.openxmlformats.org/markup-compatibility/2006" xmlns:p14="http://schemas.microsoft.com/office/powerpoint/2010/main">
+    <mc:Choice Requires="p14">
       <p:transition spd="med" p14:dur="700">
         <p:fade/>
       </p:transition>
     </mc:Choice>
-    <mc:Fallback>
+    <mc:Fallback xmlns="">
       <p:transition spd="med">
         <p:fade/>
       </p:transition>
@@ -2945,7 +2950,7 @@
           <a:p>
             <a:fld id="{9AE3AAD2-2370-45DA-B132-B5406A92BECC}" type="datetimeFigureOut">
               <a:rPr lang="en-GB" smtClean="0"/>
-              <a:t>01/02/2018</a:t>
+              <a:t>02/02/2018</a:t>
             </a:fld>
             <a:endParaRPr lang="en-GB"/>
           </a:p>
@@ -3015,13 +3020,13 @@
   <p:clrMapOvr>
     <a:masterClrMapping/>
   </p:clrMapOvr>
-  <mc:AlternateContent xmlns:mc="http://schemas.openxmlformats.org/markup-compatibility/2006">
-    <mc:Choice xmlns:p14="http://schemas.microsoft.com/office/powerpoint/2010/main" Requires="p14">
+  <mc:AlternateContent xmlns:mc="http://schemas.openxmlformats.org/markup-compatibility/2006" xmlns:p14="http://schemas.microsoft.com/office/powerpoint/2010/main">
+    <mc:Choice Requires="p14">
       <p:transition spd="med" p14:dur="700">
         <p:fade/>
       </p:transition>
     </mc:Choice>
-    <mc:Fallback>
+    <mc:Fallback xmlns="">
       <p:transition spd="med">
         <p:fade/>
       </p:transition>
@@ -3070,7 +3075,7 @@
           <a:p>
             <a:fld id="{9AE3AAD2-2370-45DA-B132-B5406A92BECC}" type="datetimeFigureOut">
               <a:rPr lang="en-GB" smtClean="0"/>
-              <a:t>01/02/2018</a:t>
+              <a:t>02/02/2018</a:t>
             </a:fld>
             <a:endParaRPr lang="en-GB"/>
           </a:p>
@@ -3140,13 +3145,13 @@
   <p:clrMapOvr>
     <a:masterClrMapping/>
   </p:clrMapOvr>
-  <mc:AlternateContent xmlns:mc="http://schemas.openxmlformats.org/markup-compatibility/2006">
-    <mc:Choice xmlns:p14="http://schemas.microsoft.com/office/powerpoint/2010/main" Requires="p14">
+  <mc:AlternateContent xmlns:mc="http://schemas.openxmlformats.org/markup-compatibility/2006" xmlns:p14="http://schemas.microsoft.com/office/powerpoint/2010/main">
+    <mc:Choice Requires="p14">
       <p:transition spd="med" p14:dur="700">
         <p:fade/>
       </p:transition>
     </mc:Choice>
-    <mc:Fallback>
+    <mc:Fallback xmlns="">
       <p:transition spd="med">
         <p:fade/>
       </p:transition>
@@ -3395,7 +3400,7 @@
           <a:p>
             <a:fld id="{9AE3AAD2-2370-45DA-B132-B5406A92BECC}" type="datetimeFigureOut">
               <a:rPr lang="en-GB" smtClean="0"/>
-              <a:t>01/02/2018</a:t>
+              <a:t>02/02/2018</a:t>
             </a:fld>
             <a:endParaRPr lang="en-GB"/>
           </a:p>
@@ -3465,13 +3470,13 @@
   <p:clrMapOvr>
     <a:masterClrMapping/>
   </p:clrMapOvr>
-  <mc:AlternateContent xmlns:mc="http://schemas.openxmlformats.org/markup-compatibility/2006">
-    <mc:Choice xmlns:p14="http://schemas.microsoft.com/office/powerpoint/2010/main" Requires="p14">
+  <mc:AlternateContent xmlns:mc="http://schemas.openxmlformats.org/markup-compatibility/2006" xmlns:p14="http://schemas.microsoft.com/office/powerpoint/2010/main">
+    <mc:Choice Requires="p14">
       <p:transition spd="med" p14:dur="700">
         <p:fade/>
       </p:transition>
     </mc:Choice>
-    <mc:Fallback>
+    <mc:Fallback xmlns="">
       <p:transition spd="med">
         <p:fade/>
       </p:transition>
@@ -3696,7 +3701,7 @@
           <a:p>
             <a:fld id="{9AE3AAD2-2370-45DA-B132-B5406A92BECC}" type="datetimeFigureOut">
               <a:rPr lang="en-GB" smtClean="0"/>
-              <a:t>01/02/2018</a:t>
+              <a:t>02/02/2018</a:t>
             </a:fld>
             <a:endParaRPr lang="en-GB"/>
           </a:p>
@@ -3766,13 +3771,13 @@
   <p:clrMapOvr>
     <a:masterClrMapping/>
   </p:clrMapOvr>
-  <mc:AlternateContent xmlns:mc="http://schemas.openxmlformats.org/markup-compatibility/2006">
-    <mc:Choice xmlns:p14="http://schemas.microsoft.com/office/powerpoint/2010/main" Requires="p14">
+  <mc:AlternateContent xmlns:mc="http://schemas.openxmlformats.org/markup-compatibility/2006" xmlns:p14="http://schemas.microsoft.com/office/powerpoint/2010/main">
+    <mc:Choice Requires="p14">
       <p:transition spd="med" p14:dur="700">
         <p:fade/>
       </p:transition>
     </mc:Choice>
-    <mc:Fallback>
+    <mc:Fallback xmlns="">
       <p:transition spd="med">
         <p:fade/>
       </p:transition>
@@ -3951,7 +3956,7 @@
           <a:p>
             <a:fld id="{9AE3AAD2-2370-45DA-B132-B5406A92BECC}" type="datetimeFigureOut">
               <a:rPr lang="en-GB" smtClean="0"/>
-              <a:t>01/02/2018</a:t>
+              <a:t>02/02/2018</a:t>
             </a:fld>
             <a:endParaRPr lang="en-GB"/>
           </a:p>
@@ -4068,13 +4073,13 @@
     <p:sldLayoutId id="2147483658" r:id="rId10"/>
     <p:sldLayoutId id="2147483659" r:id="rId11"/>
   </p:sldLayoutIdLst>
-  <mc:AlternateContent xmlns:mc="http://schemas.openxmlformats.org/markup-compatibility/2006">
-    <mc:Choice xmlns:p14="http://schemas.microsoft.com/office/powerpoint/2010/main" Requires="p14">
+  <mc:AlternateContent xmlns:mc="http://schemas.openxmlformats.org/markup-compatibility/2006" xmlns:p14="http://schemas.microsoft.com/office/powerpoint/2010/main">
+    <mc:Choice Requires="p14">
       <p:transition spd="med" p14:dur="700">
         <p:fade/>
       </p:transition>
     </mc:Choice>
-    <mc:Fallback>
+    <mc:Fallback xmlns="">
       <p:transition spd="med">
         <p:fade/>
       </p:transition>
@@ -4654,13 +4659,13 @@
   <p:clrMapOvr>
     <a:masterClrMapping/>
   </p:clrMapOvr>
-  <mc:AlternateContent xmlns:mc="http://schemas.openxmlformats.org/markup-compatibility/2006">
-    <mc:Choice xmlns:p14="http://schemas.microsoft.com/office/powerpoint/2010/main" Requires="p14">
+  <mc:AlternateContent xmlns:mc="http://schemas.openxmlformats.org/markup-compatibility/2006" xmlns:p14="http://schemas.microsoft.com/office/powerpoint/2010/main">
+    <mc:Choice Requires="p14">
       <p:transition spd="med" p14:dur="700">
         <p:fade/>
       </p:transition>
     </mc:Choice>
-    <mc:Fallback>
+    <mc:Fallback xmlns="">
       <p:transition spd="med">
         <p:fade/>
       </p:transition>
@@ -4760,13 +4765,13 @@
   <p:clrMapOvr>
     <a:masterClrMapping/>
   </p:clrMapOvr>
-  <mc:AlternateContent xmlns:mc="http://schemas.openxmlformats.org/markup-compatibility/2006">
-    <mc:Choice xmlns:p14="http://schemas.microsoft.com/office/powerpoint/2010/main" Requires="p14">
+  <mc:AlternateContent xmlns:mc="http://schemas.openxmlformats.org/markup-compatibility/2006" xmlns:p14="http://schemas.microsoft.com/office/powerpoint/2010/main">
+    <mc:Choice Requires="p14">
       <p:transition spd="med" p14:dur="700">
         <p:fade/>
       </p:transition>
     </mc:Choice>
-    <mc:Fallback>
+    <mc:Fallback xmlns="">
       <p:transition spd="med">
         <p:fade/>
       </p:transition>
@@ -4880,13 +4885,7 @@
       </p:grpSpPr>
       <p:sp>
         <p:nvSpPr>
-          <p:cNvPr id="2" name="Title 1">
-            <a:extLst>
-              <a:ext uri="{FF2B5EF4-FFF2-40B4-BE49-F238E27FC236}">
-                <a16:creationId xmlns:a16="http://schemas.microsoft.com/office/drawing/2014/main" id="{03BF292D-0061-4326-8BA1-1EDEE5F2002B}"/>
-              </a:ext>
-            </a:extLst>
-          </p:cNvPr>
+          <p:cNvPr id="2" name="Title 1"/>
           <p:cNvSpPr>
             <a:spLocks noGrp="1"/>
           </p:cNvSpPr>
@@ -4901,7 +4900,4455 @@
           <a:p>
             <a:r>
               <a:rPr lang="en-GB" dirty="0"/>
-              <a:t>IP Landscape</a:t>
+              <a:t>IP landscape</a:t>
+            </a:r>
+          </a:p>
+        </p:txBody>
+      </p:sp>
+      <p:sp>
+        <p:nvSpPr>
+          <p:cNvPr id="3" name="Content Placeholder 2"/>
+          <p:cNvSpPr>
+            <a:spLocks noGrp="1"/>
+          </p:cNvSpPr>
+          <p:nvPr>
+            <p:ph idx="1"/>
+          </p:nvPr>
+        </p:nvSpPr>
+        <p:spPr>
+          <a:xfrm>
+            <a:off x="838200" y="1825625"/>
+            <a:ext cx="5398698" cy="4351338"/>
+          </a:xfrm>
+        </p:spPr>
+        <p:txBody>
+          <a:bodyPr/>
+          <a:lstStyle/>
+          <a:p>
+            <a:r>
+              <a:rPr lang="en-GB" dirty="0"/>
+              <a:t>SLAM based platforms</a:t>
+            </a:r>
+          </a:p>
+          <a:p>
+            <a:endParaRPr lang="en-GB" dirty="0"/>
+          </a:p>
+          <a:p>
+            <a:endParaRPr lang="en-GB" dirty="0"/>
+          </a:p>
+          <a:p>
+            <a:pPr marL="0" indent="0">
+              <a:buNone/>
+            </a:pPr>
+            <a:endParaRPr lang="en-GB" dirty="0"/>
+          </a:p>
+        </p:txBody>
+      </p:sp>
+      <p:pic>
+        <p:nvPicPr>
+          <p:cNvPr id="5" name="Picture 4"/>
+          <p:cNvPicPr>
+            <a:picLocks noChangeAspect="1"/>
+          </p:cNvPicPr>
+          <p:nvPr/>
+        </p:nvPicPr>
+        <p:blipFill>
+          <a:blip r:embed="rId2"/>
+          <a:stretch>
+            <a:fillRect/>
+          </a:stretch>
+        </p:blipFill>
+        <p:spPr>
+          <a:xfrm>
+            <a:off x="2114909" y="4391363"/>
+            <a:ext cx="2986178" cy="2239634"/>
+          </a:xfrm>
+          <a:prstGeom prst="rect">
+            <a:avLst/>
+          </a:prstGeom>
+        </p:spPr>
+      </p:pic>
+      <p:sp>
+        <p:nvSpPr>
+          <p:cNvPr id="6" name="Content Placeholder 2"/>
+          <p:cNvSpPr txBox="1">
+            <a:spLocks/>
+          </p:cNvSpPr>
+          <p:nvPr/>
+        </p:nvSpPr>
+        <p:spPr>
+          <a:xfrm>
+            <a:off x="6096000" y="1825625"/>
+            <a:ext cx="5398698" cy="4351338"/>
+          </a:xfrm>
+          <a:prstGeom prst="rect">
+            <a:avLst/>
+          </a:prstGeom>
+        </p:spPr>
+        <p:txBody>
+          <a:bodyPr vert="horz" lIns="91440" tIns="45720" rIns="91440" bIns="45720" rtlCol="0">
+            <a:normAutofit/>
+          </a:bodyPr>
+          <a:lstStyle>
+            <a:lvl1pPr marL="228600" indent="-228600" algn="l" defTabSz="914400" rtl="0" eaLnBrk="1" latinLnBrk="0" hangingPunct="1">
+              <a:lnSpc>
+                <a:spcPct val="90000"/>
+              </a:lnSpc>
+              <a:spcBef>
+                <a:spcPts val="1000"/>
+              </a:spcBef>
+              <a:buFont typeface="Arial" panose="020B0604020202020204" pitchFamily="34" charset="0"/>
+              <a:buChar char="•"/>
+              <a:defRPr sz="2800" kern="1200">
+                <a:solidFill>
+                  <a:schemeClr val="tx1"/>
+                </a:solidFill>
+                <a:latin typeface="+mn-lt"/>
+                <a:ea typeface="+mn-ea"/>
+                <a:cs typeface="+mn-cs"/>
+              </a:defRPr>
+            </a:lvl1pPr>
+            <a:lvl2pPr marL="685800" indent="-228600" algn="l" defTabSz="914400" rtl="0" eaLnBrk="1" latinLnBrk="0" hangingPunct="1">
+              <a:lnSpc>
+                <a:spcPct val="90000"/>
+              </a:lnSpc>
+              <a:spcBef>
+                <a:spcPts val="500"/>
+              </a:spcBef>
+              <a:buFont typeface="Arial" panose="020B0604020202020204" pitchFamily="34" charset="0"/>
+              <a:buChar char="•"/>
+              <a:defRPr sz="2400" kern="1200">
+                <a:solidFill>
+                  <a:schemeClr val="tx1"/>
+                </a:solidFill>
+                <a:latin typeface="+mn-lt"/>
+                <a:ea typeface="+mn-ea"/>
+                <a:cs typeface="+mn-cs"/>
+              </a:defRPr>
+            </a:lvl2pPr>
+            <a:lvl3pPr marL="1143000" indent="-228600" algn="l" defTabSz="914400" rtl="0" eaLnBrk="1" latinLnBrk="0" hangingPunct="1">
+              <a:lnSpc>
+                <a:spcPct val="90000"/>
+              </a:lnSpc>
+              <a:spcBef>
+                <a:spcPts val="500"/>
+              </a:spcBef>
+              <a:buFont typeface="Arial" panose="020B0604020202020204" pitchFamily="34" charset="0"/>
+              <a:buChar char="•"/>
+              <a:defRPr sz="2000" kern="1200">
+                <a:solidFill>
+                  <a:schemeClr val="tx1"/>
+                </a:solidFill>
+                <a:latin typeface="+mn-lt"/>
+                <a:ea typeface="+mn-ea"/>
+                <a:cs typeface="+mn-cs"/>
+              </a:defRPr>
+            </a:lvl3pPr>
+            <a:lvl4pPr marL="1600200" indent="-228600" algn="l" defTabSz="914400" rtl="0" eaLnBrk="1" latinLnBrk="0" hangingPunct="1">
+              <a:lnSpc>
+                <a:spcPct val="90000"/>
+              </a:lnSpc>
+              <a:spcBef>
+                <a:spcPts val="500"/>
+              </a:spcBef>
+              <a:buFont typeface="Arial" panose="020B0604020202020204" pitchFamily="34" charset="0"/>
+              <a:buChar char="•"/>
+              <a:defRPr sz="1800" kern="1200">
+                <a:solidFill>
+                  <a:schemeClr val="tx1"/>
+                </a:solidFill>
+                <a:latin typeface="+mn-lt"/>
+                <a:ea typeface="+mn-ea"/>
+                <a:cs typeface="+mn-cs"/>
+              </a:defRPr>
+            </a:lvl4pPr>
+            <a:lvl5pPr marL="2057400" indent="-228600" algn="l" defTabSz="914400" rtl="0" eaLnBrk="1" latinLnBrk="0" hangingPunct="1">
+              <a:lnSpc>
+                <a:spcPct val="90000"/>
+              </a:lnSpc>
+              <a:spcBef>
+                <a:spcPts val="500"/>
+              </a:spcBef>
+              <a:buFont typeface="Arial" panose="020B0604020202020204" pitchFamily="34" charset="0"/>
+              <a:buChar char="•"/>
+              <a:defRPr sz="1800" kern="1200">
+                <a:solidFill>
+                  <a:schemeClr val="tx1"/>
+                </a:solidFill>
+                <a:latin typeface="+mn-lt"/>
+                <a:ea typeface="+mn-ea"/>
+                <a:cs typeface="+mn-cs"/>
+              </a:defRPr>
+            </a:lvl5pPr>
+            <a:lvl6pPr marL="2514600" indent="-228600" algn="l" defTabSz="914400" rtl="0" eaLnBrk="1" latinLnBrk="0" hangingPunct="1">
+              <a:lnSpc>
+                <a:spcPct val="90000"/>
+              </a:lnSpc>
+              <a:spcBef>
+                <a:spcPts val="500"/>
+              </a:spcBef>
+              <a:buFont typeface="Arial" panose="020B0604020202020204" pitchFamily="34" charset="0"/>
+              <a:buChar char="•"/>
+              <a:defRPr sz="1800" kern="1200">
+                <a:solidFill>
+                  <a:schemeClr val="tx1"/>
+                </a:solidFill>
+                <a:latin typeface="+mn-lt"/>
+                <a:ea typeface="+mn-ea"/>
+                <a:cs typeface="+mn-cs"/>
+              </a:defRPr>
+            </a:lvl6pPr>
+            <a:lvl7pPr marL="2971800" indent="-228600" algn="l" defTabSz="914400" rtl="0" eaLnBrk="1" latinLnBrk="0" hangingPunct="1">
+              <a:lnSpc>
+                <a:spcPct val="90000"/>
+              </a:lnSpc>
+              <a:spcBef>
+                <a:spcPts val="500"/>
+              </a:spcBef>
+              <a:buFont typeface="Arial" panose="020B0604020202020204" pitchFamily="34" charset="0"/>
+              <a:buChar char="•"/>
+              <a:defRPr sz="1800" kern="1200">
+                <a:solidFill>
+                  <a:schemeClr val="tx1"/>
+                </a:solidFill>
+                <a:latin typeface="+mn-lt"/>
+                <a:ea typeface="+mn-ea"/>
+                <a:cs typeface="+mn-cs"/>
+              </a:defRPr>
+            </a:lvl7pPr>
+            <a:lvl8pPr marL="3429000" indent="-228600" algn="l" defTabSz="914400" rtl="0" eaLnBrk="1" latinLnBrk="0" hangingPunct="1">
+              <a:lnSpc>
+                <a:spcPct val="90000"/>
+              </a:lnSpc>
+              <a:spcBef>
+                <a:spcPts val="500"/>
+              </a:spcBef>
+              <a:buFont typeface="Arial" panose="020B0604020202020204" pitchFamily="34" charset="0"/>
+              <a:buChar char="•"/>
+              <a:defRPr sz="1800" kern="1200">
+                <a:solidFill>
+                  <a:schemeClr val="tx1"/>
+                </a:solidFill>
+                <a:latin typeface="+mn-lt"/>
+                <a:ea typeface="+mn-ea"/>
+                <a:cs typeface="+mn-cs"/>
+              </a:defRPr>
+            </a:lvl8pPr>
+            <a:lvl9pPr marL="3886200" indent="-228600" algn="l" defTabSz="914400" rtl="0" eaLnBrk="1" latinLnBrk="0" hangingPunct="1">
+              <a:lnSpc>
+                <a:spcPct val="90000"/>
+              </a:lnSpc>
+              <a:spcBef>
+                <a:spcPts val="500"/>
+              </a:spcBef>
+              <a:buFont typeface="Arial" panose="020B0604020202020204" pitchFamily="34" charset="0"/>
+              <a:buChar char="•"/>
+              <a:defRPr sz="1800" kern="1200">
+                <a:solidFill>
+                  <a:schemeClr val="tx1"/>
+                </a:solidFill>
+                <a:latin typeface="+mn-lt"/>
+                <a:ea typeface="+mn-ea"/>
+                <a:cs typeface="+mn-cs"/>
+              </a:defRPr>
+            </a:lvl9pPr>
+          </a:lstStyle>
+          <a:p>
+            <a:r>
+              <a:rPr lang="en-GB" dirty="0"/>
+              <a:t>Mobile autonomous manipulators</a:t>
+            </a:r>
+          </a:p>
+        </p:txBody>
+      </p:sp>
+      <p:pic>
+        <p:nvPicPr>
+          <p:cNvPr id="7" name="Picture 6"/>
+          <p:cNvPicPr>
+            <a:picLocks noChangeAspect="1"/>
+          </p:cNvPicPr>
+          <p:nvPr/>
+        </p:nvPicPr>
+        <p:blipFill>
+          <a:blip r:embed="rId3"/>
+          <a:stretch>
+            <a:fillRect/>
+          </a:stretch>
+        </p:blipFill>
+        <p:spPr>
+          <a:xfrm>
+            <a:off x="6236898" y="2360896"/>
+            <a:ext cx="5113908" cy="3835431"/>
+          </a:xfrm>
+          <a:prstGeom prst="rect">
+            <a:avLst/>
+          </a:prstGeom>
+        </p:spPr>
+      </p:pic>
+      <p:pic>
+        <p:nvPicPr>
+          <p:cNvPr id="8" name="Picture 7"/>
+          <p:cNvPicPr>
+            <a:picLocks noChangeAspect="1"/>
+          </p:cNvPicPr>
+          <p:nvPr/>
+        </p:nvPicPr>
+        <p:blipFill>
+          <a:blip r:embed="rId4"/>
+          <a:stretch>
+            <a:fillRect/>
+          </a:stretch>
+        </p:blipFill>
+        <p:spPr>
+          <a:xfrm>
+            <a:off x="1871087" y="2230045"/>
+            <a:ext cx="3343275" cy="1726296"/>
+          </a:xfrm>
+          <a:prstGeom prst="rect">
+            <a:avLst/>
+          </a:prstGeom>
+        </p:spPr>
+      </p:pic>
+      <p:sp>
+        <p:nvSpPr>
+          <p:cNvPr id="9" name="Content Placeholder 2">
+            <a:extLst>
+              <a:ext uri="{FF2B5EF4-FFF2-40B4-BE49-F238E27FC236}">
+                <a16:creationId xmlns:a16="http://schemas.microsoft.com/office/drawing/2014/main" id="{12221E34-400E-4B47-B040-A890AD29E942}"/>
+              </a:ext>
+            </a:extLst>
+          </p:cNvPr>
+          <p:cNvSpPr txBox="1">
+            <a:spLocks/>
+          </p:cNvSpPr>
+          <p:nvPr/>
+        </p:nvSpPr>
+        <p:spPr>
+          <a:xfrm>
+            <a:off x="908649" y="3934747"/>
+            <a:ext cx="5398698" cy="4351338"/>
+          </a:xfrm>
+          <a:prstGeom prst="rect">
+            <a:avLst/>
+          </a:prstGeom>
+        </p:spPr>
+        <p:txBody>
+          <a:bodyPr vert="horz" lIns="91440" tIns="45720" rIns="91440" bIns="45720" rtlCol="0">
+            <a:normAutofit/>
+          </a:bodyPr>
+          <a:lstStyle>
+            <a:lvl1pPr marL="228600" indent="-228600" algn="l" defTabSz="914400" rtl="0" eaLnBrk="1" latinLnBrk="0" hangingPunct="1">
+              <a:lnSpc>
+                <a:spcPct val="90000"/>
+              </a:lnSpc>
+              <a:spcBef>
+                <a:spcPts val="1000"/>
+              </a:spcBef>
+              <a:buFont typeface="Arial" panose="020B0604020202020204" pitchFamily="34" charset="0"/>
+              <a:buChar char="•"/>
+              <a:defRPr sz="2800" kern="1200">
+                <a:solidFill>
+                  <a:schemeClr val="tx1"/>
+                </a:solidFill>
+                <a:latin typeface="+mn-lt"/>
+                <a:ea typeface="+mn-ea"/>
+                <a:cs typeface="+mn-cs"/>
+              </a:defRPr>
+            </a:lvl1pPr>
+            <a:lvl2pPr marL="685800" indent="-228600" algn="l" defTabSz="914400" rtl="0" eaLnBrk="1" latinLnBrk="0" hangingPunct="1">
+              <a:lnSpc>
+                <a:spcPct val="90000"/>
+              </a:lnSpc>
+              <a:spcBef>
+                <a:spcPts val="500"/>
+              </a:spcBef>
+              <a:buFont typeface="Arial" panose="020B0604020202020204" pitchFamily="34" charset="0"/>
+              <a:buChar char="•"/>
+              <a:defRPr sz="2400" kern="1200">
+                <a:solidFill>
+                  <a:schemeClr val="tx1"/>
+                </a:solidFill>
+                <a:latin typeface="+mn-lt"/>
+                <a:ea typeface="+mn-ea"/>
+                <a:cs typeface="+mn-cs"/>
+              </a:defRPr>
+            </a:lvl2pPr>
+            <a:lvl3pPr marL="1143000" indent="-228600" algn="l" defTabSz="914400" rtl="0" eaLnBrk="1" latinLnBrk="0" hangingPunct="1">
+              <a:lnSpc>
+                <a:spcPct val="90000"/>
+              </a:lnSpc>
+              <a:spcBef>
+                <a:spcPts val="500"/>
+              </a:spcBef>
+              <a:buFont typeface="Arial" panose="020B0604020202020204" pitchFamily="34" charset="0"/>
+              <a:buChar char="•"/>
+              <a:defRPr sz="2000" kern="1200">
+                <a:solidFill>
+                  <a:schemeClr val="tx1"/>
+                </a:solidFill>
+                <a:latin typeface="+mn-lt"/>
+                <a:ea typeface="+mn-ea"/>
+                <a:cs typeface="+mn-cs"/>
+              </a:defRPr>
+            </a:lvl3pPr>
+            <a:lvl4pPr marL="1600200" indent="-228600" algn="l" defTabSz="914400" rtl="0" eaLnBrk="1" latinLnBrk="0" hangingPunct="1">
+              <a:lnSpc>
+                <a:spcPct val="90000"/>
+              </a:lnSpc>
+              <a:spcBef>
+                <a:spcPts val="500"/>
+              </a:spcBef>
+              <a:buFont typeface="Arial" panose="020B0604020202020204" pitchFamily="34" charset="0"/>
+              <a:buChar char="•"/>
+              <a:defRPr sz="1800" kern="1200">
+                <a:solidFill>
+                  <a:schemeClr val="tx1"/>
+                </a:solidFill>
+                <a:latin typeface="+mn-lt"/>
+                <a:ea typeface="+mn-ea"/>
+                <a:cs typeface="+mn-cs"/>
+              </a:defRPr>
+            </a:lvl4pPr>
+            <a:lvl5pPr marL="2057400" indent="-228600" algn="l" defTabSz="914400" rtl="0" eaLnBrk="1" latinLnBrk="0" hangingPunct="1">
+              <a:lnSpc>
+                <a:spcPct val="90000"/>
+              </a:lnSpc>
+              <a:spcBef>
+                <a:spcPts val="500"/>
+              </a:spcBef>
+              <a:buFont typeface="Arial" panose="020B0604020202020204" pitchFamily="34" charset="0"/>
+              <a:buChar char="•"/>
+              <a:defRPr sz="1800" kern="1200">
+                <a:solidFill>
+                  <a:schemeClr val="tx1"/>
+                </a:solidFill>
+                <a:latin typeface="+mn-lt"/>
+                <a:ea typeface="+mn-ea"/>
+                <a:cs typeface="+mn-cs"/>
+              </a:defRPr>
+            </a:lvl5pPr>
+            <a:lvl6pPr marL="2514600" indent="-228600" algn="l" defTabSz="914400" rtl="0" eaLnBrk="1" latinLnBrk="0" hangingPunct="1">
+              <a:lnSpc>
+                <a:spcPct val="90000"/>
+              </a:lnSpc>
+              <a:spcBef>
+                <a:spcPts val="500"/>
+              </a:spcBef>
+              <a:buFont typeface="Arial" panose="020B0604020202020204" pitchFamily="34" charset="0"/>
+              <a:buChar char="•"/>
+              <a:defRPr sz="1800" kern="1200">
+                <a:solidFill>
+                  <a:schemeClr val="tx1"/>
+                </a:solidFill>
+                <a:latin typeface="+mn-lt"/>
+                <a:ea typeface="+mn-ea"/>
+                <a:cs typeface="+mn-cs"/>
+              </a:defRPr>
+            </a:lvl6pPr>
+            <a:lvl7pPr marL="2971800" indent="-228600" algn="l" defTabSz="914400" rtl="0" eaLnBrk="1" latinLnBrk="0" hangingPunct="1">
+              <a:lnSpc>
+                <a:spcPct val="90000"/>
+              </a:lnSpc>
+              <a:spcBef>
+                <a:spcPts val="500"/>
+              </a:spcBef>
+              <a:buFont typeface="Arial" panose="020B0604020202020204" pitchFamily="34" charset="0"/>
+              <a:buChar char="•"/>
+              <a:defRPr sz="1800" kern="1200">
+                <a:solidFill>
+                  <a:schemeClr val="tx1"/>
+                </a:solidFill>
+                <a:latin typeface="+mn-lt"/>
+                <a:ea typeface="+mn-ea"/>
+                <a:cs typeface="+mn-cs"/>
+              </a:defRPr>
+            </a:lvl7pPr>
+            <a:lvl8pPr marL="3429000" indent="-228600" algn="l" defTabSz="914400" rtl="0" eaLnBrk="1" latinLnBrk="0" hangingPunct="1">
+              <a:lnSpc>
+                <a:spcPct val="90000"/>
+              </a:lnSpc>
+              <a:spcBef>
+                <a:spcPts val="500"/>
+              </a:spcBef>
+              <a:buFont typeface="Arial" panose="020B0604020202020204" pitchFamily="34" charset="0"/>
+              <a:buChar char="•"/>
+              <a:defRPr sz="1800" kern="1200">
+                <a:solidFill>
+                  <a:schemeClr val="tx1"/>
+                </a:solidFill>
+                <a:latin typeface="+mn-lt"/>
+                <a:ea typeface="+mn-ea"/>
+                <a:cs typeface="+mn-cs"/>
+              </a:defRPr>
+            </a:lvl8pPr>
+            <a:lvl9pPr marL="3886200" indent="-228600" algn="l" defTabSz="914400" rtl="0" eaLnBrk="1" latinLnBrk="0" hangingPunct="1">
+              <a:lnSpc>
+                <a:spcPct val="90000"/>
+              </a:lnSpc>
+              <a:spcBef>
+                <a:spcPts val="500"/>
+              </a:spcBef>
+              <a:buFont typeface="Arial" panose="020B0604020202020204" pitchFamily="34" charset="0"/>
+              <a:buChar char="•"/>
+              <a:defRPr sz="1800" kern="1200">
+                <a:solidFill>
+                  <a:schemeClr val="tx1"/>
+                </a:solidFill>
+                <a:latin typeface="+mn-lt"/>
+                <a:ea typeface="+mn-ea"/>
+                <a:cs typeface="+mn-cs"/>
+              </a:defRPr>
+            </a:lvl9pPr>
+          </a:lstStyle>
+          <a:p>
+            <a:r>
+              <a:rPr lang="en-GB" dirty="0"/>
+              <a:t>Gripping mechanisms</a:t>
+            </a:r>
+          </a:p>
+        </p:txBody>
+      </p:sp>
+    </p:spTree>
+    <p:extLst>
+      <p:ext uri="{BB962C8B-B14F-4D97-AF65-F5344CB8AC3E}">
+        <p14:creationId xmlns:p14="http://schemas.microsoft.com/office/powerpoint/2010/main" val="2174182415"/>
+      </p:ext>
+    </p:extLst>
+  </p:cSld>
+  <p:clrMapOvr>
+    <a:masterClrMapping/>
+  </p:clrMapOvr>
+  <mc:AlternateContent xmlns:mc="http://schemas.openxmlformats.org/markup-compatibility/2006" xmlns:p14="http://schemas.microsoft.com/office/powerpoint/2010/main">
+    <mc:Choice Requires="p14">
+      <p:transition spd="med" p14:dur="700">
+        <p:fade/>
+      </p:transition>
+    </mc:Choice>
+    <mc:Fallback xmlns="">
+      <p:transition spd="med">
+        <p:fade/>
+      </p:transition>
+    </mc:Fallback>
+  </mc:AlternateContent>
+  <p:timing>
+    <p:tnLst>
+      <p:par>
+        <p:cTn id="1" dur="indefinite" restart="never" nodeType="tmRoot">
+          <p:childTnLst>
+            <p:seq concurrent="1" nextAc="seek">
+              <p:cTn id="2" dur="indefinite" nodeType="mainSeq">
+                <p:childTnLst>
+                  <p:par>
+                    <p:cTn id="3" fill="hold">
+                      <p:stCondLst>
+                        <p:cond delay="indefinite"/>
+                        <p:cond evt="onBegin" delay="0">
+                          <p:tn val="2"/>
+                        </p:cond>
+                      </p:stCondLst>
+                      <p:childTnLst>
+                        <p:par>
+                          <p:cTn id="4" fill="hold">
+                            <p:stCondLst>
+                              <p:cond delay="0"/>
+                            </p:stCondLst>
+                            <p:childTnLst>
+                              <p:par>
+                                <p:cTn id="5" presetID="2" presetClass="entr" presetSubtype="8" fill="hold" grpId="0" nodeType="afterEffect">
+                                  <p:stCondLst>
+                                    <p:cond delay="0"/>
+                                  </p:stCondLst>
+                                  <p:childTnLst>
+                                    <p:set>
+                                      <p:cBhvr>
+                                        <p:cTn id="6" dur="1" fill="hold">
+                                          <p:stCondLst>
+                                            <p:cond delay="0"/>
+                                          </p:stCondLst>
+                                        </p:cTn>
+                                        <p:tgtEl>
+                                          <p:spTgt spid="3">
+                                            <p:txEl>
+                                              <p:pRg st="0" end="0"/>
+                                            </p:txEl>
+                                          </p:spTgt>
+                                        </p:tgtEl>
+                                        <p:attrNameLst>
+                                          <p:attrName>style.visibility</p:attrName>
+                                        </p:attrNameLst>
+                                      </p:cBhvr>
+                                      <p:to>
+                                        <p:strVal val="visible"/>
+                                      </p:to>
+                                    </p:set>
+                                    <p:anim calcmode="lin" valueType="num">
+                                      <p:cBhvr additive="base">
+                                        <p:cTn id="7" dur="500" fill="hold"/>
+                                        <p:tgtEl>
+                                          <p:spTgt spid="3">
+                                            <p:txEl>
+                                              <p:pRg st="0" end="0"/>
+                                            </p:txEl>
+                                          </p:spTgt>
+                                        </p:tgtEl>
+                                        <p:attrNameLst>
+                                          <p:attrName>ppt_x</p:attrName>
+                                        </p:attrNameLst>
+                                      </p:cBhvr>
+                                      <p:tavLst>
+                                        <p:tav tm="0">
+                                          <p:val>
+                                            <p:strVal val="0-#ppt_w/2"/>
+                                          </p:val>
+                                        </p:tav>
+                                        <p:tav tm="100000">
+                                          <p:val>
+                                            <p:strVal val="#ppt_x"/>
+                                          </p:val>
+                                        </p:tav>
+                                      </p:tavLst>
+                                    </p:anim>
+                                    <p:anim calcmode="lin" valueType="num">
+                                      <p:cBhvr additive="base">
+                                        <p:cTn id="8" dur="500" fill="hold"/>
+                                        <p:tgtEl>
+                                          <p:spTgt spid="3">
+                                            <p:txEl>
+                                              <p:pRg st="0" end="0"/>
+                                            </p:txEl>
+                                          </p:spTgt>
+                                        </p:tgtEl>
+                                        <p:attrNameLst>
+                                          <p:attrName>ppt_y</p:attrName>
+                                        </p:attrNameLst>
+                                      </p:cBhvr>
+                                      <p:tavLst>
+                                        <p:tav tm="0">
+                                          <p:val>
+                                            <p:strVal val="#ppt_y"/>
+                                          </p:val>
+                                        </p:tav>
+                                        <p:tav tm="100000">
+                                          <p:val>
+                                            <p:strVal val="#ppt_y"/>
+                                          </p:val>
+                                        </p:tav>
+                                      </p:tavLst>
+                                    </p:anim>
+                                  </p:childTnLst>
+                                </p:cTn>
+                              </p:par>
+                            </p:childTnLst>
+                          </p:cTn>
+                        </p:par>
+                        <p:par>
+                          <p:cTn id="9" fill="hold">
+                            <p:stCondLst>
+                              <p:cond delay="500"/>
+                            </p:stCondLst>
+                            <p:childTnLst>
+                              <p:par>
+                                <p:cTn id="10" presetID="2" presetClass="entr" presetSubtype="8" fill="hold" nodeType="afterEffect">
+                                  <p:stCondLst>
+                                    <p:cond delay="0"/>
+                                  </p:stCondLst>
+                                  <p:childTnLst>
+                                    <p:set>
+                                      <p:cBhvr>
+                                        <p:cTn id="11" dur="1" fill="hold">
+                                          <p:stCondLst>
+                                            <p:cond delay="0"/>
+                                          </p:stCondLst>
+                                        </p:cTn>
+                                        <p:tgtEl>
+                                          <p:spTgt spid="8"/>
+                                        </p:tgtEl>
+                                        <p:attrNameLst>
+                                          <p:attrName>style.visibility</p:attrName>
+                                        </p:attrNameLst>
+                                      </p:cBhvr>
+                                      <p:to>
+                                        <p:strVal val="visible"/>
+                                      </p:to>
+                                    </p:set>
+                                    <p:anim calcmode="lin" valueType="num">
+                                      <p:cBhvr additive="base">
+                                        <p:cTn id="12" dur="500" fill="hold"/>
+                                        <p:tgtEl>
+                                          <p:spTgt spid="8"/>
+                                        </p:tgtEl>
+                                        <p:attrNameLst>
+                                          <p:attrName>ppt_x</p:attrName>
+                                        </p:attrNameLst>
+                                      </p:cBhvr>
+                                      <p:tavLst>
+                                        <p:tav tm="0">
+                                          <p:val>
+                                            <p:strVal val="0-#ppt_w/2"/>
+                                          </p:val>
+                                        </p:tav>
+                                        <p:tav tm="100000">
+                                          <p:val>
+                                            <p:strVal val="#ppt_x"/>
+                                          </p:val>
+                                        </p:tav>
+                                      </p:tavLst>
+                                    </p:anim>
+                                    <p:anim calcmode="lin" valueType="num">
+                                      <p:cBhvr additive="base">
+                                        <p:cTn id="13" dur="500" fill="hold"/>
+                                        <p:tgtEl>
+                                          <p:spTgt spid="8"/>
+                                        </p:tgtEl>
+                                        <p:attrNameLst>
+                                          <p:attrName>ppt_y</p:attrName>
+                                        </p:attrNameLst>
+                                      </p:cBhvr>
+                                      <p:tavLst>
+                                        <p:tav tm="0">
+                                          <p:val>
+                                            <p:strVal val="#ppt_y"/>
+                                          </p:val>
+                                        </p:tav>
+                                        <p:tav tm="100000">
+                                          <p:val>
+                                            <p:strVal val="#ppt_y"/>
+                                          </p:val>
+                                        </p:tav>
+                                      </p:tavLst>
+                                    </p:anim>
+                                  </p:childTnLst>
+                                </p:cTn>
+                              </p:par>
+                            </p:childTnLst>
+                          </p:cTn>
+                        </p:par>
+                      </p:childTnLst>
+                    </p:cTn>
+                  </p:par>
+                  <p:par>
+                    <p:cTn id="14" fill="hold">
+                      <p:stCondLst>
+                        <p:cond delay="indefinite"/>
+                      </p:stCondLst>
+                      <p:childTnLst>
+                        <p:par>
+                          <p:cTn id="15" fill="hold">
+                            <p:stCondLst>
+                              <p:cond delay="0"/>
+                            </p:stCondLst>
+                            <p:childTnLst>
+                              <p:par>
+                                <p:cTn id="16" presetID="2" presetClass="entr" presetSubtype="4" fill="hold" grpId="0" nodeType="clickEffect">
+                                  <p:stCondLst>
+                                    <p:cond delay="0"/>
+                                  </p:stCondLst>
+                                  <p:childTnLst>
+                                    <p:set>
+                                      <p:cBhvr>
+                                        <p:cTn id="17" dur="1" fill="hold">
+                                          <p:stCondLst>
+                                            <p:cond delay="0"/>
+                                          </p:stCondLst>
+                                        </p:cTn>
+                                        <p:tgtEl>
+                                          <p:spTgt spid="9"/>
+                                        </p:tgtEl>
+                                        <p:attrNameLst>
+                                          <p:attrName>style.visibility</p:attrName>
+                                        </p:attrNameLst>
+                                      </p:cBhvr>
+                                      <p:to>
+                                        <p:strVal val="visible"/>
+                                      </p:to>
+                                    </p:set>
+                                    <p:anim calcmode="lin" valueType="num">
+                                      <p:cBhvr additive="base">
+                                        <p:cTn id="18" dur="500" fill="hold"/>
+                                        <p:tgtEl>
+                                          <p:spTgt spid="9"/>
+                                        </p:tgtEl>
+                                        <p:attrNameLst>
+                                          <p:attrName>ppt_x</p:attrName>
+                                        </p:attrNameLst>
+                                      </p:cBhvr>
+                                      <p:tavLst>
+                                        <p:tav tm="0">
+                                          <p:val>
+                                            <p:strVal val="#ppt_x"/>
+                                          </p:val>
+                                        </p:tav>
+                                        <p:tav tm="100000">
+                                          <p:val>
+                                            <p:strVal val="#ppt_x"/>
+                                          </p:val>
+                                        </p:tav>
+                                      </p:tavLst>
+                                    </p:anim>
+                                    <p:anim calcmode="lin" valueType="num">
+                                      <p:cBhvr additive="base">
+                                        <p:cTn id="19" dur="500" fill="hold"/>
+                                        <p:tgtEl>
+                                          <p:spTgt spid="9"/>
+                                        </p:tgtEl>
+                                        <p:attrNameLst>
+                                          <p:attrName>ppt_y</p:attrName>
+                                        </p:attrNameLst>
+                                      </p:cBhvr>
+                                      <p:tavLst>
+                                        <p:tav tm="0">
+                                          <p:val>
+                                            <p:strVal val="1+#ppt_h/2"/>
+                                          </p:val>
+                                        </p:tav>
+                                        <p:tav tm="100000">
+                                          <p:val>
+                                            <p:strVal val="#ppt_y"/>
+                                          </p:val>
+                                        </p:tav>
+                                      </p:tavLst>
+                                    </p:anim>
+                                  </p:childTnLst>
+                                </p:cTn>
+                              </p:par>
+                            </p:childTnLst>
+                          </p:cTn>
+                        </p:par>
+                        <p:par>
+                          <p:cTn id="20" fill="hold">
+                            <p:stCondLst>
+                              <p:cond delay="500"/>
+                            </p:stCondLst>
+                            <p:childTnLst>
+                              <p:par>
+                                <p:cTn id="21" presetID="2" presetClass="entr" presetSubtype="4" fill="hold" nodeType="afterEffect">
+                                  <p:stCondLst>
+                                    <p:cond delay="0"/>
+                                  </p:stCondLst>
+                                  <p:childTnLst>
+                                    <p:set>
+                                      <p:cBhvr>
+                                        <p:cTn id="22" dur="1" fill="hold">
+                                          <p:stCondLst>
+                                            <p:cond delay="0"/>
+                                          </p:stCondLst>
+                                        </p:cTn>
+                                        <p:tgtEl>
+                                          <p:spTgt spid="5"/>
+                                        </p:tgtEl>
+                                        <p:attrNameLst>
+                                          <p:attrName>style.visibility</p:attrName>
+                                        </p:attrNameLst>
+                                      </p:cBhvr>
+                                      <p:to>
+                                        <p:strVal val="visible"/>
+                                      </p:to>
+                                    </p:set>
+                                    <p:anim calcmode="lin" valueType="num">
+                                      <p:cBhvr additive="base">
+                                        <p:cTn id="23" dur="500" fill="hold"/>
+                                        <p:tgtEl>
+                                          <p:spTgt spid="5"/>
+                                        </p:tgtEl>
+                                        <p:attrNameLst>
+                                          <p:attrName>ppt_x</p:attrName>
+                                        </p:attrNameLst>
+                                      </p:cBhvr>
+                                      <p:tavLst>
+                                        <p:tav tm="0">
+                                          <p:val>
+                                            <p:strVal val="#ppt_x"/>
+                                          </p:val>
+                                        </p:tav>
+                                        <p:tav tm="100000">
+                                          <p:val>
+                                            <p:strVal val="#ppt_x"/>
+                                          </p:val>
+                                        </p:tav>
+                                      </p:tavLst>
+                                    </p:anim>
+                                    <p:anim calcmode="lin" valueType="num">
+                                      <p:cBhvr additive="base">
+                                        <p:cTn id="24" dur="500" fill="hold"/>
+                                        <p:tgtEl>
+                                          <p:spTgt spid="5"/>
+                                        </p:tgtEl>
+                                        <p:attrNameLst>
+                                          <p:attrName>ppt_y</p:attrName>
+                                        </p:attrNameLst>
+                                      </p:cBhvr>
+                                      <p:tavLst>
+                                        <p:tav tm="0">
+                                          <p:val>
+                                            <p:strVal val="1+#ppt_h/2"/>
+                                          </p:val>
+                                        </p:tav>
+                                        <p:tav tm="100000">
+                                          <p:val>
+                                            <p:strVal val="#ppt_y"/>
+                                          </p:val>
+                                        </p:tav>
+                                      </p:tavLst>
+                                    </p:anim>
+                                  </p:childTnLst>
+                                </p:cTn>
+                              </p:par>
+                            </p:childTnLst>
+                          </p:cTn>
+                        </p:par>
+                      </p:childTnLst>
+                    </p:cTn>
+                  </p:par>
+                  <p:par>
+                    <p:cTn id="25" fill="hold">
+                      <p:stCondLst>
+                        <p:cond delay="indefinite"/>
+                      </p:stCondLst>
+                      <p:childTnLst>
+                        <p:par>
+                          <p:cTn id="26" fill="hold">
+                            <p:stCondLst>
+                              <p:cond delay="0"/>
+                            </p:stCondLst>
+                            <p:childTnLst>
+                              <p:par>
+                                <p:cTn id="27" presetID="2" presetClass="entr" presetSubtype="2" fill="hold" grpId="0" nodeType="clickEffect">
+                                  <p:stCondLst>
+                                    <p:cond delay="0"/>
+                                  </p:stCondLst>
+                                  <p:childTnLst>
+                                    <p:set>
+                                      <p:cBhvr>
+                                        <p:cTn id="28" dur="1" fill="hold">
+                                          <p:stCondLst>
+                                            <p:cond delay="0"/>
+                                          </p:stCondLst>
+                                        </p:cTn>
+                                        <p:tgtEl>
+                                          <p:spTgt spid="6"/>
+                                        </p:tgtEl>
+                                        <p:attrNameLst>
+                                          <p:attrName>style.visibility</p:attrName>
+                                        </p:attrNameLst>
+                                      </p:cBhvr>
+                                      <p:to>
+                                        <p:strVal val="visible"/>
+                                      </p:to>
+                                    </p:set>
+                                    <p:anim calcmode="lin" valueType="num">
+                                      <p:cBhvr additive="base">
+                                        <p:cTn id="29" dur="500" fill="hold"/>
+                                        <p:tgtEl>
+                                          <p:spTgt spid="6"/>
+                                        </p:tgtEl>
+                                        <p:attrNameLst>
+                                          <p:attrName>ppt_x</p:attrName>
+                                        </p:attrNameLst>
+                                      </p:cBhvr>
+                                      <p:tavLst>
+                                        <p:tav tm="0">
+                                          <p:val>
+                                            <p:strVal val="1+#ppt_w/2"/>
+                                          </p:val>
+                                        </p:tav>
+                                        <p:tav tm="100000">
+                                          <p:val>
+                                            <p:strVal val="#ppt_x"/>
+                                          </p:val>
+                                        </p:tav>
+                                      </p:tavLst>
+                                    </p:anim>
+                                    <p:anim calcmode="lin" valueType="num">
+                                      <p:cBhvr additive="base">
+                                        <p:cTn id="30" dur="500" fill="hold"/>
+                                        <p:tgtEl>
+                                          <p:spTgt spid="6"/>
+                                        </p:tgtEl>
+                                        <p:attrNameLst>
+                                          <p:attrName>ppt_y</p:attrName>
+                                        </p:attrNameLst>
+                                      </p:cBhvr>
+                                      <p:tavLst>
+                                        <p:tav tm="0">
+                                          <p:val>
+                                            <p:strVal val="#ppt_y"/>
+                                          </p:val>
+                                        </p:tav>
+                                        <p:tav tm="100000">
+                                          <p:val>
+                                            <p:strVal val="#ppt_y"/>
+                                          </p:val>
+                                        </p:tav>
+                                      </p:tavLst>
+                                    </p:anim>
+                                  </p:childTnLst>
+                                </p:cTn>
+                              </p:par>
+                            </p:childTnLst>
+                          </p:cTn>
+                        </p:par>
+                        <p:par>
+                          <p:cTn id="31" fill="hold">
+                            <p:stCondLst>
+                              <p:cond delay="500"/>
+                            </p:stCondLst>
+                            <p:childTnLst>
+                              <p:par>
+                                <p:cTn id="32" presetID="2" presetClass="entr" presetSubtype="2" fill="hold" nodeType="afterEffect">
+                                  <p:stCondLst>
+                                    <p:cond delay="0"/>
+                                  </p:stCondLst>
+                                  <p:childTnLst>
+                                    <p:set>
+                                      <p:cBhvr>
+                                        <p:cTn id="33" dur="1" fill="hold">
+                                          <p:stCondLst>
+                                            <p:cond delay="0"/>
+                                          </p:stCondLst>
+                                        </p:cTn>
+                                        <p:tgtEl>
+                                          <p:spTgt spid="7"/>
+                                        </p:tgtEl>
+                                        <p:attrNameLst>
+                                          <p:attrName>style.visibility</p:attrName>
+                                        </p:attrNameLst>
+                                      </p:cBhvr>
+                                      <p:to>
+                                        <p:strVal val="visible"/>
+                                      </p:to>
+                                    </p:set>
+                                    <p:anim calcmode="lin" valueType="num">
+                                      <p:cBhvr additive="base">
+                                        <p:cTn id="34" dur="500" fill="hold"/>
+                                        <p:tgtEl>
+                                          <p:spTgt spid="7"/>
+                                        </p:tgtEl>
+                                        <p:attrNameLst>
+                                          <p:attrName>ppt_x</p:attrName>
+                                        </p:attrNameLst>
+                                      </p:cBhvr>
+                                      <p:tavLst>
+                                        <p:tav tm="0">
+                                          <p:val>
+                                            <p:strVal val="1+#ppt_w/2"/>
+                                          </p:val>
+                                        </p:tav>
+                                        <p:tav tm="100000">
+                                          <p:val>
+                                            <p:strVal val="#ppt_x"/>
+                                          </p:val>
+                                        </p:tav>
+                                      </p:tavLst>
+                                    </p:anim>
+                                    <p:anim calcmode="lin" valueType="num">
+                                      <p:cBhvr additive="base">
+                                        <p:cTn id="35" dur="500" fill="hold"/>
+                                        <p:tgtEl>
+                                          <p:spTgt spid="7"/>
+                                        </p:tgtEl>
+                                        <p:attrNameLst>
+                                          <p:attrName>ppt_y</p:attrName>
+                                        </p:attrNameLst>
+                                      </p:cBhvr>
+                                      <p:tavLst>
+                                        <p:tav tm="0">
+                                          <p:val>
+                                            <p:strVal val="#ppt_y"/>
+                                          </p:val>
+                                        </p:tav>
+                                        <p:tav tm="100000">
+                                          <p:val>
+                                            <p:strVal val="#ppt_y"/>
+                                          </p:val>
+                                        </p:tav>
+                                      </p:tavLst>
+                                    </p:anim>
+                                  </p:childTnLst>
+                                </p:cTn>
+                              </p:par>
+                            </p:childTnLst>
+                          </p:cTn>
+                        </p:par>
+                      </p:childTnLst>
+                    </p:cTn>
+                  </p:par>
+                </p:childTnLst>
+              </p:cTn>
+              <p:prevCondLst>
+                <p:cond evt="onPrev" delay="0">
+                  <p:tgtEl>
+                    <p:sldTgt/>
+                  </p:tgtEl>
+                </p:cond>
+              </p:prevCondLst>
+              <p:nextCondLst>
+                <p:cond evt="onNext" delay="0">
+                  <p:tgtEl>
+                    <p:sldTgt/>
+                  </p:tgtEl>
+                </p:cond>
+              </p:nextCondLst>
+            </p:seq>
+          </p:childTnLst>
+        </p:cTn>
+      </p:par>
+    </p:tnLst>
+    <p:bldLst>
+      <p:bldP spid="3" grpId="0" build="p"/>
+      <p:bldP spid="6" grpId="0"/>
+      <p:bldP spid="9" grpId="0"/>
+    </p:bldLst>
+  </p:timing>
+</p:sld>
+</file>
+
+<file path=ppt/slides/slide12.xml><?xml version="1.0" encoding="utf-8"?>
+<p:sld xmlns:a="http://schemas.openxmlformats.org/drawingml/2006/main" xmlns:r="http://schemas.openxmlformats.org/officeDocument/2006/relationships" xmlns:p="http://schemas.openxmlformats.org/presentationml/2006/main">
+  <p:cSld>
+    <p:spTree>
+      <p:nvGrpSpPr>
+        <p:cNvPr id="1" name=""/>
+        <p:cNvGrpSpPr/>
+        <p:nvPr/>
+      </p:nvGrpSpPr>
+      <p:grpSpPr>
+        <a:xfrm>
+          <a:off x="0" y="0"/>
+          <a:ext cx="0" cy="0"/>
+          <a:chOff x="0" y="0"/>
+          <a:chExt cx="0" cy="0"/>
+        </a:xfrm>
+      </p:grpSpPr>
+      <p:sp>
+        <p:nvSpPr>
+          <p:cNvPr id="2" name="Title 1"/>
+          <p:cNvSpPr>
+            <a:spLocks noGrp="1"/>
+          </p:cNvSpPr>
+          <p:nvPr>
+            <p:ph type="title"/>
+          </p:nvPr>
+        </p:nvSpPr>
+        <p:spPr/>
+        <p:txBody>
+          <a:bodyPr/>
+          <a:lstStyle/>
+          <a:p>
+            <a:r>
+              <a:rPr lang="en-GB" dirty="0"/>
+              <a:t>Search strategy and threat definition</a:t>
+            </a:r>
+          </a:p>
+        </p:txBody>
+      </p:sp>
+      <p:sp>
+        <p:nvSpPr>
+          <p:cNvPr id="3" name="Content Placeholder 2"/>
+          <p:cNvSpPr>
+            <a:spLocks noGrp="1"/>
+          </p:cNvSpPr>
+          <p:nvPr>
+            <p:ph idx="1"/>
+          </p:nvPr>
+        </p:nvSpPr>
+        <p:spPr>
+          <a:xfrm>
+            <a:off x="838200" y="1825625"/>
+            <a:ext cx="5260675" cy="4351338"/>
+          </a:xfrm>
+        </p:spPr>
+        <p:txBody>
+          <a:bodyPr/>
+          <a:lstStyle/>
+          <a:p>
+            <a:r>
+              <a:rPr lang="en-GB" dirty="0"/>
+              <a:t>Google patents</a:t>
+            </a:r>
+          </a:p>
+          <a:p>
+            <a:r>
+              <a:rPr lang="en-GB" dirty="0"/>
+              <a:t>Descriptive words search results</a:t>
+            </a:r>
+          </a:p>
+          <a:p>
+            <a:r>
+              <a:rPr lang="en-GB" dirty="0"/>
+              <a:t>Word combination search results</a:t>
+            </a:r>
+          </a:p>
+          <a:p>
+            <a:r>
+              <a:rPr lang="en-GB" dirty="0"/>
+              <a:t>Limit search to EU, GB and US</a:t>
+            </a:r>
+          </a:p>
+          <a:p>
+            <a:r>
+              <a:rPr lang="en-GB" dirty="0"/>
+              <a:t>“” to ensure exact words</a:t>
+            </a:r>
+          </a:p>
+          <a:p>
+            <a:r>
+              <a:rPr lang="en-GB" dirty="0"/>
+              <a:t>Find relevant patents</a:t>
+            </a:r>
+          </a:p>
+          <a:p>
+            <a:endParaRPr lang="en-GB" dirty="0"/>
+          </a:p>
+          <a:p>
+            <a:endParaRPr lang="en-GB" dirty="0"/>
+          </a:p>
+        </p:txBody>
+      </p:sp>
+      <p:sp>
+        <p:nvSpPr>
+          <p:cNvPr id="4" name="Content Placeholder 2"/>
+          <p:cNvSpPr txBox="1">
+            <a:spLocks/>
+          </p:cNvSpPr>
+          <p:nvPr/>
+        </p:nvSpPr>
+        <p:spPr>
+          <a:xfrm>
+            <a:off x="6002547" y="1825625"/>
+            <a:ext cx="5260675" cy="4351338"/>
+          </a:xfrm>
+          <a:prstGeom prst="rect">
+            <a:avLst/>
+          </a:prstGeom>
+        </p:spPr>
+        <p:txBody>
+          <a:bodyPr vert="horz" lIns="91440" tIns="45720" rIns="91440" bIns="45720" rtlCol="0">
+            <a:normAutofit/>
+          </a:bodyPr>
+          <a:lstStyle>
+            <a:lvl1pPr marL="228600" indent="-228600" algn="l" defTabSz="914400" rtl="0" eaLnBrk="1" latinLnBrk="0" hangingPunct="1">
+              <a:lnSpc>
+                <a:spcPct val="90000"/>
+              </a:lnSpc>
+              <a:spcBef>
+                <a:spcPts val="1000"/>
+              </a:spcBef>
+              <a:buFont typeface="Arial" panose="020B0604020202020204" pitchFamily="34" charset="0"/>
+              <a:buChar char="•"/>
+              <a:defRPr sz="2800" kern="1200">
+                <a:solidFill>
+                  <a:schemeClr val="tx1"/>
+                </a:solidFill>
+                <a:latin typeface="+mn-lt"/>
+                <a:ea typeface="+mn-ea"/>
+                <a:cs typeface="+mn-cs"/>
+              </a:defRPr>
+            </a:lvl1pPr>
+            <a:lvl2pPr marL="685800" indent="-228600" algn="l" defTabSz="914400" rtl="0" eaLnBrk="1" latinLnBrk="0" hangingPunct="1">
+              <a:lnSpc>
+                <a:spcPct val="90000"/>
+              </a:lnSpc>
+              <a:spcBef>
+                <a:spcPts val="500"/>
+              </a:spcBef>
+              <a:buFont typeface="Arial" panose="020B0604020202020204" pitchFamily="34" charset="0"/>
+              <a:buChar char="•"/>
+              <a:defRPr sz="2400" kern="1200">
+                <a:solidFill>
+                  <a:schemeClr val="tx1"/>
+                </a:solidFill>
+                <a:latin typeface="+mn-lt"/>
+                <a:ea typeface="+mn-ea"/>
+                <a:cs typeface="+mn-cs"/>
+              </a:defRPr>
+            </a:lvl2pPr>
+            <a:lvl3pPr marL="1143000" indent="-228600" algn="l" defTabSz="914400" rtl="0" eaLnBrk="1" latinLnBrk="0" hangingPunct="1">
+              <a:lnSpc>
+                <a:spcPct val="90000"/>
+              </a:lnSpc>
+              <a:spcBef>
+                <a:spcPts val="500"/>
+              </a:spcBef>
+              <a:buFont typeface="Arial" panose="020B0604020202020204" pitchFamily="34" charset="0"/>
+              <a:buChar char="•"/>
+              <a:defRPr sz="2000" kern="1200">
+                <a:solidFill>
+                  <a:schemeClr val="tx1"/>
+                </a:solidFill>
+                <a:latin typeface="+mn-lt"/>
+                <a:ea typeface="+mn-ea"/>
+                <a:cs typeface="+mn-cs"/>
+              </a:defRPr>
+            </a:lvl3pPr>
+            <a:lvl4pPr marL="1600200" indent="-228600" algn="l" defTabSz="914400" rtl="0" eaLnBrk="1" latinLnBrk="0" hangingPunct="1">
+              <a:lnSpc>
+                <a:spcPct val="90000"/>
+              </a:lnSpc>
+              <a:spcBef>
+                <a:spcPts val="500"/>
+              </a:spcBef>
+              <a:buFont typeface="Arial" panose="020B0604020202020204" pitchFamily="34" charset="0"/>
+              <a:buChar char="•"/>
+              <a:defRPr sz="1800" kern="1200">
+                <a:solidFill>
+                  <a:schemeClr val="tx1"/>
+                </a:solidFill>
+                <a:latin typeface="+mn-lt"/>
+                <a:ea typeface="+mn-ea"/>
+                <a:cs typeface="+mn-cs"/>
+              </a:defRPr>
+            </a:lvl4pPr>
+            <a:lvl5pPr marL="2057400" indent="-228600" algn="l" defTabSz="914400" rtl="0" eaLnBrk="1" latinLnBrk="0" hangingPunct="1">
+              <a:lnSpc>
+                <a:spcPct val="90000"/>
+              </a:lnSpc>
+              <a:spcBef>
+                <a:spcPts val="500"/>
+              </a:spcBef>
+              <a:buFont typeface="Arial" panose="020B0604020202020204" pitchFamily="34" charset="0"/>
+              <a:buChar char="•"/>
+              <a:defRPr sz="1800" kern="1200">
+                <a:solidFill>
+                  <a:schemeClr val="tx1"/>
+                </a:solidFill>
+                <a:latin typeface="+mn-lt"/>
+                <a:ea typeface="+mn-ea"/>
+                <a:cs typeface="+mn-cs"/>
+              </a:defRPr>
+            </a:lvl5pPr>
+            <a:lvl6pPr marL="2514600" indent="-228600" algn="l" defTabSz="914400" rtl="0" eaLnBrk="1" latinLnBrk="0" hangingPunct="1">
+              <a:lnSpc>
+                <a:spcPct val="90000"/>
+              </a:lnSpc>
+              <a:spcBef>
+                <a:spcPts val="500"/>
+              </a:spcBef>
+              <a:buFont typeface="Arial" panose="020B0604020202020204" pitchFamily="34" charset="0"/>
+              <a:buChar char="•"/>
+              <a:defRPr sz="1800" kern="1200">
+                <a:solidFill>
+                  <a:schemeClr val="tx1"/>
+                </a:solidFill>
+                <a:latin typeface="+mn-lt"/>
+                <a:ea typeface="+mn-ea"/>
+                <a:cs typeface="+mn-cs"/>
+              </a:defRPr>
+            </a:lvl6pPr>
+            <a:lvl7pPr marL="2971800" indent="-228600" algn="l" defTabSz="914400" rtl="0" eaLnBrk="1" latinLnBrk="0" hangingPunct="1">
+              <a:lnSpc>
+                <a:spcPct val="90000"/>
+              </a:lnSpc>
+              <a:spcBef>
+                <a:spcPts val="500"/>
+              </a:spcBef>
+              <a:buFont typeface="Arial" panose="020B0604020202020204" pitchFamily="34" charset="0"/>
+              <a:buChar char="•"/>
+              <a:defRPr sz="1800" kern="1200">
+                <a:solidFill>
+                  <a:schemeClr val="tx1"/>
+                </a:solidFill>
+                <a:latin typeface="+mn-lt"/>
+                <a:ea typeface="+mn-ea"/>
+                <a:cs typeface="+mn-cs"/>
+              </a:defRPr>
+            </a:lvl7pPr>
+            <a:lvl8pPr marL="3429000" indent="-228600" algn="l" defTabSz="914400" rtl="0" eaLnBrk="1" latinLnBrk="0" hangingPunct="1">
+              <a:lnSpc>
+                <a:spcPct val="90000"/>
+              </a:lnSpc>
+              <a:spcBef>
+                <a:spcPts val="500"/>
+              </a:spcBef>
+              <a:buFont typeface="Arial" panose="020B0604020202020204" pitchFamily="34" charset="0"/>
+              <a:buChar char="•"/>
+              <a:defRPr sz="1800" kern="1200">
+                <a:solidFill>
+                  <a:schemeClr val="tx1"/>
+                </a:solidFill>
+                <a:latin typeface="+mn-lt"/>
+                <a:ea typeface="+mn-ea"/>
+                <a:cs typeface="+mn-cs"/>
+              </a:defRPr>
+            </a:lvl8pPr>
+            <a:lvl9pPr marL="3886200" indent="-228600" algn="l" defTabSz="914400" rtl="0" eaLnBrk="1" latinLnBrk="0" hangingPunct="1">
+              <a:lnSpc>
+                <a:spcPct val="90000"/>
+              </a:lnSpc>
+              <a:spcBef>
+                <a:spcPts val="500"/>
+              </a:spcBef>
+              <a:buFont typeface="Arial" panose="020B0604020202020204" pitchFamily="34" charset="0"/>
+              <a:buChar char="•"/>
+              <a:defRPr sz="1800" kern="1200">
+                <a:solidFill>
+                  <a:schemeClr val="tx1"/>
+                </a:solidFill>
+                <a:latin typeface="+mn-lt"/>
+                <a:ea typeface="+mn-ea"/>
+                <a:cs typeface="+mn-cs"/>
+              </a:defRPr>
+            </a:lvl9pPr>
+          </a:lstStyle>
+          <a:p>
+            <a:endParaRPr lang="en-GB" dirty="0"/>
+          </a:p>
+          <a:p>
+            <a:endParaRPr lang="en-GB" dirty="0"/>
+          </a:p>
+        </p:txBody>
+      </p:sp>
+      <p:sp>
+        <p:nvSpPr>
+          <p:cNvPr id="5" name="Content Placeholder 2"/>
+          <p:cNvSpPr txBox="1">
+            <a:spLocks/>
+          </p:cNvSpPr>
+          <p:nvPr/>
+        </p:nvSpPr>
+        <p:spPr>
+          <a:xfrm>
+            <a:off x="6183702" y="1825625"/>
+            <a:ext cx="5260675" cy="4351338"/>
+          </a:xfrm>
+          <a:prstGeom prst="rect">
+            <a:avLst/>
+          </a:prstGeom>
+        </p:spPr>
+        <p:txBody>
+          <a:bodyPr vert="horz" lIns="91440" tIns="45720" rIns="91440" bIns="45720" rtlCol="0">
+            <a:normAutofit/>
+          </a:bodyPr>
+          <a:lstStyle>
+            <a:lvl1pPr marL="228600" indent="-228600" algn="l" defTabSz="914400" rtl="0" eaLnBrk="1" latinLnBrk="0" hangingPunct="1">
+              <a:lnSpc>
+                <a:spcPct val="90000"/>
+              </a:lnSpc>
+              <a:spcBef>
+                <a:spcPts val="1000"/>
+              </a:spcBef>
+              <a:buFont typeface="Arial" panose="020B0604020202020204" pitchFamily="34" charset="0"/>
+              <a:buChar char="•"/>
+              <a:defRPr sz="2800" kern="1200">
+                <a:solidFill>
+                  <a:schemeClr val="tx1"/>
+                </a:solidFill>
+                <a:latin typeface="+mn-lt"/>
+                <a:ea typeface="+mn-ea"/>
+                <a:cs typeface="+mn-cs"/>
+              </a:defRPr>
+            </a:lvl1pPr>
+            <a:lvl2pPr marL="685800" indent="-228600" algn="l" defTabSz="914400" rtl="0" eaLnBrk="1" latinLnBrk="0" hangingPunct="1">
+              <a:lnSpc>
+                <a:spcPct val="90000"/>
+              </a:lnSpc>
+              <a:spcBef>
+                <a:spcPts val="500"/>
+              </a:spcBef>
+              <a:buFont typeface="Arial" panose="020B0604020202020204" pitchFamily="34" charset="0"/>
+              <a:buChar char="•"/>
+              <a:defRPr sz="2400" kern="1200">
+                <a:solidFill>
+                  <a:schemeClr val="tx1"/>
+                </a:solidFill>
+                <a:latin typeface="+mn-lt"/>
+                <a:ea typeface="+mn-ea"/>
+                <a:cs typeface="+mn-cs"/>
+              </a:defRPr>
+            </a:lvl2pPr>
+            <a:lvl3pPr marL="1143000" indent="-228600" algn="l" defTabSz="914400" rtl="0" eaLnBrk="1" latinLnBrk="0" hangingPunct="1">
+              <a:lnSpc>
+                <a:spcPct val="90000"/>
+              </a:lnSpc>
+              <a:spcBef>
+                <a:spcPts val="500"/>
+              </a:spcBef>
+              <a:buFont typeface="Arial" panose="020B0604020202020204" pitchFamily="34" charset="0"/>
+              <a:buChar char="•"/>
+              <a:defRPr sz="2000" kern="1200">
+                <a:solidFill>
+                  <a:schemeClr val="tx1"/>
+                </a:solidFill>
+                <a:latin typeface="+mn-lt"/>
+                <a:ea typeface="+mn-ea"/>
+                <a:cs typeface="+mn-cs"/>
+              </a:defRPr>
+            </a:lvl3pPr>
+            <a:lvl4pPr marL="1600200" indent="-228600" algn="l" defTabSz="914400" rtl="0" eaLnBrk="1" latinLnBrk="0" hangingPunct="1">
+              <a:lnSpc>
+                <a:spcPct val="90000"/>
+              </a:lnSpc>
+              <a:spcBef>
+                <a:spcPts val="500"/>
+              </a:spcBef>
+              <a:buFont typeface="Arial" panose="020B0604020202020204" pitchFamily="34" charset="0"/>
+              <a:buChar char="•"/>
+              <a:defRPr sz="1800" kern="1200">
+                <a:solidFill>
+                  <a:schemeClr val="tx1"/>
+                </a:solidFill>
+                <a:latin typeface="+mn-lt"/>
+                <a:ea typeface="+mn-ea"/>
+                <a:cs typeface="+mn-cs"/>
+              </a:defRPr>
+            </a:lvl4pPr>
+            <a:lvl5pPr marL="2057400" indent="-228600" algn="l" defTabSz="914400" rtl="0" eaLnBrk="1" latinLnBrk="0" hangingPunct="1">
+              <a:lnSpc>
+                <a:spcPct val="90000"/>
+              </a:lnSpc>
+              <a:spcBef>
+                <a:spcPts val="500"/>
+              </a:spcBef>
+              <a:buFont typeface="Arial" panose="020B0604020202020204" pitchFamily="34" charset="0"/>
+              <a:buChar char="•"/>
+              <a:defRPr sz="1800" kern="1200">
+                <a:solidFill>
+                  <a:schemeClr val="tx1"/>
+                </a:solidFill>
+                <a:latin typeface="+mn-lt"/>
+                <a:ea typeface="+mn-ea"/>
+                <a:cs typeface="+mn-cs"/>
+              </a:defRPr>
+            </a:lvl5pPr>
+            <a:lvl6pPr marL="2514600" indent="-228600" algn="l" defTabSz="914400" rtl="0" eaLnBrk="1" latinLnBrk="0" hangingPunct="1">
+              <a:lnSpc>
+                <a:spcPct val="90000"/>
+              </a:lnSpc>
+              <a:spcBef>
+                <a:spcPts val="500"/>
+              </a:spcBef>
+              <a:buFont typeface="Arial" panose="020B0604020202020204" pitchFamily="34" charset="0"/>
+              <a:buChar char="•"/>
+              <a:defRPr sz="1800" kern="1200">
+                <a:solidFill>
+                  <a:schemeClr val="tx1"/>
+                </a:solidFill>
+                <a:latin typeface="+mn-lt"/>
+                <a:ea typeface="+mn-ea"/>
+                <a:cs typeface="+mn-cs"/>
+              </a:defRPr>
+            </a:lvl6pPr>
+            <a:lvl7pPr marL="2971800" indent="-228600" algn="l" defTabSz="914400" rtl="0" eaLnBrk="1" latinLnBrk="0" hangingPunct="1">
+              <a:lnSpc>
+                <a:spcPct val="90000"/>
+              </a:lnSpc>
+              <a:spcBef>
+                <a:spcPts val="500"/>
+              </a:spcBef>
+              <a:buFont typeface="Arial" panose="020B0604020202020204" pitchFamily="34" charset="0"/>
+              <a:buChar char="•"/>
+              <a:defRPr sz="1800" kern="1200">
+                <a:solidFill>
+                  <a:schemeClr val="tx1"/>
+                </a:solidFill>
+                <a:latin typeface="+mn-lt"/>
+                <a:ea typeface="+mn-ea"/>
+                <a:cs typeface="+mn-cs"/>
+              </a:defRPr>
+            </a:lvl7pPr>
+            <a:lvl8pPr marL="3429000" indent="-228600" algn="l" defTabSz="914400" rtl="0" eaLnBrk="1" latinLnBrk="0" hangingPunct="1">
+              <a:lnSpc>
+                <a:spcPct val="90000"/>
+              </a:lnSpc>
+              <a:spcBef>
+                <a:spcPts val="500"/>
+              </a:spcBef>
+              <a:buFont typeface="Arial" panose="020B0604020202020204" pitchFamily="34" charset="0"/>
+              <a:buChar char="•"/>
+              <a:defRPr sz="1800" kern="1200">
+                <a:solidFill>
+                  <a:schemeClr val="tx1"/>
+                </a:solidFill>
+                <a:latin typeface="+mn-lt"/>
+                <a:ea typeface="+mn-ea"/>
+                <a:cs typeface="+mn-cs"/>
+              </a:defRPr>
+            </a:lvl8pPr>
+            <a:lvl9pPr marL="3886200" indent="-228600" algn="l" defTabSz="914400" rtl="0" eaLnBrk="1" latinLnBrk="0" hangingPunct="1">
+              <a:lnSpc>
+                <a:spcPct val="90000"/>
+              </a:lnSpc>
+              <a:spcBef>
+                <a:spcPts val="500"/>
+              </a:spcBef>
+              <a:buFont typeface="Arial" panose="020B0604020202020204" pitchFamily="34" charset="0"/>
+              <a:buChar char="•"/>
+              <a:defRPr sz="1800" kern="1200">
+                <a:solidFill>
+                  <a:schemeClr val="tx1"/>
+                </a:solidFill>
+                <a:latin typeface="+mn-lt"/>
+                <a:ea typeface="+mn-ea"/>
+                <a:cs typeface="+mn-cs"/>
+              </a:defRPr>
+            </a:lvl9pPr>
+          </a:lstStyle>
+          <a:p>
+            <a:endParaRPr lang="en-GB" dirty="0"/>
+          </a:p>
+          <a:p>
+            <a:endParaRPr lang="en-GB" dirty="0"/>
+          </a:p>
+        </p:txBody>
+      </p:sp>
+      <p:sp>
+        <p:nvSpPr>
+          <p:cNvPr id="6" name="Content Placeholder 2"/>
+          <p:cNvSpPr txBox="1">
+            <a:spLocks/>
+          </p:cNvSpPr>
+          <p:nvPr/>
+        </p:nvSpPr>
+        <p:spPr>
+          <a:xfrm>
+            <a:off x="6183702" y="1825625"/>
+            <a:ext cx="5260675" cy="4351338"/>
+          </a:xfrm>
+          <a:prstGeom prst="rect">
+            <a:avLst/>
+          </a:prstGeom>
+        </p:spPr>
+        <p:txBody>
+          <a:bodyPr vert="horz" lIns="91440" tIns="45720" rIns="91440" bIns="45720" rtlCol="0">
+            <a:normAutofit/>
+          </a:bodyPr>
+          <a:lstStyle>
+            <a:lvl1pPr marL="228600" indent="-228600" algn="l" defTabSz="914400" rtl="0" eaLnBrk="1" latinLnBrk="0" hangingPunct="1">
+              <a:lnSpc>
+                <a:spcPct val="90000"/>
+              </a:lnSpc>
+              <a:spcBef>
+                <a:spcPts val="1000"/>
+              </a:spcBef>
+              <a:buFont typeface="Arial" panose="020B0604020202020204" pitchFamily="34" charset="0"/>
+              <a:buChar char="•"/>
+              <a:defRPr sz="2800" kern="1200">
+                <a:solidFill>
+                  <a:schemeClr val="tx1"/>
+                </a:solidFill>
+                <a:latin typeface="+mn-lt"/>
+                <a:ea typeface="+mn-ea"/>
+                <a:cs typeface="+mn-cs"/>
+              </a:defRPr>
+            </a:lvl1pPr>
+            <a:lvl2pPr marL="685800" indent="-228600" algn="l" defTabSz="914400" rtl="0" eaLnBrk="1" latinLnBrk="0" hangingPunct="1">
+              <a:lnSpc>
+                <a:spcPct val="90000"/>
+              </a:lnSpc>
+              <a:spcBef>
+                <a:spcPts val="500"/>
+              </a:spcBef>
+              <a:buFont typeface="Arial" panose="020B0604020202020204" pitchFamily="34" charset="0"/>
+              <a:buChar char="•"/>
+              <a:defRPr sz="2400" kern="1200">
+                <a:solidFill>
+                  <a:schemeClr val="tx1"/>
+                </a:solidFill>
+                <a:latin typeface="+mn-lt"/>
+                <a:ea typeface="+mn-ea"/>
+                <a:cs typeface="+mn-cs"/>
+              </a:defRPr>
+            </a:lvl2pPr>
+            <a:lvl3pPr marL="1143000" indent="-228600" algn="l" defTabSz="914400" rtl="0" eaLnBrk="1" latinLnBrk="0" hangingPunct="1">
+              <a:lnSpc>
+                <a:spcPct val="90000"/>
+              </a:lnSpc>
+              <a:spcBef>
+                <a:spcPts val="500"/>
+              </a:spcBef>
+              <a:buFont typeface="Arial" panose="020B0604020202020204" pitchFamily="34" charset="0"/>
+              <a:buChar char="•"/>
+              <a:defRPr sz="2000" kern="1200">
+                <a:solidFill>
+                  <a:schemeClr val="tx1"/>
+                </a:solidFill>
+                <a:latin typeface="+mn-lt"/>
+                <a:ea typeface="+mn-ea"/>
+                <a:cs typeface="+mn-cs"/>
+              </a:defRPr>
+            </a:lvl3pPr>
+            <a:lvl4pPr marL="1600200" indent="-228600" algn="l" defTabSz="914400" rtl="0" eaLnBrk="1" latinLnBrk="0" hangingPunct="1">
+              <a:lnSpc>
+                <a:spcPct val="90000"/>
+              </a:lnSpc>
+              <a:spcBef>
+                <a:spcPts val="500"/>
+              </a:spcBef>
+              <a:buFont typeface="Arial" panose="020B0604020202020204" pitchFamily="34" charset="0"/>
+              <a:buChar char="•"/>
+              <a:defRPr sz="1800" kern="1200">
+                <a:solidFill>
+                  <a:schemeClr val="tx1"/>
+                </a:solidFill>
+                <a:latin typeface="+mn-lt"/>
+                <a:ea typeface="+mn-ea"/>
+                <a:cs typeface="+mn-cs"/>
+              </a:defRPr>
+            </a:lvl4pPr>
+            <a:lvl5pPr marL="2057400" indent="-228600" algn="l" defTabSz="914400" rtl="0" eaLnBrk="1" latinLnBrk="0" hangingPunct="1">
+              <a:lnSpc>
+                <a:spcPct val="90000"/>
+              </a:lnSpc>
+              <a:spcBef>
+                <a:spcPts val="500"/>
+              </a:spcBef>
+              <a:buFont typeface="Arial" panose="020B0604020202020204" pitchFamily="34" charset="0"/>
+              <a:buChar char="•"/>
+              <a:defRPr sz="1800" kern="1200">
+                <a:solidFill>
+                  <a:schemeClr val="tx1"/>
+                </a:solidFill>
+                <a:latin typeface="+mn-lt"/>
+                <a:ea typeface="+mn-ea"/>
+                <a:cs typeface="+mn-cs"/>
+              </a:defRPr>
+            </a:lvl5pPr>
+            <a:lvl6pPr marL="2514600" indent="-228600" algn="l" defTabSz="914400" rtl="0" eaLnBrk="1" latinLnBrk="0" hangingPunct="1">
+              <a:lnSpc>
+                <a:spcPct val="90000"/>
+              </a:lnSpc>
+              <a:spcBef>
+                <a:spcPts val="500"/>
+              </a:spcBef>
+              <a:buFont typeface="Arial" panose="020B0604020202020204" pitchFamily="34" charset="0"/>
+              <a:buChar char="•"/>
+              <a:defRPr sz="1800" kern="1200">
+                <a:solidFill>
+                  <a:schemeClr val="tx1"/>
+                </a:solidFill>
+                <a:latin typeface="+mn-lt"/>
+                <a:ea typeface="+mn-ea"/>
+                <a:cs typeface="+mn-cs"/>
+              </a:defRPr>
+            </a:lvl6pPr>
+            <a:lvl7pPr marL="2971800" indent="-228600" algn="l" defTabSz="914400" rtl="0" eaLnBrk="1" latinLnBrk="0" hangingPunct="1">
+              <a:lnSpc>
+                <a:spcPct val="90000"/>
+              </a:lnSpc>
+              <a:spcBef>
+                <a:spcPts val="500"/>
+              </a:spcBef>
+              <a:buFont typeface="Arial" panose="020B0604020202020204" pitchFamily="34" charset="0"/>
+              <a:buChar char="•"/>
+              <a:defRPr sz="1800" kern="1200">
+                <a:solidFill>
+                  <a:schemeClr val="tx1"/>
+                </a:solidFill>
+                <a:latin typeface="+mn-lt"/>
+                <a:ea typeface="+mn-ea"/>
+                <a:cs typeface="+mn-cs"/>
+              </a:defRPr>
+            </a:lvl7pPr>
+            <a:lvl8pPr marL="3429000" indent="-228600" algn="l" defTabSz="914400" rtl="0" eaLnBrk="1" latinLnBrk="0" hangingPunct="1">
+              <a:lnSpc>
+                <a:spcPct val="90000"/>
+              </a:lnSpc>
+              <a:spcBef>
+                <a:spcPts val="500"/>
+              </a:spcBef>
+              <a:buFont typeface="Arial" panose="020B0604020202020204" pitchFamily="34" charset="0"/>
+              <a:buChar char="•"/>
+              <a:defRPr sz="1800" kern="1200">
+                <a:solidFill>
+                  <a:schemeClr val="tx1"/>
+                </a:solidFill>
+                <a:latin typeface="+mn-lt"/>
+                <a:ea typeface="+mn-ea"/>
+                <a:cs typeface="+mn-cs"/>
+              </a:defRPr>
+            </a:lvl8pPr>
+            <a:lvl9pPr marL="3886200" indent="-228600" algn="l" defTabSz="914400" rtl="0" eaLnBrk="1" latinLnBrk="0" hangingPunct="1">
+              <a:lnSpc>
+                <a:spcPct val="90000"/>
+              </a:lnSpc>
+              <a:spcBef>
+                <a:spcPts val="500"/>
+              </a:spcBef>
+              <a:buFont typeface="Arial" panose="020B0604020202020204" pitchFamily="34" charset="0"/>
+              <a:buChar char="•"/>
+              <a:defRPr sz="1800" kern="1200">
+                <a:solidFill>
+                  <a:schemeClr val="tx1"/>
+                </a:solidFill>
+                <a:latin typeface="+mn-lt"/>
+                <a:ea typeface="+mn-ea"/>
+                <a:cs typeface="+mn-cs"/>
+              </a:defRPr>
+            </a:lvl9pPr>
+          </a:lstStyle>
+          <a:p>
+            <a:r>
+              <a:rPr lang="en-GB" dirty="0"/>
+              <a:t>Threat definition</a:t>
+            </a:r>
+          </a:p>
+          <a:p>
+            <a:pPr lvl="1"/>
+            <a:r>
+              <a:rPr lang="en-GB" dirty="0"/>
+              <a:t>Relation to system/sub-system</a:t>
+            </a:r>
+          </a:p>
+          <a:p>
+            <a:pPr lvl="1"/>
+            <a:r>
+              <a:rPr lang="en-GB" dirty="0"/>
+              <a:t>Generality of patent</a:t>
+            </a:r>
+          </a:p>
+          <a:p>
+            <a:endParaRPr lang="en-GB" dirty="0"/>
+          </a:p>
+        </p:txBody>
+      </p:sp>
+    </p:spTree>
+    <p:extLst>
+      <p:ext uri="{BB962C8B-B14F-4D97-AF65-F5344CB8AC3E}">
+        <p14:creationId xmlns:p14="http://schemas.microsoft.com/office/powerpoint/2010/main" val="2936168350"/>
+      </p:ext>
+    </p:extLst>
+  </p:cSld>
+  <p:clrMapOvr>
+    <a:masterClrMapping/>
+  </p:clrMapOvr>
+  <mc:AlternateContent xmlns:mc="http://schemas.openxmlformats.org/markup-compatibility/2006" xmlns:p14="http://schemas.microsoft.com/office/powerpoint/2010/main">
+    <mc:Choice Requires="p14">
+      <p:transition spd="med" p14:dur="700">
+        <p:fade/>
+      </p:transition>
+    </mc:Choice>
+    <mc:Fallback xmlns="">
+      <p:transition spd="med">
+        <p:fade/>
+      </p:transition>
+    </mc:Fallback>
+  </mc:AlternateContent>
+  <p:timing>
+    <p:tnLst>
+      <p:par>
+        <p:cTn id="1" dur="indefinite" restart="never" nodeType="tmRoot">
+          <p:childTnLst>
+            <p:seq concurrent="1" nextAc="seek">
+              <p:cTn id="2" dur="indefinite" nodeType="mainSeq">
+                <p:childTnLst>
+                  <p:par>
+                    <p:cTn id="3" fill="hold">
+                      <p:stCondLst>
+                        <p:cond delay="indefinite"/>
+                      </p:stCondLst>
+                      <p:childTnLst>
+                        <p:par>
+                          <p:cTn id="4" fill="hold">
+                            <p:stCondLst>
+                              <p:cond delay="0"/>
+                            </p:stCondLst>
+                            <p:childTnLst>
+                              <p:par>
+                                <p:cTn id="5" presetID="10" presetClass="entr" presetSubtype="0" fill="hold" grpId="0" nodeType="clickEffect">
+                                  <p:stCondLst>
+                                    <p:cond delay="0"/>
+                                  </p:stCondLst>
+                                  <p:childTnLst>
+                                    <p:set>
+                                      <p:cBhvr>
+                                        <p:cTn id="6" dur="1" fill="hold">
+                                          <p:stCondLst>
+                                            <p:cond delay="0"/>
+                                          </p:stCondLst>
+                                        </p:cTn>
+                                        <p:tgtEl>
+                                          <p:spTgt spid="3">
+                                            <p:txEl>
+                                              <p:pRg st="0" end="0"/>
+                                            </p:txEl>
+                                          </p:spTgt>
+                                        </p:tgtEl>
+                                        <p:attrNameLst>
+                                          <p:attrName>style.visibility</p:attrName>
+                                        </p:attrNameLst>
+                                      </p:cBhvr>
+                                      <p:to>
+                                        <p:strVal val="visible"/>
+                                      </p:to>
+                                    </p:set>
+                                    <p:animEffect transition="in" filter="fade">
+                                      <p:cBhvr>
+                                        <p:cTn id="7" dur="500"/>
+                                        <p:tgtEl>
+                                          <p:spTgt spid="3">
+                                            <p:txEl>
+                                              <p:pRg st="0" end="0"/>
+                                            </p:txEl>
+                                          </p:spTgt>
+                                        </p:tgtEl>
+                                      </p:cBhvr>
+                                    </p:animEffect>
+                                  </p:childTnLst>
+                                </p:cTn>
+                              </p:par>
+                              <p:par>
+                                <p:cTn id="8" presetID="10" presetClass="entr" presetSubtype="0" fill="hold" grpId="0" nodeType="withEffect">
+                                  <p:stCondLst>
+                                    <p:cond delay="0"/>
+                                  </p:stCondLst>
+                                  <p:childTnLst>
+                                    <p:set>
+                                      <p:cBhvr>
+                                        <p:cTn id="9" dur="1" fill="hold">
+                                          <p:stCondLst>
+                                            <p:cond delay="0"/>
+                                          </p:stCondLst>
+                                        </p:cTn>
+                                        <p:tgtEl>
+                                          <p:spTgt spid="3">
+                                            <p:txEl>
+                                              <p:pRg st="1" end="1"/>
+                                            </p:txEl>
+                                          </p:spTgt>
+                                        </p:tgtEl>
+                                        <p:attrNameLst>
+                                          <p:attrName>style.visibility</p:attrName>
+                                        </p:attrNameLst>
+                                      </p:cBhvr>
+                                      <p:to>
+                                        <p:strVal val="visible"/>
+                                      </p:to>
+                                    </p:set>
+                                    <p:animEffect transition="in" filter="fade">
+                                      <p:cBhvr>
+                                        <p:cTn id="10" dur="500"/>
+                                        <p:tgtEl>
+                                          <p:spTgt spid="3">
+                                            <p:txEl>
+                                              <p:pRg st="1" end="1"/>
+                                            </p:txEl>
+                                          </p:spTgt>
+                                        </p:tgtEl>
+                                      </p:cBhvr>
+                                    </p:animEffect>
+                                  </p:childTnLst>
+                                </p:cTn>
+                              </p:par>
+                              <p:par>
+                                <p:cTn id="11" presetID="10" presetClass="entr" presetSubtype="0" fill="hold" grpId="0" nodeType="withEffect">
+                                  <p:stCondLst>
+                                    <p:cond delay="0"/>
+                                  </p:stCondLst>
+                                  <p:childTnLst>
+                                    <p:set>
+                                      <p:cBhvr>
+                                        <p:cTn id="12" dur="1" fill="hold">
+                                          <p:stCondLst>
+                                            <p:cond delay="0"/>
+                                          </p:stCondLst>
+                                        </p:cTn>
+                                        <p:tgtEl>
+                                          <p:spTgt spid="3">
+                                            <p:txEl>
+                                              <p:pRg st="2" end="2"/>
+                                            </p:txEl>
+                                          </p:spTgt>
+                                        </p:tgtEl>
+                                        <p:attrNameLst>
+                                          <p:attrName>style.visibility</p:attrName>
+                                        </p:attrNameLst>
+                                      </p:cBhvr>
+                                      <p:to>
+                                        <p:strVal val="visible"/>
+                                      </p:to>
+                                    </p:set>
+                                    <p:animEffect transition="in" filter="fade">
+                                      <p:cBhvr>
+                                        <p:cTn id="13" dur="500"/>
+                                        <p:tgtEl>
+                                          <p:spTgt spid="3">
+                                            <p:txEl>
+                                              <p:pRg st="2" end="2"/>
+                                            </p:txEl>
+                                          </p:spTgt>
+                                        </p:tgtEl>
+                                      </p:cBhvr>
+                                    </p:animEffect>
+                                  </p:childTnLst>
+                                </p:cTn>
+                              </p:par>
+                              <p:par>
+                                <p:cTn id="14" presetID="10" presetClass="entr" presetSubtype="0" fill="hold" grpId="0" nodeType="withEffect">
+                                  <p:stCondLst>
+                                    <p:cond delay="0"/>
+                                  </p:stCondLst>
+                                  <p:childTnLst>
+                                    <p:set>
+                                      <p:cBhvr>
+                                        <p:cTn id="15" dur="1" fill="hold">
+                                          <p:stCondLst>
+                                            <p:cond delay="0"/>
+                                          </p:stCondLst>
+                                        </p:cTn>
+                                        <p:tgtEl>
+                                          <p:spTgt spid="3">
+                                            <p:txEl>
+                                              <p:pRg st="3" end="3"/>
+                                            </p:txEl>
+                                          </p:spTgt>
+                                        </p:tgtEl>
+                                        <p:attrNameLst>
+                                          <p:attrName>style.visibility</p:attrName>
+                                        </p:attrNameLst>
+                                      </p:cBhvr>
+                                      <p:to>
+                                        <p:strVal val="visible"/>
+                                      </p:to>
+                                    </p:set>
+                                    <p:animEffect transition="in" filter="fade">
+                                      <p:cBhvr>
+                                        <p:cTn id="16" dur="500"/>
+                                        <p:tgtEl>
+                                          <p:spTgt spid="3">
+                                            <p:txEl>
+                                              <p:pRg st="3" end="3"/>
+                                            </p:txEl>
+                                          </p:spTgt>
+                                        </p:tgtEl>
+                                      </p:cBhvr>
+                                    </p:animEffect>
+                                  </p:childTnLst>
+                                </p:cTn>
+                              </p:par>
+                              <p:par>
+                                <p:cTn id="17" presetID="10" presetClass="entr" presetSubtype="0" fill="hold" grpId="0" nodeType="withEffect">
+                                  <p:stCondLst>
+                                    <p:cond delay="0"/>
+                                  </p:stCondLst>
+                                  <p:childTnLst>
+                                    <p:set>
+                                      <p:cBhvr>
+                                        <p:cTn id="18" dur="1" fill="hold">
+                                          <p:stCondLst>
+                                            <p:cond delay="0"/>
+                                          </p:stCondLst>
+                                        </p:cTn>
+                                        <p:tgtEl>
+                                          <p:spTgt spid="3">
+                                            <p:txEl>
+                                              <p:pRg st="4" end="4"/>
+                                            </p:txEl>
+                                          </p:spTgt>
+                                        </p:tgtEl>
+                                        <p:attrNameLst>
+                                          <p:attrName>style.visibility</p:attrName>
+                                        </p:attrNameLst>
+                                      </p:cBhvr>
+                                      <p:to>
+                                        <p:strVal val="visible"/>
+                                      </p:to>
+                                    </p:set>
+                                    <p:animEffect transition="in" filter="fade">
+                                      <p:cBhvr>
+                                        <p:cTn id="19" dur="500"/>
+                                        <p:tgtEl>
+                                          <p:spTgt spid="3">
+                                            <p:txEl>
+                                              <p:pRg st="4" end="4"/>
+                                            </p:txEl>
+                                          </p:spTgt>
+                                        </p:tgtEl>
+                                      </p:cBhvr>
+                                    </p:animEffect>
+                                  </p:childTnLst>
+                                </p:cTn>
+                              </p:par>
+                              <p:par>
+                                <p:cTn id="20" presetID="10" presetClass="entr" presetSubtype="0" fill="hold" grpId="0" nodeType="withEffect">
+                                  <p:stCondLst>
+                                    <p:cond delay="0"/>
+                                  </p:stCondLst>
+                                  <p:childTnLst>
+                                    <p:set>
+                                      <p:cBhvr>
+                                        <p:cTn id="21" dur="1" fill="hold">
+                                          <p:stCondLst>
+                                            <p:cond delay="0"/>
+                                          </p:stCondLst>
+                                        </p:cTn>
+                                        <p:tgtEl>
+                                          <p:spTgt spid="3">
+                                            <p:txEl>
+                                              <p:pRg st="5" end="5"/>
+                                            </p:txEl>
+                                          </p:spTgt>
+                                        </p:tgtEl>
+                                        <p:attrNameLst>
+                                          <p:attrName>style.visibility</p:attrName>
+                                        </p:attrNameLst>
+                                      </p:cBhvr>
+                                      <p:to>
+                                        <p:strVal val="visible"/>
+                                      </p:to>
+                                    </p:set>
+                                    <p:animEffect transition="in" filter="fade">
+                                      <p:cBhvr>
+                                        <p:cTn id="22" dur="500"/>
+                                        <p:tgtEl>
+                                          <p:spTgt spid="3">
+                                            <p:txEl>
+                                              <p:pRg st="5" end="5"/>
+                                            </p:txEl>
+                                          </p:spTgt>
+                                        </p:tgtEl>
+                                      </p:cBhvr>
+                                    </p:animEffect>
+                                  </p:childTnLst>
+                                </p:cTn>
+                              </p:par>
+                            </p:childTnLst>
+                          </p:cTn>
+                        </p:par>
+                      </p:childTnLst>
+                    </p:cTn>
+                  </p:par>
+                  <p:par>
+                    <p:cTn id="23" fill="hold">
+                      <p:stCondLst>
+                        <p:cond delay="indefinite"/>
+                      </p:stCondLst>
+                      <p:childTnLst>
+                        <p:par>
+                          <p:cTn id="24" fill="hold">
+                            <p:stCondLst>
+                              <p:cond delay="0"/>
+                            </p:stCondLst>
+                            <p:childTnLst>
+                              <p:par>
+                                <p:cTn id="25" presetID="10" presetClass="entr" presetSubtype="0" fill="hold" grpId="0" nodeType="clickEffect">
+                                  <p:stCondLst>
+                                    <p:cond delay="0"/>
+                                  </p:stCondLst>
+                                  <p:childTnLst>
+                                    <p:set>
+                                      <p:cBhvr>
+                                        <p:cTn id="26" dur="1" fill="hold">
+                                          <p:stCondLst>
+                                            <p:cond delay="0"/>
+                                          </p:stCondLst>
+                                        </p:cTn>
+                                        <p:tgtEl>
+                                          <p:spTgt spid="6"/>
+                                        </p:tgtEl>
+                                        <p:attrNameLst>
+                                          <p:attrName>style.visibility</p:attrName>
+                                        </p:attrNameLst>
+                                      </p:cBhvr>
+                                      <p:to>
+                                        <p:strVal val="visible"/>
+                                      </p:to>
+                                    </p:set>
+                                    <p:animEffect transition="in" filter="fade">
+                                      <p:cBhvr>
+                                        <p:cTn id="27" dur="500"/>
+                                        <p:tgtEl>
+                                          <p:spTgt spid="6"/>
+                                        </p:tgtEl>
+                                      </p:cBhvr>
+                                    </p:animEffect>
+                                  </p:childTnLst>
+                                </p:cTn>
+                              </p:par>
+                            </p:childTnLst>
+                          </p:cTn>
+                        </p:par>
+                      </p:childTnLst>
+                    </p:cTn>
+                  </p:par>
+                </p:childTnLst>
+              </p:cTn>
+              <p:prevCondLst>
+                <p:cond evt="onPrev" delay="0">
+                  <p:tgtEl>
+                    <p:sldTgt/>
+                  </p:tgtEl>
+                </p:cond>
+              </p:prevCondLst>
+              <p:nextCondLst>
+                <p:cond evt="onNext" delay="0">
+                  <p:tgtEl>
+                    <p:sldTgt/>
+                  </p:tgtEl>
+                </p:cond>
+              </p:nextCondLst>
+            </p:seq>
+          </p:childTnLst>
+        </p:cTn>
+      </p:par>
+    </p:tnLst>
+    <p:bldLst>
+      <p:bldP spid="3" grpId="0" build="allAtOnce"/>
+      <p:bldP spid="6" grpId="0"/>
+    </p:bldLst>
+  </p:timing>
+</p:sld>
+</file>
+
+<file path=ppt/slides/slide13.xml><?xml version="1.0" encoding="utf-8"?>
+<p:sld xmlns:a="http://schemas.openxmlformats.org/drawingml/2006/main" xmlns:r="http://schemas.openxmlformats.org/officeDocument/2006/relationships" xmlns:p="http://schemas.openxmlformats.org/presentationml/2006/main">
+  <p:cSld>
+    <p:spTree>
+      <p:nvGrpSpPr>
+        <p:cNvPr id="1" name=""/>
+        <p:cNvGrpSpPr/>
+        <p:nvPr/>
+      </p:nvGrpSpPr>
+      <p:grpSpPr>
+        <a:xfrm>
+          <a:off x="0" y="0"/>
+          <a:ext cx="0" cy="0"/>
+          <a:chOff x="0" y="0"/>
+          <a:chExt cx="0" cy="0"/>
+        </a:xfrm>
+      </p:grpSpPr>
+      <p:sp>
+        <p:nvSpPr>
+          <p:cNvPr id="2" name="Title 1"/>
+          <p:cNvSpPr>
+            <a:spLocks noGrp="1"/>
+          </p:cNvSpPr>
+          <p:nvPr>
+            <p:ph type="title"/>
+          </p:nvPr>
+        </p:nvSpPr>
+        <p:spPr/>
+        <p:txBody>
+          <a:bodyPr/>
+          <a:lstStyle/>
+          <a:p>
+            <a:r>
+              <a:rPr lang="en-GB" dirty="0"/>
+              <a:t>Threatening patents – Gripping device for gripping objects</a:t>
+            </a:r>
+          </a:p>
+        </p:txBody>
+      </p:sp>
+      <p:sp>
+        <p:nvSpPr>
+          <p:cNvPr id="3" name="Content Placeholder 2"/>
+          <p:cNvSpPr>
+            <a:spLocks noGrp="1"/>
+          </p:cNvSpPr>
+          <p:nvPr>
+            <p:ph idx="1"/>
+          </p:nvPr>
+        </p:nvSpPr>
+        <p:spPr>
+          <a:xfrm>
+            <a:off x="838200" y="1825625"/>
+            <a:ext cx="5985294" cy="4351338"/>
+          </a:xfrm>
+        </p:spPr>
+        <p:txBody>
+          <a:bodyPr/>
+          <a:lstStyle/>
+          <a:p>
+            <a:r>
+              <a:rPr lang="en-GB" dirty="0"/>
+              <a:t>Claim</a:t>
+            </a:r>
+          </a:p>
+          <a:p>
+            <a:pPr lvl="1"/>
+            <a:r>
+              <a:rPr lang="en-GB" dirty="0"/>
+              <a:t>Minimum of two gripping units</a:t>
+            </a:r>
+          </a:p>
+          <a:p>
+            <a:pPr lvl="1"/>
+            <a:r>
+              <a:rPr lang="en-GB" dirty="0"/>
+              <a:t>Movable between open and gripping position</a:t>
+            </a:r>
+          </a:p>
+          <a:p>
+            <a:pPr lvl="1"/>
+            <a:r>
+              <a:rPr lang="en-GB" dirty="0"/>
+              <a:t>Individual drive of each gripping unit</a:t>
+            </a:r>
+          </a:p>
+          <a:p>
+            <a:pPr lvl="1"/>
+            <a:r>
+              <a:rPr lang="en-GB" dirty="0"/>
+              <a:t>Releasable mounting of each gripping unit</a:t>
+            </a:r>
+          </a:p>
+        </p:txBody>
+      </p:sp>
+      <p:pic>
+        <p:nvPicPr>
+          <p:cNvPr id="4" name="Picture 3"/>
+          <p:cNvPicPr>
+            <a:picLocks noChangeAspect="1"/>
+          </p:cNvPicPr>
+          <p:nvPr/>
+        </p:nvPicPr>
+        <p:blipFill>
+          <a:blip r:embed="rId2"/>
+          <a:stretch>
+            <a:fillRect/>
+          </a:stretch>
+        </p:blipFill>
+        <p:spPr>
+          <a:xfrm>
+            <a:off x="6573329" y="2082904"/>
+            <a:ext cx="2505974" cy="3490280"/>
+          </a:xfrm>
+          <a:prstGeom prst="rect">
+            <a:avLst/>
+          </a:prstGeom>
+        </p:spPr>
+      </p:pic>
+      <p:pic>
+        <p:nvPicPr>
+          <p:cNvPr id="5" name="Picture 4"/>
+          <p:cNvPicPr>
+            <a:picLocks noChangeAspect="1"/>
+          </p:cNvPicPr>
+          <p:nvPr/>
+        </p:nvPicPr>
+        <p:blipFill>
+          <a:blip r:embed="rId3"/>
+          <a:stretch>
+            <a:fillRect/>
+          </a:stretch>
+        </p:blipFill>
+        <p:spPr>
+          <a:xfrm>
+            <a:off x="8813321" y="1247655"/>
+            <a:ext cx="2776550" cy="3330887"/>
+          </a:xfrm>
+          <a:prstGeom prst="rect">
+            <a:avLst/>
+          </a:prstGeom>
+        </p:spPr>
+      </p:pic>
+      <p:pic>
+        <p:nvPicPr>
+          <p:cNvPr id="6" name="Picture 5"/>
+          <p:cNvPicPr>
+            <a:picLocks noChangeAspect="1"/>
+          </p:cNvPicPr>
+          <p:nvPr/>
+        </p:nvPicPr>
+        <p:blipFill>
+          <a:blip r:embed="rId4"/>
+          <a:stretch>
+            <a:fillRect/>
+          </a:stretch>
+        </p:blipFill>
+        <p:spPr>
+          <a:xfrm>
+            <a:off x="8813321" y="4209694"/>
+            <a:ext cx="2354961" cy="2502756"/>
+          </a:xfrm>
+          <a:prstGeom prst="rect">
+            <a:avLst/>
+          </a:prstGeom>
+        </p:spPr>
+      </p:pic>
+    </p:spTree>
+    <p:extLst>
+      <p:ext uri="{BB962C8B-B14F-4D97-AF65-F5344CB8AC3E}">
+        <p14:creationId xmlns:p14="http://schemas.microsoft.com/office/powerpoint/2010/main" val="2677521897"/>
+      </p:ext>
+    </p:extLst>
+  </p:cSld>
+  <p:clrMapOvr>
+    <a:masterClrMapping/>
+  </p:clrMapOvr>
+  <mc:AlternateContent xmlns:mc="http://schemas.openxmlformats.org/markup-compatibility/2006" xmlns:p14="http://schemas.microsoft.com/office/powerpoint/2010/main">
+    <mc:Choice Requires="p14">
+      <p:transition spd="med" p14:dur="700">
+        <p:fade/>
+      </p:transition>
+    </mc:Choice>
+    <mc:Fallback xmlns="">
+      <p:transition spd="med">
+        <p:fade/>
+      </p:transition>
+    </mc:Fallback>
+  </mc:AlternateContent>
+  <p:timing>
+    <p:tnLst>
+      <p:par>
+        <p:cTn id="1" dur="indefinite" restart="never" nodeType="tmRoot">
+          <p:childTnLst>
+            <p:seq concurrent="1" nextAc="seek">
+              <p:cTn id="2" dur="indefinite" nodeType="mainSeq">
+                <p:childTnLst>
+                  <p:par>
+                    <p:cTn id="3" fill="hold">
+                      <p:stCondLst>
+                        <p:cond delay="indefinite"/>
+                      </p:stCondLst>
+                      <p:childTnLst>
+                        <p:par>
+                          <p:cTn id="4" fill="hold">
+                            <p:stCondLst>
+                              <p:cond delay="0"/>
+                            </p:stCondLst>
+                            <p:childTnLst>
+                              <p:par>
+                                <p:cTn id="5" presetID="10" presetClass="entr" presetSubtype="0" fill="hold" grpId="0" nodeType="clickEffect">
+                                  <p:stCondLst>
+                                    <p:cond delay="0"/>
+                                  </p:stCondLst>
+                                  <p:childTnLst>
+                                    <p:set>
+                                      <p:cBhvr>
+                                        <p:cTn id="6" dur="1" fill="hold">
+                                          <p:stCondLst>
+                                            <p:cond delay="0"/>
+                                          </p:stCondLst>
+                                        </p:cTn>
+                                        <p:tgtEl>
+                                          <p:spTgt spid="3">
+                                            <p:txEl>
+                                              <p:pRg st="0" end="0"/>
+                                            </p:txEl>
+                                          </p:spTgt>
+                                        </p:tgtEl>
+                                        <p:attrNameLst>
+                                          <p:attrName>style.visibility</p:attrName>
+                                        </p:attrNameLst>
+                                      </p:cBhvr>
+                                      <p:to>
+                                        <p:strVal val="visible"/>
+                                      </p:to>
+                                    </p:set>
+                                    <p:animEffect transition="in" filter="fade">
+                                      <p:cBhvr>
+                                        <p:cTn id="7" dur="500"/>
+                                        <p:tgtEl>
+                                          <p:spTgt spid="3">
+                                            <p:txEl>
+                                              <p:pRg st="0" end="0"/>
+                                            </p:txEl>
+                                          </p:spTgt>
+                                        </p:tgtEl>
+                                      </p:cBhvr>
+                                    </p:animEffect>
+                                  </p:childTnLst>
+                                </p:cTn>
+                              </p:par>
+                              <p:par>
+                                <p:cTn id="8" presetID="10" presetClass="entr" presetSubtype="0" fill="hold" grpId="0" nodeType="withEffect">
+                                  <p:stCondLst>
+                                    <p:cond delay="0"/>
+                                  </p:stCondLst>
+                                  <p:childTnLst>
+                                    <p:set>
+                                      <p:cBhvr>
+                                        <p:cTn id="9" dur="1" fill="hold">
+                                          <p:stCondLst>
+                                            <p:cond delay="0"/>
+                                          </p:stCondLst>
+                                        </p:cTn>
+                                        <p:tgtEl>
+                                          <p:spTgt spid="3">
+                                            <p:txEl>
+                                              <p:pRg st="1" end="1"/>
+                                            </p:txEl>
+                                          </p:spTgt>
+                                        </p:tgtEl>
+                                        <p:attrNameLst>
+                                          <p:attrName>style.visibility</p:attrName>
+                                        </p:attrNameLst>
+                                      </p:cBhvr>
+                                      <p:to>
+                                        <p:strVal val="visible"/>
+                                      </p:to>
+                                    </p:set>
+                                    <p:animEffect transition="in" filter="fade">
+                                      <p:cBhvr>
+                                        <p:cTn id="10" dur="500"/>
+                                        <p:tgtEl>
+                                          <p:spTgt spid="3">
+                                            <p:txEl>
+                                              <p:pRg st="1" end="1"/>
+                                            </p:txEl>
+                                          </p:spTgt>
+                                        </p:tgtEl>
+                                      </p:cBhvr>
+                                    </p:animEffect>
+                                  </p:childTnLst>
+                                </p:cTn>
+                              </p:par>
+                              <p:par>
+                                <p:cTn id="11" presetID="10" presetClass="entr" presetSubtype="0" fill="hold" grpId="0" nodeType="withEffect">
+                                  <p:stCondLst>
+                                    <p:cond delay="0"/>
+                                  </p:stCondLst>
+                                  <p:childTnLst>
+                                    <p:set>
+                                      <p:cBhvr>
+                                        <p:cTn id="12" dur="1" fill="hold">
+                                          <p:stCondLst>
+                                            <p:cond delay="0"/>
+                                          </p:stCondLst>
+                                        </p:cTn>
+                                        <p:tgtEl>
+                                          <p:spTgt spid="3">
+                                            <p:txEl>
+                                              <p:pRg st="2" end="2"/>
+                                            </p:txEl>
+                                          </p:spTgt>
+                                        </p:tgtEl>
+                                        <p:attrNameLst>
+                                          <p:attrName>style.visibility</p:attrName>
+                                        </p:attrNameLst>
+                                      </p:cBhvr>
+                                      <p:to>
+                                        <p:strVal val="visible"/>
+                                      </p:to>
+                                    </p:set>
+                                    <p:animEffect transition="in" filter="fade">
+                                      <p:cBhvr>
+                                        <p:cTn id="13" dur="500"/>
+                                        <p:tgtEl>
+                                          <p:spTgt spid="3">
+                                            <p:txEl>
+                                              <p:pRg st="2" end="2"/>
+                                            </p:txEl>
+                                          </p:spTgt>
+                                        </p:tgtEl>
+                                      </p:cBhvr>
+                                    </p:animEffect>
+                                  </p:childTnLst>
+                                </p:cTn>
+                              </p:par>
+                              <p:par>
+                                <p:cTn id="14" presetID="10" presetClass="entr" presetSubtype="0" fill="hold" grpId="0" nodeType="withEffect">
+                                  <p:stCondLst>
+                                    <p:cond delay="0"/>
+                                  </p:stCondLst>
+                                  <p:childTnLst>
+                                    <p:set>
+                                      <p:cBhvr>
+                                        <p:cTn id="15" dur="1" fill="hold">
+                                          <p:stCondLst>
+                                            <p:cond delay="0"/>
+                                          </p:stCondLst>
+                                        </p:cTn>
+                                        <p:tgtEl>
+                                          <p:spTgt spid="3">
+                                            <p:txEl>
+                                              <p:pRg st="3" end="3"/>
+                                            </p:txEl>
+                                          </p:spTgt>
+                                        </p:tgtEl>
+                                        <p:attrNameLst>
+                                          <p:attrName>style.visibility</p:attrName>
+                                        </p:attrNameLst>
+                                      </p:cBhvr>
+                                      <p:to>
+                                        <p:strVal val="visible"/>
+                                      </p:to>
+                                    </p:set>
+                                    <p:animEffect transition="in" filter="fade">
+                                      <p:cBhvr>
+                                        <p:cTn id="16" dur="500"/>
+                                        <p:tgtEl>
+                                          <p:spTgt spid="3">
+                                            <p:txEl>
+                                              <p:pRg st="3" end="3"/>
+                                            </p:txEl>
+                                          </p:spTgt>
+                                        </p:tgtEl>
+                                      </p:cBhvr>
+                                    </p:animEffect>
+                                  </p:childTnLst>
+                                </p:cTn>
+                              </p:par>
+                              <p:par>
+                                <p:cTn id="17" presetID="10" presetClass="entr" presetSubtype="0" fill="hold" grpId="0" nodeType="withEffect">
+                                  <p:stCondLst>
+                                    <p:cond delay="0"/>
+                                  </p:stCondLst>
+                                  <p:childTnLst>
+                                    <p:set>
+                                      <p:cBhvr>
+                                        <p:cTn id="18" dur="1" fill="hold">
+                                          <p:stCondLst>
+                                            <p:cond delay="0"/>
+                                          </p:stCondLst>
+                                        </p:cTn>
+                                        <p:tgtEl>
+                                          <p:spTgt spid="3">
+                                            <p:txEl>
+                                              <p:pRg st="4" end="4"/>
+                                            </p:txEl>
+                                          </p:spTgt>
+                                        </p:tgtEl>
+                                        <p:attrNameLst>
+                                          <p:attrName>style.visibility</p:attrName>
+                                        </p:attrNameLst>
+                                      </p:cBhvr>
+                                      <p:to>
+                                        <p:strVal val="visible"/>
+                                      </p:to>
+                                    </p:set>
+                                    <p:animEffect transition="in" filter="fade">
+                                      <p:cBhvr>
+                                        <p:cTn id="19" dur="500"/>
+                                        <p:tgtEl>
+                                          <p:spTgt spid="3">
+                                            <p:txEl>
+                                              <p:pRg st="4" end="4"/>
+                                            </p:txEl>
+                                          </p:spTgt>
+                                        </p:tgtEl>
+                                      </p:cBhvr>
+                                    </p:animEffect>
+                                  </p:childTnLst>
+                                </p:cTn>
+                              </p:par>
+                            </p:childTnLst>
+                          </p:cTn>
+                        </p:par>
+                        <p:par>
+                          <p:cTn id="20" fill="hold">
+                            <p:stCondLst>
+                              <p:cond delay="500"/>
+                            </p:stCondLst>
+                            <p:childTnLst>
+                              <p:par>
+                                <p:cTn id="21" presetID="10" presetClass="entr" presetSubtype="0" fill="hold" nodeType="afterEffect">
+                                  <p:stCondLst>
+                                    <p:cond delay="0"/>
+                                  </p:stCondLst>
+                                  <p:childTnLst>
+                                    <p:set>
+                                      <p:cBhvr>
+                                        <p:cTn id="22" dur="1" fill="hold">
+                                          <p:stCondLst>
+                                            <p:cond delay="0"/>
+                                          </p:stCondLst>
+                                        </p:cTn>
+                                        <p:tgtEl>
+                                          <p:spTgt spid="4"/>
+                                        </p:tgtEl>
+                                        <p:attrNameLst>
+                                          <p:attrName>style.visibility</p:attrName>
+                                        </p:attrNameLst>
+                                      </p:cBhvr>
+                                      <p:to>
+                                        <p:strVal val="visible"/>
+                                      </p:to>
+                                    </p:set>
+                                    <p:animEffect transition="in" filter="fade">
+                                      <p:cBhvr>
+                                        <p:cTn id="23" dur="500"/>
+                                        <p:tgtEl>
+                                          <p:spTgt spid="4"/>
+                                        </p:tgtEl>
+                                      </p:cBhvr>
+                                    </p:animEffect>
+                                  </p:childTnLst>
+                                </p:cTn>
+                              </p:par>
+                            </p:childTnLst>
+                          </p:cTn>
+                        </p:par>
+                        <p:par>
+                          <p:cTn id="24" fill="hold">
+                            <p:stCondLst>
+                              <p:cond delay="1000"/>
+                            </p:stCondLst>
+                            <p:childTnLst>
+                              <p:par>
+                                <p:cTn id="25" presetID="10" presetClass="entr" presetSubtype="0" fill="hold" nodeType="afterEffect">
+                                  <p:stCondLst>
+                                    <p:cond delay="0"/>
+                                  </p:stCondLst>
+                                  <p:childTnLst>
+                                    <p:set>
+                                      <p:cBhvr>
+                                        <p:cTn id="26" dur="1" fill="hold">
+                                          <p:stCondLst>
+                                            <p:cond delay="0"/>
+                                          </p:stCondLst>
+                                        </p:cTn>
+                                        <p:tgtEl>
+                                          <p:spTgt spid="5"/>
+                                        </p:tgtEl>
+                                        <p:attrNameLst>
+                                          <p:attrName>style.visibility</p:attrName>
+                                        </p:attrNameLst>
+                                      </p:cBhvr>
+                                      <p:to>
+                                        <p:strVal val="visible"/>
+                                      </p:to>
+                                    </p:set>
+                                    <p:animEffect transition="in" filter="fade">
+                                      <p:cBhvr>
+                                        <p:cTn id="27" dur="500"/>
+                                        <p:tgtEl>
+                                          <p:spTgt spid="5"/>
+                                        </p:tgtEl>
+                                      </p:cBhvr>
+                                    </p:animEffect>
+                                  </p:childTnLst>
+                                </p:cTn>
+                              </p:par>
+                            </p:childTnLst>
+                          </p:cTn>
+                        </p:par>
+                        <p:par>
+                          <p:cTn id="28" fill="hold">
+                            <p:stCondLst>
+                              <p:cond delay="1500"/>
+                            </p:stCondLst>
+                            <p:childTnLst>
+                              <p:par>
+                                <p:cTn id="29" presetID="10" presetClass="entr" presetSubtype="0" fill="hold" nodeType="afterEffect">
+                                  <p:stCondLst>
+                                    <p:cond delay="0"/>
+                                  </p:stCondLst>
+                                  <p:childTnLst>
+                                    <p:set>
+                                      <p:cBhvr>
+                                        <p:cTn id="30" dur="1" fill="hold">
+                                          <p:stCondLst>
+                                            <p:cond delay="0"/>
+                                          </p:stCondLst>
+                                        </p:cTn>
+                                        <p:tgtEl>
+                                          <p:spTgt spid="6"/>
+                                        </p:tgtEl>
+                                        <p:attrNameLst>
+                                          <p:attrName>style.visibility</p:attrName>
+                                        </p:attrNameLst>
+                                      </p:cBhvr>
+                                      <p:to>
+                                        <p:strVal val="visible"/>
+                                      </p:to>
+                                    </p:set>
+                                    <p:animEffect transition="in" filter="fade">
+                                      <p:cBhvr>
+                                        <p:cTn id="31" dur="500"/>
+                                        <p:tgtEl>
+                                          <p:spTgt spid="6"/>
+                                        </p:tgtEl>
+                                      </p:cBhvr>
+                                    </p:animEffect>
+                                  </p:childTnLst>
+                                </p:cTn>
+                              </p:par>
+                            </p:childTnLst>
+                          </p:cTn>
+                        </p:par>
+                      </p:childTnLst>
+                    </p:cTn>
+                  </p:par>
+                </p:childTnLst>
+              </p:cTn>
+              <p:prevCondLst>
+                <p:cond evt="onPrev" delay="0">
+                  <p:tgtEl>
+                    <p:sldTgt/>
+                  </p:tgtEl>
+                </p:cond>
+              </p:prevCondLst>
+              <p:nextCondLst>
+                <p:cond evt="onNext" delay="0">
+                  <p:tgtEl>
+                    <p:sldTgt/>
+                  </p:tgtEl>
+                </p:cond>
+              </p:nextCondLst>
+            </p:seq>
+          </p:childTnLst>
+        </p:cTn>
+      </p:par>
+    </p:tnLst>
+    <p:bldLst>
+      <p:bldP spid="3" grpId="0" build="p"/>
+    </p:bldLst>
+  </p:timing>
+</p:sld>
+</file>
+
+<file path=ppt/slides/slide14.xml><?xml version="1.0" encoding="utf-8"?>
+<p:sld xmlns:a="http://schemas.openxmlformats.org/drawingml/2006/main" xmlns:r="http://schemas.openxmlformats.org/officeDocument/2006/relationships" xmlns:p="http://schemas.openxmlformats.org/presentationml/2006/main">
+  <p:cSld>
+    <p:spTree>
+      <p:nvGrpSpPr>
+        <p:cNvPr id="1" name=""/>
+        <p:cNvGrpSpPr/>
+        <p:nvPr/>
+      </p:nvGrpSpPr>
+      <p:grpSpPr>
+        <a:xfrm>
+          <a:off x="0" y="0"/>
+          <a:ext cx="0" cy="0"/>
+          <a:chOff x="0" y="0"/>
+          <a:chExt cx="0" cy="0"/>
+        </a:xfrm>
+      </p:grpSpPr>
+      <p:sp>
+        <p:nvSpPr>
+          <p:cNvPr id="2" name="Title 1"/>
+          <p:cNvSpPr>
+            <a:spLocks noGrp="1"/>
+          </p:cNvSpPr>
+          <p:nvPr>
+            <p:ph type="title"/>
+          </p:nvPr>
+        </p:nvSpPr>
+        <p:spPr/>
+        <p:txBody>
+          <a:bodyPr>
+            <a:normAutofit/>
+          </a:bodyPr>
+          <a:lstStyle/>
+          <a:p>
+            <a:r>
+              <a:rPr lang="en-GB" dirty="0"/>
+              <a:t>Simultaneous Localisation and Mapping for a mobile robot</a:t>
+            </a:r>
+          </a:p>
+        </p:txBody>
+      </p:sp>
+      <p:sp>
+        <p:nvSpPr>
+          <p:cNvPr id="3" name="Content Placeholder 2"/>
+          <p:cNvSpPr>
+            <a:spLocks noGrp="1"/>
+          </p:cNvSpPr>
+          <p:nvPr>
+            <p:ph idx="1"/>
+          </p:nvPr>
+        </p:nvSpPr>
+        <p:spPr>
+          <a:xfrm>
+            <a:off x="590357" y="1724041"/>
+            <a:ext cx="3496803" cy="4351338"/>
+          </a:xfrm>
+        </p:spPr>
+        <p:txBody>
+          <a:bodyPr>
+            <a:normAutofit/>
+          </a:bodyPr>
+          <a:lstStyle/>
+          <a:p>
+            <a:r>
+              <a:rPr lang="en-GB" dirty="0"/>
+              <a:t>Patent describes Monte Carlo localisation</a:t>
+            </a:r>
+          </a:p>
+          <a:p>
+            <a:r>
+              <a:rPr lang="en-GB" dirty="0"/>
+              <a:t>Specifically mentions 3D point cloud</a:t>
+            </a:r>
+          </a:p>
+          <a:p>
+            <a:pPr lvl="1"/>
+            <a:r>
+              <a:rPr lang="en-GB" sz="2000" dirty="0"/>
+              <a:t>“receiving sensor data of a scene about the robot, the sensor data comprising a three-dimensional point cloud;”</a:t>
+            </a:r>
+          </a:p>
+          <a:p>
+            <a:pPr lvl="1"/>
+            <a:endParaRPr lang="en-GB" sz="1200" dirty="0"/>
+          </a:p>
+        </p:txBody>
+      </p:sp>
+      <p:pic>
+        <p:nvPicPr>
+          <p:cNvPr id="7" name="Picture 6"/>
+          <p:cNvPicPr>
+            <a:picLocks noChangeAspect="1"/>
+          </p:cNvPicPr>
+          <p:nvPr/>
+        </p:nvPicPr>
+        <p:blipFill>
+          <a:blip r:embed="rId2"/>
+          <a:stretch>
+            <a:fillRect/>
+          </a:stretch>
+        </p:blipFill>
+        <p:spPr>
+          <a:xfrm>
+            <a:off x="4151974" y="1413191"/>
+            <a:ext cx="3681813" cy="5141875"/>
+          </a:xfrm>
+          <a:prstGeom prst="rect">
+            <a:avLst/>
+          </a:prstGeom>
+        </p:spPr>
+      </p:pic>
+      <p:pic>
+        <p:nvPicPr>
+          <p:cNvPr id="6" name="Picture 5"/>
+          <p:cNvPicPr>
+            <a:picLocks noChangeAspect="1"/>
+          </p:cNvPicPr>
+          <p:nvPr/>
+        </p:nvPicPr>
+        <p:blipFill rotWithShape="1">
+          <a:blip r:embed="rId3"/>
+          <a:srcRect t="8435"/>
+          <a:stretch/>
+        </p:blipFill>
+        <p:spPr>
+          <a:xfrm rot="5400000">
+            <a:off x="7582350" y="1940235"/>
+            <a:ext cx="4484749" cy="3852246"/>
+          </a:xfrm>
+          <a:prstGeom prst="rect">
+            <a:avLst/>
+          </a:prstGeom>
+        </p:spPr>
+      </p:pic>
+    </p:spTree>
+    <p:extLst>
+      <p:ext uri="{BB962C8B-B14F-4D97-AF65-F5344CB8AC3E}">
+        <p14:creationId xmlns:p14="http://schemas.microsoft.com/office/powerpoint/2010/main" val="3866342178"/>
+      </p:ext>
+    </p:extLst>
+  </p:cSld>
+  <p:clrMapOvr>
+    <a:masterClrMapping/>
+  </p:clrMapOvr>
+  <mc:AlternateContent xmlns:mc="http://schemas.openxmlformats.org/markup-compatibility/2006" xmlns:p14="http://schemas.microsoft.com/office/powerpoint/2010/main">
+    <mc:Choice Requires="p14">
+      <p:transition spd="med" p14:dur="700">
+        <p:fade/>
+      </p:transition>
+    </mc:Choice>
+    <mc:Fallback xmlns="">
+      <p:transition spd="med">
+        <p:fade/>
+      </p:transition>
+    </mc:Fallback>
+  </mc:AlternateContent>
+  <p:timing>
+    <p:tnLst>
+      <p:par>
+        <p:cTn id="1" dur="indefinite" restart="never" nodeType="tmRoot">
+          <p:childTnLst>
+            <p:seq concurrent="1" nextAc="seek">
+              <p:cTn id="2" dur="indefinite" nodeType="mainSeq">
+                <p:childTnLst>
+                  <p:par>
+                    <p:cTn id="3" fill="hold">
+                      <p:stCondLst>
+                        <p:cond delay="indefinite"/>
+                      </p:stCondLst>
+                      <p:childTnLst>
+                        <p:par>
+                          <p:cTn id="4" fill="hold">
+                            <p:stCondLst>
+                              <p:cond delay="0"/>
+                            </p:stCondLst>
+                            <p:childTnLst>
+                              <p:par>
+                                <p:cTn id="5" presetID="2" presetClass="entr" presetSubtype="8" fill="hold" grpId="0" nodeType="clickEffect">
+                                  <p:stCondLst>
+                                    <p:cond delay="0"/>
+                                  </p:stCondLst>
+                                  <p:childTnLst>
+                                    <p:set>
+                                      <p:cBhvr>
+                                        <p:cTn id="6" dur="1" fill="hold">
+                                          <p:stCondLst>
+                                            <p:cond delay="0"/>
+                                          </p:stCondLst>
+                                        </p:cTn>
+                                        <p:tgtEl>
+                                          <p:spTgt spid="3">
+                                            <p:txEl>
+                                              <p:pRg st="0" end="0"/>
+                                            </p:txEl>
+                                          </p:spTgt>
+                                        </p:tgtEl>
+                                        <p:attrNameLst>
+                                          <p:attrName>style.visibility</p:attrName>
+                                        </p:attrNameLst>
+                                      </p:cBhvr>
+                                      <p:to>
+                                        <p:strVal val="visible"/>
+                                      </p:to>
+                                    </p:set>
+                                    <p:anim calcmode="lin" valueType="num">
+                                      <p:cBhvr additive="base">
+                                        <p:cTn id="7" dur="500" fill="hold"/>
+                                        <p:tgtEl>
+                                          <p:spTgt spid="3">
+                                            <p:txEl>
+                                              <p:pRg st="0" end="0"/>
+                                            </p:txEl>
+                                          </p:spTgt>
+                                        </p:tgtEl>
+                                        <p:attrNameLst>
+                                          <p:attrName>ppt_x</p:attrName>
+                                        </p:attrNameLst>
+                                      </p:cBhvr>
+                                      <p:tavLst>
+                                        <p:tav tm="0">
+                                          <p:val>
+                                            <p:strVal val="0-#ppt_w/2"/>
+                                          </p:val>
+                                        </p:tav>
+                                        <p:tav tm="100000">
+                                          <p:val>
+                                            <p:strVal val="#ppt_x"/>
+                                          </p:val>
+                                        </p:tav>
+                                      </p:tavLst>
+                                    </p:anim>
+                                    <p:anim calcmode="lin" valueType="num">
+                                      <p:cBhvr additive="base">
+                                        <p:cTn id="8" dur="500" fill="hold"/>
+                                        <p:tgtEl>
+                                          <p:spTgt spid="3">
+                                            <p:txEl>
+                                              <p:pRg st="0" end="0"/>
+                                            </p:txEl>
+                                          </p:spTgt>
+                                        </p:tgtEl>
+                                        <p:attrNameLst>
+                                          <p:attrName>ppt_y</p:attrName>
+                                        </p:attrNameLst>
+                                      </p:cBhvr>
+                                      <p:tavLst>
+                                        <p:tav tm="0">
+                                          <p:val>
+                                            <p:strVal val="#ppt_y"/>
+                                          </p:val>
+                                        </p:tav>
+                                        <p:tav tm="100000">
+                                          <p:val>
+                                            <p:strVal val="#ppt_y"/>
+                                          </p:val>
+                                        </p:tav>
+                                      </p:tavLst>
+                                    </p:anim>
+                                  </p:childTnLst>
+                                </p:cTn>
+                              </p:par>
+                              <p:par>
+                                <p:cTn id="9" presetID="2" presetClass="entr" presetSubtype="8" fill="hold" grpId="0" nodeType="withEffect">
+                                  <p:stCondLst>
+                                    <p:cond delay="0"/>
+                                  </p:stCondLst>
+                                  <p:childTnLst>
+                                    <p:set>
+                                      <p:cBhvr>
+                                        <p:cTn id="10" dur="1" fill="hold">
+                                          <p:stCondLst>
+                                            <p:cond delay="0"/>
+                                          </p:stCondLst>
+                                        </p:cTn>
+                                        <p:tgtEl>
+                                          <p:spTgt spid="3">
+                                            <p:txEl>
+                                              <p:pRg st="1" end="1"/>
+                                            </p:txEl>
+                                          </p:spTgt>
+                                        </p:tgtEl>
+                                        <p:attrNameLst>
+                                          <p:attrName>style.visibility</p:attrName>
+                                        </p:attrNameLst>
+                                      </p:cBhvr>
+                                      <p:to>
+                                        <p:strVal val="visible"/>
+                                      </p:to>
+                                    </p:set>
+                                    <p:anim calcmode="lin" valueType="num">
+                                      <p:cBhvr additive="base">
+                                        <p:cTn id="11" dur="500" fill="hold"/>
+                                        <p:tgtEl>
+                                          <p:spTgt spid="3">
+                                            <p:txEl>
+                                              <p:pRg st="1" end="1"/>
+                                            </p:txEl>
+                                          </p:spTgt>
+                                        </p:tgtEl>
+                                        <p:attrNameLst>
+                                          <p:attrName>ppt_x</p:attrName>
+                                        </p:attrNameLst>
+                                      </p:cBhvr>
+                                      <p:tavLst>
+                                        <p:tav tm="0">
+                                          <p:val>
+                                            <p:strVal val="0-#ppt_w/2"/>
+                                          </p:val>
+                                        </p:tav>
+                                        <p:tav tm="100000">
+                                          <p:val>
+                                            <p:strVal val="#ppt_x"/>
+                                          </p:val>
+                                        </p:tav>
+                                      </p:tavLst>
+                                    </p:anim>
+                                    <p:anim calcmode="lin" valueType="num">
+                                      <p:cBhvr additive="base">
+                                        <p:cTn id="12" dur="500" fill="hold"/>
+                                        <p:tgtEl>
+                                          <p:spTgt spid="3">
+                                            <p:txEl>
+                                              <p:pRg st="1" end="1"/>
+                                            </p:txEl>
+                                          </p:spTgt>
+                                        </p:tgtEl>
+                                        <p:attrNameLst>
+                                          <p:attrName>ppt_y</p:attrName>
+                                        </p:attrNameLst>
+                                      </p:cBhvr>
+                                      <p:tavLst>
+                                        <p:tav tm="0">
+                                          <p:val>
+                                            <p:strVal val="#ppt_y"/>
+                                          </p:val>
+                                        </p:tav>
+                                        <p:tav tm="100000">
+                                          <p:val>
+                                            <p:strVal val="#ppt_y"/>
+                                          </p:val>
+                                        </p:tav>
+                                      </p:tavLst>
+                                    </p:anim>
+                                  </p:childTnLst>
+                                </p:cTn>
+                              </p:par>
+                              <p:par>
+                                <p:cTn id="13" presetID="2" presetClass="entr" presetSubtype="8" fill="hold" grpId="0" nodeType="withEffect">
+                                  <p:stCondLst>
+                                    <p:cond delay="0"/>
+                                  </p:stCondLst>
+                                  <p:childTnLst>
+                                    <p:set>
+                                      <p:cBhvr>
+                                        <p:cTn id="14" dur="1" fill="hold">
+                                          <p:stCondLst>
+                                            <p:cond delay="0"/>
+                                          </p:stCondLst>
+                                        </p:cTn>
+                                        <p:tgtEl>
+                                          <p:spTgt spid="3">
+                                            <p:txEl>
+                                              <p:pRg st="2" end="2"/>
+                                            </p:txEl>
+                                          </p:spTgt>
+                                        </p:tgtEl>
+                                        <p:attrNameLst>
+                                          <p:attrName>style.visibility</p:attrName>
+                                        </p:attrNameLst>
+                                      </p:cBhvr>
+                                      <p:to>
+                                        <p:strVal val="visible"/>
+                                      </p:to>
+                                    </p:set>
+                                    <p:anim calcmode="lin" valueType="num">
+                                      <p:cBhvr additive="base">
+                                        <p:cTn id="15" dur="500" fill="hold"/>
+                                        <p:tgtEl>
+                                          <p:spTgt spid="3">
+                                            <p:txEl>
+                                              <p:pRg st="2" end="2"/>
+                                            </p:txEl>
+                                          </p:spTgt>
+                                        </p:tgtEl>
+                                        <p:attrNameLst>
+                                          <p:attrName>ppt_x</p:attrName>
+                                        </p:attrNameLst>
+                                      </p:cBhvr>
+                                      <p:tavLst>
+                                        <p:tav tm="0">
+                                          <p:val>
+                                            <p:strVal val="0-#ppt_w/2"/>
+                                          </p:val>
+                                        </p:tav>
+                                        <p:tav tm="100000">
+                                          <p:val>
+                                            <p:strVal val="#ppt_x"/>
+                                          </p:val>
+                                        </p:tav>
+                                      </p:tavLst>
+                                    </p:anim>
+                                    <p:anim calcmode="lin" valueType="num">
+                                      <p:cBhvr additive="base">
+                                        <p:cTn id="16" dur="500" fill="hold"/>
+                                        <p:tgtEl>
+                                          <p:spTgt spid="3">
+                                            <p:txEl>
+                                              <p:pRg st="2" end="2"/>
+                                            </p:txEl>
+                                          </p:spTgt>
+                                        </p:tgtEl>
+                                        <p:attrNameLst>
+                                          <p:attrName>ppt_y</p:attrName>
+                                        </p:attrNameLst>
+                                      </p:cBhvr>
+                                      <p:tavLst>
+                                        <p:tav tm="0">
+                                          <p:val>
+                                            <p:strVal val="#ppt_y"/>
+                                          </p:val>
+                                        </p:tav>
+                                        <p:tav tm="100000">
+                                          <p:val>
+                                            <p:strVal val="#ppt_y"/>
+                                          </p:val>
+                                        </p:tav>
+                                      </p:tavLst>
+                                    </p:anim>
+                                  </p:childTnLst>
+                                </p:cTn>
+                              </p:par>
+                            </p:childTnLst>
+                          </p:cTn>
+                        </p:par>
+                        <p:par>
+                          <p:cTn id="17" fill="hold">
+                            <p:stCondLst>
+                              <p:cond delay="500"/>
+                            </p:stCondLst>
+                            <p:childTnLst>
+                              <p:par>
+                                <p:cTn id="18" presetID="2" presetClass="entr" presetSubtype="4" fill="hold" nodeType="afterEffect">
+                                  <p:stCondLst>
+                                    <p:cond delay="60"/>
+                                  </p:stCondLst>
+                                  <p:childTnLst>
+                                    <p:set>
+                                      <p:cBhvr>
+                                        <p:cTn id="19" dur="1" fill="hold">
+                                          <p:stCondLst>
+                                            <p:cond delay="0"/>
+                                          </p:stCondLst>
+                                        </p:cTn>
+                                        <p:tgtEl>
+                                          <p:spTgt spid="7"/>
+                                        </p:tgtEl>
+                                        <p:attrNameLst>
+                                          <p:attrName>style.visibility</p:attrName>
+                                        </p:attrNameLst>
+                                      </p:cBhvr>
+                                      <p:to>
+                                        <p:strVal val="visible"/>
+                                      </p:to>
+                                    </p:set>
+                                    <p:anim calcmode="lin" valueType="num">
+                                      <p:cBhvr additive="base">
+                                        <p:cTn id="20" dur="500" fill="hold"/>
+                                        <p:tgtEl>
+                                          <p:spTgt spid="7"/>
+                                        </p:tgtEl>
+                                        <p:attrNameLst>
+                                          <p:attrName>ppt_x</p:attrName>
+                                        </p:attrNameLst>
+                                      </p:cBhvr>
+                                      <p:tavLst>
+                                        <p:tav tm="0">
+                                          <p:val>
+                                            <p:strVal val="#ppt_x"/>
+                                          </p:val>
+                                        </p:tav>
+                                        <p:tav tm="100000">
+                                          <p:val>
+                                            <p:strVal val="#ppt_x"/>
+                                          </p:val>
+                                        </p:tav>
+                                      </p:tavLst>
+                                    </p:anim>
+                                    <p:anim calcmode="lin" valueType="num">
+                                      <p:cBhvr additive="base">
+                                        <p:cTn id="21" dur="500" fill="hold"/>
+                                        <p:tgtEl>
+                                          <p:spTgt spid="7"/>
+                                        </p:tgtEl>
+                                        <p:attrNameLst>
+                                          <p:attrName>ppt_y</p:attrName>
+                                        </p:attrNameLst>
+                                      </p:cBhvr>
+                                      <p:tavLst>
+                                        <p:tav tm="0">
+                                          <p:val>
+                                            <p:strVal val="1+#ppt_h/2"/>
+                                          </p:val>
+                                        </p:tav>
+                                        <p:tav tm="100000">
+                                          <p:val>
+                                            <p:strVal val="#ppt_y"/>
+                                          </p:val>
+                                        </p:tav>
+                                      </p:tavLst>
+                                    </p:anim>
+                                  </p:childTnLst>
+                                </p:cTn>
+                              </p:par>
+                            </p:childTnLst>
+                          </p:cTn>
+                        </p:par>
+                        <p:par>
+                          <p:cTn id="22" fill="hold">
+                            <p:stCondLst>
+                              <p:cond delay="1060"/>
+                            </p:stCondLst>
+                            <p:childTnLst>
+                              <p:par>
+                                <p:cTn id="23" presetID="2" presetClass="entr" presetSubtype="2" fill="hold" nodeType="afterEffect">
+                                  <p:stCondLst>
+                                    <p:cond delay="60"/>
+                                  </p:stCondLst>
+                                  <p:childTnLst>
+                                    <p:set>
+                                      <p:cBhvr>
+                                        <p:cTn id="24" dur="1" fill="hold">
+                                          <p:stCondLst>
+                                            <p:cond delay="0"/>
+                                          </p:stCondLst>
+                                        </p:cTn>
+                                        <p:tgtEl>
+                                          <p:spTgt spid="6"/>
+                                        </p:tgtEl>
+                                        <p:attrNameLst>
+                                          <p:attrName>style.visibility</p:attrName>
+                                        </p:attrNameLst>
+                                      </p:cBhvr>
+                                      <p:to>
+                                        <p:strVal val="visible"/>
+                                      </p:to>
+                                    </p:set>
+                                    <p:anim calcmode="lin" valueType="num">
+                                      <p:cBhvr additive="base">
+                                        <p:cTn id="25" dur="500" fill="hold"/>
+                                        <p:tgtEl>
+                                          <p:spTgt spid="6"/>
+                                        </p:tgtEl>
+                                        <p:attrNameLst>
+                                          <p:attrName>ppt_x</p:attrName>
+                                        </p:attrNameLst>
+                                      </p:cBhvr>
+                                      <p:tavLst>
+                                        <p:tav tm="0">
+                                          <p:val>
+                                            <p:strVal val="1+#ppt_w/2"/>
+                                          </p:val>
+                                        </p:tav>
+                                        <p:tav tm="100000">
+                                          <p:val>
+                                            <p:strVal val="#ppt_x"/>
+                                          </p:val>
+                                        </p:tav>
+                                      </p:tavLst>
+                                    </p:anim>
+                                    <p:anim calcmode="lin" valueType="num">
+                                      <p:cBhvr additive="base">
+                                        <p:cTn id="26" dur="500" fill="hold"/>
+                                        <p:tgtEl>
+                                          <p:spTgt spid="6"/>
+                                        </p:tgtEl>
+                                        <p:attrNameLst>
+                                          <p:attrName>ppt_y</p:attrName>
+                                        </p:attrNameLst>
+                                      </p:cBhvr>
+                                      <p:tavLst>
+                                        <p:tav tm="0">
+                                          <p:val>
+                                            <p:strVal val="#ppt_y"/>
+                                          </p:val>
+                                        </p:tav>
+                                        <p:tav tm="100000">
+                                          <p:val>
+                                            <p:strVal val="#ppt_y"/>
+                                          </p:val>
+                                        </p:tav>
+                                      </p:tavLst>
+                                    </p:anim>
+                                  </p:childTnLst>
+                                </p:cTn>
+                              </p:par>
+                            </p:childTnLst>
+                          </p:cTn>
+                        </p:par>
+                      </p:childTnLst>
+                    </p:cTn>
+                  </p:par>
+                </p:childTnLst>
+              </p:cTn>
+              <p:prevCondLst>
+                <p:cond evt="onPrev" delay="0">
+                  <p:tgtEl>
+                    <p:sldTgt/>
+                  </p:tgtEl>
+                </p:cond>
+              </p:prevCondLst>
+              <p:nextCondLst>
+                <p:cond evt="onNext" delay="0">
+                  <p:tgtEl>
+                    <p:sldTgt/>
+                  </p:tgtEl>
+                </p:cond>
+              </p:nextCondLst>
+            </p:seq>
+          </p:childTnLst>
+        </p:cTn>
+      </p:par>
+    </p:tnLst>
+    <p:bldLst>
+      <p:bldP spid="3" grpId="0" build="allAtOnce"/>
+    </p:bldLst>
+  </p:timing>
+</p:sld>
+</file>
+
+<file path=ppt/slides/slide15.xml><?xml version="1.0" encoding="utf-8"?>
+<p:sld xmlns:a="http://schemas.openxmlformats.org/drawingml/2006/main" xmlns:r="http://schemas.openxmlformats.org/officeDocument/2006/relationships" xmlns:p="http://schemas.openxmlformats.org/presentationml/2006/main">
+  <p:cSld>
+    <p:spTree>
+      <p:nvGrpSpPr>
+        <p:cNvPr id="1" name=""/>
+        <p:cNvGrpSpPr/>
+        <p:nvPr/>
+      </p:nvGrpSpPr>
+      <p:grpSpPr>
+        <a:xfrm>
+          <a:off x="0" y="0"/>
+          <a:ext cx="0" cy="0"/>
+          <a:chOff x="0" y="0"/>
+          <a:chExt cx="0" cy="0"/>
+        </a:xfrm>
+      </p:grpSpPr>
+      <p:sp>
+        <p:nvSpPr>
+          <p:cNvPr id="2" name="Title 1"/>
+          <p:cNvSpPr>
+            <a:spLocks noGrp="1"/>
+          </p:cNvSpPr>
+          <p:nvPr>
+            <p:ph type="title"/>
+          </p:nvPr>
+        </p:nvSpPr>
+        <p:spPr/>
+        <p:txBody>
+          <a:bodyPr/>
+          <a:lstStyle/>
+          <a:p>
+            <a:r>
+              <a:rPr lang="en-GB" dirty="0"/>
+              <a:t>Impact on project</a:t>
+            </a:r>
+          </a:p>
+        </p:txBody>
+      </p:sp>
+      <p:sp>
+        <p:nvSpPr>
+          <p:cNvPr id="3" name="Content Placeholder 2"/>
+          <p:cNvSpPr>
+            <a:spLocks noGrp="1"/>
+          </p:cNvSpPr>
+          <p:nvPr>
+            <p:ph idx="1"/>
+          </p:nvPr>
+        </p:nvSpPr>
+        <p:spPr>
+          <a:xfrm>
+            <a:off x="838200" y="1825625"/>
+            <a:ext cx="10134600" cy="4351338"/>
+          </a:xfrm>
+        </p:spPr>
+        <p:txBody>
+          <a:bodyPr>
+            <a:normAutofit/>
+          </a:bodyPr>
+          <a:lstStyle/>
+          <a:p>
+            <a:r>
+              <a:rPr lang="en-GB" dirty="0"/>
+              <a:t>Gripper</a:t>
+            </a:r>
+          </a:p>
+          <a:p>
+            <a:pPr lvl="1"/>
+            <a:r>
+              <a:rPr lang="en-GB" dirty="0"/>
+              <a:t>Some claims may impact the use of the fin-ray finger design used in the gripper</a:t>
+            </a:r>
+          </a:p>
+          <a:p>
+            <a:pPr lvl="2"/>
+            <a:r>
+              <a:rPr lang="en-GB" dirty="0"/>
+              <a:t>“Removable gripping element” </a:t>
+            </a:r>
+          </a:p>
+          <a:p>
+            <a:pPr lvl="1"/>
+            <a:r>
+              <a:rPr lang="en-GB" dirty="0"/>
+              <a:t>Should these claims be unavoidable we may need to redesign the gripper</a:t>
+            </a:r>
+          </a:p>
+          <a:p>
+            <a:pPr lvl="2"/>
+            <a:r>
+              <a:rPr lang="en-GB" dirty="0"/>
+              <a:t>Possible use of ground coffee gripper design</a:t>
+            </a:r>
+          </a:p>
+          <a:p>
+            <a:pPr lvl="2"/>
+            <a:r>
+              <a:rPr lang="en-GB" dirty="0"/>
+              <a:t>Rigid designs may need to be explored</a:t>
+            </a:r>
+          </a:p>
+          <a:p>
+            <a:pPr lvl="2"/>
+            <a:endParaRPr lang="en-GB" sz="1200" dirty="0"/>
+          </a:p>
+          <a:p>
+            <a:r>
+              <a:rPr lang="en-GB" dirty="0"/>
+              <a:t>SLAM platform</a:t>
+            </a:r>
+          </a:p>
+          <a:p>
+            <a:pPr lvl="1"/>
+            <a:r>
+              <a:rPr lang="en-GB" dirty="0"/>
+              <a:t>“3D point cloud”</a:t>
+            </a:r>
+          </a:p>
+          <a:p>
+            <a:pPr lvl="1"/>
+            <a:r>
+              <a:rPr lang="en-GB" dirty="0"/>
+              <a:t>Does not affect use of 2D </a:t>
+            </a:r>
+            <a:r>
+              <a:rPr lang="en-GB" dirty="0" err="1"/>
+              <a:t>lidar</a:t>
+            </a:r>
+            <a:r>
+              <a:rPr lang="en-GB" dirty="0"/>
+              <a:t> however may limit use of visual slam </a:t>
+            </a:r>
+          </a:p>
+        </p:txBody>
+      </p:sp>
+    </p:spTree>
+    <p:extLst>
+      <p:ext uri="{BB962C8B-B14F-4D97-AF65-F5344CB8AC3E}">
+        <p14:creationId xmlns:p14="http://schemas.microsoft.com/office/powerpoint/2010/main" val="729408856"/>
+      </p:ext>
+    </p:extLst>
+  </p:cSld>
+  <p:clrMapOvr>
+    <a:masterClrMapping/>
+  </p:clrMapOvr>
+  <mc:AlternateContent xmlns:mc="http://schemas.openxmlformats.org/markup-compatibility/2006" xmlns:p14="http://schemas.microsoft.com/office/powerpoint/2010/main">
+    <mc:Choice Requires="p14">
+      <p:transition spd="med" p14:dur="700">
+        <p:fade/>
+      </p:transition>
+    </mc:Choice>
+    <mc:Fallback xmlns="">
+      <p:transition spd="med">
+        <p:fade/>
+      </p:transition>
+    </mc:Fallback>
+  </mc:AlternateContent>
+  <p:timing>
+    <p:tnLst>
+      <p:par>
+        <p:cTn id="1" dur="indefinite" restart="never" nodeType="tmRoot">
+          <p:childTnLst>
+            <p:seq concurrent="1" nextAc="seek">
+              <p:cTn id="2" dur="indefinite" nodeType="mainSeq">
+                <p:childTnLst>
+                  <p:par>
+                    <p:cTn id="3" fill="hold">
+                      <p:stCondLst>
+                        <p:cond delay="indefinite"/>
+                      </p:stCondLst>
+                      <p:childTnLst>
+                        <p:par>
+                          <p:cTn id="4" fill="hold">
+                            <p:stCondLst>
+                              <p:cond delay="0"/>
+                            </p:stCondLst>
+                            <p:childTnLst>
+                              <p:par>
+                                <p:cTn id="5" presetID="2" presetClass="entr" presetSubtype="2" fill="hold" grpId="0" nodeType="clickEffect">
+                                  <p:stCondLst>
+                                    <p:cond delay="0"/>
+                                  </p:stCondLst>
+                                  <p:childTnLst>
+                                    <p:set>
+                                      <p:cBhvr>
+                                        <p:cTn id="6" dur="1" fill="hold">
+                                          <p:stCondLst>
+                                            <p:cond delay="0"/>
+                                          </p:stCondLst>
+                                        </p:cTn>
+                                        <p:tgtEl>
+                                          <p:spTgt spid="3">
+                                            <p:txEl>
+                                              <p:pRg st="0" end="0"/>
+                                            </p:txEl>
+                                          </p:spTgt>
+                                        </p:tgtEl>
+                                        <p:attrNameLst>
+                                          <p:attrName>style.visibility</p:attrName>
+                                        </p:attrNameLst>
+                                      </p:cBhvr>
+                                      <p:to>
+                                        <p:strVal val="visible"/>
+                                      </p:to>
+                                    </p:set>
+                                    <p:anim calcmode="lin" valueType="num">
+                                      <p:cBhvr additive="base">
+                                        <p:cTn id="7" dur="500" fill="hold"/>
+                                        <p:tgtEl>
+                                          <p:spTgt spid="3">
+                                            <p:txEl>
+                                              <p:pRg st="0" end="0"/>
+                                            </p:txEl>
+                                          </p:spTgt>
+                                        </p:tgtEl>
+                                        <p:attrNameLst>
+                                          <p:attrName>ppt_x</p:attrName>
+                                        </p:attrNameLst>
+                                      </p:cBhvr>
+                                      <p:tavLst>
+                                        <p:tav tm="0">
+                                          <p:val>
+                                            <p:strVal val="1+#ppt_w/2"/>
+                                          </p:val>
+                                        </p:tav>
+                                        <p:tav tm="100000">
+                                          <p:val>
+                                            <p:strVal val="#ppt_x"/>
+                                          </p:val>
+                                        </p:tav>
+                                      </p:tavLst>
+                                    </p:anim>
+                                    <p:anim calcmode="lin" valueType="num">
+                                      <p:cBhvr additive="base">
+                                        <p:cTn id="8" dur="500" fill="hold"/>
+                                        <p:tgtEl>
+                                          <p:spTgt spid="3">
+                                            <p:txEl>
+                                              <p:pRg st="0" end="0"/>
+                                            </p:txEl>
+                                          </p:spTgt>
+                                        </p:tgtEl>
+                                        <p:attrNameLst>
+                                          <p:attrName>ppt_y</p:attrName>
+                                        </p:attrNameLst>
+                                      </p:cBhvr>
+                                      <p:tavLst>
+                                        <p:tav tm="0">
+                                          <p:val>
+                                            <p:strVal val="#ppt_y"/>
+                                          </p:val>
+                                        </p:tav>
+                                        <p:tav tm="100000">
+                                          <p:val>
+                                            <p:strVal val="#ppt_y"/>
+                                          </p:val>
+                                        </p:tav>
+                                      </p:tavLst>
+                                    </p:anim>
+                                  </p:childTnLst>
+                                </p:cTn>
+                              </p:par>
+                              <p:par>
+                                <p:cTn id="9" presetID="2" presetClass="entr" presetSubtype="2" fill="hold" grpId="0" nodeType="withEffect">
+                                  <p:stCondLst>
+                                    <p:cond delay="0"/>
+                                  </p:stCondLst>
+                                  <p:childTnLst>
+                                    <p:set>
+                                      <p:cBhvr>
+                                        <p:cTn id="10" dur="1" fill="hold">
+                                          <p:stCondLst>
+                                            <p:cond delay="0"/>
+                                          </p:stCondLst>
+                                        </p:cTn>
+                                        <p:tgtEl>
+                                          <p:spTgt spid="3">
+                                            <p:txEl>
+                                              <p:pRg st="1" end="1"/>
+                                            </p:txEl>
+                                          </p:spTgt>
+                                        </p:tgtEl>
+                                        <p:attrNameLst>
+                                          <p:attrName>style.visibility</p:attrName>
+                                        </p:attrNameLst>
+                                      </p:cBhvr>
+                                      <p:to>
+                                        <p:strVal val="visible"/>
+                                      </p:to>
+                                    </p:set>
+                                    <p:anim calcmode="lin" valueType="num">
+                                      <p:cBhvr additive="base">
+                                        <p:cTn id="11" dur="500" fill="hold"/>
+                                        <p:tgtEl>
+                                          <p:spTgt spid="3">
+                                            <p:txEl>
+                                              <p:pRg st="1" end="1"/>
+                                            </p:txEl>
+                                          </p:spTgt>
+                                        </p:tgtEl>
+                                        <p:attrNameLst>
+                                          <p:attrName>ppt_x</p:attrName>
+                                        </p:attrNameLst>
+                                      </p:cBhvr>
+                                      <p:tavLst>
+                                        <p:tav tm="0">
+                                          <p:val>
+                                            <p:strVal val="1+#ppt_w/2"/>
+                                          </p:val>
+                                        </p:tav>
+                                        <p:tav tm="100000">
+                                          <p:val>
+                                            <p:strVal val="#ppt_x"/>
+                                          </p:val>
+                                        </p:tav>
+                                      </p:tavLst>
+                                    </p:anim>
+                                    <p:anim calcmode="lin" valueType="num">
+                                      <p:cBhvr additive="base">
+                                        <p:cTn id="12" dur="500" fill="hold"/>
+                                        <p:tgtEl>
+                                          <p:spTgt spid="3">
+                                            <p:txEl>
+                                              <p:pRg st="1" end="1"/>
+                                            </p:txEl>
+                                          </p:spTgt>
+                                        </p:tgtEl>
+                                        <p:attrNameLst>
+                                          <p:attrName>ppt_y</p:attrName>
+                                        </p:attrNameLst>
+                                      </p:cBhvr>
+                                      <p:tavLst>
+                                        <p:tav tm="0">
+                                          <p:val>
+                                            <p:strVal val="#ppt_y"/>
+                                          </p:val>
+                                        </p:tav>
+                                        <p:tav tm="100000">
+                                          <p:val>
+                                            <p:strVal val="#ppt_y"/>
+                                          </p:val>
+                                        </p:tav>
+                                      </p:tavLst>
+                                    </p:anim>
+                                  </p:childTnLst>
+                                </p:cTn>
+                              </p:par>
+                              <p:par>
+                                <p:cTn id="13" presetID="2" presetClass="entr" presetSubtype="2" fill="hold" grpId="0" nodeType="withEffect">
+                                  <p:stCondLst>
+                                    <p:cond delay="0"/>
+                                  </p:stCondLst>
+                                  <p:childTnLst>
+                                    <p:set>
+                                      <p:cBhvr>
+                                        <p:cTn id="14" dur="1" fill="hold">
+                                          <p:stCondLst>
+                                            <p:cond delay="0"/>
+                                          </p:stCondLst>
+                                        </p:cTn>
+                                        <p:tgtEl>
+                                          <p:spTgt spid="3">
+                                            <p:txEl>
+                                              <p:pRg st="2" end="2"/>
+                                            </p:txEl>
+                                          </p:spTgt>
+                                        </p:tgtEl>
+                                        <p:attrNameLst>
+                                          <p:attrName>style.visibility</p:attrName>
+                                        </p:attrNameLst>
+                                      </p:cBhvr>
+                                      <p:to>
+                                        <p:strVal val="visible"/>
+                                      </p:to>
+                                    </p:set>
+                                    <p:anim calcmode="lin" valueType="num">
+                                      <p:cBhvr additive="base">
+                                        <p:cTn id="15" dur="500" fill="hold"/>
+                                        <p:tgtEl>
+                                          <p:spTgt spid="3">
+                                            <p:txEl>
+                                              <p:pRg st="2" end="2"/>
+                                            </p:txEl>
+                                          </p:spTgt>
+                                        </p:tgtEl>
+                                        <p:attrNameLst>
+                                          <p:attrName>ppt_x</p:attrName>
+                                        </p:attrNameLst>
+                                      </p:cBhvr>
+                                      <p:tavLst>
+                                        <p:tav tm="0">
+                                          <p:val>
+                                            <p:strVal val="1+#ppt_w/2"/>
+                                          </p:val>
+                                        </p:tav>
+                                        <p:tav tm="100000">
+                                          <p:val>
+                                            <p:strVal val="#ppt_x"/>
+                                          </p:val>
+                                        </p:tav>
+                                      </p:tavLst>
+                                    </p:anim>
+                                    <p:anim calcmode="lin" valueType="num">
+                                      <p:cBhvr additive="base">
+                                        <p:cTn id="16" dur="500" fill="hold"/>
+                                        <p:tgtEl>
+                                          <p:spTgt spid="3">
+                                            <p:txEl>
+                                              <p:pRg st="2" end="2"/>
+                                            </p:txEl>
+                                          </p:spTgt>
+                                        </p:tgtEl>
+                                        <p:attrNameLst>
+                                          <p:attrName>ppt_y</p:attrName>
+                                        </p:attrNameLst>
+                                      </p:cBhvr>
+                                      <p:tavLst>
+                                        <p:tav tm="0">
+                                          <p:val>
+                                            <p:strVal val="#ppt_y"/>
+                                          </p:val>
+                                        </p:tav>
+                                        <p:tav tm="100000">
+                                          <p:val>
+                                            <p:strVal val="#ppt_y"/>
+                                          </p:val>
+                                        </p:tav>
+                                      </p:tavLst>
+                                    </p:anim>
+                                  </p:childTnLst>
+                                </p:cTn>
+                              </p:par>
+                              <p:par>
+                                <p:cTn id="17" presetID="2" presetClass="entr" presetSubtype="2" fill="hold" grpId="0" nodeType="withEffect">
+                                  <p:stCondLst>
+                                    <p:cond delay="0"/>
+                                  </p:stCondLst>
+                                  <p:childTnLst>
+                                    <p:set>
+                                      <p:cBhvr>
+                                        <p:cTn id="18" dur="1" fill="hold">
+                                          <p:stCondLst>
+                                            <p:cond delay="0"/>
+                                          </p:stCondLst>
+                                        </p:cTn>
+                                        <p:tgtEl>
+                                          <p:spTgt spid="3">
+                                            <p:txEl>
+                                              <p:pRg st="3" end="3"/>
+                                            </p:txEl>
+                                          </p:spTgt>
+                                        </p:tgtEl>
+                                        <p:attrNameLst>
+                                          <p:attrName>style.visibility</p:attrName>
+                                        </p:attrNameLst>
+                                      </p:cBhvr>
+                                      <p:to>
+                                        <p:strVal val="visible"/>
+                                      </p:to>
+                                    </p:set>
+                                    <p:anim calcmode="lin" valueType="num">
+                                      <p:cBhvr additive="base">
+                                        <p:cTn id="19" dur="500" fill="hold"/>
+                                        <p:tgtEl>
+                                          <p:spTgt spid="3">
+                                            <p:txEl>
+                                              <p:pRg st="3" end="3"/>
+                                            </p:txEl>
+                                          </p:spTgt>
+                                        </p:tgtEl>
+                                        <p:attrNameLst>
+                                          <p:attrName>ppt_x</p:attrName>
+                                        </p:attrNameLst>
+                                      </p:cBhvr>
+                                      <p:tavLst>
+                                        <p:tav tm="0">
+                                          <p:val>
+                                            <p:strVal val="1+#ppt_w/2"/>
+                                          </p:val>
+                                        </p:tav>
+                                        <p:tav tm="100000">
+                                          <p:val>
+                                            <p:strVal val="#ppt_x"/>
+                                          </p:val>
+                                        </p:tav>
+                                      </p:tavLst>
+                                    </p:anim>
+                                    <p:anim calcmode="lin" valueType="num">
+                                      <p:cBhvr additive="base">
+                                        <p:cTn id="20" dur="500" fill="hold"/>
+                                        <p:tgtEl>
+                                          <p:spTgt spid="3">
+                                            <p:txEl>
+                                              <p:pRg st="3" end="3"/>
+                                            </p:txEl>
+                                          </p:spTgt>
+                                        </p:tgtEl>
+                                        <p:attrNameLst>
+                                          <p:attrName>ppt_y</p:attrName>
+                                        </p:attrNameLst>
+                                      </p:cBhvr>
+                                      <p:tavLst>
+                                        <p:tav tm="0">
+                                          <p:val>
+                                            <p:strVal val="#ppt_y"/>
+                                          </p:val>
+                                        </p:tav>
+                                        <p:tav tm="100000">
+                                          <p:val>
+                                            <p:strVal val="#ppt_y"/>
+                                          </p:val>
+                                        </p:tav>
+                                      </p:tavLst>
+                                    </p:anim>
+                                  </p:childTnLst>
+                                </p:cTn>
+                              </p:par>
+                              <p:par>
+                                <p:cTn id="21" presetID="2" presetClass="entr" presetSubtype="2" fill="hold" grpId="0" nodeType="withEffect">
+                                  <p:stCondLst>
+                                    <p:cond delay="0"/>
+                                  </p:stCondLst>
+                                  <p:childTnLst>
+                                    <p:set>
+                                      <p:cBhvr>
+                                        <p:cTn id="22" dur="1" fill="hold">
+                                          <p:stCondLst>
+                                            <p:cond delay="0"/>
+                                          </p:stCondLst>
+                                        </p:cTn>
+                                        <p:tgtEl>
+                                          <p:spTgt spid="3">
+                                            <p:txEl>
+                                              <p:pRg st="4" end="4"/>
+                                            </p:txEl>
+                                          </p:spTgt>
+                                        </p:tgtEl>
+                                        <p:attrNameLst>
+                                          <p:attrName>style.visibility</p:attrName>
+                                        </p:attrNameLst>
+                                      </p:cBhvr>
+                                      <p:to>
+                                        <p:strVal val="visible"/>
+                                      </p:to>
+                                    </p:set>
+                                    <p:anim calcmode="lin" valueType="num">
+                                      <p:cBhvr additive="base">
+                                        <p:cTn id="23" dur="500" fill="hold"/>
+                                        <p:tgtEl>
+                                          <p:spTgt spid="3">
+                                            <p:txEl>
+                                              <p:pRg st="4" end="4"/>
+                                            </p:txEl>
+                                          </p:spTgt>
+                                        </p:tgtEl>
+                                        <p:attrNameLst>
+                                          <p:attrName>ppt_x</p:attrName>
+                                        </p:attrNameLst>
+                                      </p:cBhvr>
+                                      <p:tavLst>
+                                        <p:tav tm="0">
+                                          <p:val>
+                                            <p:strVal val="1+#ppt_w/2"/>
+                                          </p:val>
+                                        </p:tav>
+                                        <p:tav tm="100000">
+                                          <p:val>
+                                            <p:strVal val="#ppt_x"/>
+                                          </p:val>
+                                        </p:tav>
+                                      </p:tavLst>
+                                    </p:anim>
+                                    <p:anim calcmode="lin" valueType="num">
+                                      <p:cBhvr additive="base">
+                                        <p:cTn id="24" dur="500" fill="hold"/>
+                                        <p:tgtEl>
+                                          <p:spTgt spid="3">
+                                            <p:txEl>
+                                              <p:pRg st="4" end="4"/>
+                                            </p:txEl>
+                                          </p:spTgt>
+                                        </p:tgtEl>
+                                        <p:attrNameLst>
+                                          <p:attrName>ppt_y</p:attrName>
+                                        </p:attrNameLst>
+                                      </p:cBhvr>
+                                      <p:tavLst>
+                                        <p:tav tm="0">
+                                          <p:val>
+                                            <p:strVal val="#ppt_y"/>
+                                          </p:val>
+                                        </p:tav>
+                                        <p:tav tm="100000">
+                                          <p:val>
+                                            <p:strVal val="#ppt_y"/>
+                                          </p:val>
+                                        </p:tav>
+                                      </p:tavLst>
+                                    </p:anim>
+                                  </p:childTnLst>
+                                </p:cTn>
+                              </p:par>
+                              <p:par>
+                                <p:cTn id="25" presetID="2" presetClass="entr" presetSubtype="2" fill="hold" grpId="0" nodeType="withEffect">
+                                  <p:stCondLst>
+                                    <p:cond delay="0"/>
+                                  </p:stCondLst>
+                                  <p:childTnLst>
+                                    <p:set>
+                                      <p:cBhvr>
+                                        <p:cTn id="26" dur="1" fill="hold">
+                                          <p:stCondLst>
+                                            <p:cond delay="0"/>
+                                          </p:stCondLst>
+                                        </p:cTn>
+                                        <p:tgtEl>
+                                          <p:spTgt spid="3">
+                                            <p:txEl>
+                                              <p:pRg st="5" end="5"/>
+                                            </p:txEl>
+                                          </p:spTgt>
+                                        </p:tgtEl>
+                                        <p:attrNameLst>
+                                          <p:attrName>style.visibility</p:attrName>
+                                        </p:attrNameLst>
+                                      </p:cBhvr>
+                                      <p:to>
+                                        <p:strVal val="visible"/>
+                                      </p:to>
+                                    </p:set>
+                                    <p:anim calcmode="lin" valueType="num">
+                                      <p:cBhvr additive="base">
+                                        <p:cTn id="27" dur="500" fill="hold"/>
+                                        <p:tgtEl>
+                                          <p:spTgt spid="3">
+                                            <p:txEl>
+                                              <p:pRg st="5" end="5"/>
+                                            </p:txEl>
+                                          </p:spTgt>
+                                        </p:tgtEl>
+                                        <p:attrNameLst>
+                                          <p:attrName>ppt_x</p:attrName>
+                                        </p:attrNameLst>
+                                      </p:cBhvr>
+                                      <p:tavLst>
+                                        <p:tav tm="0">
+                                          <p:val>
+                                            <p:strVal val="1+#ppt_w/2"/>
+                                          </p:val>
+                                        </p:tav>
+                                        <p:tav tm="100000">
+                                          <p:val>
+                                            <p:strVal val="#ppt_x"/>
+                                          </p:val>
+                                        </p:tav>
+                                      </p:tavLst>
+                                    </p:anim>
+                                    <p:anim calcmode="lin" valueType="num">
+                                      <p:cBhvr additive="base">
+                                        <p:cTn id="28" dur="500" fill="hold"/>
+                                        <p:tgtEl>
+                                          <p:spTgt spid="3">
+                                            <p:txEl>
+                                              <p:pRg st="5" end="5"/>
+                                            </p:txEl>
+                                          </p:spTgt>
+                                        </p:tgtEl>
+                                        <p:attrNameLst>
+                                          <p:attrName>ppt_y</p:attrName>
+                                        </p:attrNameLst>
+                                      </p:cBhvr>
+                                      <p:tavLst>
+                                        <p:tav tm="0">
+                                          <p:val>
+                                            <p:strVal val="#ppt_y"/>
+                                          </p:val>
+                                        </p:tav>
+                                        <p:tav tm="100000">
+                                          <p:val>
+                                            <p:strVal val="#ppt_y"/>
+                                          </p:val>
+                                        </p:tav>
+                                      </p:tavLst>
+                                    </p:anim>
+                                  </p:childTnLst>
+                                </p:cTn>
+                              </p:par>
+                            </p:childTnLst>
+                          </p:cTn>
+                        </p:par>
+                      </p:childTnLst>
+                    </p:cTn>
+                  </p:par>
+                  <p:par>
+                    <p:cTn id="29" fill="hold">
+                      <p:stCondLst>
+                        <p:cond delay="indefinite"/>
+                      </p:stCondLst>
+                      <p:childTnLst>
+                        <p:par>
+                          <p:cTn id="30" fill="hold">
+                            <p:stCondLst>
+                              <p:cond delay="0"/>
+                            </p:stCondLst>
+                            <p:childTnLst>
+                              <p:par>
+                                <p:cTn id="31" presetID="2" presetClass="entr" presetSubtype="2" fill="hold" grpId="0" nodeType="clickEffect">
+                                  <p:stCondLst>
+                                    <p:cond delay="0"/>
+                                  </p:stCondLst>
+                                  <p:childTnLst>
+                                    <p:set>
+                                      <p:cBhvr>
+                                        <p:cTn id="32" dur="1" fill="hold">
+                                          <p:stCondLst>
+                                            <p:cond delay="0"/>
+                                          </p:stCondLst>
+                                        </p:cTn>
+                                        <p:tgtEl>
+                                          <p:spTgt spid="3">
+                                            <p:txEl>
+                                              <p:pRg st="7" end="7"/>
+                                            </p:txEl>
+                                          </p:spTgt>
+                                        </p:tgtEl>
+                                        <p:attrNameLst>
+                                          <p:attrName>style.visibility</p:attrName>
+                                        </p:attrNameLst>
+                                      </p:cBhvr>
+                                      <p:to>
+                                        <p:strVal val="visible"/>
+                                      </p:to>
+                                    </p:set>
+                                    <p:anim calcmode="lin" valueType="num">
+                                      <p:cBhvr additive="base">
+                                        <p:cTn id="33" dur="500" fill="hold"/>
+                                        <p:tgtEl>
+                                          <p:spTgt spid="3">
+                                            <p:txEl>
+                                              <p:pRg st="7" end="7"/>
+                                            </p:txEl>
+                                          </p:spTgt>
+                                        </p:tgtEl>
+                                        <p:attrNameLst>
+                                          <p:attrName>ppt_x</p:attrName>
+                                        </p:attrNameLst>
+                                      </p:cBhvr>
+                                      <p:tavLst>
+                                        <p:tav tm="0">
+                                          <p:val>
+                                            <p:strVal val="1+#ppt_w/2"/>
+                                          </p:val>
+                                        </p:tav>
+                                        <p:tav tm="100000">
+                                          <p:val>
+                                            <p:strVal val="#ppt_x"/>
+                                          </p:val>
+                                        </p:tav>
+                                      </p:tavLst>
+                                    </p:anim>
+                                    <p:anim calcmode="lin" valueType="num">
+                                      <p:cBhvr additive="base">
+                                        <p:cTn id="34" dur="500" fill="hold"/>
+                                        <p:tgtEl>
+                                          <p:spTgt spid="3">
+                                            <p:txEl>
+                                              <p:pRg st="7" end="7"/>
+                                            </p:txEl>
+                                          </p:spTgt>
+                                        </p:tgtEl>
+                                        <p:attrNameLst>
+                                          <p:attrName>ppt_y</p:attrName>
+                                        </p:attrNameLst>
+                                      </p:cBhvr>
+                                      <p:tavLst>
+                                        <p:tav tm="0">
+                                          <p:val>
+                                            <p:strVal val="#ppt_y"/>
+                                          </p:val>
+                                        </p:tav>
+                                        <p:tav tm="100000">
+                                          <p:val>
+                                            <p:strVal val="#ppt_y"/>
+                                          </p:val>
+                                        </p:tav>
+                                      </p:tavLst>
+                                    </p:anim>
+                                  </p:childTnLst>
+                                </p:cTn>
+                              </p:par>
+                              <p:par>
+                                <p:cTn id="35" presetID="2" presetClass="entr" presetSubtype="2" fill="hold" grpId="0" nodeType="withEffect">
+                                  <p:stCondLst>
+                                    <p:cond delay="0"/>
+                                  </p:stCondLst>
+                                  <p:childTnLst>
+                                    <p:set>
+                                      <p:cBhvr>
+                                        <p:cTn id="36" dur="1" fill="hold">
+                                          <p:stCondLst>
+                                            <p:cond delay="0"/>
+                                          </p:stCondLst>
+                                        </p:cTn>
+                                        <p:tgtEl>
+                                          <p:spTgt spid="3">
+                                            <p:txEl>
+                                              <p:pRg st="8" end="8"/>
+                                            </p:txEl>
+                                          </p:spTgt>
+                                        </p:tgtEl>
+                                        <p:attrNameLst>
+                                          <p:attrName>style.visibility</p:attrName>
+                                        </p:attrNameLst>
+                                      </p:cBhvr>
+                                      <p:to>
+                                        <p:strVal val="visible"/>
+                                      </p:to>
+                                    </p:set>
+                                    <p:anim calcmode="lin" valueType="num">
+                                      <p:cBhvr additive="base">
+                                        <p:cTn id="37" dur="500" fill="hold"/>
+                                        <p:tgtEl>
+                                          <p:spTgt spid="3">
+                                            <p:txEl>
+                                              <p:pRg st="8" end="8"/>
+                                            </p:txEl>
+                                          </p:spTgt>
+                                        </p:tgtEl>
+                                        <p:attrNameLst>
+                                          <p:attrName>ppt_x</p:attrName>
+                                        </p:attrNameLst>
+                                      </p:cBhvr>
+                                      <p:tavLst>
+                                        <p:tav tm="0">
+                                          <p:val>
+                                            <p:strVal val="1+#ppt_w/2"/>
+                                          </p:val>
+                                        </p:tav>
+                                        <p:tav tm="100000">
+                                          <p:val>
+                                            <p:strVal val="#ppt_x"/>
+                                          </p:val>
+                                        </p:tav>
+                                      </p:tavLst>
+                                    </p:anim>
+                                    <p:anim calcmode="lin" valueType="num">
+                                      <p:cBhvr additive="base">
+                                        <p:cTn id="38" dur="500" fill="hold"/>
+                                        <p:tgtEl>
+                                          <p:spTgt spid="3">
+                                            <p:txEl>
+                                              <p:pRg st="8" end="8"/>
+                                            </p:txEl>
+                                          </p:spTgt>
+                                        </p:tgtEl>
+                                        <p:attrNameLst>
+                                          <p:attrName>ppt_y</p:attrName>
+                                        </p:attrNameLst>
+                                      </p:cBhvr>
+                                      <p:tavLst>
+                                        <p:tav tm="0">
+                                          <p:val>
+                                            <p:strVal val="#ppt_y"/>
+                                          </p:val>
+                                        </p:tav>
+                                        <p:tav tm="100000">
+                                          <p:val>
+                                            <p:strVal val="#ppt_y"/>
+                                          </p:val>
+                                        </p:tav>
+                                      </p:tavLst>
+                                    </p:anim>
+                                  </p:childTnLst>
+                                </p:cTn>
+                              </p:par>
+                              <p:par>
+                                <p:cTn id="39" presetID="2" presetClass="entr" presetSubtype="2" fill="hold" grpId="0" nodeType="withEffect">
+                                  <p:stCondLst>
+                                    <p:cond delay="0"/>
+                                  </p:stCondLst>
+                                  <p:childTnLst>
+                                    <p:set>
+                                      <p:cBhvr>
+                                        <p:cTn id="40" dur="1" fill="hold">
+                                          <p:stCondLst>
+                                            <p:cond delay="0"/>
+                                          </p:stCondLst>
+                                        </p:cTn>
+                                        <p:tgtEl>
+                                          <p:spTgt spid="3">
+                                            <p:txEl>
+                                              <p:pRg st="9" end="9"/>
+                                            </p:txEl>
+                                          </p:spTgt>
+                                        </p:tgtEl>
+                                        <p:attrNameLst>
+                                          <p:attrName>style.visibility</p:attrName>
+                                        </p:attrNameLst>
+                                      </p:cBhvr>
+                                      <p:to>
+                                        <p:strVal val="visible"/>
+                                      </p:to>
+                                    </p:set>
+                                    <p:anim calcmode="lin" valueType="num">
+                                      <p:cBhvr additive="base">
+                                        <p:cTn id="41" dur="500" fill="hold"/>
+                                        <p:tgtEl>
+                                          <p:spTgt spid="3">
+                                            <p:txEl>
+                                              <p:pRg st="9" end="9"/>
+                                            </p:txEl>
+                                          </p:spTgt>
+                                        </p:tgtEl>
+                                        <p:attrNameLst>
+                                          <p:attrName>ppt_x</p:attrName>
+                                        </p:attrNameLst>
+                                      </p:cBhvr>
+                                      <p:tavLst>
+                                        <p:tav tm="0">
+                                          <p:val>
+                                            <p:strVal val="1+#ppt_w/2"/>
+                                          </p:val>
+                                        </p:tav>
+                                        <p:tav tm="100000">
+                                          <p:val>
+                                            <p:strVal val="#ppt_x"/>
+                                          </p:val>
+                                        </p:tav>
+                                      </p:tavLst>
+                                    </p:anim>
+                                    <p:anim calcmode="lin" valueType="num">
+                                      <p:cBhvr additive="base">
+                                        <p:cTn id="42" dur="500" fill="hold"/>
+                                        <p:tgtEl>
+                                          <p:spTgt spid="3">
+                                            <p:txEl>
+                                              <p:pRg st="9" end="9"/>
+                                            </p:txEl>
+                                          </p:spTgt>
+                                        </p:tgtEl>
+                                        <p:attrNameLst>
+                                          <p:attrName>ppt_y</p:attrName>
+                                        </p:attrNameLst>
+                                      </p:cBhvr>
+                                      <p:tavLst>
+                                        <p:tav tm="0">
+                                          <p:val>
+                                            <p:strVal val="#ppt_y"/>
+                                          </p:val>
+                                        </p:tav>
+                                        <p:tav tm="100000">
+                                          <p:val>
+                                            <p:strVal val="#ppt_y"/>
+                                          </p:val>
+                                        </p:tav>
+                                      </p:tavLst>
+                                    </p:anim>
+                                  </p:childTnLst>
+                                </p:cTn>
+                              </p:par>
+                            </p:childTnLst>
+                          </p:cTn>
+                        </p:par>
+                      </p:childTnLst>
+                    </p:cTn>
+                  </p:par>
+                </p:childTnLst>
+              </p:cTn>
+              <p:prevCondLst>
+                <p:cond evt="onPrev" delay="0">
+                  <p:tgtEl>
+                    <p:sldTgt/>
+                  </p:tgtEl>
+                </p:cond>
+              </p:prevCondLst>
+              <p:nextCondLst>
+                <p:cond evt="onNext" delay="0">
+                  <p:tgtEl>
+                    <p:sldTgt/>
+                  </p:tgtEl>
+                </p:cond>
+              </p:nextCondLst>
+            </p:seq>
+          </p:childTnLst>
+        </p:cTn>
+      </p:par>
+    </p:tnLst>
+    <p:bldLst>
+      <p:bldP spid="3" grpId="0" build="p"/>
+    </p:bldLst>
+  </p:timing>
+</p:sld>
+</file>
+
+<file path=ppt/slides/slide16.xml><?xml version="1.0" encoding="utf-8"?>
+<p:sld xmlns:a="http://schemas.openxmlformats.org/drawingml/2006/main" xmlns:r="http://schemas.openxmlformats.org/officeDocument/2006/relationships" xmlns:p="http://schemas.openxmlformats.org/presentationml/2006/main">
+  <p:cSld>
+    <p:spTree>
+      <p:nvGrpSpPr>
+        <p:cNvPr id="1" name=""/>
+        <p:cNvGrpSpPr/>
+        <p:nvPr/>
+      </p:nvGrpSpPr>
+      <p:grpSpPr>
+        <a:xfrm>
+          <a:off x="0" y="0"/>
+          <a:ext cx="0" cy="0"/>
+          <a:chOff x="0" y="0"/>
+          <a:chExt cx="0" cy="0"/>
+        </a:xfrm>
+      </p:grpSpPr>
+      <p:sp>
+        <p:nvSpPr>
+          <p:cNvPr id="2" name="Title 1">
+            <a:extLst>
+              <a:ext uri="{FF2B5EF4-FFF2-40B4-BE49-F238E27FC236}">
+                <a16:creationId xmlns:a16="http://schemas.microsoft.com/office/drawing/2014/main" id="{CA6FF18E-1A2D-44A8-8E74-B799C0EC6671}"/>
+              </a:ext>
+            </a:extLst>
+          </p:cNvPr>
+          <p:cNvSpPr>
+            <a:spLocks noGrp="1"/>
+          </p:cNvSpPr>
+          <p:nvPr>
+            <p:ph type="title"/>
+          </p:nvPr>
+        </p:nvSpPr>
+        <p:spPr>
+          <a:xfrm>
+            <a:off x="3015342" y="2005240"/>
+            <a:ext cx="5867400" cy="1325563"/>
+          </a:xfrm>
+        </p:spPr>
+        <p:txBody>
+          <a:bodyPr>
+            <a:normAutofit fontScale="90000"/>
+          </a:bodyPr>
+          <a:lstStyle/>
+          <a:p>
+            <a:pPr algn="ctr"/>
+            <a:r>
+              <a:rPr lang="en-GB" sz="9600" dirty="0"/>
+              <a:t>Thank you</a:t>
             </a:r>
           </a:p>
         </p:txBody>
@@ -4911,7 +9358,7 @@
           <p:cNvPr id="3" name="Content Placeholder 2">
             <a:extLst>
               <a:ext uri="{FF2B5EF4-FFF2-40B4-BE49-F238E27FC236}">
-                <a16:creationId xmlns:a16="http://schemas.microsoft.com/office/drawing/2014/main" id="{E238C237-7541-493C-A5D9-4D81305E8247}"/>
+                <a16:creationId xmlns:a16="http://schemas.microsoft.com/office/drawing/2014/main" id="{BC5C8B43-2C74-4180-A401-591C47348F99}"/>
               </a:ext>
             </a:extLst>
           </p:cNvPr>
@@ -4922,39 +9369,22 @@
             <p:ph idx="1"/>
           </p:nvPr>
         </p:nvSpPr>
-        <p:spPr/>
+        <p:spPr>
+          <a:xfrm>
+            <a:off x="4643663" y="3606528"/>
+            <a:ext cx="2610757" cy="660672"/>
+          </a:xfrm>
+        </p:spPr>
         <p:txBody>
           <a:bodyPr/>
           <a:lstStyle/>
           <a:p>
+            <a:pPr marL="0" indent="0" algn="ctr">
+              <a:buNone/>
+            </a:pPr>
             <a:r>
               <a:rPr lang="en-GB" dirty="0"/>
-              <a:t>Generalness regarding robotic systems:</a:t>
-            </a:r>
-          </a:p>
-          <a:p>
-            <a:pPr lvl="1"/>
-            <a:r>
-              <a:rPr lang="en-GB" dirty="0"/>
-              <a:t>All SLAM robots</a:t>
-            </a:r>
-          </a:p>
-          <a:p>
-            <a:pPr lvl="1"/>
-            <a:r>
-              <a:rPr lang="en-GB" dirty="0" err="1"/>
-              <a:t>Aquire</a:t>
-            </a:r>
-            <a:r>
-              <a:rPr lang="en-GB" dirty="0"/>
-              <a:t>, process, visualise</a:t>
-            </a:r>
-          </a:p>
-          <a:p>
-            <a:pPr lvl="1"/>
-            <a:r>
-              <a:rPr lang="en-GB" dirty="0"/>
-              <a:t>General Gripper</a:t>
+              <a:t>Any Questions?</a:t>
             </a:r>
           </a:p>
         </p:txBody>
@@ -4962,20 +9392,20 @@
     </p:spTree>
     <p:extLst>
       <p:ext uri="{BB962C8B-B14F-4D97-AF65-F5344CB8AC3E}">
-        <p14:creationId xmlns:p14="http://schemas.microsoft.com/office/powerpoint/2010/main" val="3761601783"/>
+        <p14:creationId xmlns:p14="http://schemas.microsoft.com/office/powerpoint/2010/main" val="2390337281"/>
       </p:ext>
     </p:extLst>
   </p:cSld>
   <p:clrMapOvr>
     <a:masterClrMapping/>
   </p:clrMapOvr>
-  <mc:AlternateContent xmlns:mc="http://schemas.openxmlformats.org/markup-compatibility/2006">
-    <mc:Choice xmlns:p14="http://schemas.microsoft.com/office/powerpoint/2010/main" Requires="p14">
+  <mc:AlternateContent xmlns:mc="http://schemas.openxmlformats.org/markup-compatibility/2006" xmlns:p14="http://schemas.microsoft.com/office/powerpoint/2010/main">
+    <mc:Choice Requires="p14">
       <p:transition spd="med" p14:dur="700">
         <p:fade/>
       </p:transition>
     </mc:Choice>
-    <mc:Fallback>
+    <mc:Fallback xmlns="">
       <p:transition spd="med">
         <p:fade/>
       </p:transition>
@@ -5103,13 +9533,13 @@
   <p:clrMapOvr>
     <a:masterClrMapping/>
   </p:clrMapOvr>
-  <mc:AlternateContent xmlns:mc="http://schemas.openxmlformats.org/markup-compatibility/2006">
-    <mc:Choice xmlns:p14="http://schemas.microsoft.com/office/powerpoint/2010/main" Requires="p14">
+  <mc:AlternateContent xmlns:mc="http://schemas.openxmlformats.org/markup-compatibility/2006" xmlns:p14="http://schemas.microsoft.com/office/powerpoint/2010/main">
+    <mc:Choice Requires="p14">
       <p:transition spd="med" p14:dur="700">
         <p:fade/>
       </p:transition>
     </mc:Choice>
-    <mc:Fallback>
+    <mc:Fallback xmlns="">
       <p:transition spd="med">
         <p:fade/>
       </p:transition>
@@ -5360,13 +9790,13 @@
   <p:clrMapOvr>
     <a:masterClrMapping/>
   </p:clrMapOvr>
-  <mc:AlternateContent xmlns:mc="http://schemas.openxmlformats.org/markup-compatibility/2006">
-    <mc:Choice xmlns:p14="http://schemas.microsoft.com/office/powerpoint/2010/main" Requires="p14">
+  <mc:AlternateContent xmlns:mc="http://schemas.openxmlformats.org/markup-compatibility/2006" xmlns:p14="http://schemas.microsoft.com/office/powerpoint/2010/main">
+    <mc:Choice Requires="p14">
       <p:transition spd="med" p14:dur="700">
         <p:fade/>
       </p:transition>
     </mc:Choice>
-    <mc:Fallback>
+    <mc:Fallback xmlns="">
       <p:transition spd="med">
         <p:fade/>
       </p:transition>
@@ -6176,13 +10606,13 @@
   <p:clrMapOvr>
     <a:masterClrMapping/>
   </p:clrMapOvr>
-  <mc:AlternateContent xmlns:mc="http://schemas.openxmlformats.org/markup-compatibility/2006">
-    <mc:Choice xmlns:p14="http://schemas.microsoft.com/office/powerpoint/2010/main" Requires="p14">
+  <mc:AlternateContent xmlns:mc="http://schemas.openxmlformats.org/markup-compatibility/2006" xmlns:p14="http://schemas.microsoft.com/office/powerpoint/2010/main">
+    <mc:Choice Requires="p14">
       <p:transition spd="med" p14:dur="700">
         <p:fade/>
       </p:transition>
     </mc:Choice>
-    <mc:Fallback>
+    <mc:Fallback xmlns="">
       <p:transition spd="med">
         <p:fade/>
       </p:transition>
@@ -6414,13 +10844,13 @@
   <p:clrMapOvr>
     <a:masterClrMapping/>
   </p:clrMapOvr>
-  <mc:AlternateContent xmlns:mc="http://schemas.openxmlformats.org/markup-compatibility/2006">
-    <mc:Choice xmlns:p14="http://schemas.microsoft.com/office/powerpoint/2010/main" Requires="p14">
+  <mc:AlternateContent xmlns:mc="http://schemas.openxmlformats.org/markup-compatibility/2006" xmlns:p14="http://schemas.microsoft.com/office/powerpoint/2010/main">
+    <mc:Choice Requires="p14">
       <p:transition spd="med" p14:dur="700">
         <p:fade/>
       </p:transition>
     </mc:Choice>
-    <mc:Fallback>
+    <mc:Fallback xmlns="">
       <p:transition spd="med">
         <p:fade/>
       </p:transition>
@@ -6911,13 +11341,13 @@
   <p:clrMapOvr>
     <a:masterClrMapping/>
   </p:clrMapOvr>
-  <mc:AlternateContent xmlns:mc="http://schemas.openxmlformats.org/markup-compatibility/2006">
-    <mc:Choice xmlns:p14="http://schemas.microsoft.com/office/powerpoint/2010/main" Requires="p14">
+  <mc:AlternateContent xmlns:mc="http://schemas.openxmlformats.org/markup-compatibility/2006" xmlns:p14="http://schemas.microsoft.com/office/powerpoint/2010/main">
+    <mc:Choice Requires="p14">
       <p:transition spd="med" p14:dur="700">
         <p:fade/>
       </p:transition>
     </mc:Choice>
-    <mc:Fallback>
+    <mc:Fallback xmlns="">
       <p:transition spd="med">
         <p:fade/>
       </p:transition>
@@ -7613,13 +12043,13 @@
   <p:clrMapOvr>
     <a:masterClrMapping/>
   </p:clrMapOvr>
-  <mc:AlternateContent xmlns:mc="http://schemas.openxmlformats.org/markup-compatibility/2006">
-    <mc:Choice xmlns:p14="http://schemas.microsoft.com/office/powerpoint/2010/main" Requires="p14">
+  <mc:AlternateContent xmlns:mc="http://schemas.openxmlformats.org/markup-compatibility/2006" xmlns:p14="http://schemas.microsoft.com/office/powerpoint/2010/main">
+    <mc:Choice Requires="p14">
       <p:transition spd="med" p14:dur="700">
         <p:fade/>
       </p:transition>
     </mc:Choice>
-    <mc:Fallback>
+    <mc:Fallback xmlns="">
       <p:transition spd="med">
         <p:fade/>
       </p:transition>
@@ -8910,13 +13340,13 @@
   <p:clrMapOvr>
     <a:masterClrMapping/>
   </p:clrMapOvr>
-  <mc:AlternateContent xmlns:mc="http://schemas.openxmlformats.org/markup-compatibility/2006">
-    <mc:Choice xmlns:p14="http://schemas.microsoft.com/office/powerpoint/2010/main" Requires="p14">
+  <mc:AlternateContent xmlns:mc="http://schemas.openxmlformats.org/markup-compatibility/2006" xmlns:p14="http://schemas.microsoft.com/office/powerpoint/2010/main">
+    <mc:Choice Requires="p14">
       <p:transition spd="med" p14:dur="700">
         <p:fade/>
       </p:transition>
     </mc:Choice>
-    <mc:Fallback>
+    <mc:Fallback xmlns="">
       <p:transition spd="med">
         <p:fade/>
       </p:transition>
@@ -9983,13 +14413,13 @@
   <p:clrMapOvr>
     <a:masterClrMapping/>
   </p:clrMapOvr>
-  <mc:AlternateContent xmlns:mc="http://schemas.openxmlformats.org/markup-compatibility/2006">
-    <mc:Choice xmlns:p14="http://schemas.microsoft.com/office/powerpoint/2010/main" Requires="p14">
+  <mc:AlternateContent xmlns:mc="http://schemas.openxmlformats.org/markup-compatibility/2006" xmlns:p14="http://schemas.microsoft.com/office/powerpoint/2010/main">
+    <mc:Choice Requires="p14">
       <p:transition spd="med" p14:dur="700">
         <p:fade/>
       </p:transition>
     </mc:Choice>
-    <mc:Fallback>
+    <mc:Fallback xmlns="">
       <p:transition spd="med">
         <p:fade/>
       </p:transition>
